--- a/presentations/Intro To Java Programming.pptx
+++ b/presentations/Intro To Java Programming.pptx
@@ -5,10 +5,10 @@
     <p:sldMasterId id="2147483648" r:id="rId1"/>
   </p:sldMasterIdLst>
   <p:notesMasterIdLst>
-    <p:notesMasterId r:id="rId41"/>
+    <p:notesMasterId r:id="rId45"/>
   </p:notesMasterIdLst>
   <p:handoutMasterIdLst>
-    <p:handoutMasterId r:id="rId42"/>
+    <p:handoutMasterId r:id="rId46"/>
   </p:handoutMasterIdLst>
   <p:sldIdLst>
     <p:sldId id="270" r:id="rId2"/>
@@ -26,30 +26,34 @@
     <p:sldId id="282" r:id="rId14"/>
     <p:sldId id="283" r:id="rId15"/>
     <p:sldId id="284" r:id="rId16"/>
-    <p:sldId id="285" r:id="rId17"/>
-    <p:sldId id="286" r:id="rId18"/>
-    <p:sldId id="287" r:id="rId19"/>
-    <p:sldId id="288" r:id="rId20"/>
-    <p:sldId id="289" r:id="rId21"/>
-    <p:sldId id="290" r:id="rId22"/>
-    <p:sldId id="291" r:id="rId23"/>
-    <p:sldId id="292" r:id="rId24"/>
-    <p:sldId id="293" r:id="rId25"/>
-    <p:sldId id="294" r:id="rId26"/>
-    <p:sldId id="295" r:id="rId27"/>
-    <p:sldId id="296" r:id="rId28"/>
-    <p:sldId id="297" r:id="rId29"/>
-    <p:sldId id="298" r:id="rId30"/>
-    <p:sldId id="299" r:id="rId31"/>
-    <p:sldId id="300" r:id="rId32"/>
-    <p:sldId id="301" r:id="rId33"/>
-    <p:sldId id="302" r:id="rId34"/>
-    <p:sldId id="303" r:id="rId35"/>
-    <p:sldId id="304" r:id="rId36"/>
-    <p:sldId id="305" r:id="rId37"/>
-    <p:sldId id="320" r:id="rId38"/>
-    <p:sldId id="321" r:id="rId39"/>
-    <p:sldId id="317" r:id="rId40"/>
+    <p:sldId id="292" r:id="rId17"/>
+    <p:sldId id="293" r:id="rId18"/>
+    <p:sldId id="285" r:id="rId19"/>
+    <p:sldId id="322" r:id="rId20"/>
+    <p:sldId id="323" r:id="rId21"/>
+    <p:sldId id="324" r:id="rId22"/>
+    <p:sldId id="286" r:id="rId23"/>
+    <p:sldId id="287" r:id="rId24"/>
+    <p:sldId id="288" r:id="rId25"/>
+    <p:sldId id="289" r:id="rId26"/>
+    <p:sldId id="290" r:id="rId27"/>
+    <p:sldId id="291" r:id="rId28"/>
+    <p:sldId id="294" r:id="rId29"/>
+    <p:sldId id="295" r:id="rId30"/>
+    <p:sldId id="296" r:id="rId31"/>
+    <p:sldId id="297" r:id="rId32"/>
+    <p:sldId id="298" r:id="rId33"/>
+    <p:sldId id="299" r:id="rId34"/>
+    <p:sldId id="300" r:id="rId35"/>
+    <p:sldId id="301" r:id="rId36"/>
+    <p:sldId id="302" r:id="rId37"/>
+    <p:sldId id="303" r:id="rId38"/>
+    <p:sldId id="304" r:id="rId39"/>
+    <p:sldId id="305" r:id="rId40"/>
+    <p:sldId id="320" r:id="rId41"/>
+    <p:sldId id="321" r:id="rId42"/>
+    <p:sldId id="317" r:id="rId43"/>
+    <p:sldId id="325" r:id="rId44"/>
   </p:sldIdLst>
   <p:sldSz cx="9144000" cy="6858000" type="letter"/>
   <p:notesSz cx="7010400" cy="9296400"/>
@@ -333,7 +337,7 @@
           <a:p>
             <a:fld id="{8E20AE77-6706-49F8-8E11-B5B8FB42BA60}" type="datetimeFigureOut">
               <a:rPr lang="en-US" smtClean="0"/>
-              <a:t>8/12/2015</a:t>
+              <a:t>9/22/2015</a:t>
             </a:fld>
             <a:endParaRPr lang="en-US" dirty="0"/>
           </a:p>
@@ -5504,7 +5508,7 @@
           <a:p>
             <a:fld id="{74557482-FCAC-4089-9C87-FC67AD71D6F0}" type="datetime1">
               <a:rPr lang="en-US" smtClean="0"/>
-              <a:t>8/12/2015</a:t>
+              <a:t>9/22/2015</a:t>
             </a:fld>
             <a:endParaRPr lang="en-US"/>
           </a:p>
@@ -5769,7 +5773,7 @@
           <a:p>
             <a:fld id="{358C83D8-BD0A-48FA-87B7-43026485A8C9}" type="datetime1">
               <a:rPr lang="en-US" smtClean="0"/>
-              <a:t>8/12/2015</a:t>
+              <a:t>9/22/2015</a:t>
             </a:fld>
             <a:endParaRPr lang="en-US"/>
           </a:p>
@@ -8899,7 +8903,7 @@
           <a:p>
             <a:fld id="{812C2E7F-FE18-4532-80A6-10D11D0E16BC}" type="datetime1">
               <a:rPr lang="en-US" smtClean="0"/>
-              <a:t>8/12/2015</a:t>
+              <a:t>9/22/2015</a:t>
             </a:fld>
             <a:endParaRPr lang="en-US"/>
           </a:p>
@@ -9022,7 +9026,7 @@
           <a:p>
             <a:fld id="{101D82EC-9557-4B05-9390-5FF25CEA98DD}" type="datetime1">
               <a:rPr lang="en-US" smtClean="0"/>
-              <a:t>8/12/2015</a:t>
+              <a:t>9/22/2015</a:t>
             </a:fld>
             <a:endParaRPr lang="en-US"/>
           </a:p>
@@ -9140,7 +9144,7 @@
           <a:p>
             <a:fld id="{029D6CB7-62CB-41BE-AC1D-B164A443DFEB}" type="datetime1">
               <a:rPr lang="en-US" smtClean="0"/>
-              <a:t>8/12/2015</a:t>
+              <a:t>9/22/2015</a:t>
             </a:fld>
             <a:endParaRPr lang="en-US"/>
           </a:p>
@@ -9273,7 +9277,7 @@
           <a:p>
             <a:fld id="{0ED65050-1F26-4FB9-9D91-DB6C33FA0E27}" type="datetime1">
               <a:rPr lang="en-US" smtClean="0"/>
-              <a:t>8/12/2015</a:t>
+              <a:t>9/22/2015</a:t>
             </a:fld>
             <a:endParaRPr lang="en-US"/>
           </a:p>
@@ -9441,7 +9445,7 @@
           <a:p>
             <a:fld id="{A67FAF8F-806D-4125-80A1-F9A95D25AEA3}" type="datetime1">
               <a:rPr lang="en-US" smtClean="0"/>
-              <a:t>8/12/2015</a:t>
+              <a:t>9/22/2015</a:t>
             </a:fld>
             <a:endParaRPr lang="en-US"/>
           </a:p>
@@ -9634,7 +9638,7 @@
           <a:p>
             <a:fld id="{F96BC5A7-059E-4B7A-B170-B3B47D145F9C}" type="datetime1">
               <a:rPr lang="en-US" smtClean="0"/>
-              <a:t>8/12/2015</a:t>
+              <a:t>9/22/2015</a:t>
             </a:fld>
             <a:endParaRPr lang="en-US"/>
           </a:p>
@@ -9694,7 +9698,7 @@
           <a:p>
             <a:r>
               <a:rPr lang="en-US" dirty="0" smtClean="0"/>
-              <a:t>Lets print a line of text</a:t>
+              <a:t>Primitive Variables</a:t>
             </a:r>
             <a:endParaRPr lang="en-US" dirty="0"/>
           </a:p>
@@ -9717,223 +9721,147 @@
           </a:bodyPr>
           <a:lstStyle/>
           <a:p>
-            <a:pPr marL="0" indent="0">
-              <a:buNone/>
-            </a:pPr>
-            <a:r>
-              <a:rPr lang="en-US" sz="1600" dirty="0" smtClean="0">
-                <a:latin typeface="Courier New" panose="02070309020205020404" pitchFamily="49" charset="0"/>
-                <a:cs typeface="Courier New" panose="02070309020205020404" pitchFamily="49" charset="0"/>
-              </a:rPr>
-              <a:t>//</a:t>
-            </a:r>
-            <a:r>
-              <a:rPr lang="en-US" sz="1600" dirty="0">
-                <a:latin typeface="Courier New" panose="02070309020205020404" pitchFamily="49" charset="0"/>
-                <a:cs typeface="Courier New" panose="02070309020205020404" pitchFamily="49" charset="0"/>
-              </a:rPr>
-              <a:t>Lets print a line of text</a:t>
-            </a:r>
-          </a:p>
-          <a:p>
-            <a:pPr marL="0" indent="0">
-              <a:buNone/>
-            </a:pPr>
-            <a:endParaRPr lang="en-US" sz="1600" dirty="0">
-              <a:latin typeface="Courier New" panose="02070309020205020404" pitchFamily="49" charset="0"/>
-              <a:cs typeface="Courier New" panose="02070309020205020404" pitchFamily="49" charset="0"/>
-            </a:endParaRPr>
-          </a:p>
-          <a:p>
-            <a:pPr marL="0" indent="0">
-              <a:buNone/>
-            </a:pPr>
-            <a:r>
-              <a:rPr lang="en-US" sz="1600" dirty="0">
-                <a:latin typeface="Courier New" panose="02070309020205020404" pitchFamily="49" charset="0"/>
-                <a:cs typeface="Courier New" panose="02070309020205020404" pitchFamily="49" charset="0"/>
-              </a:rPr>
-              <a:t>public class </a:t>
-            </a:r>
-            <a:r>
-              <a:rPr lang="en-US" sz="1600" dirty="0" err="1">
-                <a:latin typeface="Courier New" panose="02070309020205020404" pitchFamily="49" charset="0"/>
-                <a:cs typeface="Courier New" panose="02070309020205020404" pitchFamily="49" charset="0"/>
-              </a:rPr>
-              <a:t>HelloWorld</a:t>
-            </a:r>
-            <a:r>
-              <a:rPr lang="en-US" sz="1600" dirty="0" smtClean="0">
-                <a:latin typeface="Courier New" panose="02070309020205020404" pitchFamily="49" charset="0"/>
-                <a:cs typeface="Courier New" panose="02070309020205020404" pitchFamily="49" charset="0"/>
-              </a:rPr>
-              <a:t>{</a:t>
-            </a:r>
-            <a:endParaRPr lang="en-US" sz="1600" dirty="0">
-              <a:latin typeface="Courier New" panose="02070309020205020404" pitchFamily="49" charset="0"/>
-              <a:cs typeface="Courier New" panose="02070309020205020404" pitchFamily="49" charset="0"/>
-            </a:endParaRPr>
-          </a:p>
-          <a:p>
-            <a:pPr marL="0" indent="0">
-              <a:buNone/>
-            </a:pPr>
-            <a:r>
-              <a:rPr lang="en-US" sz="1600" dirty="0" smtClean="0">
-                <a:latin typeface="Courier New" panose="02070309020205020404" pitchFamily="49" charset="0"/>
-                <a:cs typeface="Courier New" panose="02070309020205020404" pitchFamily="49" charset="0"/>
-              </a:rPr>
-              <a:t>	// </a:t>
-            </a:r>
-            <a:r>
-              <a:rPr lang="en-US" sz="1600" dirty="0">
-                <a:latin typeface="Courier New" panose="02070309020205020404" pitchFamily="49" charset="0"/>
-                <a:cs typeface="Courier New" panose="02070309020205020404" pitchFamily="49" charset="0"/>
-              </a:rPr>
-              <a:t>This is the ‘main method’ it begins </a:t>
-            </a:r>
-          </a:p>
-          <a:p>
-            <a:pPr marL="0" indent="0">
-              <a:buNone/>
-            </a:pPr>
-            <a:r>
-              <a:rPr lang="en-US" sz="1600" dirty="0" smtClean="0">
-                <a:latin typeface="Courier New" panose="02070309020205020404" pitchFamily="49" charset="0"/>
-                <a:cs typeface="Courier New" panose="02070309020205020404" pitchFamily="49" charset="0"/>
-              </a:rPr>
-              <a:t>	// </a:t>
-            </a:r>
-            <a:r>
-              <a:rPr lang="en-US" sz="1600" dirty="0">
-                <a:latin typeface="Courier New" panose="02070309020205020404" pitchFamily="49" charset="0"/>
-                <a:cs typeface="Courier New" panose="02070309020205020404" pitchFamily="49" charset="0"/>
-              </a:rPr>
-              <a:t>execution of a Java </a:t>
-            </a:r>
-            <a:r>
-              <a:rPr lang="en-US" sz="1600" u="sng" dirty="0">
-                <a:latin typeface="Courier New" panose="02070309020205020404" pitchFamily="49" charset="0"/>
-                <a:cs typeface="Courier New" panose="02070309020205020404" pitchFamily="49" charset="0"/>
-              </a:rPr>
-              <a:t>app</a:t>
-            </a:r>
-          </a:p>
-          <a:p>
-            <a:pPr marL="0" indent="0">
-              <a:buNone/>
-            </a:pPr>
-            <a:r>
-              <a:rPr lang="en-US" sz="1600" dirty="0" smtClean="0">
-                <a:latin typeface="Courier New" panose="02070309020205020404" pitchFamily="49" charset="0"/>
-                <a:cs typeface="Courier New" panose="02070309020205020404" pitchFamily="49" charset="0"/>
-              </a:rPr>
-              <a:t>	public </a:t>
-            </a:r>
-            <a:r>
-              <a:rPr lang="en-US" sz="1600" dirty="0">
-                <a:latin typeface="Courier New" panose="02070309020205020404" pitchFamily="49" charset="0"/>
-                <a:cs typeface="Courier New" panose="02070309020205020404" pitchFamily="49" charset="0"/>
-              </a:rPr>
-              <a:t>static void main(String[] </a:t>
-            </a:r>
-            <a:r>
-              <a:rPr lang="en-US" sz="1600" dirty="0" err="1">
-                <a:latin typeface="Courier New" panose="02070309020205020404" pitchFamily="49" charset="0"/>
-                <a:cs typeface="Courier New" panose="02070309020205020404" pitchFamily="49" charset="0"/>
-              </a:rPr>
-              <a:t>args</a:t>
-            </a:r>
-            <a:r>
-              <a:rPr lang="en-US" sz="1600" dirty="0">
-                <a:latin typeface="Courier New" panose="02070309020205020404" pitchFamily="49" charset="0"/>
-                <a:cs typeface="Courier New" panose="02070309020205020404" pitchFamily="49" charset="0"/>
-              </a:rPr>
-              <a:t>){</a:t>
-            </a:r>
-          </a:p>
-          <a:p>
-            <a:pPr marL="0" indent="0">
-              <a:buNone/>
-            </a:pPr>
-            <a:r>
-              <a:rPr lang="en-US" sz="1600" dirty="0" smtClean="0">
-                <a:latin typeface="Courier New" panose="02070309020205020404" pitchFamily="49" charset="0"/>
-                <a:cs typeface="Courier New" panose="02070309020205020404" pitchFamily="49" charset="0"/>
-              </a:rPr>
-              <a:t>		</a:t>
-            </a:r>
-            <a:r>
-              <a:rPr lang="en-US" sz="1600" dirty="0" err="1" smtClean="0">
-                <a:latin typeface="Courier New" panose="02070309020205020404" pitchFamily="49" charset="0"/>
-                <a:cs typeface="Courier New" panose="02070309020205020404" pitchFamily="49" charset="0"/>
-              </a:rPr>
-              <a:t>System.</a:t>
-            </a:r>
-            <a:r>
-              <a:rPr lang="en-US" sz="1600" i="1" dirty="0" err="1" smtClean="0">
-                <a:latin typeface="Courier New" panose="02070309020205020404" pitchFamily="49" charset="0"/>
-                <a:cs typeface="Courier New" panose="02070309020205020404" pitchFamily="49" charset="0"/>
-              </a:rPr>
-              <a:t>out.println</a:t>
-            </a:r>
-            <a:r>
-              <a:rPr lang="en-US" sz="1600" i="1" dirty="0">
-                <a:latin typeface="Courier New" panose="02070309020205020404" pitchFamily="49" charset="0"/>
-                <a:cs typeface="Courier New" panose="02070309020205020404" pitchFamily="49" charset="0"/>
-              </a:rPr>
-              <a:t>("Hello World!!!");</a:t>
-            </a:r>
-          </a:p>
-          <a:p>
-            <a:pPr marL="0" indent="0">
-              <a:buNone/>
-            </a:pPr>
-            <a:r>
-              <a:rPr lang="en-US" sz="1600" dirty="0" smtClean="0">
-                <a:latin typeface="Courier New" panose="02070309020205020404" pitchFamily="49" charset="0"/>
-                <a:cs typeface="Courier New" panose="02070309020205020404" pitchFamily="49" charset="0"/>
-              </a:rPr>
-              <a:t>	}</a:t>
-            </a:r>
-          </a:p>
-          <a:p>
-            <a:pPr marL="0" indent="0">
-              <a:buNone/>
-            </a:pPr>
-            <a:r>
-              <a:rPr lang="en-US" sz="1600" dirty="0">
-                <a:latin typeface="Courier New" panose="02070309020205020404" pitchFamily="49" charset="0"/>
-                <a:cs typeface="Courier New" panose="02070309020205020404" pitchFamily="49" charset="0"/>
-              </a:rPr>
-              <a:t>	</a:t>
-            </a:r>
-            <a:r>
-              <a:rPr lang="en-US" sz="1600" dirty="0" smtClean="0">
-                <a:latin typeface="Courier New" panose="02070309020205020404" pitchFamily="49" charset="0"/>
-                <a:cs typeface="Courier New" panose="02070309020205020404" pitchFamily="49" charset="0"/>
-              </a:rPr>
-              <a:t>// </a:t>
-            </a:r>
-            <a:r>
-              <a:rPr lang="en-US" sz="1600" dirty="0">
-                <a:latin typeface="Courier New" panose="02070309020205020404" pitchFamily="49" charset="0"/>
-                <a:cs typeface="Courier New" panose="02070309020205020404" pitchFamily="49" charset="0"/>
-              </a:rPr>
-              <a:t>curly braces closes a block!</a:t>
-            </a:r>
-          </a:p>
-          <a:p>
-            <a:pPr marL="0" indent="0">
-              <a:buNone/>
-            </a:pPr>
-            <a:r>
-              <a:rPr lang="en-US" sz="1600" dirty="0">
-                <a:latin typeface="Courier New" panose="02070309020205020404" pitchFamily="49" charset="0"/>
-                <a:cs typeface="Courier New" panose="02070309020205020404" pitchFamily="49" charset="0"/>
-              </a:rPr>
-              <a:t>}</a:t>
-            </a:r>
+            <a:r>
+              <a:rPr lang="en-US" dirty="0" smtClean="0"/>
+              <a:t>All variables must be declared and cannot be null! (much different than Python, Perl or Ruby)</a:t>
+            </a:r>
+          </a:p>
+          <a:p>
+            <a:r>
+              <a:rPr lang="en-US" dirty="0" smtClean="0"/>
+              <a:t>byte – 8 bit integer, from -128 to 127</a:t>
+            </a:r>
+          </a:p>
+          <a:p>
+            <a:r>
+              <a:rPr lang="en-US" dirty="0"/>
+              <a:t>s</a:t>
+            </a:r>
+            <a:r>
+              <a:rPr lang="en-US" dirty="0" smtClean="0"/>
+              <a:t>hort – 16 bit integer from -32,768 to 32,767</a:t>
+            </a:r>
+          </a:p>
+          <a:p>
+            <a:r>
+              <a:rPr lang="en-US" dirty="0" err="1" smtClean="0"/>
+              <a:t>int</a:t>
+            </a:r>
+            <a:r>
+              <a:rPr lang="en-US" dirty="0"/>
+              <a:t> </a:t>
+            </a:r>
+            <a:r>
+              <a:rPr lang="en-US" dirty="0" smtClean="0"/>
+              <a:t>– 32 bit </a:t>
+            </a:r>
+            <a:r>
+              <a:rPr lang="en-US" dirty="0"/>
+              <a:t>integer from -</a:t>
+            </a:r>
+            <a:r>
+              <a:rPr lang="en-US" dirty="0" smtClean="0"/>
+              <a:t>2</a:t>
+            </a:r>
+            <a:r>
+              <a:rPr lang="en-US" baseline="30000" dirty="0" smtClean="0"/>
+              <a:t>31</a:t>
+            </a:r>
+            <a:r>
+              <a:rPr lang="en-US" dirty="0"/>
+              <a:t> to </a:t>
+            </a:r>
+            <a:r>
+              <a:rPr lang="en-US" dirty="0" smtClean="0"/>
+              <a:t>2</a:t>
+            </a:r>
+            <a:r>
+              <a:rPr lang="en-US" baseline="30000" dirty="0" smtClean="0"/>
+              <a:t>31</a:t>
+            </a:r>
+            <a:r>
+              <a:rPr lang="en-US" dirty="0" smtClean="0"/>
+              <a:t> - 1</a:t>
+            </a:r>
+          </a:p>
+          <a:p>
+            <a:r>
+              <a:rPr lang="en-US" dirty="0"/>
+              <a:t>l</a:t>
+            </a:r>
+            <a:r>
+              <a:rPr lang="en-US" dirty="0" smtClean="0"/>
+              <a:t>ong – 64 </a:t>
+            </a:r>
+            <a:r>
+              <a:rPr lang="en-US" dirty="0"/>
+              <a:t>bit integer from -</a:t>
+            </a:r>
+            <a:r>
+              <a:rPr lang="en-US" dirty="0" smtClean="0"/>
+              <a:t>2</a:t>
+            </a:r>
+            <a:r>
+              <a:rPr lang="en-US" baseline="30000" dirty="0" smtClean="0"/>
+              <a:t>63</a:t>
+            </a:r>
+            <a:r>
+              <a:rPr lang="en-US" dirty="0" smtClean="0"/>
+              <a:t> </a:t>
+            </a:r>
+            <a:r>
+              <a:rPr lang="en-US" dirty="0"/>
+              <a:t>to </a:t>
+            </a:r>
+            <a:r>
+              <a:rPr lang="en-US" dirty="0" smtClean="0"/>
+              <a:t>2</a:t>
+            </a:r>
+            <a:r>
+              <a:rPr lang="en-US" baseline="30000" dirty="0" smtClean="0"/>
+              <a:t>63</a:t>
+            </a:r>
+            <a:r>
+              <a:rPr lang="en-US" dirty="0" smtClean="0"/>
+              <a:t> </a:t>
+            </a:r>
+            <a:r>
+              <a:rPr lang="en-US" dirty="0"/>
+              <a:t>- </a:t>
+            </a:r>
+            <a:r>
+              <a:rPr lang="en-US" dirty="0" smtClean="0"/>
+              <a:t>1</a:t>
+            </a:r>
+          </a:p>
+          <a:p>
+            <a:r>
+              <a:rPr lang="en-US" dirty="0" smtClean="0"/>
+              <a:t>float – decimal value</a:t>
+            </a:r>
+          </a:p>
+          <a:p>
+            <a:r>
+              <a:rPr lang="en-US" dirty="0" smtClean="0"/>
+              <a:t>double – decimal value, precision 2</a:t>
+            </a:r>
+          </a:p>
+          <a:p>
+            <a:r>
+              <a:rPr lang="en-US" dirty="0" err="1" smtClean="0"/>
+              <a:t>boolean</a:t>
+            </a:r>
+            <a:r>
+              <a:rPr lang="en-US" dirty="0" smtClean="0"/>
+              <a:t> – true or false</a:t>
+            </a:r>
+          </a:p>
+          <a:p>
+            <a:r>
+              <a:rPr lang="en-US" dirty="0" smtClean="0"/>
+              <a:t>char – single character (same size as short)</a:t>
+            </a:r>
+            <a:endParaRPr lang="en-US" dirty="0"/>
           </a:p>
         </p:txBody>
       </p:sp>
@@ -9952,9 +9880,9 @@
           <a:bodyPr/>
           <a:lstStyle/>
           <a:p>
-            <a:fld id="{C19F3DF1-A0EA-4839-B99A-BF50ECEF913E}" type="datetime1">
+            <a:fld id="{F183408C-6070-4562-B64D-FA8659057204}" type="datetime1">
               <a:rPr lang="en-US" smtClean="0"/>
-              <a:t>8/12/2015</a:t>
+              <a:t>9/22/2015</a:t>
             </a:fld>
             <a:endParaRPr lang="en-US"/>
           </a:p>
@@ -9963,7 +9891,7 @@
     </p:spTree>
     <p:extLst>
       <p:ext uri="{BB962C8B-B14F-4D97-AF65-F5344CB8AC3E}">
-        <p14:creationId xmlns:p14="http://schemas.microsoft.com/office/powerpoint/2010/main" val="1980519722"/>
+        <p14:creationId xmlns:p14="http://schemas.microsoft.com/office/powerpoint/2010/main" val="4022725190"/>
       </p:ext>
     </p:extLst>
   </p:cSld>
@@ -10014,7 +9942,7 @@
           <a:p>
             <a:r>
               <a:rPr lang="en-US" dirty="0" smtClean="0"/>
-              <a:t>Lets do some addition!</a:t>
+              <a:t>Reference Variables</a:t>
             </a:r>
             <a:endParaRPr lang="en-US" dirty="0"/>
           </a:p>
@@ -10033,336 +9961,79 @@
         <p:spPr/>
         <p:txBody>
           <a:bodyPr>
-            <a:noAutofit/>
+            <a:normAutofit/>
           </a:bodyPr>
           <a:lstStyle/>
           <a:p>
-            <a:pPr marL="0" indent="0">
-              <a:buNone/>
-            </a:pPr>
-            <a:r>
-              <a:rPr lang="en-US" sz="1600" dirty="0" smtClean="0">
-                <a:latin typeface="Courier New" panose="02070309020205020404" pitchFamily="49" charset="0"/>
-                <a:cs typeface="Courier New" panose="02070309020205020404" pitchFamily="49" charset="0"/>
-              </a:rPr>
-              <a:t>import </a:t>
-            </a:r>
-            <a:r>
-              <a:rPr lang="en-US" sz="1600" dirty="0" err="1">
-                <a:latin typeface="Courier New" panose="02070309020205020404" pitchFamily="49" charset="0"/>
-                <a:cs typeface="Courier New" panose="02070309020205020404" pitchFamily="49" charset="0"/>
-              </a:rPr>
-              <a:t>java.util.Scanner</a:t>
-            </a:r>
-            <a:r>
-              <a:rPr lang="en-US" sz="1600" dirty="0">
-                <a:latin typeface="Courier New" panose="02070309020205020404" pitchFamily="49" charset="0"/>
-                <a:cs typeface="Courier New" panose="02070309020205020404" pitchFamily="49" charset="0"/>
-              </a:rPr>
-              <a:t>;</a:t>
-            </a:r>
-          </a:p>
-          <a:p>
-            <a:pPr marL="0" indent="0">
-              <a:buNone/>
-            </a:pPr>
-            <a:endParaRPr lang="en-US" sz="1600" dirty="0">
-              <a:latin typeface="Courier New" panose="02070309020205020404" pitchFamily="49" charset="0"/>
-              <a:cs typeface="Courier New" panose="02070309020205020404" pitchFamily="49" charset="0"/>
-            </a:endParaRPr>
-          </a:p>
-          <a:p>
-            <a:pPr marL="0" indent="0">
-              <a:buNone/>
-            </a:pPr>
-            <a:r>
-              <a:rPr lang="en-US" sz="1600" dirty="0">
-                <a:latin typeface="Courier New" panose="02070309020205020404" pitchFamily="49" charset="0"/>
-                <a:cs typeface="Courier New" panose="02070309020205020404" pitchFamily="49" charset="0"/>
-              </a:rPr>
-              <a:t>public class Addition {</a:t>
-            </a:r>
-          </a:p>
-          <a:p>
-            <a:pPr marL="0" indent="0">
-              <a:buNone/>
-            </a:pPr>
-            <a:endParaRPr lang="en-US" sz="1600" dirty="0">
-              <a:latin typeface="Courier New" panose="02070309020205020404" pitchFamily="49" charset="0"/>
-              <a:cs typeface="Courier New" panose="02070309020205020404" pitchFamily="49" charset="0"/>
-            </a:endParaRPr>
-          </a:p>
-          <a:p>
-            <a:pPr marL="0" indent="0">
-              <a:buNone/>
-            </a:pPr>
-            <a:r>
-              <a:rPr lang="en-US" sz="1600" dirty="0" smtClean="0">
-                <a:latin typeface="Courier New" panose="02070309020205020404" pitchFamily="49" charset="0"/>
-                <a:cs typeface="Courier New" panose="02070309020205020404" pitchFamily="49" charset="0"/>
-              </a:rPr>
-              <a:t>	public </a:t>
-            </a:r>
-            <a:r>
-              <a:rPr lang="en-US" sz="1600" dirty="0">
-                <a:latin typeface="Courier New" panose="02070309020205020404" pitchFamily="49" charset="0"/>
-                <a:cs typeface="Courier New" panose="02070309020205020404" pitchFamily="49" charset="0"/>
-              </a:rPr>
-              <a:t>static void main(String[] </a:t>
-            </a:r>
-            <a:r>
-              <a:rPr lang="en-US" sz="1600" dirty="0" err="1">
-                <a:latin typeface="Courier New" panose="02070309020205020404" pitchFamily="49" charset="0"/>
-                <a:cs typeface="Courier New" panose="02070309020205020404" pitchFamily="49" charset="0"/>
-              </a:rPr>
-              <a:t>args</a:t>
-            </a:r>
-            <a:r>
-              <a:rPr lang="en-US" sz="1600" dirty="0">
-                <a:latin typeface="Courier New" panose="02070309020205020404" pitchFamily="49" charset="0"/>
-                <a:cs typeface="Courier New" panose="02070309020205020404" pitchFamily="49" charset="0"/>
-              </a:rPr>
-              <a:t>) </a:t>
-            </a:r>
-            <a:r>
-              <a:rPr lang="en-US" sz="1600" dirty="0" smtClean="0">
-                <a:latin typeface="Courier New" panose="02070309020205020404" pitchFamily="49" charset="0"/>
-                <a:cs typeface="Courier New" panose="02070309020205020404" pitchFamily="49" charset="0"/>
-              </a:rPr>
-              <a:t>{</a:t>
-            </a:r>
-          </a:p>
-          <a:p>
-            <a:pPr marL="0" indent="0">
-              <a:buNone/>
-            </a:pPr>
-            <a:endParaRPr lang="en-US" sz="1600" dirty="0">
-              <a:latin typeface="Courier New" panose="02070309020205020404" pitchFamily="49" charset="0"/>
-              <a:cs typeface="Courier New" panose="02070309020205020404" pitchFamily="49" charset="0"/>
-            </a:endParaRPr>
-          </a:p>
-          <a:p>
-            <a:pPr marL="0" indent="0">
-              <a:buNone/>
-            </a:pPr>
-            <a:r>
-              <a:rPr lang="en-US" sz="1600" dirty="0" smtClean="0">
-                <a:latin typeface="Courier New" panose="02070309020205020404" pitchFamily="49" charset="0"/>
-                <a:cs typeface="Courier New" panose="02070309020205020404" pitchFamily="49" charset="0"/>
-              </a:rPr>
-              <a:t>		// </a:t>
-            </a:r>
-            <a:r>
-              <a:rPr lang="en-US" sz="1600" dirty="0">
-                <a:latin typeface="Courier New" panose="02070309020205020404" pitchFamily="49" charset="0"/>
-                <a:cs typeface="Courier New" panose="02070309020205020404" pitchFamily="49" charset="0"/>
-              </a:rPr>
-              <a:t>A scanner reads input from the user</a:t>
-            </a:r>
-          </a:p>
-          <a:p>
-            <a:pPr marL="0" indent="0">
-              <a:buNone/>
-            </a:pPr>
-            <a:r>
-              <a:rPr lang="en-US" sz="1600" dirty="0" smtClean="0">
-                <a:latin typeface="Courier New" panose="02070309020205020404" pitchFamily="49" charset="0"/>
-                <a:cs typeface="Courier New" panose="02070309020205020404" pitchFamily="49" charset="0"/>
-              </a:rPr>
-              <a:t>		Scanner </a:t>
-            </a:r>
-            <a:r>
-              <a:rPr lang="en-US" sz="1600" dirty="0">
-                <a:latin typeface="Courier New" panose="02070309020205020404" pitchFamily="49" charset="0"/>
-                <a:cs typeface="Courier New" panose="02070309020205020404" pitchFamily="49" charset="0"/>
-              </a:rPr>
-              <a:t>input = new Scanner(System.in);</a:t>
-            </a:r>
-          </a:p>
-          <a:p>
-            <a:pPr marL="0" indent="0">
-              <a:buNone/>
-            </a:pPr>
-            <a:endParaRPr lang="en-US" sz="1600" dirty="0">
-              <a:latin typeface="Courier New" panose="02070309020205020404" pitchFamily="49" charset="0"/>
-              <a:cs typeface="Courier New" panose="02070309020205020404" pitchFamily="49" charset="0"/>
-            </a:endParaRPr>
-          </a:p>
-          <a:p>
-            <a:pPr marL="0" indent="0">
-              <a:buNone/>
-            </a:pPr>
-            <a:r>
-              <a:rPr lang="en-US" sz="1600" dirty="0" smtClean="0">
-                <a:latin typeface="Courier New" panose="02070309020205020404" pitchFamily="49" charset="0"/>
-                <a:cs typeface="Courier New" panose="02070309020205020404" pitchFamily="49" charset="0"/>
-              </a:rPr>
-              <a:t>		</a:t>
-            </a:r>
-            <a:r>
-              <a:rPr lang="en-US" sz="1600" dirty="0" err="1" smtClean="0">
-                <a:latin typeface="Courier New" panose="02070309020205020404" pitchFamily="49" charset="0"/>
-                <a:cs typeface="Courier New" panose="02070309020205020404" pitchFamily="49" charset="0"/>
-              </a:rPr>
+            <a:r>
+              <a:rPr lang="en-US" dirty="0" smtClean="0"/>
+              <a:t>String is not a primitive! They are essentially arrays of chars.</a:t>
+            </a:r>
+          </a:p>
+          <a:p>
+            <a:r>
+              <a:rPr lang="en-US" dirty="0" smtClean="0"/>
+              <a:t>“a” != ‘a’</a:t>
+            </a:r>
+          </a:p>
+          <a:p>
+            <a:r>
+              <a:rPr lang="en-US" dirty="0" smtClean="0"/>
+              <a:t>All primitives have a “wrapper class”</a:t>
+            </a:r>
+          </a:p>
+          <a:p>
+            <a:pPr lvl="1"/>
+            <a:r>
+              <a:rPr lang="en-US" dirty="0" err="1" smtClean="0"/>
               <a:t>int</a:t>
             </a:r>
             <a:r>
-              <a:rPr lang="en-US" sz="1600" dirty="0" smtClean="0">
-                <a:latin typeface="Courier New" panose="02070309020205020404" pitchFamily="49" charset="0"/>
-                <a:cs typeface="Courier New" panose="02070309020205020404" pitchFamily="49" charset="0"/>
-              </a:rPr>
-              <a:t> </a:t>
-            </a:r>
-            <a:r>
-              <a:rPr lang="en-US" sz="1600" dirty="0">
-                <a:latin typeface="Courier New" panose="02070309020205020404" pitchFamily="49" charset="0"/>
-                <a:cs typeface="Courier New" panose="02070309020205020404" pitchFamily="49" charset="0"/>
-              </a:rPr>
-              <a:t>number1;</a:t>
-            </a:r>
-          </a:p>
-          <a:p>
-            <a:pPr marL="0" indent="0">
-              <a:buNone/>
-            </a:pPr>
-            <a:r>
-              <a:rPr lang="en-US" sz="1600" dirty="0" smtClean="0">
-                <a:latin typeface="Courier New" panose="02070309020205020404" pitchFamily="49" charset="0"/>
-                <a:cs typeface="Courier New" panose="02070309020205020404" pitchFamily="49" charset="0"/>
-              </a:rPr>
-              <a:t>		</a:t>
-            </a:r>
-            <a:r>
-              <a:rPr lang="en-US" sz="1600" dirty="0" err="1" smtClean="0">
-                <a:latin typeface="Courier New" panose="02070309020205020404" pitchFamily="49" charset="0"/>
-                <a:cs typeface="Courier New" panose="02070309020205020404" pitchFamily="49" charset="0"/>
-              </a:rPr>
-              <a:t>int</a:t>
-            </a:r>
-            <a:r>
-              <a:rPr lang="en-US" sz="1600" dirty="0" smtClean="0">
-                <a:latin typeface="Courier New" panose="02070309020205020404" pitchFamily="49" charset="0"/>
-                <a:cs typeface="Courier New" panose="02070309020205020404" pitchFamily="49" charset="0"/>
-              </a:rPr>
-              <a:t> </a:t>
-            </a:r>
-            <a:r>
-              <a:rPr lang="en-US" sz="1600" dirty="0">
-                <a:latin typeface="Courier New" panose="02070309020205020404" pitchFamily="49" charset="0"/>
-                <a:cs typeface="Courier New" panose="02070309020205020404" pitchFamily="49" charset="0"/>
-              </a:rPr>
-              <a:t>number2;</a:t>
-            </a:r>
-          </a:p>
-          <a:p>
-            <a:pPr marL="0" indent="0">
-              <a:buNone/>
-            </a:pPr>
-            <a:r>
-              <a:rPr lang="en-US" sz="1600" dirty="0" smtClean="0">
-                <a:latin typeface="Courier New" panose="02070309020205020404" pitchFamily="49" charset="0"/>
-                <a:cs typeface="Courier New" panose="02070309020205020404" pitchFamily="49" charset="0"/>
-              </a:rPr>
-              <a:t>		</a:t>
-            </a:r>
-            <a:r>
-              <a:rPr lang="en-US" sz="1600" dirty="0" err="1" smtClean="0">
-                <a:latin typeface="Courier New" panose="02070309020205020404" pitchFamily="49" charset="0"/>
-                <a:cs typeface="Courier New" panose="02070309020205020404" pitchFamily="49" charset="0"/>
-              </a:rPr>
-              <a:t>int</a:t>
-            </a:r>
-            <a:r>
-              <a:rPr lang="en-US" sz="1600" dirty="0" smtClean="0">
-                <a:latin typeface="Courier New" panose="02070309020205020404" pitchFamily="49" charset="0"/>
-                <a:cs typeface="Courier New" panose="02070309020205020404" pitchFamily="49" charset="0"/>
-              </a:rPr>
-              <a:t> </a:t>
-            </a:r>
-            <a:r>
-              <a:rPr lang="en-US" sz="1600" dirty="0">
-                <a:latin typeface="Courier New" panose="02070309020205020404" pitchFamily="49" charset="0"/>
-                <a:cs typeface="Courier New" panose="02070309020205020404" pitchFamily="49" charset="0"/>
-              </a:rPr>
-              <a:t>sum;</a:t>
-            </a:r>
-          </a:p>
-          <a:p>
-            <a:pPr marL="0" indent="0">
-              <a:buNone/>
-            </a:pPr>
-            <a:endParaRPr lang="en-US" sz="1600" dirty="0">
-              <a:latin typeface="Courier New" panose="02070309020205020404" pitchFamily="49" charset="0"/>
-              <a:cs typeface="Courier New" panose="02070309020205020404" pitchFamily="49" charset="0"/>
-            </a:endParaRPr>
-          </a:p>
-          <a:p>
-            <a:pPr marL="0" indent="0">
-              <a:buNone/>
-            </a:pPr>
-            <a:r>
-              <a:rPr lang="en-US" sz="1600" dirty="0" smtClean="0">
-                <a:latin typeface="Courier New" panose="02070309020205020404" pitchFamily="49" charset="0"/>
-                <a:cs typeface="Courier New" panose="02070309020205020404" pitchFamily="49" charset="0"/>
-              </a:rPr>
-              <a:t>		</a:t>
-            </a:r>
-            <a:r>
-              <a:rPr lang="en-US" sz="1600" dirty="0" err="1" smtClean="0">
-                <a:latin typeface="Courier New" panose="02070309020205020404" pitchFamily="49" charset="0"/>
-                <a:cs typeface="Courier New" panose="02070309020205020404" pitchFamily="49" charset="0"/>
-              </a:rPr>
-              <a:t>System.out.print</a:t>
-            </a:r>
-            <a:r>
-              <a:rPr lang="en-US" sz="1600" dirty="0">
-                <a:latin typeface="Courier New" panose="02070309020205020404" pitchFamily="49" charset="0"/>
-                <a:cs typeface="Courier New" panose="02070309020205020404" pitchFamily="49" charset="0"/>
-              </a:rPr>
-              <a:t>("Enter the first integer: ");</a:t>
-            </a:r>
-          </a:p>
-          <a:p>
-            <a:pPr marL="0" indent="0">
-              <a:buNone/>
-            </a:pPr>
-            <a:r>
-              <a:rPr lang="en-US" sz="1600" dirty="0" smtClean="0">
-                <a:latin typeface="Courier New" panose="02070309020205020404" pitchFamily="49" charset="0"/>
-                <a:cs typeface="Courier New" panose="02070309020205020404" pitchFamily="49" charset="0"/>
-              </a:rPr>
-              <a:t>		number1 </a:t>
-            </a:r>
-            <a:r>
-              <a:rPr lang="en-US" sz="1600" dirty="0">
-                <a:latin typeface="Courier New" panose="02070309020205020404" pitchFamily="49" charset="0"/>
-                <a:cs typeface="Courier New" panose="02070309020205020404" pitchFamily="49" charset="0"/>
-              </a:rPr>
-              <a:t>= </a:t>
-            </a:r>
-            <a:r>
-              <a:rPr lang="en-US" sz="1600" dirty="0" err="1">
-                <a:latin typeface="Courier New" panose="02070309020205020404" pitchFamily="49" charset="0"/>
-                <a:cs typeface="Courier New" panose="02070309020205020404" pitchFamily="49" charset="0"/>
-              </a:rPr>
-              <a:t>input.nextInt</a:t>
-            </a:r>
-            <a:r>
-              <a:rPr lang="en-US" sz="1600" dirty="0">
-                <a:latin typeface="Courier New" panose="02070309020205020404" pitchFamily="49" charset="0"/>
-                <a:cs typeface="Courier New" panose="02070309020205020404" pitchFamily="49" charset="0"/>
-              </a:rPr>
-              <a:t>();</a:t>
-            </a:r>
-          </a:p>
-          <a:p>
-            <a:pPr marL="0" indent="0">
-              <a:buNone/>
-            </a:pPr>
-            <a:endParaRPr lang="en-US" sz="1600" dirty="0">
-              <a:latin typeface="Courier New" panose="02070309020205020404" pitchFamily="49" charset="0"/>
-              <a:cs typeface="Courier New" panose="02070309020205020404" pitchFamily="49" charset="0"/>
-            </a:endParaRPr>
+              <a:rPr lang="en-US" dirty="0" smtClean="0"/>
+              <a:t> becomes Integer</a:t>
+            </a:r>
+          </a:p>
+          <a:p>
+            <a:pPr lvl="1"/>
+            <a:r>
+              <a:rPr lang="en-US" dirty="0"/>
+              <a:t>l</a:t>
+            </a:r>
+            <a:r>
+              <a:rPr lang="en-US" dirty="0" smtClean="0"/>
+              <a:t>ong becomes Long</a:t>
+            </a:r>
+          </a:p>
+          <a:p>
+            <a:pPr lvl="1"/>
+            <a:r>
+              <a:rPr lang="en-US" dirty="0"/>
+              <a:t>c</a:t>
+            </a:r>
+            <a:r>
+              <a:rPr lang="en-US" dirty="0" smtClean="0"/>
+              <a:t>har becomes Character</a:t>
+            </a:r>
+          </a:p>
+          <a:p>
+            <a:pPr lvl="1"/>
+            <a:r>
+              <a:rPr lang="en-US" dirty="0" err="1" smtClean="0"/>
+              <a:t>etc</a:t>
+            </a:r>
+            <a:endParaRPr lang="en-US" dirty="0" smtClean="0"/>
+          </a:p>
+          <a:p>
+            <a:r>
+              <a:rPr lang="en-US" dirty="0" smtClean="0"/>
+              <a:t>These classes inherit from the base Object class and can be null</a:t>
+            </a:r>
+          </a:p>
+          <a:p>
+            <a:r>
+              <a:rPr lang="en-US" dirty="0" smtClean="0"/>
+              <a:t>They refer to actual Objects</a:t>
+            </a:r>
           </a:p>
         </p:txBody>
       </p:sp>
@@ -10381,9 +10052,9 @@
           <a:bodyPr/>
           <a:lstStyle/>
           <a:p>
-            <a:fld id="{8AEC034E-5DE8-445C-ADA7-353F54786073}" type="datetime1">
+            <a:fld id="{4BF9CFB5-D746-4CF2-BD22-CAD676A3B1DE}" type="datetime1">
               <a:rPr lang="en-US" smtClean="0"/>
-              <a:t>8/12/2015</a:t>
+              <a:t>9/22/2015</a:t>
             </a:fld>
             <a:endParaRPr lang="en-US"/>
           </a:p>
@@ -10392,7 +10063,7 @@
     </p:spTree>
     <p:extLst>
       <p:ext uri="{BB962C8B-B14F-4D97-AF65-F5344CB8AC3E}">
-        <p14:creationId xmlns:p14="http://schemas.microsoft.com/office/powerpoint/2010/main" val="2415562768"/>
+        <p14:creationId xmlns:p14="http://schemas.microsoft.com/office/powerpoint/2010/main" val="266731302"/>
       </p:ext>
     </p:extLst>
   </p:cSld>
@@ -10443,7 +10114,7 @@
           <a:p>
             <a:r>
               <a:rPr lang="en-US" dirty="0" smtClean="0"/>
-              <a:t>Lets do some addition!</a:t>
+              <a:t>Lets print a line of text</a:t>
             </a:r>
             <a:endParaRPr lang="en-US" dirty="0"/>
           </a:p>
@@ -10462,7 +10133,7 @@
         <p:spPr/>
         <p:txBody>
           <a:bodyPr>
-            <a:noAutofit/>
+            <a:normAutofit/>
           </a:bodyPr>
           <a:lstStyle/>
           <a:p>
@@ -10474,54 +10145,21 @@
                 <a:latin typeface="Courier New" panose="02070309020205020404" pitchFamily="49" charset="0"/>
                 <a:cs typeface="Courier New" panose="02070309020205020404" pitchFamily="49" charset="0"/>
               </a:rPr>
-              <a:t>		</a:t>
-            </a:r>
-            <a:r>
-              <a:rPr lang="en-US" sz="1600" dirty="0" err="1" smtClean="0">
-                <a:latin typeface="Courier New" panose="02070309020205020404" pitchFamily="49" charset="0"/>
-                <a:cs typeface="Courier New" panose="02070309020205020404" pitchFamily="49" charset="0"/>
-              </a:rPr>
-              <a:t>System.out.print</a:t>
-            </a:r>
-            <a:r>
-              <a:rPr lang="en-US" sz="1600" dirty="0" smtClean="0">
-                <a:latin typeface="Courier New" panose="02070309020205020404" pitchFamily="49" charset="0"/>
-                <a:cs typeface="Courier New" panose="02070309020205020404" pitchFamily="49" charset="0"/>
-              </a:rPr>
-              <a:t>("Enter the second integer: ");</a:t>
+              <a:t>//</a:t>
+            </a:r>
+            <a:r>
+              <a:rPr lang="en-US" sz="1600" dirty="0">
+                <a:latin typeface="Courier New" panose="02070309020205020404" pitchFamily="49" charset="0"/>
+                <a:cs typeface="Courier New" panose="02070309020205020404" pitchFamily="49" charset="0"/>
+              </a:rPr>
+              <a:t>Lets print a line of text</a:t>
             </a:r>
           </a:p>
           <a:p>
             <a:pPr marL="0" indent="0">
               <a:buNone/>
             </a:pPr>
-            <a:r>
-              <a:rPr lang="en-US" sz="1600" dirty="0" smtClean="0">
-                <a:latin typeface="Courier New" panose="02070309020205020404" pitchFamily="49" charset="0"/>
-                <a:cs typeface="Courier New" panose="02070309020205020404" pitchFamily="49" charset="0"/>
-              </a:rPr>
-              <a:t>		number2 = </a:t>
-            </a:r>
-            <a:r>
-              <a:rPr lang="en-US" sz="1600" dirty="0" err="1" smtClean="0">
-                <a:latin typeface="Courier New" panose="02070309020205020404" pitchFamily="49" charset="0"/>
-                <a:cs typeface="Courier New" panose="02070309020205020404" pitchFamily="49" charset="0"/>
-              </a:rPr>
-              <a:t>input.nextInt</a:t>
-            </a:r>
-            <a:r>
-              <a:rPr lang="en-US" sz="1600" dirty="0" smtClean="0">
-                <a:latin typeface="Courier New" panose="02070309020205020404" pitchFamily="49" charset="0"/>
-                <a:cs typeface="Courier New" panose="02070309020205020404" pitchFamily="49" charset="0"/>
-              </a:rPr>
-              <a:t>();</a:t>
-            </a:r>
-          </a:p>
-          <a:p>
-            <a:pPr marL="0" indent="0">
-              <a:buNone/>
-            </a:pPr>
-            <a:endParaRPr lang="en-US" sz="1600" dirty="0" smtClean="0">
+            <a:endParaRPr lang="en-US" sz="1600" dirty="0">
               <a:latin typeface="Courier New" panose="02070309020205020404" pitchFamily="49" charset="0"/>
               <a:cs typeface="Courier New" panose="02070309020205020404" pitchFamily="49" charset="0"/>
             </a:endParaRPr>
@@ -10531,18 +10169,27 @@
               <a:buNone/>
             </a:pPr>
             <a:r>
+              <a:rPr lang="en-US" sz="1600" dirty="0">
+                <a:latin typeface="Courier New" panose="02070309020205020404" pitchFamily="49" charset="0"/>
+                <a:cs typeface="Courier New" panose="02070309020205020404" pitchFamily="49" charset="0"/>
+              </a:rPr>
+              <a:t>public class </a:t>
+            </a:r>
+            <a:r>
+              <a:rPr lang="en-US" sz="1600" dirty="0" err="1">
+                <a:latin typeface="Courier New" panose="02070309020205020404" pitchFamily="49" charset="0"/>
+                <a:cs typeface="Courier New" panose="02070309020205020404" pitchFamily="49" charset="0"/>
+              </a:rPr>
+              <a:t>HelloWorld</a:t>
+            </a:r>
+            <a:r>
               <a:rPr lang="en-US" sz="1600" dirty="0" smtClean="0">
                 <a:latin typeface="Courier New" panose="02070309020205020404" pitchFamily="49" charset="0"/>
                 <a:cs typeface="Courier New" panose="02070309020205020404" pitchFamily="49" charset="0"/>
               </a:rPr>
-              <a:t>		sum = number1 + number2;</a:t>
-            </a:r>
-          </a:p>
-          <a:p>
-            <a:pPr marL="0" indent="0">
-              <a:buNone/>
-            </a:pPr>
-            <a:endParaRPr lang="en-US" sz="1600" dirty="0" smtClean="0">
+              <a:t>{</a:t>
+            </a:r>
+            <a:endParaRPr lang="en-US" sz="1600" dirty="0">
               <a:latin typeface="Courier New" panose="02070309020205020404" pitchFamily="49" charset="0"/>
               <a:cs typeface="Courier New" panose="02070309020205020404" pitchFamily="49" charset="0"/>
             </a:endParaRPr>
@@ -10556,6 +10203,84 @@
                 <a:latin typeface="Courier New" panose="02070309020205020404" pitchFamily="49" charset="0"/>
                 <a:cs typeface="Courier New" panose="02070309020205020404" pitchFamily="49" charset="0"/>
               </a:rPr>
+              <a:t>	// </a:t>
+            </a:r>
+            <a:r>
+              <a:rPr lang="en-US" sz="1600" dirty="0">
+                <a:latin typeface="Courier New" panose="02070309020205020404" pitchFamily="49" charset="0"/>
+                <a:cs typeface="Courier New" panose="02070309020205020404" pitchFamily="49" charset="0"/>
+              </a:rPr>
+              <a:t>This is the ‘main method’ it begins </a:t>
+            </a:r>
+          </a:p>
+          <a:p>
+            <a:pPr marL="0" indent="0">
+              <a:buNone/>
+            </a:pPr>
+            <a:r>
+              <a:rPr lang="en-US" sz="1600" dirty="0" smtClean="0">
+                <a:latin typeface="Courier New" panose="02070309020205020404" pitchFamily="49" charset="0"/>
+                <a:cs typeface="Courier New" panose="02070309020205020404" pitchFamily="49" charset="0"/>
+              </a:rPr>
+              <a:t>	// </a:t>
+            </a:r>
+            <a:r>
+              <a:rPr lang="en-US" sz="1600" dirty="0">
+                <a:latin typeface="Courier New" panose="02070309020205020404" pitchFamily="49" charset="0"/>
+                <a:cs typeface="Courier New" panose="02070309020205020404" pitchFamily="49" charset="0"/>
+              </a:rPr>
+              <a:t>execution of a Java </a:t>
+            </a:r>
+            <a:r>
+              <a:rPr lang="en-US" sz="1600" u="sng" dirty="0">
+                <a:latin typeface="Courier New" panose="02070309020205020404" pitchFamily="49" charset="0"/>
+                <a:cs typeface="Courier New" panose="02070309020205020404" pitchFamily="49" charset="0"/>
+              </a:rPr>
+              <a:t>app</a:t>
+            </a:r>
+          </a:p>
+          <a:p>
+            <a:pPr marL="0" indent="0">
+              <a:buNone/>
+            </a:pPr>
+            <a:r>
+              <a:rPr lang="en-US" sz="1600" dirty="0" smtClean="0">
+                <a:latin typeface="Courier New" panose="02070309020205020404" pitchFamily="49" charset="0"/>
+                <a:cs typeface="Courier New" panose="02070309020205020404" pitchFamily="49" charset="0"/>
+              </a:rPr>
+              <a:t>	public </a:t>
+            </a:r>
+            <a:r>
+              <a:rPr lang="en-US" sz="1600" dirty="0">
+                <a:latin typeface="Courier New" panose="02070309020205020404" pitchFamily="49" charset="0"/>
+                <a:cs typeface="Courier New" panose="02070309020205020404" pitchFamily="49" charset="0"/>
+              </a:rPr>
+              <a:t>static void main(String[] </a:t>
+            </a:r>
+            <a:r>
+              <a:rPr lang="en-US" sz="1600" dirty="0" err="1">
+                <a:latin typeface="Courier New" panose="02070309020205020404" pitchFamily="49" charset="0"/>
+                <a:cs typeface="Courier New" panose="02070309020205020404" pitchFamily="49" charset="0"/>
+              </a:rPr>
+              <a:t>args</a:t>
+            </a:r>
+            <a:r>
+              <a:rPr lang="en-US" sz="1600" dirty="0">
+                <a:latin typeface="Courier New" panose="02070309020205020404" pitchFamily="49" charset="0"/>
+                <a:cs typeface="Courier New" panose="02070309020205020404" pitchFamily="49" charset="0"/>
+              </a:rPr>
+              <a:t>){</a:t>
+            </a:r>
+          </a:p>
+          <a:p>
+            <a:pPr marL="0" indent="0">
+              <a:buNone/>
+            </a:pPr>
+            <a:r>
+              <a:rPr lang="en-US" sz="1600" dirty="0" smtClean="0">
+                <a:latin typeface="Courier New" panose="02070309020205020404" pitchFamily="49" charset="0"/>
+                <a:cs typeface="Courier New" panose="02070309020205020404" pitchFamily="49" charset="0"/>
+              </a:rPr>
               <a:t>		</a:t>
             </a:r>
             <a:r>
@@ -10563,14 +10288,33 @@
                 <a:latin typeface="Courier New" panose="02070309020205020404" pitchFamily="49" charset="0"/>
                 <a:cs typeface="Courier New" panose="02070309020205020404" pitchFamily="49" charset="0"/>
               </a:rPr>
-              <a:t>System.out.printf</a:t>
-            </a:r>
+              <a:t>System.</a:t>
+            </a:r>
+            <a:r>
+              <a:rPr lang="en-US" sz="1600" i="1" dirty="0" err="1" smtClean="0">
+                <a:latin typeface="Courier New" panose="02070309020205020404" pitchFamily="49" charset="0"/>
+                <a:cs typeface="Courier New" panose="02070309020205020404" pitchFamily="49" charset="0"/>
+              </a:rPr>
+              <a:t>out.println</a:t>
+            </a:r>
+            <a:r>
+              <a:rPr lang="en-US" sz="1600" i="1" dirty="0">
+                <a:latin typeface="Courier New" panose="02070309020205020404" pitchFamily="49" charset="0"/>
+                <a:cs typeface="Courier New" panose="02070309020205020404" pitchFamily="49" charset="0"/>
+              </a:rPr>
+              <a:t>("Hello World!!!");</a:t>
+            </a:r>
+          </a:p>
+          <a:p>
+            <a:pPr marL="0" indent="0">
+              <a:buNone/>
+            </a:pPr>
             <a:r>
               <a:rPr lang="en-US" sz="1600" dirty="0" smtClean="0">
                 <a:latin typeface="Courier New" panose="02070309020205020404" pitchFamily="49" charset="0"/>
                 <a:cs typeface="Courier New" panose="02070309020205020404" pitchFamily="49" charset="0"/>
               </a:rPr>
-              <a:t>("Sum is %d\n", sum);</a:t>
+              <a:t>	}</a:t>
             </a:r>
           </a:p>
           <a:p>
@@ -10578,11 +10322,25 @@
               <a:buNone/>
             </a:pPr>
             <a:r>
+              <a:rPr lang="en-US" sz="1600" dirty="0">
+                <a:latin typeface="Courier New" panose="02070309020205020404" pitchFamily="49" charset="0"/>
+                <a:cs typeface="Courier New" panose="02070309020205020404" pitchFamily="49" charset="0"/>
+              </a:rPr>
+              <a:t>	</a:t>
+            </a:r>
+            <a:r>
               <a:rPr lang="en-US" sz="1600" dirty="0" smtClean="0">
                 <a:latin typeface="Courier New" panose="02070309020205020404" pitchFamily="49" charset="0"/>
                 <a:cs typeface="Courier New" panose="02070309020205020404" pitchFamily="49" charset="0"/>
               </a:rPr>
-              <a:t>	}</a:t>
+              <a:t>// </a:t>
+            </a:r>
+            <a:r>
+              <a:rPr lang="en-US" sz="1600" dirty="0">
+                <a:latin typeface="Courier New" panose="02070309020205020404" pitchFamily="49" charset="0"/>
+                <a:cs typeface="Courier New" panose="02070309020205020404" pitchFamily="49" charset="0"/>
+              </a:rPr>
+              <a:t>curly braces closes a block!</a:t>
             </a:r>
           </a:p>
           <a:p>
@@ -10590,18 +10348,12 @@
               <a:buNone/>
             </a:pPr>
             <a:r>
-              <a:rPr lang="en-US" sz="1600" dirty="0" smtClean="0">
+              <a:rPr lang="en-US" sz="1600" dirty="0">
                 <a:latin typeface="Courier New" panose="02070309020205020404" pitchFamily="49" charset="0"/>
                 <a:cs typeface="Courier New" panose="02070309020205020404" pitchFamily="49" charset="0"/>
               </a:rPr>
               <a:t>}</a:t>
             </a:r>
-          </a:p>
-          <a:p>
-            <a:pPr marL="0" indent="0">
-              <a:buNone/>
-            </a:pPr>
-            <a:endParaRPr lang="en-US" sz="1050" dirty="0"/>
           </a:p>
         </p:txBody>
       </p:sp>
@@ -10620,9 +10372,9 @@
           <a:bodyPr/>
           <a:lstStyle/>
           <a:p>
-            <a:fld id="{B2E7E471-C978-47FC-932A-C76B022D0E3D}" type="datetime1">
+            <a:fld id="{C19F3DF1-A0EA-4839-B99A-BF50ECEF913E}" type="datetime1">
               <a:rPr lang="en-US" smtClean="0"/>
-              <a:t>8/12/2015</a:t>
+              <a:t>9/22/2015</a:t>
             </a:fld>
             <a:endParaRPr lang="en-US"/>
           </a:p>
@@ -10631,7 +10383,7 @@
     </p:spTree>
     <p:extLst>
       <p:ext uri="{BB962C8B-B14F-4D97-AF65-F5344CB8AC3E}">
-        <p14:creationId xmlns:p14="http://schemas.microsoft.com/office/powerpoint/2010/main" val="1160265859"/>
+        <p14:creationId xmlns:p14="http://schemas.microsoft.com/office/powerpoint/2010/main" val="1980519722"/>
       </p:ext>
     </p:extLst>
   </p:cSld>
@@ -10667,7 +10419,7 @@
       </p:grpSpPr>
       <p:sp>
         <p:nvSpPr>
-          <p:cNvPr id="2" name="Title 1"/>
+          <p:cNvPr id="3" name="Title 2"/>
           <p:cNvSpPr>
             <a:spLocks noGrp="1"/>
           </p:cNvSpPr>
@@ -10682,165 +10434,311 @@
           <a:p>
             <a:r>
               <a:rPr lang="en-US" dirty="0" smtClean="0"/>
-              <a:t>Lets do some addition!</a:t>
+              <a:t>String Formatting</a:t>
             </a:r>
             <a:endParaRPr lang="en-US" dirty="0"/>
           </a:p>
         </p:txBody>
       </p:sp>
-      <p:sp>
-        <p:nvSpPr>
-          <p:cNvPr id="3" name="Content Placeholder 2"/>
-          <p:cNvSpPr>
-            <a:spLocks noGrp="1"/>
-          </p:cNvSpPr>
+      <p:graphicFrame>
+        <p:nvGraphicFramePr>
+          <p:cNvPr id="6" name="Content Placeholder 3"/>
+          <p:cNvGraphicFramePr>
+            <a:graphicFrameLocks noGrp="1"/>
+          </p:cNvGraphicFramePr>
           <p:nvPr>
             <p:ph idx="1"/>
-          </p:nvPr>
-        </p:nvSpPr>
-        <p:spPr/>
-        <p:txBody>
-          <a:bodyPr/>
+            <p:extLst>
+              <p:ext uri="{D42A27DB-BD31-4B8C-83A1-F6EECF244321}">
+                <p14:modId xmlns:p14="http://schemas.microsoft.com/office/powerpoint/2010/main" val="539711175"/>
+              </p:ext>
+            </p:extLst>
+          </p:nvPr>
+        </p:nvGraphicFramePr>
+        <p:xfrm>
+          <a:off x="457198" y="1600200"/>
+          <a:ext cx="7919546" cy="2926080"/>
+        </p:xfrm>
+        <a:graphic>
+          <a:graphicData uri="http://schemas.openxmlformats.org/drawingml/2006/table">
+            <a:tbl>
+              <a:tblPr firstRow="1" bandRow="1">
+                <a:tableStyleId>{5C22544A-7EE6-4342-B048-85BDC9FD1C3A}</a:tableStyleId>
+              </a:tblPr>
+              <a:tblGrid>
+                <a:gridCol w="1907630"/>
+                <a:gridCol w="6011916"/>
+              </a:tblGrid>
+              <a:tr h="457200">
+                <a:tc>
+                  <a:txBody>
+                    <a:bodyPr/>
+                    <a:lstStyle/>
+                    <a:p>
+                      <a:r>
+                        <a:rPr lang="en-US" dirty="0" smtClean="0"/>
+                        <a:t>Escape</a:t>
+                      </a:r>
+                      <a:r>
+                        <a:rPr lang="en-US" baseline="0" dirty="0" smtClean="0"/>
+                        <a:t> </a:t>
+                      </a:r>
+                      <a:r>
+                        <a:rPr lang="en-US" baseline="0" dirty="0" err="1" smtClean="0"/>
+                        <a:t>Secuence</a:t>
+                      </a:r>
+                      <a:endParaRPr lang="en-US" dirty="0"/>
+                    </a:p>
+                  </a:txBody>
+                  <a:tcPr/>
+                </a:tc>
+                <a:tc>
+                  <a:txBody>
+                    <a:bodyPr/>
+                    <a:lstStyle/>
+                    <a:p>
+                      <a:r>
+                        <a:rPr lang="en-US" dirty="0" smtClean="0"/>
+                        <a:t>Description</a:t>
+                      </a:r>
+                      <a:endParaRPr lang="en-US" dirty="0"/>
+                    </a:p>
+                  </a:txBody>
+                  <a:tcPr/>
+                </a:tc>
+              </a:tr>
+              <a:tr h="457200">
+                <a:tc>
+                  <a:txBody>
+                    <a:bodyPr/>
+                    <a:lstStyle/>
+                    <a:p>
+                      <a:r>
+                        <a:rPr lang="en-US" dirty="0" smtClean="0"/>
+                        <a:t>\t</a:t>
+                      </a:r>
+                      <a:endParaRPr lang="en-US" dirty="0"/>
+                    </a:p>
+                  </a:txBody>
+                  <a:tcPr/>
+                </a:tc>
+                <a:tc>
+                  <a:txBody>
+                    <a:bodyPr/>
+                    <a:lstStyle/>
+                    <a:p>
+                      <a:r>
+                        <a:rPr lang="en-US" b="1" dirty="0" smtClean="0"/>
+                        <a:t>Inserts a tab in the text.</a:t>
+                      </a:r>
+                      <a:endParaRPr lang="en-US" b="1" dirty="0"/>
+                    </a:p>
+                  </a:txBody>
+                  <a:tcPr/>
+                </a:tc>
+              </a:tr>
+              <a:tr h="457200">
+                <a:tc>
+                  <a:txBody>
+                    <a:bodyPr/>
+                    <a:lstStyle/>
+                    <a:p>
+                      <a:r>
+                        <a:rPr lang="en-US" dirty="0" smtClean="0"/>
+                        <a:t>\n</a:t>
+                      </a:r>
+                      <a:endParaRPr lang="en-US" dirty="0"/>
+                    </a:p>
+                  </a:txBody>
+                  <a:tcPr/>
+                </a:tc>
+                <a:tc>
+                  <a:txBody>
+                    <a:bodyPr/>
+                    <a:lstStyle/>
+                    <a:p>
+                      <a:r>
+                        <a:rPr lang="en-US" b="1" dirty="0" smtClean="0"/>
+                        <a:t>Inserts</a:t>
+                      </a:r>
+                      <a:r>
+                        <a:rPr lang="en-US" b="1" baseline="0" dirty="0" smtClean="0"/>
+                        <a:t> a newline in the text.</a:t>
+                      </a:r>
+                      <a:endParaRPr lang="en-US" b="1" dirty="0"/>
+                    </a:p>
+                  </a:txBody>
+                  <a:tcPr/>
+                </a:tc>
+              </a:tr>
+              <a:tr h="457200">
+                <a:tc>
+                  <a:txBody>
+                    <a:bodyPr/>
+                    <a:lstStyle/>
+                    <a:p>
+                      <a:r>
+                        <a:rPr lang="en-US" dirty="0" smtClean="0"/>
+                        <a:t>\\</a:t>
+                      </a:r>
+                      <a:endParaRPr lang="en-US" dirty="0"/>
+                    </a:p>
+                  </a:txBody>
+                  <a:tcPr/>
+                </a:tc>
+                <a:tc>
+                  <a:txBody>
+                    <a:bodyPr/>
+                    <a:lstStyle/>
+                    <a:p>
+                      <a:r>
+                        <a:rPr lang="en-US" b="1" dirty="0" smtClean="0"/>
+                        <a:t>Inserts</a:t>
+                      </a:r>
+                      <a:r>
+                        <a:rPr lang="en-US" b="1" baseline="0" dirty="0" smtClean="0"/>
+                        <a:t> a backslash in the text.</a:t>
+                      </a:r>
+                      <a:endParaRPr lang="en-US" b="1" dirty="0"/>
+                    </a:p>
+                  </a:txBody>
+                  <a:tcPr/>
+                </a:tc>
+              </a:tr>
+              <a:tr h="457200">
+                <a:tc>
+                  <a:txBody>
+                    <a:bodyPr/>
+                    <a:lstStyle/>
+                    <a:p>
+                      <a:r>
+                        <a:rPr lang="en-US" dirty="0" smtClean="0"/>
+                        <a:t>\”</a:t>
+                      </a:r>
+                      <a:endParaRPr lang="en-US" dirty="0"/>
+                    </a:p>
+                  </a:txBody>
+                  <a:tcPr/>
+                </a:tc>
+                <a:tc>
+                  <a:txBody>
+                    <a:bodyPr/>
+                    <a:lstStyle/>
+                    <a:p>
+                      <a:r>
+                        <a:rPr lang="en-US" b="1" dirty="0" smtClean="0"/>
+                        <a:t>Inserts</a:t>
+                      </a:r>
+                      <a:r>
+                        <a:rPr lang="en-US" b="1" baseline="0" dirty="0" smtClean="0"/>
+                        <a:t> a double quote in the text.</a:t>
+                      </a:r>
+                      <a:endParaRPr lang="en-US" b="1" dirty="0"/>
+                    </a:p>
+                  </a:txBody>
+                  <a:tcPr/>
+                </a:tc>
+              </a:tr>
+              <a:tr h="457200">
+                <a:tc>
+                  <a:txBody>
+                    <a:bodyPr/>
+                    <a:lstStyle/>
+                    <a:p>
+                      <a:r>
+                        <a:rPr lang="en-US" dirty="0" smtClean="0"/>
+                        <a:t>\’</a:t>
+                      </a:r>
+                      <a:endParaRPr lang="en-US" dirty="0"/>
+                    </a:p>
+                  </a:txBody>
+                  <a:tcPr/>
+                </a:tc>
+                <a:tc>
+                  <a:txBody>
+                    <a:bodyPr/>
+                    <a:lstStyle/>
+                    <a:p>
+                      <a:r>
+                        <a:rPr lang="en-US" b="1" dirty="0" smtClean="0"/>
+                        <a:t>Inserts</a:t>
+                      </a:r>
+                      <a:r>
+                        <a:rPr lang="en-US" b="1" baseline="0" dirty="0" smtClean="0"/>
+                        <a:t> a double quote in the text.</a:t>
+                      </a:r>
+                      <a:endParaRPr lang="en-US" b="1" dirty="0"/>
+                    </a:p>
+                  </a:txBody>
+                  <a:tcPr/>
+                </a:tc>
+              </a:tr>
+            </a:tbl>
+          </a:graphicData>
+        </a:graphic>
+      </p:graphicFrame>
+      <p:sp>
+        <p:nvSpPr>
+          <p:cNvPr id="2" name="TextBox 1"/>
+          <p:cNvSpPr txBox="1"/>
+          <p:nvPr/>
+        </p:nvSpPr>
+        <p:spPr>
+          <a:xfrm>
+            <a:off x="457198" y="4995363"/>
+            <a:ext cx="7919546" cy="1015663"/>
+          </a:xfrm>
+          <a:prstGeom prst="rect">
+            <a:avLst/>
+          </a:prstGeom>
+          <a:noFill/>
+        </p:spPr>
+        <p:txBody>
+          <a:bodyPr wrap="square" rtlCol="0">
+            <a:spAutoFit/>
+          </a:bodyPr>
           <a:lstStyle/>
           <a:p>
-            <a:pPr marL="0" indent="0">
-              <a:buNone/>
-            </a:pPr>
-            <a:r>
-              <a:rPr lang="en-US" sz="2400" dirty="0" err="1" smtClean="0">
-                <a:latin typeface="Courier New" panose="02070309020205020404" pitchFamily="49" charset="0"/>
-                <a:cs typeface="Courier New" panose="02070309020205020404" pitchFamily="49" charset="0"/>
-              </a:rPr>
-              <a:t>int</a:t>
-            </a:r>
-            <a:r>
-              <a:rPr lang="en-US" sz="2400" dirty="0" smtClean="0">
-                <a:latin typeface="Courier New" panose="02070309020205020404" pitchFamily="49" charset="0"/>
-                <a:cs typeface="Courier New" panose="02070309020205020404" pitchFamily="49" charset="0"/>
-              </a:rPr>
-              <a:t> number1;</a:t>
-            </a:r>
-            <a:endParaRPr lang="en-US" sz="2400" dirty="0">
-              <a:latin typeface="Courier New" panose="02070309020205020404" pitchFamily="49" charset="0"/>
-              <a:cs typeface="Courier New" panose="02070309020205020404" pitchFamily="49" charset="0"/>
-            </a:endParaRPr>
-          </a:p>
-          <a:p>
-            <a:r>
-              <a:rPr lang="en-US" sz="3000" dirty="0" smtClean="0"/>
-              <a:t>Each variable has a name: “number1”</a:t>
-            </a:r>
-          </a:p>
-          <a:p>
-            <a:r>
-              <a:rPr lang="en-US" sz="3000" dirty="0" smtClean="0"/>
-              <a:t>Each variable has a type: “</a:t>
-            </a:r>
-            <a:r>
-              <a:rPr lang="en-US" sz="3000" dirty="0" err="1" smtClean="0"/>
-              <a:t>int</a:t>
-            </a:r>
-            <a:r>
-              <a:rPr lang="en-US" sz="3000" dirty="0" smtClean="0"/>
-              <a:t>”</a:t>
-            </a:r>
-          </a:p>
-          <a:p>
-            <a:r>
-              <a:rPr lang="en-US" sz="3000" dirty="0" smtClean="0"/>
-              <a:t>Each variable has a size</a:t>
-            </a:r>
-          </a:p>
-          <a:p>
-            <a:pPr marL="0" indent="0">
-              <a:buNone/>
-            </a:pPr>
-            <a:r>
-              <a:rPr lang="en-US" sz="2800" dirty="0" smtClean="0">
-                <a:latin typeface="Courier New" panose="02070309020205020404" pitchFamily="49" charset="0"/>
-                <a:cs typeface="Courier New" panose="02070309020205020404" pitchFamily="49" charset="0"/>
-              </a:rPr>
-              <a:t>number1 = </a:t>
-            </a:r>
-            <a:r>
-              <a:rPr lang="en-US" sz="2800" dirty="0" err="1" smtClean="0">
-                <a:latin typeface="Courier New" panose="02070309020205020404" pitchFamily="49" charset="0"/>
-                <a:cs typeface="Courier New" panose="02070309020205020404" pitchFamily="49" charset="0"/>
-              </a:rPr>
-              <a:t>input.nextInt</a:t>
-            </a:r>
-            <a:r>
-              <a:rPr lang="en-US" sz="2800" dirty="0" smtClean="0">
-                <a:latin typeface="Courier New" panose="02070309020205020404" pitchFamily="49" charset="0"/>
-                <a:cs typeface="Courier New" panose="02070309020205020404" pitchFamily="49" charset="0"/>
-              </a:rPr>
-              <a:t>();</a:t>
-            </a:r>
-            <a:endParaRPr lang="en-US" sz="3000" dirty="0" smtClean="0"/>
-          </a:p>
-          <a:p>
-            <a:r>
-              <a:rPr lang="en-US" sz="3000" dirty="0" smtClean="0"/>
-              <a:t>A variable refers to a specific location in memory.</a:t>
-            </a:r>
-          </a:p>
-          <a:p>
-            <a:r>
-              <a:rPr lang="en-US" sz="3000" dirty="0" smtClean="0"/>
-              <a:t>When assignment occurs the old value is overwritten by the new value </a:t>
-            </a:r>
-            <a:endParaRPr lang="en-US" sz="3000" dirty="0"/>
-          </a:p>
-          <a:p>
-            <a:pPr marL="0" indent="0">
-              <a:buNone/>
-            </a:pPr>
+            <a:r>
+              <a:rPr lang="en-US" sz="2400" b="1" dirty="0" smtClean="0">
+                <a:latin typeface="+mn-lt"/>
+                <a:cs typeface="Courier New" panose="02070309020205020404" pitchFamily="49" charset="0"/>
+              </a:rPr>
+              <a:t>What will be the result of this statement?</a:t>
+            </a:r>
+          </a:p>
+          <a:p>
             <a:endParaRPr lang="en-US" dirty="0" smtClean="0">
               <a:latin typeface="Courier New" panose="02070309020205020404" pitchFamily="49" charset="0"/>
               <a:cs typeface="Courier New" panose="02070309020205020404" pitchFamily="49" charset="0"/>
             </a:endParaRPr>
           </a:p>
           <a:p>
-            <a:pPr marL="0" indent="0">
-              <a:buNone/>
-            </a:pPr>
+            <a:r>
+              <a:rPr lang="en-US" dirty="0" err="1" smtClean="0">
+                <a:latin typeface="Courier New" panose="02070309020205020404" pitchFamily="49" charset="0"/>
+                <a:cs typeface="Courier New" panose="02070309020205020404" pitchFamily="49" charset="0"/>
+              </a:rPr>
+              <a:t>System.out.println</a:t>
+            </a:r>
+            <a:r>
+              <a:rPr lang="en-US" dirty="0">
+                <a:latin typeface="Courier New" panose="02070309020205020404" pitchFamily="49" charset="0"/>
+                <a:cs typeface="Courier New" panose="02070309020205020404" pitchFamily="49" charset="0"/>
+              </a:rPr>
+              <a:t>("\\/\"PRINT\"\\/\n\t\'print\'");</a:t>
+            </a:r>
             <a:endParaRPr lang="en-US" dirty="0" smtClean="0">
               <a:latin typeface="Courier New" panose="02070309020205020404" pitchFamily="49" charset="0"/>
               <a:cs typeface="Courier New" panose="02070309020205020404" pitchFamily="49" charset="0"/>
             </a:endParaRPr>
           </a:p>
-          <a:p>
-            <a:endParaRPr lang="en-US" dirty="0"/>
-          </a:p>
-        </p:txBody>
-      </p:sp>
-      <p:sp>
-        <p:nvSpPr>
-          <p:cNvPr id="4" name="Date Placeholder 3"/>
-          <p:cNvSpPr>
-            <a:spLocks noGrp="1"/>
-          </p:cNvSpPr>
-          <p:nvPr>
-            <p:ph type="dt" sz="half" idx="10"/>
-          </p:nvPr>
-        </p:nvSpPr>
-        <p:spPr/>
-        <p:txBody>
-          <a:bodyPr/>
-          <a:lstStyle/>
-          <a:p>
-            <a:fld id="{5B289CE1-9B0E-4E29-A9CD-9B6D36A464E0}" type="datetime1">
-              <a:rPr lang="en-US" smtClean="0"/>
-              <a:t>8/12/2015</a:t>
-            </a:fld>
-            <a:endParaRPr lang="en-US"/>
-          </a:p>
         </p:txBody>
       </p:sp>
     </p:spTree>
     <p:extLst>
       <p:ext uri="{BB962C8B-B14F-4D97-AF65-F5344CB8AC3E}">
-        <p14:creationId xmlns:p14="http://schemas.microsoft.com/office/powerpoint/2010/main" val="1586170881"/>
+        <p14:creationId xmlns:p14="http://schemas.microsoft.com/office/powerpoint/2010/main" val="4143821895"/>
       </p:ext>
     </p:extLst>
   </p:cSld>
@@ -10891,7 +10789,7 @@
           <a:p>
             <a:r>
               <a:rPr lang="en-US" dirty="0" smtClean="0"/>
-              <a:t>Java</a:t>
+              <a:t>Java and Version Control</a:t>
             </a:r>
             <a:endParaRPr lang="en-US" dirty="0"/>
           </a:p>
@@ -10933,7 +10831,7 @@
           <a:p>
             <a:r>
               <a:rPr lang="en-US" dirty="0" smtClean="0"/>
-              <a:t>Zach Merrill, Systems App Developer - Gallup</a:t>
+              <a:t>Zach Merrill</a:t>
             </a:r>
             <a:endParaRPr lang="en-US" dirty="0"/>
           </a:p>
@@ -10954,6 +10852,10 @@
           <a:bodyPr/>
           <a:lstStyle/>
           <a:p>
+            <a:r>
+              <a:rPr lang="en-US" dirty="0" smtClean="0"/>
+              <a:t>System Application Developer</a:t>
+            </a:r>
             <a:endParaRPr lang="en-US" dirty="0"/>
           </a:p>
         </p:txBody>
@@ -10973,7 +10875,15 @@
           <a:bodyPr/>
           <a:lstStyle/>
           <a:p>
-            <a:endParaRPr lang="en-US"/>
+            <a:r>
+              <a:rPr lang="en-US" dirty="0" smtClean="0"/>
+              <a:t>James </a:t>
+            </a:r>
+            <a:r>
+              <a:rPr lang="en-US" dirty="0" err="1" smtClean="0"/>
+              <a:t>Getrost</a:t>
+            </a:r>
+            <a:endParaRPr lang="en-US" dirty="0"/>
           </a:p>
         </p:txBody>
       </p:sp>
@@ -10992,7 +10902,10 @@
           <a:bodyPr/>
           <a:lstStyle/>
           <a:p>
-            <a:endParaRPr lang="en-US"/>
+            <a:r>
+              <a:rPr lang="en-US" dirty="0"/>
+              <a:t>System Application Developer Intern</a:t>
+            </a:r>
           </a:p>
         </p:txBody>
       </p:sp>
@@ -11017,6 +10930,1723 @@
 </file>
 
 <file path=ppt/slides/slide20.xml><?xml version="1.0" encoding="utf-8"?>
+<p:sld xmlns:a="http://schemas.openxmlformats.org/drawingml/2006/main" xmlns:r="http://schemas.openxmlformats.org/officeDocument/2006/relationships" xmlns:p="http://schemas.openxmlformats.org/presentationml/2006/main">
+  <p:cSld>
+    <p:spTree>
+      <p:nvGrpSpPr>
+        <p:cNvPr id="1" name=""/>
+        <p:cNvGrpSpPr/>
+        <p:nvPr/>
+      </p:nvGrpSpPr>
+      <p:grpSpPr>
+        <a:xfrm>
+          <a:off x="0" y="0"/>
+          <a:ext cx="0" cy="0"/>
+          <a:chOff x="0" y="0"/>
+          <a:chExt cx="0" cy="0"/>
+        </a:xfrm>
+      </p:grpSpPr>
+      <p:sp>
+        <p:nvSpPr>
+          <p:cNvPr id="3" name="Title 2"/>
+          <p:cNvSpPr>
+            <a:spLocks noGrp="1"/>
+          </p:cNvSpPr>
+          <p:nvPr>
+            <p:ph type="title"/>
+          </p:nvPr>
+        </p:nvSpPr>
+        <p:spPr/>
+        <p:txBody>
+          <a:bodyPr/>
+          <a:lstStyle/>
+          <a:p>
+            <a:r>
+              <a:rPr lang="en-US" dirty="0" smtClean="0"/>
+              <a:t>String Formatting cont.</a:t>
+            </a:r>
+            <a:endParaRPr lang="en-US" dirty="0"/>
+          </a:p>
+        </p:txBody>
+      </p:sp>
+      <p:graphicFrame>
+        <p:nvGraphicFramePr>
+          <p:cNvPr id="6" name="Content Placeholder 3"/>
+          <p:cNvGraphicFramePr>
+            <a:graphicFrameLocks noGrp="1"/>
+          </p:cNvGraphicFramePr>
+          <p:nvPr>
+            <p:ph idx="1"/>
+            <p:extLst>
+              <p:ext uri="{D42A27DB-BD31-4B8C-83A1-F6EECF244321}">
+                <p14:modId xmlns:p14="http://schemas.microsoft.com/office/powerpoint/2010/main" val="3639030724"/>
+              </p:ext>
+            </p:extLst>
+          </p:nvPr>
+        </p:nvGraphicFramePr>
+        <p:xfrm>
+          <a:off x="457198" y="1600200"/>
+          <a:ext cx="7919546" cy="2926080"/>
+        </p:xfrm>
+        <a:graphic>
+          <a:graphicData uri="http://schemas.openxmlformats.org/drawingml/2006/table">
+            <a:tbl>
+              <a:tblPr firstRow="1" bandRow="1">
+                <a:tableStyleId>{5C22544A-7EE6-4342-B048-85BDC9FD1C3A}</a:tableStyleId>
+              </a:tblPr>
+              <a:tblGrid>
+                <a:gridCol w="1907630"/>
+                <a:gridCol w="6011916"/>
+              </a:tblGrid>
+              <a:tr h="457200">
+                <a:tc>
+                  <a:txBody>
+                    <a:bodyPr/>
+                    <a:lstStyle/>
+                    <a:p>
+                      <a:r>
+                        <a:rPr lang="en-US" dirty="0" smtClean="0"/>
+                        <a:t>Format</a:t>
+                      </a:r>
+                      <a:r>
+                        <a:rPr lang="en-US" baseline="0" dirty="0" smtClean="0"/>
+                        <a:t> Specifier</a:t>
+                      </a:r>
+                      <a:endParaRPr lang="en-US" dirty="0"/>
+                    </a:p>
+                  </a:txBody>
+                  <a:tcPr/>
+                </a:tc>
+                <a:tc>
+                  <a:txBody>
+                    <a:bodyPr/>
+                    <a:lstStyle/>
+                    <a:p>
+                      <a:r>
+                        <a:rPr lang="en-US" dirty="0" smtClean="0"/>
+                        <a:t>Description</a:t>
+                      </a:r>
+                      <a:endParaRPr lang="en-US" dirty="0"/>
+                    </a:p>
+                  </a:txBody>
+                  <a:tcPr/>
+                </a:tc>
+              </a:tr>
+              <a:tr h="457200">
+                <a:tc>
+                  <a:txBody>
+                    <a:bodyPr/>
+                    <a:lstStyle/>
+                    <a:p>
+                      <a:r>
+                        <a:rPr lang="en-US" dirty="0" smtClean="0"/>
+                        <a:t>%d</a:t>
+                      </a:r>
+                      <a:endParaRPr lang="en-US" dirty="0"/>
+                    </a:p>
+                  </a:txBody>
+                  <a:tcPr/>
+                </a:tc>
+                <a:tc>
+                  <a:txBody>
+                    <a:bodyPr/>
+                    <a:lstStyle/>
+                    <a:p>
+                      <a:r>
+                        <a:rPr lang="en-US" b="1" dirty="0" smtClean="0"/>
+                        <a:t>Formats</a:t>
+                      </a:r>
+                      <a:r>
+                        <a:rPr lang="en-US" b="1" baseline="0" dirty="0" smtClean="0"/>
+                        <a:t> value as a decimal.</a:t>
+                      </a:r>
+                      <a:endParaRPr lang="en-US" b="1" dirty="0"/>
+                    </a:p>
+                  </a:txBody>
+                  <a:tcPr/>
+                </a:tc>
+              </a:tr>
+              <a:tr h="457200">
+                <a:tc>
+                  <a:txBody>
+                    <a:bodyPr/>
+                    <a:lstStyle/>
+                    <a:p>
+                      <a:r>
+                        <a:rPr lang="en-US" dirty="0" smtClean="0"/>
+                        <a:t>%f</a:t>
+                      </a:r>
+                      <a:endParaRPr lang="en-US" dirty="0"/>
+                    </a:p>
+                  </a:txBody>
+                  <a:tcPr/>
+                </a:tc>
+                <a:tc>
+                  <a:txBody>
+                    <a:bodyPr/>
+                    <a:lstStyle/>
+                    <a:p>
+                      <a:r>
+                        <a:rPr lang="en-US" b="1" dirty="0" smtClean="0"/>
+                        <a:t>Formats</a:t>
+                      </a:r>
+                      <a:r>
+                        <a:rPr lang="en-US" b="1" baseline="0" dirty="0" smtClean="0"/>
+                        <a:t> value as a floating point.</a:t>
+                      </a:r>
+                      <a:endParaRPr lang="en-US" b="1" dirty="0"/>
+                    </a:p>
+                  </a:txBody>
+                  <a:tcPr/>
+                </a:tc>
+              </a:tr>
+              <a:tr h="457200">
+                <a:tc>
+                  <a:txBody>
+                    <a:bodyPr/>
+                    <a:lstStyle/>
+                    <a:p>
+                      <a:r>
+                        <a:rPr lang="en-US" dirty="0" smtClean="0"/>
+                        <a:t>%s</a:t>
+                      </a:r>
+                      <a:endParaRPr lang="en-US" dirty="0"/>
+                    </a:p>
+                  </a:txBody>
+                  <a:tcPr/>
+                </a:tc>
+                <a:tc>
+                  <a:txBody>
+                    <a:bodyPr/>
+                    <a:lstStyle/>
+                    <a:p>
+                      <a:r>
+                        <a:rPr lang="en-US" b="1" dirty="0" smtClean="0"/>
+                        <a:t>Formats</a:t>
+                      </a:r>
+                      <a:r>
+                        <a:rPr lang="en-US" b="1" baseline="0" dirty="0" smtClean="0"/>
+                        <a:t> value as a string.</a:t>
+                      </a:r>
+                      <a:endParaRPr lang="en-US" b="1" dirty="0"/>
+                    </a:p>
+                  </a:txBody>
+                  <a:tcPr/>
+                </a:tc>
+              </a:tr>
+              <a:tr h="457200">
+                <a:tc>
+                  <a:txBody>
+                    <a:bodyPr/>
+                    <a:lstStyle/>
+                    <a:p>
+                      <a:r>
+                        <a:rPr lang="en-US" dirty="0" smtClean="0"/>
+                        <a:t>%n</a:t>
+                      </a:r>
+                      <a:endParaRPr lang="en-US" dirty="0"/>
+                    </a:p>
+                  </a:txBody>
+                  <a:tcPr/>
+                </a:tc>
+                <a:tc>
+                  <a:txBody>
+                    <a:bodyPr/>
+                    <a:lstStyle/>
+                    <a:p>
+                      <a:r>
+                        <a:rPr lang="en-US" b="1" dirty="0" smtClean="0"/>
+                        <a:t>Outputs</a:t>
+                      </a:r>
+                      <a:r>
+                        <a:rPr lang="en-US" b="1" baseline="0" dirty="0" smtClean="0"/>
+                        <a:t> a platform-specific line terminator.</a:t>
+                      </a:r>
+                      <a:endParaRPr lang="en-US" b="1" dirty="0"/>
+                    </a:p>
+                  </a:txBody>
+                  <a:tcPr/>
+                </a:tc>
+              </a:tr>
+              <a:tr h="457200">
+                <a:tc>
+                  <a:txBody>
+                    <a:bodyPr/>
+                    <a:lstStyle/>
+                    <a:p>
+                      <a:r>
+                        <a:rPr lang="en-US" dirty="0" smtClean="0"/>
+                        <a:t>%%</a:t>
+                      </a:r>
+                      <a:endParaRPr lang="en-US" dirty="0"/>
+                    </a:p>
+                  </a:txBody>
+                  <a:tcPr/>
+                </a:tc>
+                <a:tc>
+                  <a:txBody>
+                    <a:bodyPr/>
+                    <a:lstStyle/>
+                    <a:p>
+                      <a:r>
+                        <a:rPr lang="en-US" b="1" dirty="0" smtClean="0"/>
+                        <a:t>Outputs a percent sign.</a:t>
+                      </a:r>
+                      <a:endParaRPr lang="en-US" b="1" dirty="0"/>
+                    </a:p>
+                  </a:txBody>
+                  <a:tcPr/>
+                </a:tc>
+              </a:tr>
+            </a:tbl>
+          </a:graphicData>
+        </a:graphic>
+      </p:graphicFrame>
+      <p:sp>
+        <p:nvSpPr>
+          <p:cNvPr id="2" name="TextBox 1"/>
+          <p:cNvSpPr txBox="1"/>
+          <p:nvPr/>
+        </p:nvSpPr>
+        <p:spPr>
+          <a:xfrm>
+            <a:off x="457198" y="1230868"/>
+            <a:ext cx="5682966" cy="369332"/>
+          </a:xfrm>
+          <a:prstGeom prst="rect">
+            <a:avLst/>
+          </a:prstGeom>
+          <a:noFill/>
+        </p:spPr>
+        <p:txBody>
+          <a:bodyPr wrap="none" rtlCol="0">
+            <a:spAutoFit/>
+          </a:bodyPr>
+          <a:lstStyle/>
+          <a:p>
+            <a:r>
+              <a:rPr lang="en-US" dirty="0" smtClean="0">
+                <a:latin typeface="+mn-lt"/>
+              </a:rPr>
+              <a:t>Format a string using the </a:t>
+            </a:r>
+            <a:r>
+              <a:rPr lang="en-US" dirty="0" err="1" smtClean="0">
+                <a:latin typeface="+mn-lt"/>
+              </a:rPr>
+              <a:t>System.out.printf</a:t>
+            </a:r>
+            <a:r>
+              <a:rPr lang="en-US" dirty="0" smtClean="0">
+                <a:latin typeface="+mn-lt"/>
+              </a:rPr>
+              <a:t>() method.</a:t>
+            </a:r>
+          </a:p>
+        </p:txBody>
+      </p:sp>
+      <p:sp>
+        <p:nvSpPr>
+          <p:cNvPr id="5" name="TextBox 4"/>
+          <p:cNvSpPr txBox="1"/>
+          <p:nvPr/>
+        </p:nvSpPr>
+        <p:spPr>
+          <a:xfrm>
+            <a:off x="457199" y="4526280"/>
+            <a:ext cx="7919545" cy="1754326"/>
+          </a:xfrm>
+          <a:prstGeom prst="rect">
+            <a:avLst/>
+          </a:prstGeom>
+          <a:noFill/>
+        </p:spPr>
+        <p:txBody>
+          <a:bodyPr wrap="square" rtlCol="0">
+            <a:spAutoFit/>
+          </a:bodyPr>
+          <a:lstStyle/>
+          <a:p>
+            <a:r>
+              <a:rPr lang="en-US" dirty="0" smtClean="0">
+                <a:latin typeface="Courier New" panose="02070309020205020404" pitchFamily="49" charset="0"/>
+                <a:cs typeface="Courier New" panose="02070309020205020404" pitchFamily="49" charset="0"/>
+              </a:rPr>
+              <a:t>double price = 15.00;</a:t>
+            </a:r>
+          </a:p>
+          <a:p>
+            <a:r>
+              <a:rPr lang="en-US" dirty="0" err="1" smtClean="0">
+                <a:latin typeface="Courier New" panose="02070309020205020404" pitchFamily="49" charset="0"/>
+                <a:cs typeface="Courier New" panose="02070309020205020404" pitchFamily="49" charset="0"/>
+              </a:rPr>
+              <a:t>System.out.println</a:t>
+            </a:r>
+            <a:r>
+              <a:rPr lang="en-US" dirty="0" smtClean="0">
+                <a:latin typeface="Courier New" panose="02070309020205020404" pitchFamily="49" charset="0"/>
+                <a:cs typeface="Courier New" panose="02070309020205020404" pitchFamily="49" charset="0"/>
+              </a:rPr>
+              <a:t>(price); //15.0</a:t>
+            </a:r>
+          </a:p>
+          <a:p>
+            <a:r>
+              <a:rPr lang="en-US" dirty="0" err="1">
+                <a:latin typeface="Courier New" panose="02070309020205020404" pitchFamily="49" charset="0"/>
+                <a:cs typeface="Courier New" panose="02070309020205020404" pitchFamily="49" charset="0"/>
+              </a:rPr>
+              <a:t>System.out.printf</a:t>
+            </a:r>
+            <a:r>
+              <a:rPr lang="en-US" dirty="0">
+                <a:latin typeface="Courier New" panose="02070309020205020404" pitchFamily="49" charset="0"/>
+                <a:cs typeface="Courier New" panose="02070309020205020404" pitchFamily="49" charset="0"/>
+              </a:rPr>
+              <a:t>("%</a:t>
+            </a:r>
+            <a:r>
+              <a:rPr lang="en-US" dirty="0" err="1">
+                <a:latin typeface="Courier New" panose="02070309020205020404" pitchFamily="49" charset="0"/>
+                <a:cs typeface="Courier New" panose="02070309020205020404" pitchFamily="49" charset="0"/>
+              </a:rPr>
+              <a:t>f%n</a:t>
+            </a:r>
+            <a:r>
+              <a:rPr lang="en-US" dirty="0">
+                <a:latin typeface="Courier New" panose="02070309020205020404" pitchFamily="49" charset="0"/>
+                <a:cs typeface="Courier New" panose="02070309020205020404" pitchFamily="49" charset="0"/>
+              </a:rPr>
+              <a:t>", price</a:t>
+            </a:r>
+            <a:r>
+              <a:rPr lang="en-US" dirty="0" smtClean="0">
+                <a:latin typeface="Courier New" panose="02070309020205020404" pitchFamily="49" charset="0"/>
+                <a:cs typeface="Courier New" panose="02070309020205020404" pitchFamily="49" charset="0"/>
+              </a:rPr>
+              <a:t>); //15.000000</a:t>
+            </a:r>
+          </a:p>
+          <a:p>
+            <a:r>
+              <a:rPr lang="en-US" dirty="0" err="1" smtClean="0">
+                <a:latin typeface="Courier New" panose="02070309020205020404" pitchFamily="49" charset="0"/>
+                <a:cs typeface="Courier New" panose="02070309020205020404" pitchFamily="49" charset="0"/>
+              </a:rPr>
+              <a:t>System.out.printf</a:t>
+            </a:r>
+            <a:r>
+              <a:rPr lang="en-US" dirty="0" smtClean="0">
+                <a:latin typeface="Courier New" panose="02070309020205020404" pitchFamily="49" charset="0"/>
+                <a:cs typeface="Courier New" panose="02070309020205020404" pitchFamily="49" charset="0"/>
+              </a:rPr>
+              <a:t>(“%.2f%n”, price); //15.00</a:t>
+            </a:r>
+          </a:p>
+          <a:p>
+            <a:r>
+              <a:rPr lang="en-US" dirty="0" err="1" smtClean="0">
+                <a:latin typeface="Courier New" panose="02070309020205020404" pitchFamily="49" charset="0"/>
+                <a:cs typeface="Courier New" panose="02070309020205020404" pitchFamily="49" charset="0"/>
+              </a:rPr>
+              <a:t>System.out.printf</a:t>
+            </a:r>
+            <a:r>
+              <a:rPr lang="en-US" dirty="0" smtClean="0">
+                <a:latin typeface="Courier New" panose="02070309020205020404" pitchFamily="49" charset="0"/>
+                <a:cs typeface="Courier New" panose="02070309020205020404" pitchFamily="49" charset="0"/>
+              </a:rPr>
+              <a:t>(“The price is $%.2f.%n”, price);</a:t>
+            </a:r>
+          </a:p>
+          <a:p>
+            <a:r>
+              <a:rPr lang="en-US" dirty="0" smtClean="0">
+                <a:latin typeface="Courier New" panose="02070309020205020404" pitchFamily="49" charset="0"/>
+                <a:cs typeface="Courier New" panose="02070309020205020404" pitchFamily="49" charset="0"/>
+              </a:rPr>
+              <a:t>//The price is $15.00. </a:t>
+            </a:r>
+            <a:endParaRPr lang="en-US" dirty="0" smtClean="0">
+              <a:latin typeface="Courier New" panose="02070309020205020404" pitchFamily="49" charset="0"/>
+              <a:cs typeface="Courier New" panose="02070309020205020404" pitchFamily="49" charset="0"/>
+            </a:endParaRPr>
+          </a:p>
+        </p:txBody>
+      </p:sp>
+    </p:spTree>
+    <p:extLst>
+      <p:ext uri="{BB962C8B-B14F-4D97-AF65-F5344CB8AC3E}">
+        <p14:creationId xmlns:p14="http://schemas.microsoft.com/office/powerpoint/2010/main" val="1461445108"/>
+      </p:ext>
+    </p:extLst>
+  </p:cSld>
+  <p:clrMapOvr>
+    <a:masterClrMapping/>
+  </p:clrMapOvr>
+  <p:timing>
+    <p:tnLst>
+      <p:par>
+        <p:cTn id="1" dur="indefinite" restart="never" nodeType="tmRoot"/>
+      </p:par>
+    </p:tnLst>
+  </p:timing>
+</p:sld>
+</file>
+
+<file path=ppt/slides/slide21.xml><?xml version="1.0" encoding="utf-8"?>
+<p:sld xmlns:a="http://schemas.openxmlformats.org/drawingml/2006/main" xmlns:r="http://schemas.openxmlformats.org/officeDocument/2006/relationships" xmlns:p="http://schemas.openxmlformats.org/presentationml/2006/main">
+  <p:cSld>
+    <p:spTree>
+      <p:nvGrpSpPr>
+        <p:cNvPr id="1" name=""/>
+        <p:cNvGrpSpPr/>
+        <p:nvPr/>
+      </p:nvGrpSpPr>
+      <p:grpSpPr>
+        <a:xfrm>
+          <a:off x="0" y="0"/>
+          <a:ext cx="0" cy="0"/>
+          <a:chOff x="0" y="0"/>
+          <a:chExt cx="0" cy="0"/>
+        </a:xfrm>
+      </p:grpSpPr>
+      <p:sp>
+        <p:nvSpPr>
+          <p:cNvPr id="2" name="Content Placeholder 1"/>
+          <p:cNvSpPr>
+            <a:spLocks noGrp="1"/>
+          </p:cNvSpPr>
+          <p:nvPr>
+            <p:ph idx="1"/>
+          </p:nvPr>
+        </p:nvSpPr>
+        <p:spPr/>
+        <p:txBody>
+          <a:bodyPr/>
+          <a:lstStyle/>
+          <a:p>
+            <a:r>
+              <a:rPr lang="en-US" dirty="0" smtClean="0"/>
+              <a:t>Use the Scanner from the </a:t>
+            </a:r>
+            <a:r>
+              <a:rPr lang="en-US" dirty="0" err="1" smtClean="0"/>
+              <a:t>java.util</a:t>
+            </a:r>
+            <a:r>
+              <a:rPr lang="en-US" dirty="0" smtClean="0"/>
+              <a:t> package.</a:t>
+            </a:r>
+          </a:p>
+          <a:p>
+            <a:pPr marL="0" indent="0">
+              <a:buNone/>
+            </a:pPr>
+            <a:r>
+              <a:rPr lang="en-US" sz="1800" dirty="0" smtClean="0">
+                <a:latin typeface="Courier New" panose="02070309020205020404" pitchFamily="49" charset="0"/>
+                <a:cs typeface="Courier New" panose="02070309020205020404" pitchFamily="49" charset="0"/>
+              </a:rPr>
+              <a:t>import </a:t>
+            </a:r>
+            <a:r>
+              <a:rPr lang="en-US" sz="1800" dirty="0" err="1" smtClean="0">
+                <a:latin typeface="Courier New" panose="02070309020205020404" pitchFamily="49" charset="0"/>
+                <a:cs typeface="Courier New" panose="02070309020205020404" pitchFamily="49" charset="0"/>
+              </a:rPr>
+              <a:t>java.util.Scanner</a:t>
+            </a:r>
+            <a:r>
+              <a:rPr lang="en-US" sz="1800" dirty="0" smtClean="0">
+                <a:latin typeface="Courier New" panose="02070309020205020404" pitchFamily="49" charset="0"/>
+                <a:cs typeface="Courier New" panose="02070309020205020404" pitchFamily="49" charset="0"/>
+              </a:rPr>
+              <a:t>;</a:t>
+            </a:r>
+          </a:p>
+          <a:p>
+            <a:pPr marL="0" indent="0">
+              <a:buNone/>
+            </a:pPr>
+            <a:endParaRPr lang="en-US" sz="1800" dirty="0" smtClean="0">
+              <a:latin typeface="Courier New" panose="02070309020205020404" pitchFamily="49" charset="0"/>
+              <a:cs typeface="Courier New" panose="02070309020205020404" pitchFamily="49" charset="0"/>
+            </a:endParaRPr>
+          </a:p>
+          <a:p>
+            <a:pPr marL="0" indent="0">
+              <a:buNone/>
+            </a:pPr>
+            <a:r>
+              <a:rPr lang="en-US" sz="1800" dirty="0">
+                <a:latin typeface="Courier New" panose="02070309020205020404" pitchFamily="49" charset="0"/>
+                <a:cs typeface="Courier New" panose="02070309020205020404" pitchFamily="49" charset="0"/>
+              </a:rPr>
+              <a:t>public class </a:t>
+            </a:r>
+            <a:r>
+              <a:rPr lang="en-US" sz="1800" dirty="0" err="1" smtClean="0">
+                <a:latin typeface="Courier New" panose="02070309020205020404" pitchFamily="49" charset="0"/>
+                <a:cs typeface="Courier New" panose="02070309020205020404" pitchFamily="49" charset="0"/>
+              </a:rPr>
+              <a:t>UserInput</a:t>
+            </a:r>
+            <a:r>
+              <a:rPr lang="en-US" sz="1800" dirty="0" smtClean="0">
+                <a:latin typeface="Courier New" panose="02070309020205020404" pitchFamily="49" charset="0"/>
+                <a:cs typeface="Courier New" panose="02070309020205020404" pitchFamily="49" charset="0"/>
+              </a:rPr>
+              <a:t> {</a:t>
+            </a:r>
+          </a:p>
+          <a:p>
+            <a:pPr marL="0" indent="0">
+              <a:buNone/>
+            </a:pPr>
+            <a:endParaRPr lang="en-US" sz="1800" dirty="0" smtClean="0">
+              <a:latin typeface="Courier New" panose="02070309020205020404" pitchFamily="49" charset="0"/>
+              <a:cs typeface="Courier New" panose="02070309020205020404" pitchFamily="49" charset="0"/>
+            </a:endParaRPr>
+          </a:p>
+          <a:p>
+            <a:pPr marL="0" indent="0">
+              <a:buNone/>
+            </a:pPr>
+            <a:r>
+              <a:rPr lang="en-US" sz="1800" dirty="0">
+                <a:latin typeface="Courier New" panose="02070309020205020404" pitchFamily="49" charset="0"/>
+                <a:cs typeface="Courier New" panose="02070309020205020404" pitchFamily="49" charset="0"/>
+              </a:rPr>
+              <a:t>	public static void main(String[] </a:t>
+            </a:r>
+            <a:r>
+              <a:rPr lang="en-US" sz="1800" dirty="0" err="1">
+                <a:latin typeface="Courier New" panose="02070309020205020404" pitchFamily="49" charset="0"/>
+                <a:cs typeface="Courier New" panose="02070309020205020404" pitchFamily="49" charset="0"/>
+              </a:rPr>
+              <a:t>args</a:t>
+            </a:r>
+            <a:r>
+              <a:rPr lang="en-US" sz="1800" dirty="0">
+                <a:latin typeface="Courier New" panose="02070309020205020404" pitchFamily="49" charset="0"/>
+                <a:cs typeface="Courier New" panose="02070309020205020404" pitchFamily="49" charset="0"/>
+              </a:rPr>
+              <a:t>){	</a:t>
+            </a:r>
+            <a:r>
+              <a:rPr lang="en-US" sz="1800" dirty="0" smtClean="0">
+                <a:latin typeface="Courier New" panose="02070309020205020404" pitchFamily="49" charset="0"/>
+                <a:cs typeface="Courier New" panose="02070309020205020404" pitchFamily="49" charset="0"/>
+              </a:rPr>
+              <a:t>			</a:t>
+            </a:r>
+          </a:p>
+          <a:p>
+            <a:pPr marL="0" indent="0">
+              <a:buNone/>
+            </a:pPr>
+            <a:r>
+              <a:rPr lang="en-US" sz="1800" dirty="0">
+                <a:latin typeface="Courier New" panose="02070309020205020404" pitchFamily="49" charset="0"/>
+                <a:cs typeface="Courier New" panose="02070309020205020404" pitchFamily="49" charset="0"/>
+              </a:rPr>
+              <a:t>	</a:t>
+            </a:r>
+            <a:r>
+              <a:rPr lang="en-US" sz="1800" dirty="0" smtClean="0">
+                <a:latin typeface="Courier New" panose="02070309020205020404" pitchFamily="49" charset="0"/>
+                <a:cs typeface="Courier New" panose="02070309020205020404" pitchFamily="49" charset="0"/>
+              </a:rPr>
+              <a:t>	Scanner input = new Scanner(System.in);</a:t>
+            </a:r>
+          </a:p>
+          <a:p>
+            <a:pPr marL="0" indent="0">
+              <a:buNone/>
+            </a:pPr>
+            <a:r>
+              <a:rPr lang="en-US" sz="1800" dirty="0">
+                <a:latin typeface="Courier New" panose="02070309020205020404" pitchFamily="49" charset="0"/>
+                <a:cs typeface="Courier New" panose="02070309020205020404" pitchFamily="49" charset="0"/>
+              </a:rPr>
+              <a:t>	</a:t>
+            </a:r>
+            <a:r>
+              <a:rPr lang="en-US" sz="1800" dirty="0" smtClean="0">
+                <a:latin typeface="Courier New" panose="02070309020205020404" pitchFamily="49" charset="0"/>
+                <a:cs typeface="Courier New" panose="02070309020205020404" pitchFamily="49" charset="0"/>
+              </a:rPr>
+              <a:t>	</a:t>
+            </a:r>
+          </a:p>
+          <a:p>
+            <a:pPr marL="0" indent="0">
+              <a:buNone/>
+            </a:pPr>
+            <a:r>
+              <a:rPr lang="en-US" sz="1800" dirty="0">
+                <a:latin typeface="Courier New" panose="02070309020205020404" pitchFamily="49" charset="0"/>
+                <a:cs typeface="Courier New" panose="02070309020205020404" pitchFamily="49" charset="0"/>
+              </a:rPr>
+              <a:t>	</a:t>
+            </a:r>
+            <a:r>
+              <a:rPr lang="en-US" sz="1800" dirty="0" smtClean="0">
+                <a:latin typeface="Courier New" panose="02070309020205020404" pitchFamily="49" charset="0"/>
+                <a:cs typeface="Courier New" panose="02070309020205020404" pitchFamily="49" charset="0"/>
+              </a:rPr>
+              <a:t>	</a:t>
+            </a:r>
+            <a:r>
+              <a:rPr lang="en-US" sz="1800" dirty="0" err="1" smtClean="0">
+                <a:latin typeface="Courier New" panose="02070309020205020404" pitchFamily="49" charset="0"/>
+                <a:cs typeface="Courier New" panose="02070309020205020404" pitchFamily="49" charset="0"/>
+              </a:rPr>
+              <a:t>System.out.println</a:t>
+            </a:r>
+            <a:r>
+              <a:rPr lang="en-US" sz="1800" dirty="0" smtClean="0">
+                <a:latin typeface="Courier New" panose="02070309020205020404" pitchFamily="49" charset="0"/>
+                <a:cs typeface="Courier New" panose="02070309020205020404" pitchFamily="49" charset="0"/>
+              </a:rPr>
+              <a:t>(“What is your name?”);</a:t>
+            </a:r>
+          </a:p>
+          <a:p>
+            <a:pPr marL="0" indent="0">
+              <a:buNone/>
+            </a:pPr>
+            <a:r>
+              <a:rPr lang="en-US" sz="1800" dirty="0">
+                <a:latin typeface="Courier New" panose="02070309020205020404" pitchFamily="49" charset="0"/>
+                <a:cs typeface="Courier New" panose="02070309020205020404" pitchFamily="49" charset="0"/>
+              </a:rPr>
+              <a:t>	</a:t>
+            </a:r>
+            <a:r>
+              <a:rPr lang="en-US" sz="1800" dirty="0" smtClean="0">
+                <a:latin typeface="Courier New" panose="02070309020205020404" pitchFamily="49" charset="0"/>
+                <a:cs typeface="Courier New" panose="02070309020205020404" pitchFamily="49" charset="0"/>
+              </a:rPr>
+              <a:t>	String name = </a:t>
+            </a:r>
+            <a:r>
+              <a:rPr lang="en-US" sz="1800" dirty="0" err="1" smtClean="0">
+                <a:latin typeface="Courier New" panose="02070309020205020404" pitchFamily="49" charset="0"/>
+                <a:cs typeface="Courier New" panose="02070309020205020404" pitchFamily="49" charset="0"/>
+              </a:rPr>
+              <a:t>input.next</a:t>
+            </a:r>
+            <a:r>
+              <a:rPr lang="en-US" sz="1800" dirty="0" smtClean="0">
+                <a:latin typeface="Courier New" panose="02070309020205020404" pitchFamily="49" charset="0"/>
+                <a:cs typeface="Courier New" panose="02070309020205020404" pitchFamily="49" charset="0"/>
+              </a:rPr>
+              <a:t>();</a:t>
+            </a:r>
+          </a:p>
+          <a:p>
+            <a:pPr marL="0" indent="0">
+              <a:buNone/>
+            </a:pPr>
+            <a:r>
+              <a:rPr lang="en-US" sz="1800" dirty="0" smtClean="0">
+                <a:latin typeface="Courier New" panose="02070309020205020404" pitchFamily="49" charset="0"/>
+                <a:cs typeface="Courier New" panose="02070309020205020404" pitchFamily="49" charset="0"/>
+              </a:rPr>
+              <a:t>		</a:t>
+            </a:r>
+            <a:r>
+              <a:rPr lang="en-US" sz="1800" dirty="0" err="1" smtClean="0">
+                <a:latin typeface="Courier New" panose="02070309020205020404" pitchFamily="49" charset="0"/>
+                <a:cs typeface="Courier New" panose="02070309020205020404" pitchFamily="49" charset="0"/>
+              </a:rPr>
+              <a:t>System.out.printf</a:t>
+            </a:r>
+            <a:r>
+              <a:rPr lang="en-US" sz="1800" dirty="0" smtClean="0">
+                <a:latin typeface="Courier New" panose="02070309020205020404" pitchFamily="49" charset="0"/>
+                <a:cs typeface="Courier New" panose="02070309020205020404" pitchFamily="49" charset="0"/>
+              </a:rPr>
+              <a:t>(“Hello %s\n”, name);</a:t>
+            </a:r>
+            <a:r>
+              <a:rPr lang="en-US" sz="1800" dirty="0">
+                <a:latin typeface="Courier New" panose="02070309020205020404" pitchFamily="49" charset="0"/>
+                <a:cs typeface="Courier New" panose="02070309020205020404" pitchFamily="49" charset="0"/>
+              </a:rPr>
+              <a:t>	</a:t>
+            </a:r>
+            <a:endParaRPr lang="en-US" sz="1800" dirty="0" smtClean="0">
+              <a:latin typeface="Courier New" panose="02070309020205020404" pitchFamily="49" charset="0"/>
+              <a:cs typeface="Courier New" panose="02070309020205020404" pitchFamily="49" charset="0"/>
+            </a:endParaRPr>
+          </a:p>
+          <a:p>
+            <a:pPr marL="0" indent="0">
+              <a:buNone/>
+            </a:pPr>
+            <a:r>
+              <a:rPr lang="en-US" sz="1800" dirty="0">
+                <a:latin typeface="Courier New" panose="02070309020205020404" pitchFamily="49" charset="0"/>
+                <a:cs typeface="Courier New" panose="02070309020205020404" pitchFamily="49" charset="0"/>
+              </a:rPr>
+              <a:t>	</a:t>
+            </a:r>
+            <a:r>
+              <a:rPr lang="en-US" sz="1800" dirty="0" smtClean="0">
+                <a:latin typeface="Courier New" panose="02070309020205020404" pitchFamily="49" charset="0"/>
+                <a:cs typeface="Courier New" panose="02070309020205020404" pitchFamily="49" charset="0"/>
+              </a:rPr>
+              <a:t>}</a:t>
+            </a:r>
+          </a:p>
+          <a:p>
+            <a:pPr marL="0" indent="0">
+              <a:buNone/>
+            </a:pPr>
+            <a:r>
+              <a:rPr lang="en-US" sz="1800" dirty="0" smtClean="0">
+                <a:latin typeface="Courier New" panose="02070309020205020404" pitchFamily="49" charset="0"/>
+                <a:cs typeface="Courier New" panose="02070309020205020404" pitchFamily="49" charset="0"/>
+              </a:rPr>
+              <a:t>}</a:t>
+            </a:r>
+            <a:endParaRPr lang="en-US" sz="1800" dirty="0">
+              <a:latin typeface="Courier New" panose="02070309020205020404" pitchFamily="49" charset="0"/>
+              <a:cs typeface="Courier New" panose="02070309020205020404" pitchFamily="49" charset="0"/>
+            </a:endParaRPr>
+          </a:p>
+        </p:txBody>
+      </p:sp>
+      <p:sp>
+        <p:nvSpPr>
+          <p:cNvPr id="3" name="Title 2"/>
+          <p:cNvSpPr>
+            <a:spLocks noGrp="1"/>
+          </p:cNvSpPr>
+          <p:nvPr>
+            <p:ph type="title"/>
+          </p:nvPr>
+        </p:nvSpPr>
+        <p:spPr/>
+        <p:txBody>
+          <a:bodyPr/>
+          <a:lstStyle/>
+          <a:p>
+            <a:r>
+              <a:rPr lang="en-US" dirty="0" smtClean="0"/>
+              <a:t>Getting User Input</a:t>
+            </a:r>
+            <a:endParaRPr lang="en-US" dirty="0"/>
+          </a:p>
+        </p:txBody>
+      </p:sp>
+    </p:spTree>
+    <p:extLst>
+      <p:ext uri="{BB962C8B-B14F-4D97-AF65-F5344CB8AC3E}">
+        <p14:creationId xmlns:p14="http://schemas.microsoft.com/office/powerpoint/2010/main" val="4260807675"/>
+      </p:ext>
+    </p:extLst>
+  </p:cSld>
+  <p:clrMapOvr>
+    <a:masterClrMapping/>
+  </p:clrMapOvr>
+  <p:timing>
+    <p:tnLst>
+      <p:par>
+        <p:cTn id="1" dur="indefinite" restart="never" nodeType="tmRoot"/>
+      </p:par>
+    </p:tnLst>
+  </p:timing>
+</p:sld>
+</file>
+
+<file path=ppt/slides/slide22.xml><?xml version="1.0" encoding="utf-8"?>
+<p:sld xmlns:a="http://schemas.openxmlformats.org/drawingml/2006/main" xmlns:r="http://schemas.openxmlformats.org/officeDocument/2006/relationships" xmlns:p="http://schemas.openxmlformats.org/presentationml/2006/main">
+  <p:cSld>
+    <p:spTree>
+      <p:nvGrpSpPr>
+        <p:cNvPr id="1" name=""/>
+        <p:cNvGrpSpPr/>
+        <p:nvPr/>
+      </p:nvGrpSpPr>
+      <p:grpSpPr>
+        <a:xfrm>
+          <a:off x="0" y="0"/>
+          <a:ext cx="0" cy="0"/>
+          <a:chOff x="0" y="0"/>
+          <a:chExt cx="0" cy="0"/>
+        </a:xfrm>
+      </p:grpSpPr>
+      <p:sp>
+        <p:nvSpPr>
+          <p:cNvPr id="2" name="Title 1"/>
+          <p:cNvSpPr>
+            <a:spLocks noGrp="1"/>
+          </p:cNvSpPr>
+          <p:nvPr>
+            <p:ph type="title"/>
+          </p:nvPr>
+        </p:nvSpPr>
+        <p:spPr/>
+        <p:txBody>
+          <a:bodyPr/>
+          <a:lstStyle/>
+          <a:p>
+            <a:r>
+              <a:rPr lang="en-US" dirty="0" smtClean="0"/>
+              <a:t>Lets do some addition!</a:t>
+            </a:r>
+            <a:endParaRPr lang="en-US" dirty="0"/>
+          </a:p>
+        </p:txBody>
+      </p:sp>
+      <p:sp>
+        <p:nvSpPr>
+          <p:cNvPr id="3" name="Content Placeholder 2"/>
+          <p:cNvSpPr>
+            <a:spLocks noGrp="1"/>
+          </p:cNvSpPr>
+          <p:nvPr>
+            <p:ph idx="1"/>
+          </p:nvPr>
+        </p:nvSpPr>
+        <p:spPr>
+          <a:xfrm>
+            <a:off x="337351" y="1143000"/>
+            <a:ext cx="8379612" cy="4638675"/>
+          </a:xfrm>
+        </p:spPr>
+        <p:txBody>
+          <a:bodyPr>
+            <a:noAutofit/>
+          </a:bodyPr>
+          <a:lstStyle/>
+          <a:p>
+            <a:pPr marL="0" indent="0">
+              <a:buNone/>
+            </a:pPr>
+            <a:r>
+              <a:rPr lang="en-US" sz="1600" dirty="0" smtClean="0">
+                <a:latin typeface="Courier New" panose="02070309020205020404" pitchFamily="49" charset="0"/>
+                <a:cs typeface="Courier New" panose="02070309020205020404" pitchFamily="49" charset="0"/>
+              </a:rPr>
+              <a:t>import </a:t>
+            </a:r>
+            <a:r>
+              <a:rPr lang="en-US" sz="1600" dirty="0" err="1">
+                <a:latin typeface="Courier New" panose="02070309020205020404" pitchFamily="49" charset="0"/>
+                <a:cs typeface="Courier New" panose="02070309020205020404" pitchFamily="49" charset="0"/>
+              </a:rPr>
+              <a:t>java.util.Scanner</a:t>
+            </a:r>
+            <a:r>
+              <a:rPr lang="en-US" sz="1600" dirty="0">
+                <a:latin typeface="Courier New" panose="02070309020205020404" pitchFamily="49" charset="0"/>
+                <a:cs typeface="Courier New" panose="02070309020205020404" pitchFamily="49" charset="0"/>
+              </a:rPr>
+              <a:t>;</a:t>
+            </a:r>
+          </a:p>
+          <a:p>
+            <a:pPr marL="0" indent="0">
+              <a:buNone/>
+            </a:pPr>
+            <a:endParaRPr lang="en-US" sz="1600" dirty="0">
+              <a:latin typeface="Courier New" panose="02070309020205020404" pitchFamily="49" charset="0"/>
+              <a:cs typeface="Courier New" panose="02070309020205020404" pitchFamily="49" charset="0"/>
+            </a:endParaRPr>
+          </a:p>
+          <a:p>
+            <a:pPr marL="0" indent="0">
+              <a:buNone/>
+            </a:pPr>
+            <a:r>
+              <a:rPr lang="en-US" sz="1600" dirty="0">
+                <a:latin typeface="Courier New" panose="02070309020205020404" pitchFamily="49" charset="0"/>
+                <a:cs typeface="Courier New" panose="02070309020205020404" pitchFamily="49" charset="0"/>
+              </a:rPr>
+              <a:t>public class Addition {</a:t>
+            </a:r>
+          </a:p>
+          <a:p>
+            <a:pPr marL="0" indent="0">
+              <a:buNone/>
+            </a:pPr>
+            <a:endParaRPr lang="en-US" sz="1600" dirty="0">
+              <a:latin typeface="Courier New" panose="02070309020205020404" pitchFamily="49" charset="0"/>
+              <a:cs typeface="Courier New" panose="02070309020205020404" pitchFamily="49" charset="0"/>
+            </a:endParaRPr>
+          </a:p>
+          <a:p>
+            <a:pPr marL="0" indent="0">
+              <a:buNone/>
+            </a:pPr>
+            <a:r>
+              <a:rPr lang="en-US" sz="1600" dirty="0" smtClean="0">
+                <a:latin typeface="Courier New" panose="02070309020205020404" pitchFamily="49" charset="0"/>
+                <a:cs typeface="Courier New" panose="02070309020205020404" pitchFamily="49" charset="0"/>
+              </a:rPr>
+              <a:t>	public </a:t>
+            </a:r>
+            <a:r>
+              <a:rPr lang="en-US" sz="1600" dirty="0">
+                <a:latin typeface="Courier New" panose="02070309020205020404" pitchFamily="49" charset="0"/>
+                <a:cs typeface="Courier New" panose="02070309020205020404" pitchFamily="49" charset="0"/>
+              </a:rPr>
+              <a:t>static void main(String[] </a:t>
+            </a:r>
+            <a:r>
+              <a:rPr lang="en-US" sz="1600" dirty="0" err="1">
+                <a:latin typeface="Courier New" panose="02070309020205020404" pitchFamily="49" charset="0"/>
+                <a:cs typeface="Courier New" panose="02070309020205020404" pitchFamily="49" charset="0"/>
+              </a:rPr>
+              <a:t>args</a:t>
+            </a:r>
+            <a:r>
+              <a:rPr lang="en-US" sz="1600" dirty="0">
+                <a:latin typeface="Courier New" panose="02070309020205020404" pitchFamily="49" charset="0"/>
+                <a:cs typeface="Courier New" panose="02070309020205020404" pitchFamily="49" charset="0"/>
+              </a:rPr>
+              <a:t>) </a:t>
+            </a:r>
+            <a:r>
+              <a:rPr lang="en-US" sz="1600" dirty="0" smtClean="0">
+                <a:latin typeface="Courier New" panose="02070309020205020404" pitchFamily="49" charset="0"/>
+                <a:cs typeface="Courier New" panose="02070309020205020404" pitchFamily="49" charset="0"/>
+              </a:rPr>
+              <a:t>{</a:t>
+            </a:r>
+          </a:p>
+          <a:p>
+            <a:pPr marL="0" indent="0">
+              <a:buNone/>
+            </a:pPr>
+            <a:endParaRPr lang="en-US" sz="1600" dirty="0">
+              <a:latin typeface="Courier New" panose="02070309020205020404" pitchFamily="49" charset="0"/>
+              <a:cs typeface="Courier New" panose="02070309020205020404" pitchFamily="49" charset="0"/>
+            </a:endParaRPr>
+          </a:p>
+          <a:p>
+            <a:pPr marL="0" indent="0">
+              <a:buNone/>
+            </a:pPr>
+            <a:r>
+              <a:rPr lang="en-US" sz="1600" dirty="0" smtClean="0">
+                <a:latin typeface="Courier New" panose="02070309020205020404" pitchFamily="49" charset="0"/>
+                <a:cs typeface="Courier New" panose="02070309020205020404" pitchFamily="49" charset="0"/>
+              </a:rPr>
+              <a:t>		// </a:t>
+            </a:r>
+            <a:r>
+              <a:rPr lang="en-US" sz="1600" dirty="0">
+                <a:latin typeface="Courier New" panose="02070309020205020404" pitchFamily="49" charset="0"/>
+                <a:cs typeface="Courier New" panose="02070309020205020404" pitchFamily="49" charset="0"/>
+              </a:rPr>
+              <a:t>A scanner reads input from the user</a:t>
+            </a:r>
+          </a:p>
+          <a:p>
+            <a:pPr marL="0" indent="0">
+              <a:buNone/>
+            </a:pPr>
+            <a:r>
+              <a:rPr lang="en-US" sz="1600" dirty="0" smtClean="0">
+                <a:latin typeface="Courier New" panose="02070309020205020404" pitchFamily="49" charset="0"/>
+                <a:cs typeface="Courier New" panose="02070309020205020404" pitchFamily="49" charset="0"/>
+              </a:rPr>
+              <a:t>		Scanner </a:t>
+            </a:r>
+            <a:r>
+              <a:rPr lang="en-US" sz="1600" dirty="0">
+                <a:latin typeface="Courier New" panose="02070309020205020404" pitchFamily="49" charset="0"/>
+                <a:cs typeface="Courier New" panose="02070309020205020404" pitchFamily="49" charset="0"/>
+              </a:rPr>
+              <a:t>input = new Scanner(System.in);</a:t>
+            </a:r>
+          </a:p>
+          <a:p>
+            <a:pPr marL="0" indent="0">
+              <a:buNone/>
+            </a:pPr>
+            <a:endParaRPr lang="en-US" sz="1600" dirty="0">
+              <a:latin typeface="Courier New" panose="02070309020205020404" pitchFamily="49" charset="0"/>
+              <a:cs typeface="Courier New" panose="02070309020205020404" pitchFamily="49" charset="0"/>
+            </a:endParaRPr>
+          </a:p>
+          <a:p>
+            <a:pPr marL="0" indent="0">
+              <a:buNone/>
+            </a:pPr>
+            <a:r>
+              <a:rPr lang="en-US" sz="1600" dirty="0" smtClean="0">
+                <a:latin typeface="Courier New" panose="02070309020205020404" pitchFamily="49" charset="0"/>
+                <a:cs typeface="Courier New" panose="02070309020205020404" pitchFamily="49" charset="0"/>
+              </a:rPr>
+              <a:t>		</a:t>
+            </a:r>
+            <a:r>
+              <a:rPr lang="en-US" sz="1600" dirty="0" err="1" smtClean="0">
+                <a:latin typeface="Courier New" panose="02070309020205020404" pitchFamily="49" charset="0"/>
+                <a:cs typeface="Courier New" panose="02070309020205020404" pitchFamily="49" charset="0"/>
+              </a:rPr>
+              <a:t>int</a:t>
+            </a:r>
+            <a:r>
+              <a:rPr lang="en-US" sz="1600" dirty="0" smtClean="0">
+                <a:latin typeface="Courier New" panose="02070309020205020404" pitchFamily="49" charset="0"/>
+                <a:cs typeface="Courier New" panose="02070309020205020404" pitchFamily="49" charset="0"/>
+              </a:rPr>
+              <a:t> </a:t>
+            </a:r>
+            <a:r>
+              <a:rPr lang="en-US" sz="1600" dirty="0">
+                <a:latin typeface="Courier New" panose="02070309020205020404" pitchFamily="49" charset="0"/>
+                <a:cs typeface="Courier New" panose="02070309020205020404" pitchFamily="49" charset="0"/>
+              </a:rPr>
+              <a:t>number1;</a:t>
+            </a:r>
+          </a:p>
+          <a:p>
+            <a:pPr marL="0" indent="0">
+              <a:buNone/>
+            </a:pPr>
+            <a:r>
+              <a:rPr lang="en-US" sz="1600" dirty="0" smtClean="0">
+                <a:latin typeface="Courier New" panose="02070309020205020404" pitchFamily="49" charset="0"/>
+                <a:cs typeface="Courier New" panose="02070309020205020404" pitchFamily="49" charset="0"/>
+              </a:rPr>
+              <a:t>		</a:t>
+            </a:r>
+            <a:r>
+              <a:rPr lang="en-US" sz="1600" dirty="0" err="1" smtClean="0">
+                <a:latin typeface="Courier New" panose="02070309020205020404" pitchFamily="49" charset="0"/>
+                <a:cs typeface="Courier New" panose="02070309020205020404" pitchFamily="49" charset="0"/>
+              </a:rPr>
+              <a:t>int</a:t>
+            </a:r>
+            <a:r>
+              <a:rPr lang="en-US" sz="1600" dirty="0" smtClean="0">
+                <a:latin typeface="Courier New" panose="02070309020205020404" pitchFamily="49" charset="0"/>
+                <a:cs typeface="Courier New" panose="02070309020205020404" pitchFamily="49" charset="0"/>
+              </a:rPr>
+              <a:t> </a:t>
+            </a:r>
+            <a:r>
+              <a:rPr lang="en-US" sz="1600" dirty="0">
+                <a:latin typeface="Courier New" panose="02070309020205020404" pitchFamily="49" charset="0"/>
+                <a:cs typeface="Courier New" panose="02070309020205020404" pitchFamily="49" charset="0"/>
+              </a:rPr>
+              <a:t>number2;</a:t>
+            </a:r>
+          </a:p>
+          <a:p>
+            <a:pPr marL="0" indent="0">
+              <a:buNone/>
+            </a:pPr>
+            <a:r>
+              <a:rPr lang="en-US" sz="1600" dirty="0" smtClean="0">
+                <a:latin typeface="Courier New" panose="02070309020205020404" pitchFamily="49" charset="0"/>
+                <a:cs typeface="Courier New" panose="02070309020205020404" pitchFamily="49" charset="0"/>
+              </a:rPr>
+              <a:t>		</a:t>
+            </a:r>
+            <a:r>
+              <a:rPr lang="en-US" sz="1600" dirty="0" err="1" smtClean="0">
+                <a:latin typeface="Courier New" panose="02070309020205020404" pitchFamily="49" charset="0"/>
+                <a:cs typeface="Courier New" panose="02070309020205020404" pitchFamily="49" charset="0"/>
+              </a:rPr>
+              <a:t>int</a:t>
+            </a:r>
+            <a:r>
+              <a:rPr lang="en-US" sz="1600" dirty="0" smtClean="0">
+                <a:latin typeface="Courier New" panose="02070309020205020404" pitchFamily="49" charset="0"/>
+                <a:cs typeface="Courier New" panose="02070309020205020404" pitchFamily="49" charset="0"/>
+              </a:rPr>
+              <a:t> </a:t>
+            </a:r>
+            <a:r>
+              <a:rPr lang="en-US" sz="1600" dirty="0">
+                <a:latin typeface="Courier New" panose="02070309020205020404" pitchFamily="49" charset="0"/>
+                <a:cs typeface="Courier New" panose="02070309020205020404" pitchFamily="49" charset="0"/>
+              </a:rPr>
+              <a:t>sum;</a:t>
+            </a:r>
+          </a:p>
+          <a:p>
+            <a:pPr marL="0" indent="0">
+              <a:buNone/>
+            </a:pPr>
+            <a:endParaRPr lang="en-US" sz="1600" dirty="0">
+              <a:latin typeface="Courier New" panose="02070309020205020404" pitchFamily="49" charset="0"/>
+              <a:cs typeface="Courier New" panose="02070309020205020404" pitchFamily="49" charset="0"/>
+            </a:endParaRPr>
+          </a:p>
+          <a:p>
+            <a:pPr marL="0" indent="0">
+              <a:buNone/>
+            </a:pPr>
+            <a:r>
+              <a:rPr lang="en-US" sz="1600" dirty="0" smtClean="0">
+                <a:latin typeface="Courier New" panose="02070309020205020404" pitchFamily="49" charset="0"/>
+                <a:cs typeface="Courier New" panose="02070309020205020404" pitchFamily="49" charset="0"/>
+              </a:rPr>
+              <a:t>		</a:t>
+            </a:r>
+            <a:r>
+              <a:rPr lang="en-US" sz="1600" dirty="0" err="1" smtClean="0">
+                <a:latin typeface="Courier New" panose="02070309020205020404" pitchFamily="49" charset="0"/>
+                <a:cs typeface="Courier New" panose="02070309020205020404" pitchFamily="49" charset="0"/>
+              </a:rPr>
+              <a:t>System.out.print</a:t>
+            </a:r>
+            <a:r>
+              <a:rPr lang="en-US" sz="1600" dirty="0">
+                <a:latin typeface="Courier New" panose="02070309020205020404" pitchFamily="49" charset="0"/>
+                <a:cs typeface="Courier New" panose="02070309020205020404" pitchFamily="49" charset="0"/>
+              </a:rPr>
+              <a:t>("Enter the first integer: ");</a:t>
+            </a:r>
+          </a:p>
+          <a:p>
+            <a:pPr marL="0" indent="0">
+              <a:buNone/>
+            </a:pPr>
+            <a:r>
+              <a:rPr lang="en-US" sz="1600" dirty="0" smtClean="0">
+                <a:latin typeface="Courier New" panose="02070309020205020404" pitchFamily="49" charset="0"/>
+                <a:cs typeface="Courier New" panose="02070309020205020404" pitchFamily="49" charset="0"/>
+              </a:rPr>
+              <a:t>		number1 </a:t>
+            </a:r>
+            <a:r>
+              <a:rPr lang="en-US" sz="1600" dirty="0">
+                <a:latin typeface="Courier New" panose="02070309020205020404" pitchFamily="49" charset="0"/>
+                <a:cs typeface="Courier New" panose="02070309020205020404" pitchFamily="49" charset="0"/>
+              </a:rPr>
+              <a:t>= </a:t>
+            </a:r>
+            <a:r>
+              <a:rPr lang="en-US" sz="1600" dirty="0" err="1">
+                <a:latin typeface="Courier New" panose="02070309020205020404" pitchFamily="49" charset="0"/>
+                <a:cs typeface="Courier New" panose="02070309020205020404" pitchFamily="49" charset="0"/>
+              </a:rPr>
+              <a:t>input.nextInt</a:t>
+            </a:r>
+            <a:r>
+              <a:rPr lang="en-US" sz="1600" dirty="0">
+                <a:latin typeface="Courier New" panose="02070309020205020404" pitchFamily="49" charset="0"/>
+                <a:cs typeface="Courier New" panose="02070309020205020404" pitchFamily="49" charset="0"/>
+              </a:rPr>
+              <a:t>();</a:t>
+            </a:r>
+          </a:p>
+          <a:p>
+            <a:pPr marL="0" indent="0">
+              <a:buNone/>
+            </a:pPr>
+            <a:endParaRPr lang="en-US" sz="1600" dirty="0">
+              <a:latin typeface="Courier New" panose="02070309020205020404" pitchFamily="49" charset="0"/>
+              <a:cs typeface="Courier New" panose="02070309020205020404" pitchFamily="49" charset="0"/>
+            </a:endParaRPr>
+          </a:p>
+        </p:txBody>
+      </p:sp>
+      <p:sp>
+        <p:nvSpPr>
+          <p:cNvPr id="4" name="Date Placeholder 3"/>
+          <p:cNvSpPr>
+            <a:spLocks noGrp="1"/>
+          </p:cNvSpPr>
+          <p:nvPr>
+            <p:ph type="dt" sz="half" idx="10"/>
+          </p:nvPr>
+        </p:nvSpPr>
+        <p:spPr/>
+        <p:txBody>
+          <a:bodyPr/>
+          <a:lstStyle/>
+          <a:p>
+            <a:fld id="{8AEC034E-5DE8-445C-ADA7-353F54786073}" type="datetime1">
+              <a:rPr lang="en-US" smtClean="0"/>
+              <a:t>9/22/2015</a:t>
+            </a:fld>
+            <a:endParaRPr lang="en-US"/>
+          </a:p>
+        </p:txBody>
+      </p:sp>
+    </p:spTree>
+    <p:extLst>
+      <p:ext uri="{BB962C8B-B14F-4D97-AF65-F5344CB8AC3E}">
+        <p14:creationId xmlns:p14="http://schemas.microsoft.com/office/powerpoint/2010/main" val="2415562768"/>
+      </p:ext>
+    </p:extLst>
+  </p:cSld>
+  <p:clrMapOvr>
+    <a:masterClrMapping/>
+  </p:clrMapOvr>
+  <p:timing>
+    <p:tnLst>
+      <p:par>
+        <p:cTn id="1" dur="indefinite" restart="never" nodeType="tmRoot"/>
+      </p:par>
+    </p:tnLst>
+  </p:timing>
+</p:sld>
+</file>
+
+<file path=ppt/slides/slide23.xml><?xml version="1.0" encoding="utf-8"?>
+<p:sld xmlns:a="http://schemas.openxmlformats.org/drawingml/2006/main" xmlns:r="http://schemas.openxmlformats.org/officeDocument/2006/relationships" xmlns:p="http://schemas.openxmlformats.org/presentationml/2006/main">
+  <p:cSld>
+    <p:spTree>
+      <p:nvGrpSpPr>
+        <p:cNvPr id="1" name=""/>
+        <p:cNvGrpSpPr/>
+        <p:nvPr/>
+      </p:nvGrpSpPr>
+      <p:grpSpPr>
+        <a:xfrm>
+          <a:off x="0" y="0"/>
+          <a:ext cx="0" cy="0"/>
+          <a:chOff x="0" y="0"/>
+          <a:chExt cx="0" cy="0"/>
+        </a:xfrm>
+      </p:grpSpPr>
+      <p:sp>
+        <p:nvSpPr>
+          <p:cNvPr id="2" name="Title 1"/>
+          <p:cNvSpPr>
+            <a:spLocks noGrp="1"/>
+          </p:cNvSpPr>
+          <p:nvPr>
+            <p:ph type="title"/>
+          </p:nvPr>
+        </p:nvSpPr>
+        <p:spPr/>
+        <p:txBody>
+          <a:bodyPr/>
+          <a:lstStyle/>
+          <a:p>
+            <a:r>
+              <a:rPr lang="en-US" dirty="0" smtClean="0"/>
+              <a:t>Lets do some addition!</a:t>
+            </a:r>
+            <a:endParaRPr lang="en-US" dirty="0"/>
+          </a:p>
+        </p:txBody>
+      </p:sp>
+      <p:sp>
+        <p:nvSpPr>
+          <p:cNvPr id="3" name="Content Placeholder 2"/>
+          <p:cNvSpPr>
+            <a:spLocks noGrp="1"/>
+          </p:cNvSpPr>
+          <p:nvPr>
+            <p:ph idx="1"/>
+          </p:nvPr>
+        </p:nvSpPr>
+        <p:spPr/>
+        <p:txBody>
+          <a:bodyPr>
+            <a:noAutofit/>
+          </a:bodyPr>
+          <a:lstStyle/>
+          <a:p>
+            <a:pPr marL="0" indent="0">
+              <a:buNone/>
+            </a:pPr>
+            <a:r>
+              <a:rPr lang="en-US" sz="1600" dirty="0" smtClean="0">
+                <a:latin typeface="Courier New" panose="02070309020205020404" pitchFamily="49" charset="0"/>
+                <a:cs typeface="Courier New" panose="02070309020205020404" pitchFamily="49" charset="0"/>
+              </a:rPr>
+              <a:t>		</a:t>
+            </a:r>
+            <a:r>
+              <a:rPr lang="en-US" sz="1600" dirty="0" err="1" smtClean="0">
+                <a:latin typeface="Courier New" panose="02070309020205020404" pitchFamily="49" charset="0"/>
+                <a:cs typeface="Courier New" panose="02070309020205020404" pitchFamily="49" charset="0"/>
+              </a:rPr>
+              <a:t>System.out.print</a:t>
+            </a:r>
+            <a:r>
+              <a:rPr lang="en-US" sz="1600" dirty="0" smtClean="0">
+                <a:latin typeface="Courier New" panose="02070309020205020404" pitchFamily="49" charset="0"/>
+                <a:cs typeface="Courier New" panose="02070309020205020404" pitchFamily="49" charset="0"/>
+              </a:rPr>
+              <a:t>("Enter the second integer: ");</a:t>
+            </a:r>
+          </a:p>
+          <a:p>
+            <a:pPr marL="0" indent="0">
+              <a:buNone/>
+            </a:pPr>
+            <a:r>
+              <a:rPr lang="en-US" sz="1600" dirty="0" smtClean="0">
+                <a:latin typeface="Courier New" panose="02070309020205020404" pitchFamily="49" charset="0"/>
+                <a:cs typeface="Courier New" panose="02070309020205020404" pitchFamily="49" charset="0"/>
+              </a:rPr>
+              <a:t>		number2 = </a:t>
+            </a:r>
+            <a:r>
+              <a:rPr lang="en-US" sz="1600" dirty="0" err="1" smtClean="0">
+                <a:latin typeface="Courier New" panose="02070309020205020404" pitchFamily="49" charset="0"/>
+                <a:cs typeface="Courier New" panose="02070309020205020404" pitchFamily="49" charset="0"/>
+              </a:rPr>
+              <a:t>input.nextInt</a:t>
+            </a:r>
+            <a:r>
+              <a:rPr lang="en-US" sz="1600" dirty="0" smtClean="0">
+                <a:latin typeface="Courier New" panose="02070309020205020404" pitchFamily="49" charset="0"/>
+                <a:cs typeface="Courier New" panose="02070309020205020404" pitchFamily="49" charset="0"/>
+              </a:rPr>
+              <a:t>();</a:t>
+            </a:r>
+          </a:p>
+          <a:p>
+            <a:pPr marL="0" indent="0">
+              <a:buNone/>
+            </a:pPr>
+            <a:endParaRPr lang="en-US" sz="1600" dirty="0" smtClean="0">
+              <a:latin typeface="Courier New" panose="02070309020205020404" pitchFamily="49" charset="0"/>
+              <a:cs typeface="Courier New" panose="02070309020205020404" pitchFamily="49" charset="0"/>
+            </a:endParaRPr>
+          </a:p>
+          <a:p>
+            <a:pPr marL="0" indent="0">
+              <a:buNone/>
+            </a:pPr>
+            <a:r>
+              <a:rPr lang="en-US" sz="1600" dirty="0" smtClean="0">
+                <a:latin typeface="Courier New" panose="02070309020205020404" pitchFamily="49" charset="0"/>
+                <a:cs typeface="Courier New" panose="02070309020205020404" pitchFamily="49" charset="0"/>
+              </a:rPr>
+              <a:t>		sum = number1 + number2;</a:t>
+            </a:r>
+          </a:p>
+          <a:p>
+            <a:pPr marL="0" indent="0">
+              <a:buNone/>
+            </a:pPr>
+            <a:endParaRPr lang="en-US" sz="1600" dirty="0" smtClean="0">
+              <a:latin typeface="Courier New" panose="02070309020205020404" pitchFamily="49" charset="0"/>
+              <a:cs typeface="Courier New" panose="02070309020205020404" pitchFamily="49" charset="0"/>
+            </a:endParaRPr>
+          </a:p>
+          <a:p>
+            <a:pPr marL="0" indent="0">
+              <a:buNone/>
+            </a:pPr>
+            <a:r>
+              <a:rPr lang="en-US" sz="1600" dirty="0" smtClean="0">
+                <a:latin typeface="Courier New" panose="02070309020205020404" pitchFamily="49" charset="0"/>
+                <a:cs typeface="Courier New" panose="02070309020205020404" pitchFamily="49" charset="0"/>
+              </a:rPr>
+              <a:t>		</a:t>
+            </a:r>
+            <a:r>
+              <a:rPr lang="en-US" sz="1600" dirty="0" err="1" smtClean="0">
+                <a:latin typeface="Courier New" panose="02070309020205020404" pitchFamily="49" charset="0"/>
+                <a:cs typeface="Courier New" panose="02070309020205020404" pitchFamily="49" charset="0"/>
+              </a:rPr>
+              <a:t>System.out.printf</a:t>
+            </a:r>
+            <a:r>
+              <a:rPr lang="en-US" sz="1600" dirty="0" smtClean="0">
+                <a:latin typeface="Courier New" panose="02070309020205020404" pitchFamily="49" charset="0"/>
+                <a:cs typeface="Courier New" panose="02070309020205020404" pitchFamily="49" charset="0"/>
+              </a:rPr>
+              <a:t>("Sum is %d\n", sum);</a:t>
+            </a:r>
+          </a:p>
+          <a:p>
+            <a:pPr marL="0" indent="0">
+              <a:buNone/>
+            </a:pPr>
+            <a:r>
+              <a:rPr lang="en-US" sz="1600" dirty="0" smtClean="0">
+                <a:latin typeface="Courier New" panose="02070309020205020404" pitchFamily="49" charset="0"/>
+                <a:cs typeface="Courier New" panose="02070309020205020404" pitchFamily="49" charset="0"/>
+              </a:rPr>
+              <a:t>	}</a:t>
+            </a:r>
+          </a:p>
+          <a:p>
+            <a:pPr marL="0" indent="0">
+              <a:buNone/>
+            </a:pPr>
+            <a:r>
+              <a:rPr lang="en-US" sz="1600" dirty="0" smtClean="0">
+                <a:latin typeface="Courier New" panose="02070309020205020404" pitchFamily="49" charset="0"/>
+                <a:cs typeface="Courier New" panose="02070309020205020404" pitchFamily="49" charset="0"/>
+              </a:rPr>
+              <a:t>}</a:t>
+            </a:r>
+          </a:p>
+          <a:p>
+            <a:pPr marL="0" indent="0">
+              <a:buNone/>
+            </a:pPr>
+            <a:endParaRPr lang="en-US" sz="1050" dirty="0"/>
+          </a:p>
+        </p:txBody>
+      </p:sp>
+      <p:sp>
+        <p:nvSpPr>
+          <p:cNvPr id="4" name="Date Placeholder 3"/>
+          <p:cNvSpPr>
+            <a:spLocks noGrp="1"/>
+          </p:cNvSpPr>
+          <p:nvPr>
+            <p:ph type="dt" sz="half" idx="10"/>
+          </p:nvPr>
+        </p:nvSpPr>
+        <p:spPr/>
+        <p:txBody>
+          <a:bodyPr/>
+          <a:lstStyle/>
+          <a:p>
+            <a:fld id="{B2E7E471-C978-47FC-932A-C76B022D0E3D}" type="datetime1">
+              <a:rPr lang="en-US" smtClean="0"/>
+              <a:t>9/22/2015</a:t>
+            </a:fld>
+            <a:endParaRPr lang="en-US"/>
+          </a:p>
+        </p:txBody>
+      </p:sp>
+    </p:spTree>
+    <p:extLst>
+      <p:ext uri="{BB962C8B-B14F-4D97-AF65-F5344CB8AC3E}">
+        <p14:creationId xmlns:p14="http://schemas.microsoft.com/office/powerpoint/2010/main" val="1160265859"/>
+      </p:ext>
+    </p:extLst>
+  </p:cSld>
+  <p:clrMapOvr>
+    <a:masterClrMapping/>
+  </p:clrMapOvr>
+  <p:timing>
+    <p:tnLst>
+      <p:par>
+        <p:cTn id="1" dur="indefinite" restart="never" nodeType="tmRoot"/>
+      </p:par>
+    </p:tnLst>
+  </p:timing>
+</p:sld>
+</file>
+
+<file path=ppt/slides/slide24.xml><?xml version="1.0" encoding="utf-8"?>
+<p:sld xmlns:a="http://schemas.openxmlformats.org/drawingml/2006/main" xmlns:r="http://schemas.openxmlformats.org/officeDocument/2006/relationships" xmlns:p="http://schemas.openxmlformats.org/presentationml/2006/main">
+  <p:cSld>
+    <p:spTree>
+      <p:nvGrpSpPr>
+        <p:cNvPr id="1" name=""/>
+        <p:cNvGrpSpPr/>
+        <p:nvPr/>
+      </p:nvGrpSpPr>
+      <p:grpSpPr>
+        <a:xfrm>
+          <a:off x="0" y="0"/>
+          <a:ext cx="0" cy="0"/>
+          <a:chOff x="0" y="0"/>
+          <a:chExt cx="0" cy="0"/>
+        </a:xfrm>
+      </p:grpSpPr>
+      <p:sp>
+        <p:nvSpPr>
+          <p:cNvPr id="2" name="Title 1"/>
+          <p:cNvSpPr>
+            <a:spLocks noGrp="1"/>
+          </p:cNvSpPr>
+          <p:nvPr>
+            <p:ph type="title"/>
+          </p:nvPr>
+        </p:nvSpPr>
+        <p:spPr/>
+        <p:txBody>
+          <a:bodyPr/>
+          <a:lstStyle/>
+          <a:p>
+            <a:r>
+              <a:rPr lang="en-US" dirty="0" smtClean="0"/>
+              <a:t>Lets do some addition!</a:t>
+            </a:r>
+            <a:endParaRPr lang="en-US" dirty="0"/>
+          </a:p>
+        </p:txBody>
+      </p:sp>
+      <p:sp>
+        <p:nvSpPr>
+          <p:cNvPr id="3" name="Content Placeholder 2"/>
+          <p:cNvSpPr>
+            <a:spLocks noGrp="1"/>
+          </p:cNvSpPr>
+          <p:nvPr>
+            <p:ph idx="1"/>
+          </p:nvPr>
+        </p:nvSpPr>
+        <p:spPr/>
+        <p:txBody>
+          <a:bodyPr/>
+          <a:lstStyle/>
+          <a:p>
+            <a:pPr marL="0" indent="0">
+              <a:buNone/>
+            </a:pPr>
+            <a:r>
+              <a:rPr lang="en-US" sz="2400" dirty="0" err="1" smtClean="0">
+                <a:latin typeface="Courier New" panose="02070309020205020404" pitchFamily="49" charset="0"/>
+                <a:cs typeface="Courier New" panose="02070309020205020404" pitchFamily="49" charset="0"/>
+              </a:rPr>
+              <a:t>int</a:t>
+            </a:r>
+            <a:r>
+              <a:rPr lang="en-US" sz="2400" dirty="0" smtClean="0">
+                <a:latin typeface="Courier New" panose="02070309020205020404" pitchFamily="49" charset="0"/>
+                <a:cs typeface="Courier New" panose="02070309020205020404" pitchFamily="49" charset="0"/>
+              </a:rPr>
+              <a:t> number1;</a:t>
+            </a:r>
+            <a:endParaRPr lang="en-US" sz="2400" dirty="0">
+              <a:latin typeface="Courier New" panose="02070309020205020404" pitchFamily="49" charset="0"/>
+              <a:cs typeface="Courier New" panose="02070309020205020404" pitchFamily="49" charset="0"/>
+            </a:endParaRPr>
+          </a:p>
+          <a:p>
+            <a:r>
+              <a:rPr lang="en-US" sz="3000" dirty="0" smtClean="0"/>
+              <a:t>Each variable has a name: “number1”</a:t>
+            </a:r>
+          </a:p>
+          <a:p>
+            <a:r>
+              <a:rPr lang="en-US" sz="3000" dirty="0" smtClean="0"/>
+              <a:t>Each variable has a type: “</a:t>
+            </a:r>
+            <a:r>
+              <a:rPr lang="en-US" sz="3000" dirty="0" err="1" smtClean="0"/>
+              <a:t>int</a:t>
+            </a:r>
+            <a:r>
+              <a:rPr lang="en-US" sz="3000" dirty="0" smtClean="0"/>
+              <a:t>”</a:t>
+            </a:r>
+          </a:p>
+          <a:p>
+            <a:r>
+              <a:rPr lang="en-US" sz="3000" dirty="0" smtClean="0"/>
+              <a:t>Each variable has a size</a:t>
+            </a:r>
+          </a:p>
+          <a:p>
+            <a:pPr marL="0" indent="0">
+              <a:buNone/>
+            </a:pPr>
+            <a:r>
+              <a:rPr lang="en-US" sz="2800" dirty="0" smtClean="0">
+                <a:latin typeface="Courier New" panose="02070309020205020404" pitchFamily="49" charset="0"/>
+                <a:cs typeface="Courier New" panose="02070309020205020404" pitchFamily="49" charset="0"/>
+              </a:rPr>
+              <a:t>number1 = </a:t>
+            </a:r>
+            <a:r>
+              <a:rPr lang="en-US" sz="2800" dirty="0" err="1" smtClean="0">
+                <a:latin typeface="Courier New" panose="02070309020205020404" pitchFamily="49" charset="0"/>
+                <a:cs typeface="Courier New" panose="02070309020205020404" pitchFamily="49" charset="0"/>
+              </a:rPr>
+              <a:t>input.nextInt</a:t>
+            </a:r>
+            <a:r>
+              <a:rPr lang="en-US" sz="2800" dirty="0" smtClean="0">
+                <a:latin typeface="Courier New" panose="02070309020205020404" pitchFamily="49" charset="0"/>
+                <a:cs typeface="Courier New" panose="02070309020205020404" pitchFamily="49" charset="0"/>
+              </a:rPr>
+              <a:t>();</a:t>
+            </a:r>
+            <a:endParaRPr lang="en-US" sz="3000" dirty="0" smtClean="0"/>
+          </a:p>
+          <a:p>
+            <a:r>
+              <a:rPr lang="en-US" sz="3000" dirty="0" smtClean="0"/>
+              <a:t>A variable refers to a specific location in memory.</a:t>
+            </a:r>
+          </a:p>
+          <a:p>
+            <a:r>
+              <a:rPr lang="en-US" sz="3000" dirty="0" smtClean="0"/>
+              <a:t>When assignment occurs the old value is overwritten by the new value </a:t>
+            </a:r>
+            <a:endParaRPr lang="en-US" sz="3000" dirty="0"/>
+          </a:p>
+          <a:p>
+            <a:pPr marL="0" indent="0">
+              <a:buNone/>
+            </a:pPr>
+            <a:endParaRPr lang="en-US" dirty="0" smtClean="0">
+              <a:latin typeface="Courier New" panose="02070309020205020404" pitchFamily="49" charset="0"/>
+              <a:cs typeface="Courier New" panose="02070309020205020404" pitchFamily="49" charset="0"/>
+            </a:endParaRPr>
+          </a:p>
+          <a:p>
+            <a:pPr marL="0" indent="0">
+              <a:buNone/>
+            </a:pPr>
+            <a:endParaRPr lang="en-US" dirty="0" smtClean="0">
+              <a:latin typeface="Courier New" panose="02070309020205020404" pitchFamily="49" charset="0"/>
+              <a:cs typeface="Courier New" panose="02070309020205020404" pitchFamily="49" charset="0"/>
+            </a:endParaRPr>
+          </a:p>
+          <a:p>
+            <a:endParaRPr lang="en-US" dirty="0"/>
+          </a:p>
+        </p:txBody>
+      </p:sp>
+      <p:sp>
+        <p:nvSpPr>
+          <p:cNvPr id="4" name="Date Placeholder 3"/>
+          <p:cNvSpPr>
+            <a:spLocks noGrp="1"/>
+          </p:cNvSpPr>
+          <p:nvPr>
+            <p:ph type="dt" sz="half" idx="10"/>
+          </p:nvPr>
+        </p:nvSpPr>
+        <p:spPr/>
+        <p:txBody>
+          <a:bodyPr/>
+          <a:lstStyle/>
+          <a:p>
+            <a:fld id="{5B289CE1-9B0E-4E29-A9CD-9B6D36A464E0}" type="datetime1">
+              <a:rPr lang="en-US" smtClean="0"/>
+              <a:t>9/22/2015</a:t>
+            </a:fld>
+            <a:endParaRPr lang="en-US"/>
+          </a:p>
+        </p:txBody>
+      </p:sp>
+    </p:spTree>
+    <p:extLst>
+      <p:ext uri="{BB962C8B-B14F-4D97-AF65-F5344CB8AC3E}">
+        <p14:creationId xmlns:p14="http://schemas.microsoft.com/office/powerpoint/2010/main" val="1586170881"/>
+      </p:ext>
+    </p:extLst>
+  </p:cSld>
+  <p:clrMapOvr>
+    <a:masterClrMapping/>
+  </p:clrMapOvr>
+  <p:timing>
+    <p:tnLst>
+      <p:par>
+        <p:cTn id="1" dur="indefinite" restart="never" nodeType="tmRoot"/>
+      </p:par>
+    </p:tnLst>
+  </p:timing>
+</p:sld>
+</file>
+
+<file path=ppt/slides/slide25.xml><?xml version="1.0" encoding="utf-8"?>
 <p:sld xmlns:a="http://schemas.openxmlformats.org/drawingml/2006/main" xmlns:r="http://schemas.openxmlformats.org/officeDocument/2006/relationships" xmlns:p="http://schemas.openxmlformats.org/presentationml/2006/main">
   <p:cSld>
     <p:spTree>
@@ -11480,7 +13110,7 @@
           <a:p>
             <a:fld id="{7218B2E4-22FD-43A4-B407-97CC623F3A8A}" type="datetime1">
               <a:rPr lang="en-US" smtClean="0"/>
-              <a:t>8/12/2015</a:t>
+              <a:t>9/22/2015</a:t>
             </a:fld>
             <a:endParaRPr lang="en-US"/>
           </a:p>
@@ -11506,7 +13136,7 @@
 </p:sld>
 </file>
 
-<file path=ppt/slides/slide21.xml><?xml version="1.0" encoding="utf-8"?>
+<file path=ppt/slides/slide26.xml><?xml version="1.0" encoding="utf-8"?>
 <p:sld xmlns:a="http://schemas.openxmlformats.org/drawingml/2006/main" xmlns:r="http://schemas.openxmlformats.org/officeDocument/2006/relationships" xmlns:p="http://schemas.openxmlformats.org/presentationml/2006/main">
   <p:cSld>
     <p:spTree>
@@ -11598,7 +13228,7 @@
           <a:p>
             <a:fld id="{638D3F4B-E935-4FE7-BD95-0A3F58996EC3}" type="datetime1">
               <a:rPr lang="en-US" smtClean="0"/>
-              <a:t>8/12/2015</a:t>
+              <a:t>9/22/2015</a:t>
             </a:fld>
             <a:endParaRPr lang="en-US"/>
           </a:p>
@@ -11624,7 +13254,7 @@
 </p:sld>
 </file>
 
-<file path=ppt/slides/slide22.xml><?xml version="1.0" encoding="utf-8"?>
+<file path=ppt/slides/slide27.xml><?xml version="1.0" encoding="utf-8"?>
 <p:sld xmlns:a="http://schemas.openxmlformats.org/drawingml/2006/main" xmlns:r="http://schemas.openxmlformats.org/officeDocument/2006/relationships" xmlns:p="http://schemas.openxmlformats.org/presentationml/2006/main">
   <p:cSld>
     <p:spTree>
@@ -12262,7 +13892,7 @@
           <a:p>
             <a:fld id="{A202CA66-A2B9-414E-817C-885C03B78F9F}" type="datetime1">
               <a:rPr lang="en-US" smtClean="0"/>
-              <a:t>8/12/2015</a:t>
+              <a:t>9/22/2015</a:t>
             </a:fld>
             <a:endParaRPr lang="en-US"/>
           </a:p>
@@ -12288,1046 +13918,6 @@
 </p:sld>
 </file>
 
-<file path=ppt/slides/slide23.xml><?xml version="1.0" encoding="utf-8"?>
-<p:sld xmlns:a="http://schemas.openxmlformats.org/drawingml/2006/main" xmlns:r="http://schemas.openxmlformats.org/officeDocument/2006/relationships" xmlns:p="http://schemas.openxmlformats.org/presentationml/2006/main">
-  <p:cSld>
-    <p:spTree>
-      <p:nvGrpSpPr>
-        <p:cNvPr id="1" name=""/>
-        <p:cNvGrpSpPr/>
-        <p:nvPr/>
-      </p:nvGrpSpPr>
-      <p:grpSpPr>
-        <a:xfrm>
-          <a:off x="0" y="0"/>
-          <a:ext cx="0" cy="0"/>
-          <a:chOff x="0" y="0"/>
-          <a:chExt cx="0" cy="0"/>
-        </a:xfrm>
-      </p:grpSpPr>
-      <p:sp>
-        <p:nvSpPr>
-          <p:cNvPr id="2" name="Title 1"/>
-          <p:cNvSpPr>
-            <a:spLocks noGrp="1"/>
-          </p:cNvSpPr>
-          <p:nvPr>
-            <p:ph type="title"/>
-          </p:nvPr>
-        </p:nvSpPr>
-        <p:spPr/>
-        <p:txBody>
-          <a:bodyPr/>
-          <a:lstStyle/>
-          <a:p>
-            <a:r>
-              <a:rPr lang="en-US" dirty="0" smtClean="0"/>
-              <a:t>Primitive Variables</a:t>
-            </a:r>
-            <a:endParaRPr lang="en-US" dirty="0"/>
-          </a:p>
-        </p:txBody>
-      </p:sp>
-      <p:sp>
-        <p:nvSpPr>
-          <p:cNvPr id="3" name="Content Placeholder 2"/>
-          <p:cNvSpPr>
-            <a:spLocks noGrp="1"/>
-          </p:cNvSpPr>
-          <p:nvPr>
-            <p:ph idx="1"/>
-          </p:nvPr>
-        </p:nvSpPr>
-        <p:spPr/>
-        <p:txBody>
-          <a:bodyPr>
-            <a:normAutofit/>
-          </a:bodyPr>
-          <a:lstStyle/>
-          <a:p>
-            <a:r>
-              <a:rPr lang="en-US" dirty="0" smtClean="0"/>
-              <a:t>All variables must be declared and cannot be null! (much different than Python, Perl or Ruby)</a:t>
-            </a:r>
-          </a:p>
-          <a:p>
-            <a:r>
-              <a:rPr lang="en-US" dirty="0" smtClean="0"/>
-              <a:t>byte – 8 bit integer, from -128 to 127</a:t>
-            </a:r>
-          </a:p>
-          <a:p>
-            <a:r>
-              <a:rPr lang="en-US" dirty="0"/>
-              <a:t>s</a:t>
-            </a:r>
-            <a:r>
-              <a:rPr lang="en-US" dirty="0" smtClean="0"/>
-              <a:t>hort – 16 bit integer from -32,768 to 32,767</a:t>
-            </a:r>
-          </a:p>
-          <a:p>
-            <a:r>
-              <a:rPr lang="en-US" dirty="0" err="1" smtClean="0"/>
-              <a:t>int</a:t>
-            </a:r>
-            <a:r>
-              <a:rPr lang="en-US" dirty="0"/>
-              <a:t> </a:t>
-            </a:r>
-            <a:r>
-              <a:rPr lang="en-US" dirty="0" smtClean="0"/>
-              <a:t>– 32 bit </a:t>
-            </a:r>
-            <a:r>
-              <a:rPr lang="en-US" dirty="0"/>
-              <a:t>integer from -</a:t>
-            </a:r>
-            <a:r>
-              <a:rPr lang="en-US" dirty="0" smtClean="0"/>
-              <a:t>2</a:t>
-            </a:r>
-            <a:r>
-              <a:rPr lang="en-US" baseline="30000" dirty="0" smtClean="0"/>
-              <a:t>31</a:t>
-            </a:r>
-            <a:r>
-              <a:rPr lang="en-US" dirty="0"/>
-              <a:t> to </a:t>
-            </a:r>
-            <a:r>
-              <a:rPr lang="en-US" dirty="0" smtClean="0"/>
-              <a:t>2</a:t>
-            </a:r>
-            <a:r>
-              <a:rPr lang="en-US" baseline="30000" dirty="0" smtClean="0"/>
-              <a:t>31</a:t>
-            </a:r>
-            <a:r>
-              <a:rPr lang="en-US" dirty="0" smtClean="0"/>
-              <a:t> - 1</a:t>
-            </a:r>
-          </a:p>
-          <a:p>
-            <a:r>
-              <a:rPr lang="en-US" dirty="0"/>
-              <a:t>l</a:t>
-            </a:r>
-            <a:r>
-              <a:rPr lang="en-US" dirty="0" smtClean="0"/>
-              <a:t>ong – 64 </a:t>
-            </a:r>
-            <a:r>
-              <a:rPr lang="en-US" dirty="0"/>
-              <a:t>bit integer from -</a:t>
-            </a:r>
-            <a:r>
-              <a:rPr lang="en-US" dirty="0" smtClean="0"/>
-              <a:t>2</a:t>
-            </a:r>
-            <a:r>
-              <a:rPr lang="en-US" baseline="30000" dirty="0" smtClean="0"/>
-              <a:t>63</a:t>
-            </a:r>
-            <a:r>
-              <a:rPr lang="en-US" dirty="0" smtClean="0"/>
-              <a:t> </a:t>
-            </a:r>
-            <a:r>
-              <a:rPr lang="en-US" dirty="0"/>
-              <a:t>to </a:t>
-            </a:r>
-            <a:r>
-              <a:rPr lang="en-US" dirty="0" smtClean="0"/>
-              <a:t>2</a:t>
-            </a:r>
-            <a:r>
-              <a:rPr lang="en-US" baseline="30000" dirty="0" smtClean="0"/>
-              <a:t>63</a:t>
-            </a:r>
-            <a:r>
-              <a:rPr lang="en-US" dirty="0" smtClean="0"/>
-              <a:t> </a:t>
-            </a:r>
-            <a:r>
-              <a:rPr lang="en-US" dirty="0"/>
-              <a:t>- </a:t>
-            </a:r>
-            <a:r>
-              <a:rPr lang="en-US" dirty="0" smtClean="0"/>
-              <a:t>1</a:t>
-            </a:r>
-          </a:p>
-          <a:p>
-            <a:r>
-              <a:rPr lang="en-US" dirty="0" smtClean="0"/>
-              <a:t>float – decimal value</a:t>
-            </a:r>
-          </a:p>
-          <a:p>
-            <a:r>
-              <a:rPr lang="en-US" dirty="0" smtClean="0"/>
-              <a:t>double – decimal value, precision 2</a:t>
-            </a:r>
-          </a:p>
-          <a:p>
-            <a:r>
-              <a:rPr lang="en-US" dirty="0" err="1" smtClean="0"/>
-              <a:t>boolean</a:t>
-            </a:r>
-            <a:r>
-              <a:rPr lang="en-US" dirty="0" smtClean="0"/>
-              <a:t> – true or false</a:t>
-            </a:r>
-          </a:p>
-          <a:p>
-            <a:r>
-              <a:rPr lang="en-US" dirty="0" smtClean="0"/>
-              <a:t>char – single character (same size as short)</a:t>
-            </a:r>
-            <a:endParaRPr lang="en-US" dirty="0"/>
-          </a:p>
-        </p:txBody>
-      </p:sp>
-      <p:sp>
-        <p:nvSpPr>
-          <p:cNvPr id="4" name="Date Placeholder 3"/>
-          <p:cNvSpPr>
-            <a:spLocks noGrp="1"/>
-          </p:cNvSpPr>
-          <p:nvPr>
-            <p:ph type="dt" sz="half" idx="10"/>
-          </p:nvPr>
-        </p:nvSpPr>
-        <p:spPr/>
-        <p:txBody>
-          <a:bodyPr/>
-          <a:lstStyle/>
-          <a:p>
-            <a:fld id="{F183408C-6070-4562-B64D-FA8659057204}" type="datetime1">
-              <a:rPr lang="en-US" smtClean="0"/>
-              <a:t>8/12/2015</a:t>
-            </a:fld>
-            <a:endParaRPr lang="en-US"/>
-          </a:p>
-        </p:txBody>
-      </p:sp>
-    </p:spTree>
-    <p:extLst>
-      <p:ext uri="{BB962C8B-B14F-4D97-AF65-F5344CB8AC3E}">
-        <p14:creationId xmlns:p14="http://schemas.microsoft.com/office/powerpoint/2010/main" val="4022725190"/>
-      </p:ext>
-    </p:extLst>
-  </p:cSld>
-  <p:clrMapOvr>
-    <a:masterClrMapping/>
-  </p:clrMapOvr>
-  <p:timing>
-    <p:tnLst>
-      <p:par>
-        <p:cTn id="1" dur="indefinite" restart="never" nodeType="tmRoot"/>
-      </p:par>
-    </p:tnLst>
-  </p:timing>
-</p:sld>
-</file>
-
-<file path=ppt/slides/slide24.xml><?xml version="1.0" encoding="utf-8"?>
-<p:sld xmlns:a="http://schemas.openxmlformats.org/drawingml/2006/main" xmlns:r="http://schemas.openxmlformats.org/officeDocument/2006/relationships" xmlns:p="http://schemas.openxmlformats.org/presentationml/2006/main">
-  <p:cSld>
-    <p:spTree>
-      <p:nvGrpSpPr>
-        <p:cNvPr id="1" name=""/>
-        <p:cNvGrpSpPr/>
-        <p:nvPr/>
-      </p:nvGrpSpPr>
-      <p:grpSpPr>
-        <a:xfrm>
-          <a:off x="0" y="0"/>
-          <a:ext cx="0" cy="0"/>
-          <a:chOff x="0" y="0"/>
-          <a:chExt cx="0" cy="0"/>
-        </a:xfrm>
-      </p:grpSpPr>
-      <p:sp>
-        <p:nvSpPr>
-          <p:cNvPr id="2" name="Title 1"/>
-          <p:cNvSpPr>
-            <a:spLocks noGrp="1"/>
-          </p:cNvSpPr>
-          <p:nvPr>
-            <p:ph type="title"/>
-          </p:nvPr>
-        </p:nvSpPr>
-        <p:spPr/>
-        <p:txBody>
-          <a:bodyPr/>
-          <a:lstStyle/>
-          <a:p>
-            <a:r>
-              <a:rPr lang="en-US" dirty="0" smtClean="0"/>
-              <a:t>Reference Variables</a:t>
-            </a:r>
-            <a:endParaRPr lang="en-US" dirty="0"/>
-          </a:p>
-        </p:txBody>
-      </p:sp>
-      <p:sp>
-        <p:nvSpPr>
-          <p:cNvPr id="3" name="Content Placeholder 2"/>
-          <p:cNvSpPr>
-            <a:spLocks noGrp="1"/>
-          </p:cNvSpPr>
-          <p:nvPr>
-            <p:ph idx="1"/>
-          </p:nvPr>
-        </p:nvSpPr>
-        <p:spPr/>
-        <p:txBody>
-          <a:bodyPr>
-            <a:normAutofit/>
-          </a:bodyPr>
-          <a:lstStyle/>
-          <a:p>
-            <a:r>
-              <a:rPr lang="en-US" dirty="0" smtClean="0"/>
-              <a:t>String is not a primitive! They are essentially arrays of chars.</a:t>
-            </a:r>
-          </a:p>
-          <a:p>
-            <a:r>
-              <a:rPr lang="en-US" dirty="0" smtClean="0"/>
-              <a:t>“a” != ‘a’</a:t>
-            </a:r>
-          </a:p>
-          <a:p>
-            <a:r>
-              <a:rPr lang="en-US" dirty="0" smtClean="0"/>
-              <a:t>All primitives have a “wrapper class”</a:t>
-            </a:r>
-          </a:p>
-          <a:p>
-            <a:pPr lvl="1"/>
-            <a:r>
-              <a:rPr lang="en-US" dirty="0" err="1" smtClean="0"/>
-              <a:t>int</a:t>
-            </a:r>
-            <a:r>
-              <a:rPr lang="en-US" dirty="0" smtClean="0"/>
-              <a:t> becomes Integer</a:t>
-            </a:r>
-          </a:p>
-          <a:p>
-            <a:pPr lvl="1"/>
-            <a:r>
-              <a:rPr lang="en-US" dirty="0" smtClean="0"/>
-              <a:t>Long becomes Long</a:t>
-            </a:r>
-          </a:p>
-          <a:p>
-            <a:pPr lvl="1"/>
-            <a:r>
-              <a:rPr lang="en-US" dirty="0" err="1" smtClean="0"/>
-              <a:t>etc</a:t>
-            </a:r>
-            <a:endParaRPr lang="en-US" dirty="0" smtClean="0"/>
-          </a:p>
-          <a:p>
-            <a:r>
-              <a:rPr lang="en-US" dirty="0" smtClean="0"/>
-              <a:t>These classes inherit from the base Object class and can be null</a:t>
-            </a:r>
-          </a:p>
-          <a:p>
-            <a:r>
-              <a:rPr lang="en-US" dirty="0" smtClean="0"/>
-              <a:t>They refer to actual Objects</a:t>
-            </a:r>
-          </a:p>
-        </p:txBody>
-      </p:sp>
-      <p:sp>
-        <p:nvSpPr>
-          <p:cNvPr id="4" name="Date Placeholder 3"/>
-          <p:cNvSpPr>
-            <a:spLocks noGrp="1"/>
-          </p:cNvSpPr>
-          <p:nvPr>
-            <p:ph type="dt" sz="half" idx="10"/>
-          </p:nvPr>
-        </p:nvSpPr>
-        <p:spPr/>
-        <p:txBody>
-          <a:bodyPr/>
-          <a:lstStyle/>
-          <a:p>
-            <a:fld id="{4BF9CFB5-D746-4CF2-BD22-CAD676A3B1DE}" type="datetime1">
-              <a:rPr lang="en-US" smtClean="0"/>
-              <a:t>8/12/2015</a:t>
-            </a:fld>
-            <a:endParaRPr lang="en-US"/>
-          </a:p>
-        </p:txBody>
-      </p:sp>
-    </p:spTree>
-    <p:extLst>
-      <p:ext uri="{BB962C8B-B14F-4D97-AF65-F5344CB8AC3E}">
-        <p14:creationId xmlns:p14="http://schemas.microsoft.com/office/powerpoint/2010/main" val="266731302"/>
-      </p:ext>
-    </p:extLst>
-  </p:cSld>
-  <p:clrMapOvr>
-    <a:masterClrMapping/>
-  </p:clrMapOvr>
-</p:sld>
-</file>
-
-<file path=ppt/slides/slide25.xml><?xml version="1.0" encoding="utf-8"?>
-<p:sld xmlns:a="http://schemas.openxmlformats.org/drawingml/2006/main" xmlns:r="http://schemas.openxmlformats.org/officeDocument/2006/relationships" xmlns:p="http://schemas.openxmlformats.org/presentationml/2006/main">
-  <p:cSld>
-    <p:spTree>
-      <p:nvGrpSpPr>
-        <p:cNvPr id="1" name=""/>
-        <p:cNvGrpSpPr/>
-        <p:nvPr/>
-      </p:nvGrpSpPr>
-      <p:grpSpPr>
-        <a:xfrm>
-          <a:off x="0" y="0"/>
-          <a:ext cx="0" cy="0"/>
-          <a:chOff x="0" y="0"/>
-          <a:chExt cx="0" cy="0"/>
-        </a:xfrm>
-      </p:grpSpPr>
-      <p:sp>
-        <p:nvSpPr>
-          <p:cNvPr id="2" name="Title 1"/>
-          <p:cNvSpPr>
-            <a:spLocks noGrp="1"/>
-          </p:cNvSpPr>
-          <p:nvPr>
-            <p:ph type="ctrTitle"/>
-          </p:nvPr>
-        </p:nvSpPr>
-        <p:spPr/>
-        <p:txBody>
-          <a:bodyPr/>
-          <a:lstStyle/>
-          <a:p>
-            <a:r>
-              <a:rPr lang="en-US" dirty="0" smtClean="0"/>
-              <a:t>Control Statements</a:t>
-            </a:r>
-            <a:endParaRPr lang="en-US" dirty="0"/>
-          </a:p>
-        </p:txBody>
-      </p:sp>
-      <p:sp>
-        <p:nvSpPr>
-          <p:cNvPr id="6" name="Subtitle 5"/>
-          <p:cNvSpPr>
-            <a:spLocks noGrp="1"/>
-          </p:cNvSpPr>
-          <p:nvPr>
-            <p:ph type="subTitle" idx="1"/>
-          </p:nvPr>
-        </p:nvSpPr>
-        <p:spPr/>
-        <p:txBody>
-          <a:bodyPr/>
-          <a:lstStyle/>
-          <a:p>
-            <a:endParaRPr lang="en-US"/>
-          </a:p>
-        </p:txBody>
-      </p:sp>
-      <p:sp>
-        <p:nvSpPr>
-          <p:cNvPr id="3" name="Text Placeholder 2"/>
-          <p:cNvSpPr>
-            <a:spLocks noGrp="1"/>
-          </p:cNvSpPr>
-          <p:nvPr>
-            <p:ph type="body" sz="quarter" idx="11"/>
-          </p:nvPr>
-        </p:nvSpPr>
-        <p:spPr/>
-        <p:txBody>
-          <a:bodyPr/>
-          <a:lstStyle/>
-          <a:p>
-            <a:r>
-              <a:rPr lang="en-US" dirty="0" smtClean="0"/>
-              <a:t>Introduction To Java Programming</a:t>
-            </a:r>
-          </a:p>
-        </p:txBody>
-      </p:sp>
-      <p:sp>
-        <p:nvSpPr>
-          <p:cNvPr id="7" name="Text Placeholder 6"/>
-          <p:cNvSpPr>
-            <a:spLocks noGrp="1"/>
-          </p:cNvSpPr>
-          <p:nvPr>
-            <p:ph type="body" sz="quarter" idx="12"/>
-          </p:nvPr>
-        </p:nvSpPr>
-        <p:spPr/>
-        <p:txBody>
-          <a:bodyPr/>
-          <a:lstStyle/>
-          <a:p>
-            <a:endParaRPr lang="en-US"/>
-          </a:p>
-        </p:txBody>
-      </p:sp>
-      <p:sp>
-        <p:nvSpPr>
-          <p:cNvPr id="8" name="Text Placeholder 7"/>
-          <p:cNvSpPr>
-            <a:spLocks noGrp="1"/>
-          </p:cNvSpPr>
-          <p:nvPr>
-            <p:ph type="body" sz="quarter" idx="13"/>
-          </p:nvPr>
-        </p:nvSpPr>
-        <p:spPr/>
-        <p:txBody>
-          <a:bodyPr/>
-          <a:lstStyle/>
-          <a:p>
-            <a:endParaRPr lang="en-US"/>
-          </a:p>
-        </p:txBody>
-      </p:sp>
-      <p:sp>
-        <p:nvSpPr>
-          <p:cNvPr id="9" name="Text Placeholder 8"/>
-          <p:cNvSpPr>
-            <a:spLocks noGrp="1"/>
-          </p:cNvSpPr>
-          <p:nvPr>
-            <p:ph type="body" sz="quarter" idx="14"/>
-          </p:nvPr>
-        </p:nvSpPr>
-        <p:spPr/>
-        <p:txBody>
-          <a:bodyPr/>
-          <a:lstStyle/>
-          <a:p>
-            <a:endParaRPr lang="en-US"/>
-          </a:p>
-        </p:txBody>
-      </p:sp>
-      <p:sp>
-        <p:nvSpPr>
-          <p:cNvPr id="4" name="Date Placeholder 3"/>
-          <p:cNvSpPr>
-            <a:spLocks noGrp="1"/>
-          </p:cNvSpPr>
-          <p:nvPr>
-            <p:ph type="dt" sz="half" idx="4294967295"/>
-          </p:nvPr>
-        </p:nvSpPr>
-        <p:spPr>
-          <a:xfrm>
-            <a:off x="0" y="6356350"/>
-            <a:ext cx="2133600" cy="365125"/>
-          </a:xfrm>
-          <a:prstGeom prst="rect">
-            <a:avLst/>
-          </a:prstGeom>
-        </p:spPr>
-        <p:txBody>
-          <a:bodyPr/>
-          <a:lstStyle/>
-          <a:p>
-            <a:fld id="{16912949-A220-4034-8649-208A606199B7}" type="datetime1">
-              <a:rPr lang="en-US" smtClean="0"/>
-              <a:t>8/12/2015</a:t>
-            </a:fld>
-            <a:endParaRPr lang="en-US"/>
-          </a:p>
-        </p:txBody>
-      </p:sp>
-    </p:spTree>
-    <p:extLst>
-      <p:ext uri="{BB962C8B-B14F-4D97-AF65-F5344CB8AC3E}">
-        <p14:creationId xmlns:p14="http://schemas.microsoft.com/office/powerpoint/2010/main" val="3965990881"/>
-      </p:ext>
-    </p:extLst>
-  </p:cSld>
-  <p:clrMapOvr>
-    <a:masterClrMapping/>
-  </p:clrMapOvr>
-</p:sld>
-</file>
-
-<file path=ppt/slides/slide26.xml><?xml version="1.0" encoding="utf-8"?>
-<p:sld xmlns:a="http://schemas.openxmlformats.org/drawingml/2006/main" xmlns:r="http://schemas.openxmlformats.org/officeDocument/2006/relationships" xmlns:p="http://schemas.openxmlformats.org/presentationml/2006/main">
-  <p:cSld>
-    <p:spTree>
-      <p:nvGrpSpPr>
-        <p:cNvPr id="1" name=""/>
-        <p:cNvGrpSpPr/>
-        <p:nvPr/>
-      </p:nvGrpSpPr>
-      <p:grpSpPr>
-        <a:xfrm>
-          <a:off x="0" y="0"/>
-          <a:ext cx="0" cy="0"/>
-          <a:chOff x="0" y="0"/>
-          <a:chExt cx="0" cy="0"/>
-        </a:xfrm>
-      </p:grpSpPr>
-      <p:sp>
-        <p:nvSpPr>
-          <p:cNvPr id="2" name="Title 1"/>
-          <p:cNvSpPr>
-            <a:spLocks noGrp="1"/>
-          </p:cNvSpPr>
-          <p:nvPr>
-            <p:ph type="title"/>
-          </p:nvPr>
-        </p:nvSpPr>
-        <p:spPr/>
-        <p:txBody>
-          <a:bodyPr/>
-          <a:lstStyle/>
-          <a:p>
-            <a:r>
-              <a:rPr lang="en-US" dirty="0" smtClean="0"/>
-              <a:t>If / Else if / Else Statements</a:t>
-            </a:r>
-            <a:endParaRPr lang="en-US" dirty="0"/>
-          </a:p>
-        </p:txBody>
-      </p:sp>
-      <p:sp>
-        <p:nvSpPr>
-          <p:cNvPr id="3" name="Content Placeholder 2"/>
-          <p:cNvSpPr>
-            <a:spLocks noGrp="1"/>
-          </p:cNvSpPr>
-          <p:nvPr>
-            <p:ph idx="1"/>
-          </p:nvPr>
-        </p:nvSpPr>
-        <p:spPr/>
-        <p:txBody>
-          <a:bodyPr>
-            <a:noAutofit/>
-          </a:bodyPr>
-          <a:lstStyle/>
-          <a:p>
-            <a:pPr marL="0" indent="0">
-              <a:buNone/>
-            </a:pPr>
-            <a:r>
-              <a:rPr lang="en-US" sz="2000" dirty="0" smtClean="0">
-                <a:latin typeface="Courier New" panose="02070309020205020404" pitchFamily="49" charset="0"/>
-                <a:cs typeface="Courier New" panose="02070309020205020404" pitchFamily="49" charset="0"/>
-              </a:rPr>
-              <a:t>if (x &gt; 5){</a:t>
-            </a:r>
-          </a:p>
-          <a:p>
-            <a:pPr marL="0" indent="0">
-              <a:buNone/>
-            </a:pPr>
-            <a:r>
-              <a:rPr lang="en-US" sz="2000" dirty="0" smtClean="0">
-                <a:latin typeface="Courier New" panose="02070309020205020404" pitchFamily="49" charset="0"/>
-                <a:cs typeface="Courier New" panose="02070309020205020404" pitchFamily="49" charset="0"/>
-              </a:rPr>
-              <a:t>	</a:t>
-            </a:r>
-            <a:r>
-              <a:rPr lang="en-US" sz="2000" dirty="0" err="1" smtClean="0">
-                <a:latin typeface="Courier New" panose="02070309020205020404" pitchFamily="49" charset="0"/>
-                <a:cs typeface="Courier New" panose="02070309020205020404" pitchFamily="49" charset="0"/>
-              </a:rPr>
-              <a:t>System.out.println</a:t>
-            </a:r>
-            <a:r>
-              <a:rPr lang="en-US" sz="2000" dirty="0" smtClean="0">
-                <a:latin typeface="Courier New" panose="02070309020205020404" pitchFamily="49" charset="0"/>
-                <a:cs typeface="Courier New" panose="02070309020205020404" pitchFamily="49" charset="0"/>
-              </a:rPr>
-              <a:t>(“x is greater than 5!”);</a:t>
-            </a:r>
-            <a:endParaRPr lang="en-US" sz="2000" dirty="0">
-              <a:latin typeface="Courier New" panose="02070309020205020404" pitchFamily="49" charset="0"/>
-              <a:cs typeface="Courier New" panose="02070309020205020404" pitchFamily="49" charset="0"/>
-            </a:endParaRPr>
-          </a:p>
-          <a:p>
-            <a:pPr marL="0" indent="0">
-              <a:buNone/>
-            </a:pPr>
-            <a:r>
-              <a:rPr lang="en-US" sz="2000" dirty="0" smtClean="0">
-                <a:latin typeface="Courier New" panose="02070309020205020404" pitchFamily="49" charset="0"/>
-                <a:cs typeface="Courier New" panose="02070309020205020404" pitchFamily="49" charset="0"/>
-              </a:rPr>
-              <a:t>}</a:t>
-            </a:r>
-          </a:p>
-          <a:p>
-            <a:pPr marL="0" indent="0">
-              <a:buNone/>
-            </a:pPr>
-            <a:r>
-              <a:rPr lang="en-US" sz="2000" dirty="0" smtClean="0">
-                <a:latin typeface="Courier New" panose="02070309020205020404" pitchFamily="49" charset="0"/>
-                <a:cs typeface="Courier New" panose="02070309020205020404" pitchFamily="49" charset="0"/>
-              </a:rPr>
-              <a:t>else if (x &lt; 5){</a:t>
-            </a:r>
-          </a:p>
-          <a:p>
-            <a:pPr marL="0" indent="0">
-              <a:buNone/>
-            </a:pPr>
-            <a:r>
-              <a:rPr lang="en-US" sz="2000" dirty="0">
-                <a:latin typeface="Courier New" panose="02070309020205020404" pitchFamily="49" charset="0"/>
-                <a:cs typeface="Courier New" panose="02070309020205020404" pitchFamily="49" charset="0"/>
-              </a:rPr>
-              <a:t>	</a:t>
-            </a:r>
-            <a:r>
-              <a:rPr lang="en-US" sz="2000" dirty="0" err="1">
-                <a:latin typeface="Courier New" panose="02070309020205020404" pitchFamily="49" charset="0"/>
-                <a:cs typeface="Courier New" panose="02070309020205020404" pitchFamily="49" charset="0"/>
-              </a:rPr>
-              <a:t>System.out.println</a:t>
-            </a:r>
-            <a:r>
-              <a:rPr lang="en-US" sz="2000" dirty="0">
-                <a:latin typeface="Courier New" panose="02070309020205020404" pitchFamily="49" charset="0"/>
-                <a:cs typeface="Courier New" panose="02070309020205020404" pitchFamily="49" charset="0"/>
-              </a:rPr>
-              <a:t>(“x is </a:t>
-            </a:r>
-            <a:r>
-              <a:rPr lang="en-US" sz="2000" dirty="0" smtClean="0">
-                <a:latin typeface="Courier New" panose="02070309020205020404" pitchFamily="49" charset="0"/>
-                <a:cs typeface="Courier New" panose="02070309020205020404" pitchFamily="49" charset="0"/>
-              </a:rPr>
-              <a:t>less than </a:t>
-            </a:r>
-            <a:r>
-              <a:rPr lang="en-US" sz="2000" dirty="0">
-                <a:latin typeface="Courier New" panose="02070309020205020404" pitchFamily="49" charset="0"/>
-                <a:cs typeface="Courier New" panose="02070309020205020404" pitchFamily="49" charset="0"/>
-              </a:rPr>
-              <a:t>5</a:t>
-            </a:r>
-            <a:r>
-              <a:rPr lang="en-US" sz="2000" dirty="0" smtClean="0">
-                <a:latin typeface="Courier New" panose="02070309020205020404" pitchFamily="49" charset="0"/>
-                <a:cs typeface="Courier New" panose="02070309020205020404" pitchFamily="49" charset="0"/>
-              </a:rPr>
-              <a:t>!”);</a:t>
-            </a:r>
-            <a:endParaRPr lang="en-US" sz="2000" dirty="0">
-              <a:latin typeface="Courier New" panose="02070309020205020404" pitchFamily="49" charset="0"/>
-              <a:cs typeface="Courier New" panose="02070309020205020404" pitchFamily="49" charset="0"/>
-            </a:endParaRPr>
-          </a:p>
-          <a:p>
-            <a:pPr marL="0" indent="0">
-              <a:buNone/>
-            </a:pPr>
-            <a:r>
-              <a:rPr lang="en-US" sz="2000" dirty="0" smtClean="0">
-                <a:latin typeface="Courier New" panose="02070309020205020404" pitchFamily="49" charset="0"/>
-                <a:cs typeface="Courier New" panose="02070309020205020404" pitchFamily="49" charset="0"/>
-              </a:rPr>
-              <a:t>}</a:t>
-            </a:r>
-          </a:p>
-          <a:p>
-            <a:pPr marL="0" indent="0">
-              <a:buNone/>
-            </a:pPr>
-            <a:r>
-              <a:rPr lang="en-US" sz="2000" dirty="0" smtClean="0">
-                <a:latin typeface="Courier New" panose="02070309020205020404" pitchFamily="49" charset="0"/>
-                <a:cs typeface="Courier New" panose="02070309020205020404" pitchFamily="49" charset="0"/>
-              </a:rPr>
-              <a:t>else{</a:t>
-            </a:r>
-          </a:p>
-          <a:p>
-            <a:pPr marL="0" indent="0">
-              <a:buNone/>
-            </a:pPr>
-            <a:r>
-              <a:rPr lang="en-US" sz="2000" dirty="0">
-                <a:latin typeface="Courier New" panose="02070309020205020404" pitchFamily="49" charset="0"/>
-                <a:cs typeface="Courier New" panose="02070309020205020404" pitchFamily="49" charset="0"/>
-              </a:rPr>
-              <a:t>	</a:t>
-            </a:r>
-            <a:r>
-              <a:rPr lang="en-US" sz="2000" dirty="0" err="1">
-                <a:latin typeface="Courier New" panose="02070309020205020404" pitchFamily="49" charset="0"/>
-                <a:cs typeface="Courier New" panose="02070309020205020404" pitchFamily="49" charset="0"/>
-              </a:rPr>
-              <a:t>System.out.println</a:t>
-            </a:r>
-            <a:r>
-              <a:rPr lang="en-US" sz="2000" dirty="0">
-                <a:latin typeface="Courier New" panose="02070309020205020404" pitchFamily="49" charset="0"/>
-                <a:cs typeface="Courier New" panose="02070309020205020404" pitchFamily="49" charset="0"/>
-              </a:rPr>
-              <a:t>(“x </a:t>
-            </a:r>
-            <a:r>
-              <a:rPr lang="en-US" sz="2000" dirty="0" smtClean="0">
-                <a:latin typeface="Courier New" panose="02070309020205020404" pitchFamily="49" charset="0"/>
-                <a:cs typeface="Courier New" panose="02070309020205020404" pitchFamily="49" charset="0"/>
-              </a:rPr>
-              <a:t>must be five 5!”);</a:t>
-            </a:r>
-            <a:endParaRPr lang="en-US" sz="2000" dirty="0">
-              <a:latin typeface="Courier New" panose="02070309020205020404" pitchFamily="49" charset="0"/>
-              <a:cs typeface="Courier New" panose="02070309020205020404" pitchFamily="49" charset="0"/>
-            </a:endParaRPr>
-          </a:p>
-          <a:p>
-            <a:pPr marL="0" indent="0">
-              <a:buNone/>
-            </a:pPr>
-            <a:r>
-              <a:rPr lang="en-US" sz="2000" dirty="0">
-                <a:latin typeface="Courier New" panose="02070309020205020404" pitchFamily="49" charset="0"/>
-                <a:cs typeface="Courier New" panose="02070309020205020404" pitchFamily="49" charset="0"/>
-              </a:rPr>
-              <a:t>}</a:t>
-            </a:r>
-          </a:p>
-        </p:txBody>
-      </p:sp>
-      <p:sp>
-        <p:nvSpPr>
-          <p:cNvPr id="4" name="Date Placeholder 3"/>
-          <p:cNvSpPr>
-            <a:spLocks noGrp="1"/>
-          </p:cNvSpPr>
-          <p:nvPr>
-            <p:ph type="dt" sz="half" idx="10"/>
-          </p:nvPr>
-        </p:nvSpPr>
-        <p:spPr/>
-        <p:txBody>
-          <a:bodyPr/>
-          <a:lstStyle/>
-          <a:p>
-            <a:fld id="{0E27F6F0-5B62-4426-9A32-1C828CD8F08D}" type="datetime1">
-              <a:rPr lang="en-US" smtClean="0"/>
-              <a:t>8/12/2015</a:t>
-            </a:fld>
-            <a:endParaRPr lang="en-US"/>
-          </a:p>
-        </p:txBody>
-      </p:sp>
-    </p:spTree>
-    <p:extLst>
-      <p:ext uri="{BB962C8B-B14F-4D97-AF65-F5344CB8AC3E}">
-        <p14:creationId xmlns:p14="http://schemas.microsoft.com/office/powerpoint/2010/main" val="2976277046"/>
-      </p:ext>
-    </p:extLst>
-  </p:cSld>
-  <p:clrMapOvr>
-    <a:masterClrMapping/>
-  </p:clrMapOvr>
-</p:sld>
-</file>
-
-<file path=ppt/slides/slide27.xml><?xml version="1.0" encoding="utf-8"?>
-<p:sld xmlns:a="http://schemas.openxmlformats.org/drawingml/2006/main" xmlns:r="http://schemas.openxmlformats.org/officeDocument/2006/relationships" xmlns:p="http://schemas.openxmlformats.org/presentationml/2006/main">
-  <p:cSld>
-    <p:spTree>
-      <p:nvGrpSpPr>
-        <p:cNvPr id="1" name=""/>
-        <p:cNvGrpSpPr/>
-        <p:nvPr/>
-      </p:nvGrpSpPr>
-      <p:grpSpPr>
-        <a:xfrm>
-          <a:off x="0" y="0"/>
-          <a:ext cx="0" cy="0"/>
-          <a:chOff x="0" y="0"/>
-          <a:chExt cx="0" cy="0"/>
-        </a:xfrm>
-      </p:grpSpPr>
-      <p:sp>
-        <p:nvSpPr>
-          <p:cNvPr id="2" name="Title 1"/>
-          <p:cNvSpPr>
-            <a:spLocks noGrp="1"/>
-          </p:cNvSpPr>
-          <p:nvPr>
-            <p:ph type="title"/>
-          </p:nvPr>
-        </p:nvSpPr>
-        <p:spPr/>
-        <p:txBody>
-          <a:bodyPr/>
-          <a:lstStyle/>
-          <a:p>
-            <a:r>
-              <a:rPr lang="en-US" dirty="0" smtClean="0"/>
-              <a:t>while Repetition Statements</a:t>
-            </a:r>
-            <a:endParaRPr lang="en-US" dirty="0"/>
-          </a:p>
-        </p:txBody>
-      </p:sp>
-      <p:sp>
-        <p:nvSpPr>
-          <p:cNvPr id="3" name="Content Placeholder 2"/>
-          <p:cNvSpPr>
-            <a:spLocks noGrp="1"/>
-          </p:cNvSpPr>
-          <p:nvPr>
-            <p:ph idx="1"/>
-          </p:nvPr>
-        </p:nvSpPr>
-        <p:spPr/>
-        <p:txBody>
-          <a:bodyPr>
-            <a:normAutofit/>
-          </a:bodyPr>
-          <a:lstStyle/>
-          <a:p>
-            <a:pPr marL="0" indent="0">
-              <a:buNone/>
-            </a:pPr>
-            <a:r>
-              <a:rPr lang="en-US" sz="2800" dirty="0" smtClean="0">
-                <a:latin typeface="Courier New" panose="02070309020205020404" pitchFamily="49" charset="0"/>
-                <a:cs typeface="Courier New" panose="02070309020205020404" pitchFamily="49" charset="0"/>
-              </a:rPr>
-              <a:t>while(x &lt; 100){</a:t>
-            </a:r>
-          </a:p>
-          <a:p>
-            <a:pPr marL="0" indent="0">
-              <a:buNone/>
-            </a:pPr>
-            <a:r>
-              <a:rPr lang="en-US" sz="2800" dirty="0">
-                <a:latin typeface="Courier New" panose="02070309020205020404" pitchFamily="49" charset="0"/>
-                <a:cs typeface="Courier New" panose="02070309020205020404" pitchFamily="49" charset="0"/>
-              </a:rPr>
-              <a:t>	</a:t>
-            </a:r>
-            <a:r>
-              <a:rPr lang="en-US" sz="2800" dirty="0" err="1" smtClean="0">
-                <a:latin typeface="Courier New" panose="02070309020205020404" pitchFamily="49" charset="0"/>
-                <a:cs typeface="Courier New" panose="02070309020205020404" pitchFamily="49" charset="0"/>
-              </a:rPr>
-              <a:t>System.out.println</a:t>
-            </a:r>
-            <a:r>
-              <a:rPr lang="en-US" sz="2800" dirty="0" smtClean="0">
-                <a:latin typeface="Courier New" panose="02070309020205020404" pitchFamily="49" charset="0"/>
-                <a:cs typeface="Courier New" panose="02070309020205020404" pitchFamily="49" charset="0"/>
-              </a:rPr>
-              <a:t>(“X is “ + x);</a:t>
-            </a:r>
-          </a:p>
-          <a:p>
-            <a:pPr marL="0" indent="0">
-              <a:buNone/>
-            </a:pPr>
-            <a:r>
-              <a:rPr lang="en-US" sz="2800" dirty="0" smtClean="0">
-                <a:latin typeface="Courier New" panose="02070309020205020404" pitchFamily="49" charset="0"/>
-                <a:cs typeface="Courier New" panose="02070309020205020404" pitchFamily="49" charset="0"/>
-              </a:rPr>
-              <a:t>	x++;</a:t>
-            </a:r>
-            <a:endParaRPr lang="en-US" sz="2800" dirty="0">
-              <a:latin typeface="Courier New" panose="02070309020205020404" pitchFamily="49" charset="0"/>
-              <a:cs typeface="Courier New" panose="02070309020205020404" pitchFamily="49" charset="0"/>
-            </a:endParaRPr>
-          </a:p>
-          <a:p>
-            <a:pPr marL="0" indent="0">
-              <a:buNone/>
-            </a:pPr>
-            <a:r>
-              <a:rPr lang="en-US" sz="2800" dirty="0" smtClean="0">
-                <a:latin typeface="Courier New" panose="02070309020205020404" pitchFamily="49" charset="0"/>
-                <a:cs typeface="Courier New" panose="02070309020205020404" pitchFamily="49" charset="0"/>
-              </a:rPr>
-              <a:t>}</a:t>
-            </a:r>
-          </a:p>
-          <a:p>
-            <a:r>
-              <a:rPr lang="en-US" dirty="0" smtClean="0">
-                <a:cs typeface="Courier New" panose="02070309020205020404" pitchFamily="49" charset="0"/>
-              </a:rPr>
-              <a:t>While loops are a good way to repeat a statement for an unknown number of objects (sentinel controlled), or to create a counter controlled loop</a:t>
-            </a:r>
-            <a:endParaRPr lang="en-US" dirty="0">
-              <a:cs typeface="Courier New" panose="02070309020205020404" pitchFamily="49" charset="0"/>
-            </a:endParaRPr>
-          </a:p>
-          <a:p>
-            <a:pPr marL="0" indent="0">
-              <a:buNone/>
-            </a:pPr>
-            <a:endParaRPr lang="en-US" sz="2800" dirty="0">
-              <a:latin typeface="Courier New" panose="02070309020205020404" pitchFamily="49" charset="0"/>
-              <a:cs typeface="Courier New" panose="02070309020205020404" pitchFamily="49" charset="0"/>
-            </a:endParaRPr>
-          </a:p>
-        </p:txBody>
-      </p:sp>
-      <p:sp>
-        <p:nvSpPr>
-          <p:cNvPr id="4" name="Date Placeholder 3"/>
-          <p:cNvSpPr>
-            <a:spLocks noGrp="1"/>
-          </p:cNvSpPr>
-          <p:nvPr>
-            <p:ph type="dt" sz="half" idx="10"/>
-          </p:nvPr>
-        </p:nvSpPr>
-        <p:spPr/>
-        <p:txBody>
-          <a:bodyPr/>
-          <a:lstStyle/>
-          <a:p>
-            <a:fld id="{4889108E-B126-42EF-9C04-952D4D01D8EB}" type="datetime1">
-              <a:rPr lang="en-US" smtClean="0"/>
-              <a:t>8/12/2015</a:t>
-            </a:fld>
-            <a:endParaRPr lang="en-US"/>
-          </a:p>
-        </p:txBody>
-      </p:sp>
-    </p:spTree>
-    <p:extLst>
-      <p:ext uri="{BB962C8B-B14F-4D97-AF65-F5344CB8AC3E}">
-        <p14:creationId xmlns:p14="http://schemas.microsoft.com/office/powerpoint/2010/main" val="460817493"/>
-      </p:ext>
-    </p:extLst>
-  </p:cSld>
-  <p:clrMapOvr>
-    <a:masterClrMapping/>
-  </p:clrMapOvr>
-</p:sld>
-</file>
-
 <file path=ppt/slides/slide28.xml><?xml version="1.0" encoding="utf-8"?>
 <p:sld xmlns:a="http://schemas.openxmlformats.org/drawingml/2006/main" xmlns:r="http://schemas.openxmlformats.org/officeDocument/2006/relationships" xmlns:p="http://schemas.openxmlformats.org/presentationml/2006/main">
   <p:cSld>
@@ -13352,7 +13942,7 @@
             <a:spLocks noGrp="1"/>
           </p:cNvSpPr>
           <p:nvPr>
-            <p:ph type="title"/>
+            <p:ph type="ctrTitle"/>
           </p:nvPr>
         </p:nvSpPr>
         <p:spPr/>
@@ -13361,302 +13951,21 @@
           <a:lstStyle/>
           <a:p>
             <a:r>
-              <a:rPr lang="en-US" dirty="0"/>
-              <a:t>while Repetition Statements</a:t>
-            </a:r>
-          </a:p>
-        </p:txBody>
-      </p:sp>
-      <p:sp>
-        <p:nvSpPr>
-          <p:cNvPr id="3" name="Content Placeholder 2"/>
-          <p:cNvSpPr>
-            <a:spLocks noGrp="1"/>
-          </p:cNvSpPr>
-          <p:nvPr>
-            <p:ph idx="1"/>
-          </p:nvPr>
-        </p:nvSpPr>
-        <p:spPr/>
-        <p:txBody>
-          <a:bodyPr>
-            <a:normAutofit/>
-          </a:bodyPr>
-          <a:lstStyle/>
-          <a:p>
-            <a:r>
-              <a:rPr lang="en-US" dirty="0" smtClean="0"/>
-              <a:t>What’s wrong with these?</a:t>
-            </a:r>
-          </a:p>
-          <a:p>
-            <a:pPr marL="0" indent="0">
-              <a:buNone/>
-            </a:pPr>
-            <a:r>
-              <a:rPr lang="en-US" sz="1600" dirty="0" smtClean="0">
-                <a:latin typeface="Courier New" panose="02070309020205020404" pitchFamily="49" charset="0"/>
-                <a:cs typeface="Courier New" panose="02070309020205020404" pitchFamily="49" charset="0"/>
-              </a:rPr>
-              <a:t>x = 1;</a:t>
-            </a:r>
-          </a:p>
-          <a:p>
-            <a:pPr marL="0" indent="0">
-              <a:buNone/>
-            </a:pPr>
-            <a:r>
-              <a:rPr lang="en-US" sz="1600" dirty="0" smtClean="0">
-                <a:latin typeface="Courier New" panose="02070309020205020404" pitchFamily="49" charset="0"/>
-                <a:cs typeface="Courier New" panose="02070309020205020404" pitchFamily="49" charset="0"/>
-              </a:rPr>
-              <a:t>while(x &gt;= 0){</a:t>
-            </a:r>
-          </a:p>
-          <a:p>
-            <a:pPr marL="0" indent="0">
-              <a:buNone/>
-            </a:pPr>
-            <a:r>
-              <a:rPr lang="en-US" sz="1600" dirty="0" smtClean="0">
-                <a:latin typeface="Courier New" panose="02070309020205020404" pitchFamily="49" charset="0"/>
-                <a:cs typeface="Courier New" panose="02070309020205020404" pitchFamily="49" charset="0"/>
-              </a:rPr>
-              <a:t>	</a:t>
-            </a:r>
-            <a:r>
-              <a:rPr lang="en-US" sz="1600" dirty="0" err="1" smtClean="0">
-                <a:latin typeface="Courier New" panose="02070309020205020404" pitchFamily="49" charset="0"/>
-                <a:cs typeface="Courier New" panose="02070309020205020404" pitchFamily="49" charset="0"/>
-              </a:rPr>
-              <a:t>System.out.println</a:t>
-            </a:r>
-            <a:r>
-              <a:rPr lang="en-US" sz="1600" dirty="0" smtClean="0">
-                <a:latin typeface="Courier New" panose="02070309020205020404" pitchFamily="49" charset="0"/>
-                <a:cs typeface="Courier New" panose="02070309020205020404" pitchFamily="49" charset="0"/>
-              </a:rPr>
-              <a:t>(x);</a:t>
-            </a:r>
-          </a:p>
-          <a:p>
-            <a:pPr marL="0" indent="0">
-              <a:buNone/>
-            </a:pPr>
-            <a:r>
-              <a:rPr lang="en-US" sz="1600" dirty="0">
-                <a:latin typeface="Courier New" panose="02070309020205020404" pitchFamily="49" charset="0"/>
-                <a:cs typeface="Courier New" panose="02070309020205020404" pitchFamily="49" charset="0"/>
-              </a:rPr>
-              <a:t>	</a:t>
-            </a:r>
-            <a:r>
-              <a:rPr lang="en-US" sz="1600" dirty="0" smtClean="0">
-                <a:latin typeface="Courier New" panose="02070309020205020404" pitchFamily="49" charset="0"/>
-                <a:cs typeface="Courier New" panose="02070309020205020404" pitchFamily="49" charset="0"/>
-              </a:rPr>
-              <a:t>x++;</a:t>
-            </a:r>
-            <a:endParaRPr lang="en-US" sz="1600" dirty="0">
-              <a:latin typeface="Courier New" panose="02070309020205020404" pitchFamily="49" charset="0"/>
-              <a:cs typeface="Courier New" panose="02070309020205020404" pitchFamily="49" charset="0"/>
-            </a:endParaRPr>
-          </a:p>
-          <a:p>
-            <a:pPr marL="0" indent="0">
-              <a:buNone/>
-            </a:pPr>
-            <a:r>
-              <a:rPr lang="en-US" sz="1600" dirty="0" smtClean="0">
-                <a:latin typeface="Courier New" panose="02070309020205020404" pitchFamily="49" charset="0"/>
-                <a:cs typeface="Courier New" panose="02070309020205020404" pitchFamily="49" charset="0"/>
-              </a:rPr>
-              <a:t>}</a:t>
-            </a:r>
-          </a:p>
-          <a:p>
-            <a:pPr marL="0" indent="0">
-              <a:buNone/>
-            </a:pPr>
-            <a:r>
-              <a:rPr lang="en-US" sz="1600" dirty="0" smtClean="0">
-                <a:latin typeface="Courier New" panose="02070309020205020404" pitchFamily="49" charset="0"/>
-                <a:cs typeface="Courier New" panose="02070309020205020404" pitchFamily="49" charset="0"/>
-              </a:rPr>
-              <a:t>-----------------------------------------------------------------</a:t>
-            </a:r>
-            <a:endParaRPr lang="en-US" sz="1600" dirty="0">
-              <a:latin typeface="Courier New" panose="02070309020205020404" pitchFamily="49" charset="0"/>
-              <a:cs typeface="Courier New" panose="02070309020205020404" pitchFamily="49" charset="0"/>
-            </a:endParaRPr>
-          </a:p>
-          <a:p>
-            <a:pPr marL="0" indent="0">
-              <a:buNone/>
-            </a:pPr>
-            <a:r>
-              <a:rPr lang="en-US" sz="1600" dirty="0" smtClean="0">
-                <a:latin typeface="Courier New" panose="02070309020205020404" pitchFamily="49" charset="0"/>
-                <a:cs typeface="Courier New" panose="02070309020205020404" pitchFamily="49" charset="0"/>
-              </a:rPr>
-              <a:t>x = 0;</a:t>
-            </a:r>
-          </a:p>
-          <a:p>
-            <a:pPr marL="0" indent="0">
-              <a:buNone/>
-            </a:pPr>
-            <a:r>
-              <a:rPr lang="en-US" sz="1600" dirty="0" smtClean="0">
-                <a:latin typeface="Courier New" panose="02070309020205020404" pitchFamily="49" charset="0"/>
-                <a:cs typeface="Courier New" panose="02070309020205020404" pitchFamily="49" charset="0"/>
-              </a:rPr>
-              <a:t>Y = 0;</a:t>
-            </a:r>
-          </a:p>
-          <a:p>
-            <a:pPr marL="0" indent="0">
-              <a:buNone/>
-            </a:pPr>
-            <a:r>
-              <a:rPr lang="en-US" sz="1600" dirty="0" smtClean="0">
-                <a:latin typeface="Courier New" panose="02070309020205020404" pitchFamily="49" charset="0"/>
-                <a:cs typeface="Courier New" panose="02070309020205020404" pitchFamily="49" charset="0"/>
-              </a:rPr>
-              <a:t>while(x &gt; 0){</a:t>
-            </a:r>
-          </a:p>
-          <a:p>
-            <a:pPr marL="0" indent="0">
-              <a:buNone/>
-            </a:pPr>
-            <a:r>
-              <a:rPr lang="en-US" sz="1600" dirty="0" smtClean="0">
-                <a:latin typeface="Courier New" panose="02070309020205020404" pitchFamily="49" charset="0"/>
-                <a:cs typeface="Courier New" panose="02070309020205020404" pitchFamily="49" charset="0"/>
-              </a:rPr>
-              <a:t>	</a:t>
-            </a:r>
-            <a:r>
-              <a:rPr lang="en-US" sz="1600" dirty="0" err="1" smtClean="0">
-                <a:latin typeface="Courier New" panose="02070309020205020404" pitchFamily="49" charset="0"/>
-                <a:cs typeface="Courier New" panose="02070309020205020404" pitchFamily="49" charset="0"/>
-              </a:rPr>
-              <a:t>System.out.print</a:t>
-            </a:r>
-            <a:r>
-              <a:rPr lang="en-US" sz="1600" dirty="0" smtClean="0">
-                <a:latin typeface="Courier New" panose="02070309020205020404" pitchFamily="49" charset="0"/>
-                <a:cs typeface="Courier New" panose="02070309020205020404" pitchFamily="49" charset="0"/>
-              </a:rPr>
-              <a:t>(“Enter a number: “);</a:t>
-            </a:r>
-          </a:p>
-          <a:p>
-            <a:pPr marL="0" indent="0">
-              <a:buNone/>
-            </a:pPr>
-            <a:r>
-              <a:rPr lang="en-US" sz="1600" dirty="0">
-                <a:latin typeface="Courier New" panose="02070309020205020404" pitchFamily="49" charset="0"/>
-                <a:cs typeface="Courier New" panose="02070309020205020404" pitchFamily="49" charset="0"/>
-              </a:rPr>
-              <a:t>	</a:t>
-            </a:r>
-            <a:r>
-              <a:rPr lang="en-US" sz="1600" dirty="0" smtClean="0">
-                <a:latin typeface="Courier New" panose="02070309020205020404" pitchFamily="49" charset="0"/>
-                <a:cs typeface="Courier New" panose="02070309020205020404" pitchFamily="49" charset="0"/>
-              </a:rPr>
-              <a:t>y = </a:t>
-            </a:r>
-            <a:r>
-              <a:rPr lang="en-US" sz="1600" dirty="0" err="1" smtClean="0">
-                <a:latin typeface="Courier New" panose="02070309020205020404" pitchFamily="49" charset="0"/>
-                <a:cs typeface="Courier New" panose="02070309020205020404" pitchFamily="49" charset="0"/>
-              </a:rPr>
-              <a:t>input.nextInt</a:t>
-            </a:r>
-            <a:r>
-              <a:rPr lang="en-US" sz="1600" dirty="0" smtClean="0">
-                <a:latin typeface="Courier New" panose="02070309020205020404" pitchFamily="49" charset="0"/>
-                <a:cs typeface="Courier New" panose="02070309020205020404" pitchFamily="49" charset="0"/>
-              </a:rPr>
-              <a:t>();</a:t>
-            </a:r>
-          </a:p>
-          <a:p>
-            <a:pPr marL="0" indent="0">
-              <a:buNone/>
-            </a:pPr>
-            <a:r>
-              <a:rPr lang="en-US" sz="1600" dirty="0">
-                <a:latin typeface="Courier New" panose="02070309020205020404" pitchFamily="49" charset="0"/>
-                <a:cs typeface="Courier New" panose="02070309020205020404" pitchFamily="49" charset="0"/>
-              </a:rPr>
-              <a:t>	</a:t>
-            </a:r>
-            <a:r>
-              <a:rPr lang="en-US" sz="1600" dirty="0" err="1" smtClean="0">
-                <a:latin typeface="Courier New" panose="02070309020205020404" pitchFamily="49" charset="0"/>
-                <a:cs typeface="Courier New" panose="02070309020205020404" pitchFamily="49" charset="0"/>
-              </a:rPr>
-              <a:t>System.out.println</a:t>
-            </a:r>
-            <a:r>
-              <a:rPr lang="en-US" sz="1600" dirty="0" smtClean="0">
-                <a:latin typeface="Courier New" panose="02070309020205020404" pitchFamily="49" charset="0"/>
-                <a:cs typeface="Courier New" panose="02070309020205020404" pitchFamily="49" charset="0"/>
-              </a:rPr>
-              <a:t>(“Was this your number? “ + y);</a:t>
-            </a:r>
-            <a:endParaRPr lang="en-US" sz="1600" dirty="0">
-              <a:latin typeface="Courier New" panose="02070309020205020404" pitchFamily="49" charset="0"/>
-              <a:cs typeface="Courier New" panose="02070309020205020404" pitchFamily="49" charset="0"/>
-            </a:endParaRPr>
-          </a:p>
-          <a:p>
-            <a:pPr marL="0" indent="0">
-              <a:buNone/>
-            </a:pPr>
-            <a:r>
-              <a:rPr lang="en-US" sz="1600" dirty="0" smtClean="0">
-                <a:latin typeface="Courier New" panose="02070309020205020404" pitchFamily="49" charset="0"/>
-                <a:cs typeface="Courier New" panose="02070309020205020404" pitchFamily="49" charset="0"/>
-              </a:rPr>
-              <a:t>	x++;</a:t>
-            </a:r>
-            <a:endParaRPr lang="en-US" sz="1600" dirty="0">
-              <a:latin typeface="Courier New" panose="02070309020205020404" pitchFamily="49" charset="0"/>
-              <a:cs typeface="Courier New" panose="02070309020205020404" pitchFamily="49" charset="0"/>
-            </a:endParaRPr>
-          </a:p>
-          <a:p>
-            <a:pPr marL="0" indent="0">
-              <a:buNone/>
-            </a:pPr>
-            <a:r>
-              <a:rPr lang="en-US" sz="1600" dirty="0" smtClean="0">
-                <a:latin typeface="Courier New" panose="02070309020205020404" pitchFamily="49" charset="0"/>
-                <a:cs typeface="Courier New" panose="02070309020205020404" pitchFamily="49" charset="0"/>
-              </a:rPr>
-              <a:t>}</a:t>
-            </a:r>
-            <a:endParaRPr lang="en-US" sz="1600" dirty="0">
-              <a:latin typeface="Courier New" panose="02070309020205020404" pitchFamily="49" charset="0"/>
-              <a:cs typeface="Courier New" panose="02070309020205020404" pitchFamily="49" charset="0"/>
-            </a:endParaRPr>
-          </a:p>
-        </p:txBody>
-      </p:sp>
-      <p:sp>
-        <p:nvSpPr>
-          <p:cNvPr id="4" name="Date Placeholder 3"/>
-          <p:cNvSpPr>
-            <a:spLocks noGrp="1"/>
-          </p:cNvSpPr>
-          <p:nvPr>
-            <p:ph type="dt" sz="half" idx="10"/>
+              <a:rPr lang="en-US" dirty="0" smtClean="0"/>
+              <a:t>Control Statements</a:t>
+            </a:r>
+            <a:endParaRPr lang="en-US" dirty="0"/>
+          </a:p>
+        </p:txBody>
+      </p:sp>
+      <p:sp>
+        <p:nvSpPr>
+          <p:cNvPr id="6" name="Subtitle 5"/>
+          <p:cNvSpPr>
+            <a:spLocks noGrp="1"/>
+          </p:cNvSpPr>
+          <p:nvPr>
+            <p:ph type="subTitle" idx="1"/>
           </p:nvPr>
         </p:nvSpPr>
         <p:spPr/>
@@ -13664,9 +13973,115 @@
           <a:bodyPr/>
           <a:lstStyle/>
           <a:p>
-            <a:fld id="{A152CDB4-C7DE-40D1-A248-56B3C1E46B42}" type="datetime1">
+            <a:endParaRPr lang="en-US"/>
+          </a:p>
+        </p:txBody>
+      </p:sp>
+      <p:sp>
+        <p:nvSpPr>
+          <p:cNvPr id="3" name="Text Placeholder 2"/>
+          <p:cNvSpPr>
+            <a:spLocks noGrp="1"/>
+          </p:cNvSpPr>
+          <p:nvPr>
+            <p:ph type="body" sz="quarter" idx="11"/>
+          </p:nvPr>
+        </p:nvSpPr>
+        <p:spPr/>
+        <p:txBody>
+          <a:bodyPr/>
+          <a:lstStyle/>
+          <a:p>
+            <a:r>
+              <a:rPr lang="en-US" dirty="0" smtClean="0"/>
+              <a:t>Introduction To Java Programming</a:t>
+            </a:r>
+          </a:p>
+        </p:txBody>
+      </p:sp>
+      <p:sp>
+        <p:nvSpPr>
+          <p:cNvPr id="7" name="Text Placeholder 6"/>
+          <p:cNvSpPr>
+            <a:spLocks noGrp="1"/>
+          </p:cNvSpPr>
+          <p:nvPr>
+            <p:ph type="body" sz="quarter" idx="12"/>
+          </p:nvPr>
+        </p:nvSpPr>
+        <p:spPr/>
+        <p:txBody>
+          <a:bodyPr/>
+          <a:lstStyle/>
+          <a:p>
+            <a:endParaRPr lang="en-US"/>
+          </a:p>
+        </p:txBody>
+      </p:sp>
+      <p:sp>
+        <p:nvSpPr>
+          <p:cNvPr id="8" name="Text Placeholder 7"/>
+          <p:cNvSpPr>
+            <a:spLocks noGrp="1"/>
+          </p:cNvSpPr>
+          <p:nvPr>
+            <p:ph type="body" sz="quarter" idx="13"/>
+          </p:nvPr>
+        </p:nvSpPr>
+        <p:spPr/>
+        <p:txBody>
+          <a:bodyPr/>
+          <a:lstStyle/>
+          <a:p>
+            <a:endParaRPr lang="en-US"/>
+          </a:p>
+        </p:txBody>
+      </p:sp>
+      <p:sp>
+        <p:nvSpPr>
+          <p:cNvPr id="9" name="Text Placeholder 8"/>
+          <p:cNvSpPr>
+            <a:spLocks noGrp="1"/>
+          </p:cNvSpPr>
+          <p:nvPr>
+            <p:ph type="body" sz="quarter" idx="14"/>
+          </p:nvPr>
+        </p:nvSpPr>
+        <p:spPr/>
+        <p:txBody>
+          <a:bodyPr/>
+          <a:lstStyle/>
+          <a:p>
+            <a:endParaRPr lang="en-US"/>
+          </a:p>
+        </p:txBody>
+      </p:sp>
+      <p:sp>
+        <p:nvSpPr>
+          <p:cNvPr id="4" name="Date Placeholder 3"/>
+          <p:cNvSpPr>
+            <a:spLocks noGrp="1"/>
+          </p:cNvSpPr>
+          <p:nvPr>
+            <p:ph type="dt" sz="half" idx="4294967295"/>
+          </p:nvPr>
+        </p:nvSpPr>
+        <p:spPr>
+          <a:xfrm>
+            <a:off x="0" y="6356350"/>
+            <a:ext cx="2133600" cy="365125"/>
+          </a:xfrm>
+          <a:prstGeom prst="rect">
+            <a:avLst/>
+          </a:prstGeom>
+        </p:spPr>
+        <p:txBody>
+          <a:bodyPr/>
+          <a:lstStyle/>
+          <a:p>
+            <a:fld id="{16912949-A220-4034-8649-208A606199B7}" type="datetime1">
               <a:rPr lang="en-US" smtClean="0"/>
-              <a:t>8/12/2015</a:t>
+              <a:t>9/22/2015</a:t>
             </a:fld>
             <a:endParaRPr lang="en-US"/>
           </a:p>
@@ -13675,7 +14090,7 @@
     </p:spTree>
     <p:extLst>
       <p:ext uri="{BB962C8B-B14F-4D97-AF65-F5344CB8AC3E}">
-        <p14:creationId xmlns:p14="http://schemas.microsoft.com/office/powerpoint/2010/main" val="2404743756"/>
+        <p14:creationId xmlns:p14="http://schemas.microsoft.com/office/powerpoint/2010/main" val="3965990881"/>
       </p:ext>
     </p:extLst>
   </p:cSld>
@@ -13719,7 +14134,7 @@
           <a:p>
             <a:r>
               <a:rPr lang="en-US" dirty="0" smtClean="0"/>
-              <a:t>do...while Repetition Statement</a:t>
+              <a:t>If / Else if / Else Statements</a:t>
             </a:r>
             <a:endParaRPr lang="en-US" dirty="0"/>
           </a:p>
@@ -13738,7 +14153,7 @@
         <p:spPr/>
         <p:txBody>
           <a:bodyPr>
-            <a:normAutofit/>
+            <a:noAutofit/>
           </a:bodyPr>
           <a:lstStyle/>
           <a:p>
@@ -13746,75 +14161,37 @@
               <a:buNone/>
             </a:pPr>
             <a:r>
+              <a:rPr lang="en-US" sz="2000" dirty="0" smtClean="0">
+                <a:latin typeface="Courier New" panose="02070309020205020404" pitchFamily="49" charset="0"/>
+                <a:cs typeface="Courier New" panose="02070309020205020404" pitchFamily="49" charset="0"/>
+              </a:rPr>
+              <a:t>if (x &gt; 5){</a:t>
+            </a:r>
+          </a:p>
+          <a:p>
+            <a:pPr marL="0" indent="0">
+              <a:buNone/>
+            </a:pPr>
+            <a:r>
+              <a:rPr lang="en-US" sz="2000" dirty="0" smtClean="0">
+                <a:latin typeface="Courier New" panose="02070309020205020404" pitchFamily="49" charset="0"/>
+                <a:cs typeface="Courier New" panose="02070309020205020404" pitchFamily="49" charset="0"/>
+              </a:rPr>
+              <a:t>	</a:t>
+            </a:r>
+            <a:r>
               <a:rPr lang="en-US" sz="2000" dirty="0" err="1" smtClean="0">
                 <a:latin typeface="Courier New" panose="02070309020205020404" pitchFamily="49" charset="0"/>
                 <a:cs typeface="Courier New" panose="02070309020205020404" pitchFamily="49" charset="0"/>
               </a:rPr>
-              <a:t>int</a:t>
+              <a:t>System.out.println</a:t>
             </a:r>
             <a:r>
               <a:rPr lang="en-US" sz="2000" dirty="0" smtClean="0">
                 <a:latin typeface="Courier New" panose="02070309020205020404" pitchFamily="49" charset="0"/>
                 <a:cs typeface="Courier New" panose="02070309020205020404" pitchFamily="49" charset="0"/>
               </a:rPr>
-              <a:t> counter = 1;</a:t>
-            </a:r>
-          </a:p>
-          <a:p>
-            <a:pPr marL="0" indent="0">
-              <a:buNone/>
-            </a:pPr>
-            <a:r>
-              <a:rPr lang="en-US" sz="2000" dirty="0" smtClean="0">
-                <a:latin typeface="Courier New" panose="02070309020205020404" pitchFamily="49" charset="0"/>
-                <a:cs typeface="Courier New" panose="02070309020205020404" pitchFamily="49" charset="0"/>
-              </a:rPr>
-              <a:t>do{</a:t>
-            </a:r>
-          </a:p>
-          <a:p>
-            <a:pPr marL="0" indent="0">
-              <a:buNone/>
-            </a:pPr>
-            <a:r>
-              <a:rPr lang="en-US" sz="2000" dirty="0" smtClean="0">
-                <a:latin typeface="Courier New" panose="02070309020205020404" pitchFamily="49" charset="0"/>
-                <a:cs typeface="Courier New" panose="02070309020205020404" pitchFamily="49" charset="0"/>
-              </a:rPr>
-              <a:t>	</a:t>
-            </a:r>
-            <a:r>
-              <a:rPr lang="en-US" sz="2000" dirty="0" err="1" smtClean="0">
-                <a:latin typeface="Courier New" panose="02070309020205020404" pitchFamily="49" charset="0"/>
-                <a:cs typeface="Courier New" panose="02070309020205020404" pitchFamily="49" charset="0"/>
-              </a:rPr>
-              <a:t>System.out.println</a:t>
-            </a:r>
-            <a:r>
-              <a:rPr lang="en-US" sz="2000" dirty="0" smtClean="0">
-                <a:latin typeface="Courier New" panose="02070309020205020404" pitchFamily="49" charset="0"/>
-                <a:cs typeface="Courier New" panose="02070309020205020404" pitchFamily="49" charset="0"/>
-              </a:rPr>
-              <a:t>(counter);</a:t>
-            </a:r>
-          </a:p>
-          <a:p>
-            <a:pPr marL="0" indent="0">
-              <a:buNone/>
-            </a:pPr>
-            <a:r>
-              <a:rPr lang="en-US" sz="2000" dirty="0">
-                <a:latin typeface="Courier New" panose="02070309020205020404" pitchFamily="49" charset="0"/>
-                <a:cs typeface="Courier New" panose="02070309020205020404" pitchFamily="49" charset="0"/>
-              </a:rPr>
-              <a:t>	</a:t>
-            </a:r>
-            <a:r>
-              <a:rPr lang="en-US" sz="2000" dirty="0" smtClean="0">
-                <a:latin typeface="Courier New" panose="02070309020205020404" pitchFamily="49" charset="0"/>
-                <a:cs typeface="Courier New" panose="02070309020205020404" pitchFamily="49" charset="0"/>
-              </a:rPr>
-              <a:t>counter++;</a:t>
+              <a:t>(“x is greater than 5!”);</a:t>
             </a:r>
             <a:endParaRPr lang="en-US" sz="2000" dirty="0">
               <a:latin typeface="Courier New" panose="02070309020205020404" pitchFamily="49" charset="0"/>
@@ -13830,14 +14207,69 @@
                 <a:latin typeface="Courier New" panose="02070309020205020404" pitchFamily="49" charset="0"/>
                 <a:cs typeface="Courier New" panose="02070309020205020404" pitchFamily="49" charset="0"/>
               </a:rPr>
-              <a:t>}while(counter &lt;= 10);</a:t>
+              <a:t>}</a:t>
             </a:r>
           </a:p>
           <a:p>
             <a:pPr marL="0" indent="0">
               <a:buNone/>
             </a:pPr>
-            <a:endParaRPr lang="en-US" dirty="0">
+            <a:r>
+              <a:rPr lang="en-US" sz="2000" dirty="0" smtClean="0">
+                <a:latin typeface="Courier New" panose="02070309020205020404" pitchFamily="49" charset="0"/>
+                <a:cs typeface="Courier New" panose="02070309020205020404" pitchFamily="49" charset="0"/>
+              </a:rPr>
+              <a:t>else if (x &lt; 5){</a:t>
+            </a:r>
+          </a:p>
+          <a:p>
+            <a:pPr marL="0" indent="0">
+              <a:buNone/>
+            </a:pPr>
+            <a:r>
+              <a:rPr lang="en-US" sz="2000" dirty="0">
+                <a:latin typeface="Courier New" panose="02070309020205020404" pitchFamily="49" charset="0"/>
+                <a:cs typeface="Courier New" panose="02070309020205020404" pitchFamily="49" charset="0"/>
+              </a:rPr>
+              <a:t>	</a:t>
+            </a:r>
+            <a:r>
+              <a:rPr lang="en-US" sz="2000" dirty="0" err="1">
+                <a:latin typeface="Courier New" panose="02070309020205020404" pitchFamily="49" charset="0"/>
+                <a:cs typeface="Courier New" panose="02070309020205020404" pitchFamily="49" charset="0"/>
+              </a:rPr>
+              <a:t>System.out.println</a:t>
+            </a:r>
+            <a:r>
+              <a:rPr lang="en-US" sz="2000" dirty="0">
+                <a:latin typeface="Courier New" panose="02070309020205020404" pitchFamily="49" charset="0"/>
+                <a:cs typeface="Courier New" panose="02070309020205020404" pitchFamily="49" charset="0"/>
+              </a:rPr>
+              <a:t>(“x is </a:t>
+            </a:r>
+            <a:r>
+              <a:rPr lang="en-US" sz="2000" dirty="0" smtClean="0">
+                <a:latin typeface="Courier New" panose="02070309020205020404" pitchFamily="49" charset="0"/>
+                <a:cs typeface="Courier New" panose="02070309020205020404" pitchFamily="49" charset="0"/>
+              </a:rPr>
+              <a:t>less than </a:t>
+            </a:r>
+            <a:r>
+              <a:rPr lang="en-US" sz="2000" dirty="0">
+                <a:latin typeface="Courier New" panose="02070309020205020404" pitchFamily="49" charset="0"/>
+                <a:cs typeface="Courier New" panose="02070309020205020404" pitchFamily="49" charset="0"/>
+              </a:rPr>
+              <a:t>5</a:t>
+            </a:r>
+            <a:r>
+              <a:rPr lang="en-US" sz="2000" dirty="0" smtClean="0">
+                <a:latin typeface="Courier New" panose="02070309020205020404" pitchFamily="49" charset="0"/>
+                <a:cs typeface="Courier New" panose="02070309020205020404" pitchFamily="49" charset="0"/>
+              </a:rPr>
+              <a:t>!”);</a:t>
+            </a:r>
+            <a:endParaRPr lang="en-US" sz="2000" dirty="0">
+              <a:latin typeface="Courier New" panose="02070309020205020404" pitchFamily="49" charset="0"/>
               <a:cs typeface="Courier New" panose="02070309020205020404" pitchFamily="49" charset="0"/>
             </a:endParaRPr>
           </a:p>
@@ -13846,15 +14278,74 @@
               <a:buNone/>
             </a:pPr>
             <a:r>
-              <a:rPr lang="en-US" dirty="0" smtClean="0">
-                <a:cs typeface="Courier New" panose="02070309020205020404" pitchFamily="49" charset="0"/>
-              </a:rPr>
-              <a:t>What’s the difference?</a:t>
-            </a:r>
-            <a:endParaRPr lang="en-US" dirty="0">
+              <a:rPr lang="en-US" sz="2000" dirty="0" smtClean="0">
+                <a:latin typeface="Courier New" panose="02070309020205020404" pitchFamily="49" charset="0"/>
+                <a:cs typeface="Courier New" panose="02070309020205020404" pitchFamily="49" charset="0"/>
+              </a:rPr>
+              <a:t>}</a:t>
+            </a:r>
+          </a:p>
+          <a:p>
+            <a:pPr marL="0" indent="0">
+              <a:buNone/>
+            </a:pPr>
+            <a:r>
+              <a:rPr lang="en-US" sz="2000" dirty="0" smtClean="0">
+                <a:latin typeface="Courier New" panose="02070309020205020404" pitchFamily="49" charset="0"/>
+                <a:cs typeface="Courier New" panose="02070309020205020404" pitchFamily="49" charset="0"/>
+              </a:rPr>
+              <a:t>else{</a:t>
+            </a:r>
+          </a:p>
+          <a:p>
+            <a:pPr marL="0" indent="0">
+              <a:buNone/>
+            </a:pPr>
+            <a:r>
+              <a:rPr lang="en-US" sz="2000" dirty="0">
+                <a:latin typeface="Courier New" panose="02070309020205020404" pitchFamily="49" charset="0"/>
+                <a:cs typeface="Courier New" panose="02070309020205020404" pitchFamily="49" charset="0"/>
+              </a:rPr>
+              <a:t>	</a:t>
+            </a:r>
+            <a:r>
+              <a:rPr lang="en-US" sz="2000" dirty="0" err="1">
+                <a:latin typeface="Courier New" panose="02070309020205020404" pitchFamily="49" charset="0"/>
+                <a:cs typeface="Courier New" panose="02070309020205020404" pitchFamily="49" charset="0"/>
+              </a:rPr>
+              <a:t>System.out.println</a:t>
+            </a:r>
+            <a:r>
+              <a:rPr lang="en-US" sz="2000" dirty="0">
+                <a:latin typeface="Courier New" panose="02070309020205020404" pitchFamily="49" charset="0"/>
+                <a:cs typeface="Courier New" panose="02070309020205020404" pitchFamily="49" charset="0"/>
+              </a:rPr>
+              <a:t>(“x </a:t>
+            </a:r>
+            <a:r>
+              <a:rPr lang="en-US" sz="2000" dirty="0" smtClean="0">
+                <a:latin typeface="Courier New" panose="02070309020205020404" pitchFamily="49" charset="0"/>
+                <a:cs typeface="Courier New" panose="02070309020205020404" pitchFamily="49" charset="0"/>
+              </a:rPr>
+              <a:t>must be five 5!”);</a:t>
+            </a:r>
+            <a:endParaRPr lang="en-US" sz="2000" dirty="0">
+              <a:latin typeface="Courier New" panose="02070309020205020404" pitchFamily="49" charset="0"/>
               <a:cs typeface="Courier New" panose="02070309020205020404" pitchFamily="49" charset="0"/>
             </a:endParaRPr>
           </a:p>
+          <a:p>
+            <a:pPr marL="0" indent="0">
+              <a:buNone/>
+            </a:pPr>
+            <a:r>
+              <a:rPr lang="en-US" sz="2000" dirty="0">
+                <a:latin typeface="Courier New" panose="02070309020205020404" pitchFamily="49" charset="0"/>
+                <a:cs typeface="Courier New" panose="02070309020205020404" pitchFamily="49" charset="0"/>
+              </a:rPr>
+              <a:t>}</a:t>
+            </a:r>
+          </a:p>
         </p:txBody>
       </p:sp>
       <p:sp>
@@ -13872,9 +14363,9 @@
           <a:bodyPr/>
           <a:lstStyle/>
           <a:p>
-            <a:fld id="{443F4A83-3916-4C3E-8CB4-527F42528BF5}" type="datetime1">
+            <a:fld id="{0E27F6F0-5B62-4426-9A32-1C828CD8F08D}" type="datetime1">
               <a:rPr lang="en-US" smtClean="0"/>
-              <a:t>8/12/2015</a:t>
+              <a:t>9/22/2015</a:t>
             </a:fld>
             <a:endParaRPr lang="en-US"/>
           </a:p>
@@ -13883,7 +14374,7 @@
     </p:spTree>
     <p:extLst>
       <p:ext uri="{BB962C8B-B14F-4D97-AF65-F5344CB8AC3E}">
-        <p14:creationId xmlns:p14="http://schemas.microsoft.com/office/powerpoint/2010/main" val="2053510663"/>
+        <p14:creationId xmlns:p14="http://schemas.microsoft.com/office/powerpoint/2010/main" val="2976277046"/>
       </p:ext>
     </p:extLst>
   </p:cSld>
@@ -13950,31 +14441,19 @@
           <a:p>
             <a:r>
               <a:rPr lang="en-US" dirty="0" smtClean="0"/>
-              <a:t>The Java </a:t>
-            </a:r>
-            <a:r>
-              <a:rPr lang="en-US" dirty="0" smtClean="0"/>
-              <a:t>Platform</a:t>
-            </a:r>
-          </a:p>
-          <a:p>
-            <a:r>
-              <a:rPr lang="en-US" dirty="0" smtClean="0"/>
-              <a:t>Application </a:t>
-            </a:r>
-            <a:r>
-              <a:rPr lang="en-US" dirty="0" smtClean="0"/>
-              <a:t>Basics</a:t>
-            </a:r>
-          </a:p>
-          <a:p>
-            <a:r>
-              <a:rPr lang="en-US" dirty="0" smtClean="0"/>
-              <a:t>Control </a:t>
-            </a:r>
-            <a:r>
-              <a:rPr lang="en-US" dirty="0" smtClean="0"/>
-              <a:t>Structures</a:t>
+              <a:t>The Java Platform</a:t>
+            </a:r>
+          </a:p>
+          <a:p>
+            <a:r>
+              <a:rPr lang="en-US" dirty="0" smtClean="0"/>
+              <a:t>Application Basics</a:t>
+            </a:r>
+          </a:p>
+          <a:p>
+            <a:r>
+              <a:rPr lang="en-US" dirty="0" smtClean="0"/>
+              <a:t>Control Structures</a:t>
             </a:r>
           </a:p>
           <a:p>
@@ -14007,7 +14486,7 @@
           <a:p>
             <a:fld id="{B81DE5D6-AD28-4603-B1DE-3F2CB131C5F7}" type="datetime1">
               <a:rPr lang="en-US" smtClean="0"/>
-              <a:t>8/12/2015</a:t>
+              <a:t>9/22/2015</a:t>
             </a:fld>
             <a:endParaRPr lang="en-US"/>
           </a:p>
@@ -14067,7 +14546,7 @@
           <a:p>
             <a:r>
               <a:rPr lang="en-US" dirty="0" smtClean="0"/>
-              <a:t>for Repetition Statements</a:t>
+              <a:t>while Repetition Statements</a:t>
             </a:r>
             <a:endParaRPr lang="en-US" dirty="0"/>
           </a:p>
@@ -14094,25 +14573,11 @@
               <a:buNone/>
             </a:pPr>
             <a:r>
-              <a:rPr lang="en-US" sz="2000" dirty="0" smtClean="0">
-                <a:latin typeface="Courier New" panose="02070309020205020404" pitchFamily="49" charset="0"/>
-                <a:cs typeface="Courier New" panose="02070309020205020404" pitchFamily="49" charset="0"/>
-              </a:rPr>
-              <a:t>for (</a:t>
-            </a:r>
-            <a:r>
-              <a:rPr lang="en-US" sz="2000" dirty="0" err="1" smtClean="0">
-                <a:latin typeface="Courier New" panose="02070309020205020404" pitchFamily="49" charset="0"/>
-                <a:cs typeface="Courier New" panose="02070309020205020404" pitchFamily="49" charset="0"/>
-              </a:rPr>
-              <a:t>int</a:t>
-            </a:r>
-            <a:r>
-              <a:rPr lang="en-US" sz="2000" dirty="0" smtClean="0">
-                <a:latin typeface="Courier New" panose="02070309020205020404" pitchFamily="49" charset="0"/>
-                <a:cs typeface="Courier New" panose="02070309020205020404" pitchFamily="49" charset="0"/>
-              </a:rPr>
-              <a:t> counter = 1; counter &lt;= 10; counter++){</a:t>
+              <a:rPr lang="en-US" sz="2800" dirty="0" smtClean="0">
+                <a:latin typeface="Courier New" panose="02070309020205020404" pitchFamily="49" charset="0"/>
+                <a:cs typeface="Courier New" panose="02070309020205020404" pitchFamily="49" charset="0"/>
+              </a:rPr>
+              <a:t>while(x &lt; 100){</a:t>
             </a:r>
           </a:p>
           <a:p>
@@ -14120,27 +14585,39 @@
               <a:buNone/>
             </a:pPr>
             <a:r>
-              <a:rPr lang="en-US" sz="2000" dirty="0" smtClean="0">
+              <a:rPr lang="en-US" sz="2800" dirty="0">
                 <a:latin typeface="Courier New" panose="02070309020205020404" pitchFamily="49" charset="0"/>
                 <a:cs typeface="Courier New" panose="02070309020205020404" pitchFamily="49" charset="0"/>
               </a:rPr>
               <a:t>	</a:t>
             </a:r>
             <a:r>
-              <a:rPr lang="en-US" sz="2000" dirty="0" err="1" smtClean="0">
-                <a:latin typeface="Courier New" panose="02070309020205020404" pitchFamily="49" charset="0"/>
-                <a:cs typeface="Courier New" panose="02070309020205020404" pitchFamily="49" charset="0"/>
-              </a:rPr>
-              <a:t>System.out.printf</a:t>
-            </a:r>
-            <a:r>
-              <a:rPr lang="en-US" sz="2000" dirty="0" smtClean="0">
-                <a:latin typeface="Courier New" panose="02070309020205020404" pitchFamily="49" charset="0"/>
-                <a:cs typeface="Courier New" panose="02070309020205020404" pitchFamily="49" charset="0"/>
-              </a:rPr>
-              <a:t>(“%d, “, counter);</a:t>
-            </a:r>
-            <a:endParaRPr lang="en-US" sz="2000" dirty="0">
+              <a:rPr lang="en-US" sz="2800" dirty="0" err="1" smtClean="0">
+                <a:latin typeface="Courier New" panose="02070309020205020404" pitchFamily="49" charset="0"/>
+                <a:cs typeface="Courier New" panose="02070309020205020404" pitchFamily="49" charset="0"/>
+              </a:rPr>
+              <a:t>System.out.println</a:t>
+            </a:r>
+            <a:r>
+              <a:rPr lang="en-US" sz="2800" dirty="0" smtClean="0">
+                <a:latin typeface="Courier New" panose="02070309020205020404" pitchFamily="49" charset="0"/>
+                <a:cs typeface="Courier New" panose="02070309020205020404" pitchFamily="49" charset="0"/>
+              </a:rPr>
+              <a:t>(“X is “ + x);</a:t>
+            </a:r>
+          </a:p>
+          <a:p>
+            <a:pPr marL="0" indent="0">
+              <a:buNone/>
+            </a:pPr>
+            <a:r>
+              <a:rPr lang="en-US" sz="2800" dirty="0" smtClean="0">
+                <a:latin typeface="Courier New" panose="02070309020205020404" pitchFamily="49" charset="0"/>
+                <a:cs typeface="Courier New" panose="02070309020205020404" pitchFamily="49" charset="0"/>
+              </a:rPr>
+              <a:t>	x++;</a:t>
+            </a:r>
+            <a:endParaRPr lang="en-US" sz="2800" dirty="0">
               <a:latin typeface="Courier New" panose="02070309020205020404" pitchFamily="49" charset="0"/>
               <a:cs typeface="Courier New" panose="02070309020205020404" pitchFamily="49" charset="0"/>
             </a:endParaRPr>
@@ -14150,7 +14627,7 @@
               <a:buNone/>
             </a:pPr>
             <a:r>
-              <a:rPr lang="en-US" sz="2000" dirty="0" smtClean="0">
+              <a:rPr lang="en-US" sz="2800" dirty="0" smtClean="0">
                 <a:latin typeface="Courier New" panose="02070309020205020404" pitchFamily="49" charset="0"/>
                 <a:cs typeface="Courier New" panose="02070309020205020404" pitchFamily="49" charset="0"/>
               </a:rPr>
@@ -14162,55 +14639,17 @@
               <a:rPr lang="en-US" dirty="0" smtClean="0">
                 <a:cs typeface="Courier New" panose="02070309020205020404" pitchFamily="49" charset="0"/>
               </a:rPr>
-              <a:t>for loops are literally the same thing as a counter controlled while loop </a:t>
-            </a:r>
-          </a:p>
-          <a:p>
-            <a:r>
-              <a:rPr lang="en-US" dirty="0" smtClean="0">
-                <a:cs typeface="Courier New" panose="02070309020205020404" pitchFamily="49" charset="0"/>
-              </a:rPr>
-              <a:t>General format:</a:t>
-            </a:r>
+              <a:t>While loops are a good way to repeat a statement for an unknown number of objects (sentinel controlled), or to create a counter controlled loop</a:t>
+            </a:r>
+            <a:endParaRPr lang="en-US" dirty="0">
+              <a:cs typeface="Courier New" panose="02070309020205020404" pitchFamily="49" charset="0"/>
+            </a:endParaRPr>
           </a:p>
           <a:p>
             <a:pPr marL="0" indent="0">
               <a:buNone/>
             </a:pPr>
-            <a:r>
-              <a:rPr lang="en-US" sz="2400" dirty="0" smtClean="0">
-                <a:latin typeface="Courier New" panose="02070309020205020404" pitchFamily="49" charset="0"/>
-                <a:cs typeface="Courier New" panose="02070309020205020404" pitchFamily="49" charset="0"/>
-              </a:rPr>
-              <a:t>for( </a:t>
-            </a:r>
-            <a:r>
-              <a:rPr lang="en-US" sz="2400" i="1" dirty="0" smtClean="0">
-                <a:latin typeface="Courier New" panose="02070309020205020404" pitchFamily="49" charset="0"/>
-                <a:cs typeface="Courier New" panose="02070309020205020404" pitchFamily="49" charset="0"/>
-              </a:rPr>
-              <a:t>initialization; condition; increment)</a:t>
-            </a:r>
-          </a:p>
-          <a:p>
-            <a:pPr marL="0" indent="0">
-              <a:buNone/>
-            </a:pPr>
-            <a:r>
-              <a:rPr lang="en-US" sz="2400" i="1" dirty="0">
-                <a:latin typeface="Courier New" panose="02070309020205020404" pitchFamily="49" charset="0"/>
-                <a:cs typeface="Courier New" panose="02070309020205020404" pitchFamily="49" charset="0"/>
-              </a:rPr>
-              <a:t>	</a:t>
-            </a:r>
-            <a:r>
-              <a:rPr lang="en-US" sz="2400" i="1" dirty="0" smtClean="0">
-                <a:latin typeface="Courier New" panose="02070309020205020404" pitchFamily="49" charset="0"/>
-                <a:cs typeface="Courier New" panose="02070309020205020404" pitchFamily="49" charset="0"/>
-              </a:rPr>
-              <a:t>statement</a:t>
-            </a:r>
-            <a:endParaRPr lang="en-US" sz="2400" dirty="0">
+            <a:endParaRPr lang="en-US" sz="2800" dirty="0">
               <a:latin typeface="Courier New" panose="02070309020205020404" pitchFamily="49" charset="0"/>
               <a:cs typeface="Courier New" panose="02070309020205020404" pitchFamily="49" charset="0"/>
             </a:endParaRPr>
@@ -14232,9 +14671,9 @@
           <a:bodyPr/>
           <a:lstStyle/>
           <a:p>
-            <a:fld id="{0D017FD0-C5E7-4814-8EC9-23F0CE786143}" type="datetime1">
+            <a:fld id="{4889108E-B126-42EF-9C04-952D4D01D8EB}" type="datetime1">
               <a:rPr lang="en-US" smtClean="0"/>
-              <a:t>8/12/2015</a:t>
+              <a:t>9/22/2015</a:t>
             </a:fld>
             <a:endParaRPr lang="en-US"/>
           </a:p>
@@ -14243,7 +14682,7 @@
     </p:spTree>
     <p:extLst>
       <p:ext uri="{BB962C8B-B14F-4D97-AF65-F5344CB8AC3E}">
-        <p14:creationId xmlns:p14="http://schemas.microsoft.com/office/powerpoint/2010/main" val="1699596741"/>
+        <p14:creationId xmlns:p14="http://schemas.microsoft.com/office/powerpoint/2010/main" val="460817493"/>
       </p:ext>
     </p:extLst>
   </p:cSld>
@@ -14280,21 +14719,15 @@
             <p:ph type="title"/>
           </p:nvPr>
         </p:nvSpPr>
-        <p:spPr>
-          <a:xfrm>
-            <a:off x="457200" y="228600"/>
-            <a:ext cx="8229600" cy="1143000"/>
-          </a:xfrm>
-        </p:spPr>
+        <p:spPr/>
         <p:txBody>
           <a:bodyPr/>
           <a:lstStyle/>
           <a:p>
             <a:r>
-              <a:rPr lang="en-US" dirty="0" smtClean="0"/>
-              <a:t>switch Statements</a:t>
-            </a:r>
-            <a:endParaRPr lang="en-US" dirty="0"/>
+              <a:rPr lang="en-US" dirty="0"/>
+              <a:t>while Repetition Statements</a:t>
+            </a:r>
           </a:p>
         </p:txBody>
       </p:sp>
@@ -14311,47 +14744,25 @@
         <p:spPr/>
         <p:txBody>
           <a:bodyPr>
-            <a:normAutofit fontScale="92500" lnSpcReduction="10000"/>
+            <a:normAutofit/>
           </a:bodyPr>
           <a:lstStyle/>
           <a:p>
+            <a:r>
+              <a:rPr lang="en-US" dirty="0" smtClean="0"/>
+              <a:t>What’s wrong with these?</a:t>
+            </a:r>
+          </a:p>
+          <a:p>
             <a:pPr marL="0" indent="0">
               <a:buNone/>
             </a:pPr>
             <a:r>
-              <a:rPr lang="en-US" dirty="0" smtClean="0">
-                <a:latin typeface="Courier New" panose="02070309020205020404" pitchFamily="49" charset="0"/>
-                <a:cs typeface="Courier New" panose="02070309020205020404" pitchFamily="49" charset="0"/>
-              </a:rPr>
-              <a:t>public void </a:t>
-            </a:r>
-            <a:r>
-              <a:rPr lang="en-US" dirty="0" err="1" smtClean="0">
-                <a:latin typeface="Courier New" panose="02070309020205020404" pitchFamily="49" charset="0"/>
-                <a:cs typeface="Courier New" panose="02070309020205020404" pitchFamily="49" charset="0"/>
-              </a:rPr>
-              <a:t>doSwitch</a:t>
-            </a:r>
-            <a:r>
-              <a:rPr lang="en-US" dirty="0" smtClean="0">
-                <a:latin typeface="Courier New" panose="02070309020205020404" pitchFamily="49" charset="0"/>
-                <a:cs typeface="Courier New" panose="02070309020205020404" pitchFamily="49" charset="0"/>
-              </a:rPr>
-              <a:t>(</a:t>
-            </a:r>
-            <a:r>
-              <a:rPr lang="en-US" dirty="0" err="1" smtClean="0">
-                <a:latin typeface="Courier New" panose="02070309020205020404" pitchFamily="49" charset="0"/>
-                <a:cs typeface="Courier New" panose="02070309020205020404" pitchFamily="49" charset="0"/>
-              </a:rPr>
-              <a:t>int</a:t>
-            </a:r>
-            <a:r>
-              <a:rPr lang="en-US" dirty="0" smtClean="0">
-                <a:latin typeface="Courier New" panose="02070309020205020404" pitchFamily="49" charset="0"/>
-                <a:cs typeface="Courier New" panose="02070309020205020404" pitchFamily="49" charset="0"/>
-              </a:rPr>
-              <a:t> x){</a:t>
+              <a:rPr lang="en-US" sz="1600" dirty="0" smtClean="0">
+                <a:latin typeface="Courier New" panose="02070309020205020404" pitchFamily="49" charset="0"/>
+                <a:cs typeface="Courier New" panose="02070309020205020404" pitchFamily="49" charset="0"/>
+              </a:rPr>
+              <a:t>x = 1;</a:t>
             </a:r>
           </a:p>
           <a:p>
@@ -14359,11 +14770,11 @@
               <a:buNone/>
             </a:pPr>
             <a:r>
-              <a:rPr lang="en-US" dirty="0" smtClean="0">
-                <a:latin typeface="Courier New" panose="02070309020205020404" pitchFamily="49" charset="0"/>
-                <a:cs typeface="Courier New" panose="02070309020205020404" pitchFamily="49" charset="0"/>
-              </a:rPr>
-              <a:t>	switch (x){</a:t>
+              <a:rPr lang="en-US" sz="1600" dirty="0" smtClean="0">
+                <a:latin typeface="Courier New" panose="02070309020205020404" pitchFamily="49" charset="0"/>
+                <a:cs typeface="Courier New" panose="02070309020205020404" pitchFamily="49" charset="0"/>
+              </a:rPr>
+              <a:t>while(x &gt;= 0){</a:t>
             </a:r>
           </a:p>
           <a:p>
@@ -14371,11 +14782,25 @@
               <a:buNone/>
             </a:pPr>
             <a:r>
-              <a:rPr lang="en-US" dirty="0" smtClean="0">
-                <a:latin typeface="Courier New" panose="02070309020205020404" pitchFamily="49" charset="0"/>
-                <a:cs typeface="Courier New" panose="02070309020205020404" pitchFamily="49" charset="0"/>
-              </a:rPr>
-              <a:t>		case 1:</a:t>
+              <a:rPr lang="en-US" sz="1600" dirty="0" smtClean="0">
+                <a:latin typeface="Courier New" panose="02070309020205020404" pitchFamily="49" charset="0"/>
+                <a:cs typeface="Courier New" panose="02070309020205020404" pitchFamily="49" charset="0"/>
+              </a:rPr>
+              <a:t>	</a:t>
+            </a:r>
+            <a:r>
+              <a:rPr lang="en-US" sz="1600" dirty="0" err="1" smtClean="0">
+                <a:latin typeface="Courier New" panose="02070309020205020404" pitchFamily="49" charset="0"/>
+                <a:cs typeface="Courier New" panose="02070309020205020404" pitchFamily="49" charset="0"/>
+              </a:rPr>
+              <a:t>System.out.println</a:t>
+            </a:r>
+            <a:r>
+              <a:rPr lang="en-US" sz="1600" dirty="0" smtClean="0">
+                <a:latin typeface="Courier New" panose="02070309020205020404" pitchFamily="49" charset="0"/>
+                <a:cs typeface="Courier New" panose="02070309020205020404" pitchFamily="49" charset="0"/>
+              </a:rPr>
+              <a:t>(x);</a:t>
             </a:r>
           </a:p>
           <a:p>
@@ -14383,209 +14808,20 @@
               <a:buNone/>
             </a:pPr>
             <a:r>
-              <a:rPr lang="en-US" dirty="0">
+              <a:rPr lang="en-US" sz="1600" dirty="0">
                 <a:latin typeface="Courier New" panose="02070309020205020404" pitchFamily="49" charset="0"/>
                 <a:cs typeface="Courier New" panose="02070309020205020404" pitchFamily="49" charset="0"/>
               </a:rPr>
               <a:t>	</a:t>
             </a:r>
             <a:r>
-              <a:rPr lang="en-US" dirty="0" smtClean="0">
-                <a:latin typeface="Courier New" panose="02070309020205020404" pitchFamily="49" charset="0"/>
-                <a:cs typeface="Courier New" panose="02070309020205020404" pitchFamily="49" charset="0"/>
-              </a:rPr>
-              <a:t>		</a:t>
-            </a:r>
-            <a:r>
-              <a:rPr lang="en-US" dirty="0" err="1" smtClean="0">
-                <a:latin typeface="Courier New" panose="02070309020205020404" pitchFamily="49" charset="0"/>
-                <a:cs typeface="Courier New" panose="02070309020205020404" pitchFamily="49" charset="0"/>
-              </a:rPr>
-              <a:t>System.out.println</a:t>
-            </a:r>
-            <a:r>
-              <a:rPr lang="en-US" dirty="0" smtClean="0">
-                <a:latin typeface="Courier New" panose="02070309020205020404" pitchFamily="49" charset="0"/>
-                <a:cs typeface="Courier New" panose="02070309020205020404" pitchFamily="49" charset="0"/>
-              </a:rPr>
-              <a:t>(“1”);</a:t>
-            </a:r>
-          </a:p>
-          <a:p>
-            <a:pPr marL="0" indent="0">
-              <a:buNone/>
-            </a:pPr>
-            <a:r>
-              <a:rPr lang="en-US" dirty="0">
-                <a:latin typeface="Courier New" panose="02070309020205020404" pitchFamily="49" charset="0"/>
-                <a:cs typeface="Courier New" panose="02070309020205020404" pitchFamily="49" charset="0"/>
-              </a:rPr>
-              <a:t>	</a:t>
-            </a:r>
-            <a:r>
-              <a:rPr lang="en-US" dirty="0" smtClean="0">
-                <a:latin typeface="Courier New" panose="02070309020205020404" pitchFamily="49" charset="0"/>
-                <a:cs typeface="Courier New" panose="02070309020205020404" pitchFamily="49" charset="0"/>
-              </a:rPr>
-              <a:t>		break;</a:t>
-            </a:r>
-          </a:p>
-          <a:p>
-            <a:pPr marL="0" indent="0">
-              <a:buNone/>
-            </a:pPr>
-            <a:r>
-              <a:rPr lang="en-US" dirty="0">
-                <a:latin typeface="Courier New" panose="02070309020205020404" pitchFamily="49" charset="0"/>
-                <a:cs typeface="Courier New" panose="02070309020205020404" pitchFamily="49" charset="0"/>
-              </a:rPr>
-              <a:t>	</a:t>
-            </a:r>
-            <a:r>
-              <a:rPr lang="en-US" dirty="0" smtClean="0">
-                <a:latin typeface="Courier New" panose="02070309020205020404" pitchFamily="49" charset="0"/>
-                <a:cs typeface="Courier New" panose="02070309020205020404" pitchFamily="49" charset="0"/>
-              </a:rPr>
-              <a:t>	case 2:</a:t>
-            </a:r>
-          </a:p>
-          <a:p>
-            <a:pPr marL="0" indent="0">
-              <a:buNone/>
-            </a:pPr>
-            <a:r>
-              <a:rPr lang="en-US" dirty="0">
-                <a:latin typeface="Courier New" panose="02070309020205020404" pitchFamily="49" charset="0"/>
-                <a:cs typeface="Courier New" panose="02070309020205020404" pitchFamily="49" charset="0"/>
-              </a:rPr>
-              <a:t>	</a:t>
-            </a:r>
-            <a:r>
-              <a:rPr lang="en-US" dirty="0" smtClean="0">
-                <a:latin typeface="Courier New" panose="02070309020205020404" pitchFamily="49" charset="0"/>
-                <a:cs typeface="Courier New" panose="02070309020205020404" pitchFamily="49" charset="0"/>
-              </a:rPr>
-              <a:t>		</a:t>
-            </a:r>
-            <a:r>
-              <a:rPr lang="en-US" dirty="0">
-                <a:latin typeface="Courier New" panose="02070309020205020404" pitchFamily="49" charset="0"/>
-                <a:cs typeface="Courier New" panose="02070309020205020404" pitchFamily="49" charset="0"/>
-              </a:rPr>
-              <a:t> </a:t>
-            </a:r>
-            <a:r>
-              <a:rPr lang="en-US" dirty="0" err="1">
-                <a:latin typeface="Courier New" panose="02070309020205020404" pitchFamily="49" charset="0"/>
-                <a:cs typeface="Courier New" panose="02070309020205020404" pitchFamily="49" charset="0"/>
-              </a:rPr>
-              <a:t>System.out.println</a:t>
-            </a:r>
-            <a:r>
-              <a:rPr lang="en-US" dirty="0" smtClean="0">
-                <a:latin typeface="Courier New" panose="02070309020205020404" pitchFamily="49" charset="0"/>
-                <a:cs typeface="Courier New" panose="02070309020205020404" pitchFamily="49" charset="0"/>
-              </a:rPr>
-              <a:t>(“2”);</a:t>
-            </a:r>
-          </a:p>
-          <a:p>
-            <a:pPr marL="0" indent="0">
-              <a:buNone/>
-            </a:pPr>
-            <a:r>
-              <a:rPr lang="en-US" dirty="0">
-                <a:latin typeface="Courier New" panose="02070309020205020404" pitchFamily="49" charset="0"/>
-                <a:cs typeface="Courier New" panose="02070309020205020404" pitchFamily="49" charset="0"/>
-              </a:rPr>
-              <a:t>	</a:t>
-            </a:r>
-            <a:r>
-              <a:rPr lang="en-US" dirty="0" smtClean="0">
-                <a:latin typeface="Courier New" panose="02070309020205020404" pitchFamily="49" charset="0"/>
-                <a:cs typeface="Courier New" panose="02070309020205020404" pitchFamily="49" charset="0"/>
-              </a:rPr>
-              <a:t>		break;</a:t>
-            </a:r>
-          </a:p>
-          <a:p>
-            <a:pPr marL="0" indent="0">
-              <a:buNone/>
-            </a:pPr>
-            <a:r>
-              <a:rPr lang="en-US" dirty="0">
-                <a:latin typeface="Courier New" panose="02070309020205020404" pitchFamily="49" charset="0"/>
-                <a:cs typeface="Courier New" panose="02070309020205020404" pitchFamily="49" charset="0"/>
-              </a:rPr>
-              <a:t>	</a:t>
-            </a:r>
-            <a:r>
-              <a:rPr lang="en-US" dirty="0" smtClean="0">
-                <a:latin typeface="Courier New" panose="02070309020205020404" pitchFamily="49" charset="0"/>
-                <a:cs typeface="Courier New" panose="02070309020205020404" pitchFamily="49" charset="0"/>
-              </a:rPr>
-              <a:t>	default:</a:t>
-            </a:r>
-          </a:p>
-          <a:p>
-            <a:pPr marL="0" indent="0">
-              <a:buNone/>
-            </a:pPr>
-            <a:r>
-              <a:rPr lang="en-US" dirty="0">
-                <a:latin typeface="Courier New" panose="02070309020205020404" pitchFamily="49" charset="0"/>
-                <a:cs typeface="Courier New" panose="02070309020205020404" pitchFamily="49" charset="0"/>
-              </a:rPr>
-              <a:t>	</a:t>
-            </a:r>
-            <a:r>
-              <a:rPr lang="en-US" dirty="0" smtClean="0">
-                <a:latin typeface="Courier New" panose="02070309020205020404" pitchFamily="49" charset="0"/>
-                <a:cs typeface="Courier New" panose="02070309020205020404" pitchFamily="49" charset="0"/>
-              </a:rPr>
-              <a:t>		</a:t>
-            </a:r>
-            <a:r>
-              <a:rPr lang="en-US" dirty="0">
-                <a:latin typeface="Courier New" panose="02070309020205020404" pitchFamily="49" charset="0"/>
-                <a:cs typeface="Courier New" panose="02070309020205020404" pitchFamily="49" charset="0"/>
-              </a:rPr>
-              <a:t> </a:t>
-            </a:r>
-            <a:r>
-              <a:rPr lang="en-US" dirty="0" err="1">
-                <a:latin typeface="Courier New" panose="02070309020205020404" pitchFamily="49" charset="0"/>
-                <a:cs typeface="Courier New" panose="02070309020205020404" pitchFamily="49" charset="0"/>
-              </a:rPr>
-              <a:t>System.out.println</a:t>
-            </a:r>
-            <a:r>
-              <a:rPr lang="en-US" dirty="0" smtClean="0">
-                <a:latin typeface="Courier New" panose="02070309020205020404" pitchFamily="49" charset="0"/>
-                <a:cs typeface="Courier New" panose="02070309020205020404" pitchFamily="49" charset="0"/>
-              </a:rPr>
-              <a:t>(“Not 1 or 2”);</a:t>
-            </a:r>
-          </a:p>
-          <a:p>
-            <a:pPr marL="0" indent="0">
-              <a:buNone/>
-            </a:pPr>
-            <a:r>
-              <a:rPr lang="en-US" dirty="0">
-                <a:latin typeface="Courier New" panose="02070309020205020404" pitchFamily="49" charset="0"/>
-                <a:cs typeface="Courier New" panose="02070309020205020404" pitchFamily="49" charset="0"/>
-              </a:rPr>
-              <a:t>	</a:t>
-            </a:r>
-            <a:r>
-              <a:rPr lang="en-US" dirty="0" smtClean="0">
-                <a:latin typeface="Courier New" panose="02070309020205020404" pitchFamily="49" charset="0"/>
-                <a:cs typeface="Courier New" panose="02070309020205020404" pitchFamily="49" charset="0"/>
-              </a:rPr>
-              <a:t>		break;</a:t>
-            </a:r>
-            <a:endParaRPr lang="en-US" dirty="0">
+              <a:rPr lang="en-US" sz="1600" dirty="0" smtClean="0">
+                <a:latin typeface="Courier New" panose="02070309020205020404" pitchFamily="49" charset="0"/>
+                <a:cs typeface="Courier New" panose="02070309020205020404" pitchFamily="49" charset="0"/>
+              </a:rPr>
+              <a:t>x++;</a:t>
+            </a:r>
+            <a:endParaRPr lang="en-US" sz="1600" dirty="0">
               <a:latin typeface="Courier New" panose="02070309020205020404" pitchFamily="49" charset="0"/>
               <a:cs typeface="Courier New" panose="02070309020205020404" pitchFamily="49" charset="0"/>
             </a:endParaRPr>
@@ -14595,13 +14831,25 @@
               <a:buNone/>
             </a:pPr>
             <a:r>
-              <a:rPr lang="en-US" dirty="0" smtClean="0">
-                <a:latin typeface="Courier New" panose="02070309020205020404" pitchFamily="49" charset="0"/>
-                <a:cs typeface="Courier New" panose="02070309020205020404" pitchFamily="49" charset="0"/>
-              </a:rPr>
-              <a:t>	}</a:t>
-            </a:r>
-            <a:endParaRPr lang="en-US" dirty="0">
+              <a:rPr lang="en-US" sz="1600" dirty="0" smtClean="0">
+                <a:latin typeface="Courier New" panose="02070309020205020404" pitchFamily="49" charset="0"/>
+                <a:cs typeface="Courier New" panose="02070309020205020404" pitchFamily="49" charset="0"/>
+              </a:rPr>
+              <a:t>}</a:t>
+            </a:r>
+          </a:p>
+          <a:p>
+            <a:pPr marL="0" indent="0">
+              <a:buNone/>
+            </a:pPr>
+            <a:r>
+              <a:rPr lang="en-US" sz="1600" dirty="0" smtClean="0">
+                <a:latin typeface="Courier New" panose="02070309020205020404" pitchFamily="49" charset="0"/>
+                <a:cs typeface="Courier New" panose="02070309020205020404" pitchFamily="49" charset="0"/>
+              </a:rPr>
+              <a:t>-----------------------------------------------------------------</a:t>
+            </a:r>
+            <a:endParaRPr lang="en-US" sz="1600" dirty="0">
               <a:latin typeface="Courier New" panose="02070309020205020404" pitchFamily="49" charset="0"/>
               <a:cs typeface="Courier New" panose="02070309020205020404" pitchFamily="49" charset="0"/>
             </a:endParaRPr>
@@ -14611,17 +14859,158 @@
               <a:buNone/>
             </a:pPr>
             <a:r>
-              <a:rPr lang="en-US" dirty="0" smtClean="0">
-                <a:latin typeface="Courier New" panose="02070309020205020404" pitchFamily="49" charset="0"/>
-                <a:cs typeface="Courier New" panose="02070309020205020404" pitchFamily="49" charset="0"/>
-              </a:rPr>
-              <a:t>}</a:t>
-            </a:r>
-            <a:endParaRPr lang="en-US" dirty="0">
+              <a:rPr lang="en-US" sz="1600" dirty="0" smtClean="0">
+                <a:latin typeface="Courier New" panose="02070309020205020404" pitchFamily="49" charset="0"/>
+                <a:cs typeface="Courier New" panose="02070309020205020404" pitchFamily="49" charset="0"/>
+              </a:rPr>
+              <a:t>x = 0;</a:t>
+            </a:r>
+          </a:p>
+          <a:p>
+            <a:pPr marL="0" indent="0">
+              <a:buNone/>
+            </a:pPr>
+            <a:r>
+              <a:rPr lang="en-US" sz="1600" dirty="0" smtClean="0">
+                <a:latin typeface="Courier New" panose="02070309020205020404" pitchFamily="49" charset="0"/>
+                <a:cs typeface="Courier New" panose="02070309020205020404" pitchFamily="49" charset="0"/>
+              </a:rPr>
+              <a:t>Y = 0;</a:t>
+            </a:r>
+          </a:p>
+          <a:p>
+            <a:pPr marL="0" indent="0">
+              <a:buNone/>
+            </a:pPr>
+            <a:r>
+              <a:rPr lang="en-US" sz="1600" dirty="0" smtClean="0">
+                <a:latin typeface="Courier New" panose="02070309020205020404" pitchFamily="49" charset="0"/>
+                <a:cs typeface="Courier New" panose="02070309020205020404" pitchFamily="49" charset="0"/>
+              </a:rPr>
+              <a:t>while(x &gt; 0){</a:t>
+            </a:r>
+          </a:p>
+          <a:p>
+            <a:pPr marL="0" indent="0">
+              <a:buNone/>
+            </a:pPr>
+            <a:r>
+              <a:rPr lang="en-US" sz="1600" dirty="0" smtClean="0">
+                <a:latin typeface="Courier New" panose="02070309020205020404" pitchFamily="49" charset="0"/>
+                <a:cs typeface="Courier New" panose="02070309020205020404" pitchFamily="49" charset="0"/>
+              </a:rPr>
+              <a:t>	</a:t>
+            </a:r>
+            <a:r>
+              <a:rPr lang="en-US" sz="1600" dirty="0" err="1" smtClean="0">
+                <a:latin typeface="Courier New" panose="02070309020205020404" pitchFamily="49" charset="0"/>
+                <a:cs typeface="Courier New" panose="02070309020205020404" pitchFamily="49" charset="0"/>
+              </a:rPr>
+              <a:t>System.out.print</a:t>
+            </a:r>
+            <a:r>
+              <a:rPr lang="en-US" sz="1600" dirty="0" smtClean="0">
+                <a:latin typeface="Courier New" panose="02070309020205020404" pitchFamily="49" charset="0"/>
+                <a:cs typeface="Courier New" panose="02070309020205020404" pitchFamily="49" charset="0"/>
+              </a:rPr>
+              <a:t>(“Enter a number: “);</a:t>
+            </a:r>
+          </a:p>
+          <a:p>
+            <a:pPr marL="0" indent="0">
+              <a:buNone/>
+            </a:pPr>
+            <a:r>
+              <a:rPr lang="en-US" sz="1600" dirty="0">
+                <a:latin typeface="Courier New" panose="02070309020205020404" pitchFamily="49" charset="0"/>
+                <a:cs typeface="Courier New" panose="02070309020205020404" pitchFamily="49" charset="0"/>
+              </a:rPr>
+              <a:t>	</a:t>
+            </a:r>
+            <a:r>
+              <a:rPr lang="en-US" sz="1600" dirty="0" smtClean="0">
+                <a:latin typeface="Courier New" panose="02070309020205020404" pitchFamily="49" charset="0"/>
+                <a:cs typeface="Courier New" panose="02070309020205020404" pitchFamily="49" charset="0"/>
+              </a:rPr>
+              <a:t>y = </a:t>
+            </a:r>
+            <a:r>
+              <a:rPr lang="en-US" sz="1600" dirty="0" err="1" smtClean="0">
+                <a:latin typeface="Courier New" panose="02070309020205020404" pitchFamily="49" charset="0"/>
+                <a:cs typeface="Courier New" panose="02070309020205020404" pitchFamily="49" charset="0"/>
+              </a:rPr>
+              <a:t>input.nextInt</a:t>
+            </a:r>
+            <a:r>
+              <a:rPr lang="en-US" sz="1600" dirty="0" smtClean="0">
+                <a:latin typeface="Courier New" panose="02070309020205020404" pitchFamily="49" charset="0"/>
+                <a:cs typeface="Courier New" panose="02070309020205020404" pitchFamily="49" charset="0"/>
+              </a:rPr>
+              <a:t>();</a:t>
+            </a:r>
+          </a:p>
+          <a:p>
+            <a:pPr marL="0" indent="0">
+              <a:buNone/>
+            </a:pPr>
+            <a:r>
+              <a:rPr lang="en-US" sz="1600" dirty="0">
+                <a:latin typeface="Courier New" panose="02070309020205020404" pitchFamily="49" charset="0"/>
+                <a:cs typeface="Courier New" panose="02070309020205020404" pitchFamily="49" charset="0"/>
+              </a:rPr>
+              <a:t>	</a:t>
+            </a:r>
+            <a:r>
+              <a:rPr lang="en-US" sz="1600" dirty="0" err="1" smtClean="0">
+                <a:latin typeface="Courier New" panose="02070309020205020404" pitchFamily="49" charset="0"/>
+                <a:cs typeface="Courier New" panose="02070309020205020404" pitchFamily="49" charset="0"/>
+              </a:rPr>
+              <a:t>System.out.println</a:t>
+            </a:r>
+            <a:r>
+              <a:rPr lang="en-US" sz="1600" dirty="0" smtClean="0">
+                <a:latin typeface="Courier New" panose="02070309020205020404" pitchFamily="49" charset="0"/>
+                <a:cs typeface="Courier New" panose="02070309020205020404" pitchFamily="49" charset="0"/>
+              </a:rPr>
+              <a:t>(“Was this your number? “ + y);</a:t>
+            </a:r>
+            <a:endParaRPr lang="en-US" sz="1600" dirty="0">
               <a:latin typeface="Courier New" panose="02070309020205020404" pitchFamily="49" charset="0"/>
               <a:cs typeface="Courier New" panose="02070309020205020404" pitchFamily="49" charset="0"/>
             </a:endParaRPr>
           </a:p>
+          <a:p>
+            <a:pPr marL="0" indent="0">
+              <a:buNone/>
+            </a:pPr>
+            <a:r>
+              <a:rPr lang="en-US" sz="1600" dirty="0" smtClean="0">
+                <a:latin typeface="Courier New" panose="02070309020205020404" pitchFamily="49" charset="0"/>
+                <a:cs typeface="Courier New" panose="02070309020205020404" pitchFamily="49" charset="0"/>
+              </a:rPr>
+              <a:t>	x++;</a:t>
+            </a:r>
+            <a:endParaRPr lang="en-US" sz="1600" dirty="0">
+              <a:latin typeface="Courier New" panose="02070309020205020404" pitchFamily="49" charset="0"/>
+              <a:cs typeface="Courier New" panose="02070309020205020404" pitchFamily="49" charset="0"/>
+            </a:endParaRPr>
+          </a:p>
+          <a:p>
+            <a:pPr marL="0" indent="0">
+              <a:buNone/>
+            </a:pPr>
+            <a:r>
+              <a:rPr lang="en-US" sz="1600" dirty="0" smtClean="0">
+                <a:latin typeface="Courier New" panose="02070309020205020404" pitchFamily="49" charset="0"/>
+                <a:cs typeface="Courier New" panose="02070309020205020404" pitchFamily="49" charset="0"/>
+              </a:rPr>
+              <a:t>}</a:t>
+            </a:r>
+            <a:endParaRPr lang="en-US" sz="1600" dirty="0">
+              <a:latin typeface="Courier New" panose="02070309020205020404" pitchFamily="49" charset="0"/>
+              <a:cs typeface="Courier New" panose="02070309020205020404" pitchFamily="49" charset="0"/>
+            </a:endParaRPr>
+          </a:p>
         </p:txBody>
       </p:sp>
       <p:sp>
@@ -14639,9 +15028,9 @@
           <a:bodyPr/>
           <a:lstStyle/>
           <a:p>
-            <a:fld id="{7CCAF9B3-C95E-43A5-8451-E7CD0340FBAA}" type="datetime1">
+            <a:fld id="{A152CDB4-C7DE-40D1-A248-56B3C1E46B42}" type="datetime1">
               <a:rPr lang="en-US" smtClean="0"/>
-              <a:t>8/12/2015</a:t>
+              <a:t>9/22/2015</a:t>
             </a:fld>
             <a:endParaRPr lang="en-US"/>
           </a:p>
@@ -14650,7 +15039,7 @@
     </p:spTree>
     <p:extLst>
       <p:ext uri="{BB962C8B-B14F-4D97-AF65-F5344CB8AC3E}">
-        <p14:creationId xmlns:p14="http://schemas.microsoft.com/office/powerpoint/2010/main" val="2377064434"/>
+        <p14:creationId xmlns:p14="http://schemas.microsoft.com/office/powerpoint/2010/main" val="2404743756"/>
       </p:ext>
     </p:extLst>
   </p:cSld>
@@ -14694,7 +15083,7 @@
           <a:p>
             <a:r>
               <a:rPr lang="en-US" dirty="0" smtClean="0"/>
-              <a:t>Control Structures Can Be Nested</a:t>
+              <a:t>do...while Repetition Statement</a:t>
             </a:r>
             <a:endParaRPr lang="en-US" dirty="0"/>
           </a:p>
@@ -14713,7 +15102,7 @@
         <p:spPr/>
         <p:txBody>
           <a:bodyPr>
-            <a:normAutofit lnSpcReduction="10000"/>
+            <a:normAutofit/>
           </a:bodyPr>
           <a:lstStyle/>
           <a:p>
@@ -14721,18 +15110,18 @@
               <a:buNone/>
             </a:pPr>
             <a:r>
-              <a:rPr lang="en-US" sz="1800" dirty="0">
-                <a:latin typeface="Courier New" panose="02070309020205020404" pitchFamily="49" charset="0"/>
-                <a:cs typeface="Courier New" panose="02070309020205020404" pitchFamily="49" charset="0"/>
-              </a:rPr>
-              <a:t>while(x &lt; 100</a:t>
-            </a:r>
-            <a:r>
-              <a:rPr lang="en-US" sz="1800" dirty="0" smtClean="0">
-                <a:latin typeface="Courier New" panose="02070309020205020404" pitchFamily="49" charset="0"/>
-                <a:cs typeface="Courier New" panose="02070309020205020404" pitchFamily="49" charset="0"/>
-              </a:rPr>
-              <a:t>){</a:t>
+              <a:rPr lang="en-US" sz="2000" dirty="0" err="1" smtClean="0">
+                <a:latin typeface="Courier New" panose="02070309020205020404" pitchFamily="49" charset="0"/>
+                <a:cs typeface="Courier New" panose="02070309020205020404" pitchFamily="49" charset="0"/>
+              </a:rPr>
+              <a:t>int</a:t>
+            </a:r>
+            <a:r>
+              <a:rPr lang="en-US" sz="2000" dirty="0" smtClean="0">
+                <a:latin typeface="Courier New" panose="02070309020205020404" pitchFamily="49" charset="0"/>
+                <a:cs typeface="Courier New" panose="02070309020205020404" pitchFamily="49" charset="0"/>
+              </a:rPr>
+              <a:t> counter = 1;</a:t>
             </a:r>
           </a:p>
           <a:p>
@@ -14740,20 +15129,58 @@
               <a:buNone/>
             </a:pPr>
             <a:r>
-              <a:rPr lang="en-US" sz="1800" dirty="0">
+              <a:rPr lang="en-US" sz="2000" dirty="0" smtClean="0">
+                <a:latin typeface="Courier New" panose="02070309020205020404" pitchFamily="49" charset="0"/>
+                <a:cs typeface="Courier New" panose="02070309020205020404" pitchFamily="49" charset="0"/>
+              </a:rPr>
+              <a:t>do{</a:t>
+            </a:r>
+          </a:p>
+          <a:p>
+            <a:pPr marL="0" indent="0">
+              <a:buNone/>
+            </a:pPr>
+            <a:r>
+              <a:rPr lang="en-US" sz="2000" dirty="0" smtClean="0">
                 <a:latin typeface="Courier New" panose="02070309020205020404" pitchFamily="49" charset="0"/>
                 <a:cs typeface="Courier New" panose="02070309020205020404" pitchFamily="49" charset="0"/>
               </a:rPr>
               <a:t>	</a:t>
             </a:r>
             <a:r>
-              <a:rPr lang="en-US" sz="1800" dirty="0" smtClean="0">
-                <a:latin typeface="Courier New" panose="02070309020205020404" pitchFamily="49" charset="0"/>
-                <a:cs typeface="Courier New" panose="02070309020205020404" pitchFamily="49" charset="0"/>
-              </a:rPr>
-              <a:t>if (x &lt; 50)</a:t>
-            </a:r>
-            <a:endParaRPr lang="en-US" sz="1800" dirty="0">
+              <a:rPr lang="en-US" sz="2000" dirty="0" err="1" smtClean="0">
+                <a:latin typeface="Courier New" panose="02070309020205020404" pitchFamily="49" charset="0"/>
+                <a:cs typeface="Courier New" panose="02070309020205020404" pitchFamily="49" charset="0"/>
+              </a:rPr>
+              <a:t>System.out.println</a:t>
+            </a:r>
+            <a:r>
+              <a:rPr lang="en-US" sz="2000" dirty="0" smtClean="0">
+                <a:latin typeface="Courier New" panose="02070309020205020404" pitchFamily="49" charset="0"/>
+                <a:cs typeface="Courier New" panose="02070309020205020404" pitchFamily="49" charset="0"/>
+              </a:rPr>
+              <a:t>(counter);</a:t>
+            </a:r>
+          </a:p>
+          <a:p>
+            <a:pPr marL="0" indent="0">
+              <a:buNone/>
+            </a:pPr>
+            <a:r>
+              <a:rPr lang="en-US" sz="2000" dirty="0">
+                <a:latin typeface="Courier New" panose="02070309020205020404" pitchFamily="49" charset="0"/>
+                <a:cs typeface="Courier New" panose="02070309020205020404" pitchFamily="49" charset="0"/>
+              </a:rPr>
+              <a:t>	</a:t>
+            </a:r>
+            <a:r>
+              <a:rPr lang="en-US" sz="2000" dirty="0" smtClean="0">
+                <a:latin typeface="Courier New" panose="02070309020205020404" pitchFamily="49" charset="0"/>
+                <a:cs typeface="Courier New" panose="02070309020205020404" pitchFamily="49" charset="0"/>
+              </a:rPr>
+              <a:t>counter++;</a:t>
+            </a:r>
+            <a:endParaRPr lang="en-US" sz="2000" dirty="0">
               <a:latin typeface="Courier New" panose="02070309020205020404" pitchFamily="49" charset="0"/>
               <a:cs typeface="Courier New" panose="02070309020205020404" pitchFamily="49" charset="0"/>
             </a:endParaRPr>
@@ -14763,87 +15190,18 @@
               <a:buNone/>
             </a:pPr>
             <a:r>
-              <a:rPr lang="en-US" sz="1800" dirty="0">
-                <a:latin typeface="Courier New" panose="02070309020205020404" pitchFamily="49" charset="0"/>
-                <a:cs typeface="Courier New" panose="02070309020205020404" pitchFamily="49" charset="0"/>
-              </a:rPr>
-              <a:t>	</a:t>
-            </a:r>
-            <a:r>
-              <a:rPr lang="en-US" sz="1800" dirty="0" smtClean="0">
-                <a:latin typeface="Courier New" panose="02070309020205020404" pitchFamily="49" charset="0"/>
-                <a:cs typeface="Courier New" panose="02070309020205020404" pitchFamily="49" charset="0"/>
-              </a:rPr>
-              <a:t>	</a:t>
-            </a:r>
-            <a:r>
-              <a:rPr lang="en-US" sz="1800" dirty="0" err="1" smtClean="0">
-                <a:latin typeface="Courier New" panose="02070309020205020404" pitchFamily="49" charset="0"/>
-                <a:cs typeface="Courier New" panose="02070309020205020404" pitchFamily="49" charset="0"/>
-              </a:rPr>
-              <a:t>System.out.println</a:t>
-            </a:r>
-            <a:r>
-              <a:rPr lang="en-US" sz="1800" dirty="0" smtClean="0">
-                <a:latin typeface="Courier New" panose="02070309020205020404" pitchFamily="49" charset="0"/>
-                <a:cs typeface="Courier New" panose="02070309020205020404" pitchFamily="49" charset="0"/>
-              </a:rPr>
-              <a:t>(“x is less than 50”);</a:t>
+              <a:rPr lang="en-US" sz="2000" dirty="0" smtClean="0">
+                <a:latin typeface="Courier New" panose="02070309020205020404" pitchFamily="49" charset="0"/>
+                <a:cs typeface="Courier New" panose="02070309020205020404" pitchFamily="49" charset="0"/>
+              </a:rPr>
+              <a:t>}while(counter &lt;= 10);</a:t>
             </a:r>
           </a:p>
           <a:p>
             <a:pPr marL="0" indent="0">
               <a:buNone/>
             </a:pPr>
-            <a:r>
-              <a:rPr lang="en-US" sz="1800" dirty="0">
-                <a:latin typeface="Courier New" panose="02070309020205020404" pitchFamily="49" charset="0"/>
-                <a:cs typeface="Courier New" panose="02070309020205020404" pitchFamily="49" charset="0"/>
-              </a:rPr>
-              <a:t>	</a:t>
-            </a:r>
-            <a:r>
-              <a:rPr lang="en-US" sz="1800" dirty="0" smtClean="0">
-                <a:latin typeface="Courier New" panose="02070309020205020404" pitchFamily="49" charset="0"/>
-                <a:cs typeface="Courier New" panose="02070309020205020404" pitchFamily="49" charset="0"/>
-              </a:rPr>
-              <a:t>else if (x &gt; 50)</a:t>
-            </a:r>
-          </a:p>
-          <a:p>
-            <a:pPr marL="0" indent="0">
-              <a:buNone/>
-            </a:pPr>
-            <a:r>
-              <a:rPr lang="en-US" sz="1800" dirty="0">
-                <a:latin typeface="Courier New" panose="02070309020205020404" pitchFamily="49" charset="0"/>
-                <a:cs typeface="Courier New" panose="02070309020205020404" pitchFamily="49" charset="0"/>
-              </a:rPr>
-              <a:t>	</a:t>
-            </a:r>
-            <a:r>
-              <a:rPr lang="en-US" sz="1800" dirty="0" smtClean="0">
-                <a:latin typeface="Courier New" panose="02070309020205020404" pitchFamily="49" charset="0"/>
-                <a:cs typeface="Courier New" panose="02070309020205020404" pitchFamily="49" charset="0"/>
-              </a:rPr>
-              <a:t>	</a:t>
-            </a:r>
-            <a:r>
-              <a:rPr lang="en-US" sz="1800" dirty="0" err="1" smtClean="0">
-                <a:latin typeface="Courier New" panose="02070309020205020404" pitchFamily="49" charset="0"/>
-                <a:cs typeface="Courier New" panose="02070309020205020404" pitchFamily="49" charset="0"/>
-              </a:rPr>
-              <a:t>System.out.println</a:t>
-            </a:r>
-            <a:r>
-              <a:rPr lang="en-US" sz="1800" dirty="0" smtClean="0">
-                <a:latin typeface="Courier New" panose="02070309020205020404" pitchFamily="49" charset="0"/>
-                <a:cs typeface="Courier New" panose="02070309020205020404" pitchFamily="49" charset="0"/>
-              </a:rPr>
-              <a:t>(“x is greater than 50”);</a:t>
-            </a:r>
-            <a:endParaRPr lang="en-US" sz="1800" dirty="0">
-              <a:latin typeface="Courier New" panose="02070309020205020404" pitchFamily="49" charset="0"/>
+            <a:endParaRPr lang="en-US" dirty="0">
               <a:cs typeface="Courier New" panose="02070309020205020404" pitchFamily="49" charset="0"/>
             </a:endParaRPr>
           </a:p>
@@ -14852,160 +15210,15 @@
               <a:buNone/>
             </a:pPr>
             <a:r>
-              <a:rPr lang="en-US" sz="1800" dirty="0">
-                <a:latin typeface="Courier New" panose="02070309020205020404" pitchFamily="49" charset="0"/>
-                <a:cs typeface="Courier New" panose="02070309020205020404" pitchFamily="49" charset="0"/>
-              </a:rPr>
-              <a:t>	x++;</a:t>
-            </a:r>
-          </a:p>
-          <a:p>
-            <a:pPr marL="0" indent="0">
-              <a:buNone/>
-            </a:pPr>
-            <a:r>
-              <a:rPr lang="en-US" sz="1800" dirty="0" smtClean="0">
-                <a:latin typeface="Courier New" panose="02070309020205020404" pitchFamily="49" charset="0"/>
-                <a:cs typeface="Courier New" panose="02070309020205020404" pitchFamily="49" charset="0"/>
-              </a:rPr>
-              <a:t>}</a:t>
-            </a:r>
-          </a:p>
-          <a:p>
-            <a:pPr marL="0" indent="0">
-              <a:buNone/>
-            </a:pPr>
-            <a:endParaRPr lang="en-US" sz="1800" dirty="0">
-              <a:latin typeface="Courier New" panose="02070309020205020404" pitchFamily="49" charset="0"/>
+              <a:rPr lang="en-US" dirty="0" smtClean="0">
+                <a:cs typeface="Courier New" panose="02070309020205020404" pitchFamily="49" charset="0"/>
+              </a:rPr>
+              <a:t>What’s the difference?</a:t>
+            </a:r>
+            <a:endParaRPr lang="en-US" dirty="0">
               <a:cs typeface="Courier New" panose="02070309020205020404" pitchFamily="49" charset="0"/>
             </a:endParaRPr>
           </a:p>
-          <a:p>
-            <a:pPr marL="0" indent="0">
-              <a:buNone/>
-            </a:pPr>
-            <a:r>
-              <a:rPr lang="en-US" sz="1800" dirty="0" smtClean="0">
-                <a:latin typeface="Courier New" panose="02070309020205020404" pitchFamily="49" charset="0"/>
-                <a:cs typeface="Courier New" panose="02070309020205020404" pitchFamily="49" charset="0"/>
-              </a:rPr>
-              <a:t>for(x = 0; x &lt; 100; x++){</a:t>
-            </a:r>
-            <a:endParaRPr lang="en-US" sz="1800" dirty="0">
-              <a:latin typeface="Courier New" panose="02070309020205020404" pitchFamily="49" charset="0"/>
-              <a:cs typeface="Courier New" panose="02070309020205020404" pitchFamily="49" charset="0"/>
-            </a:endParaRPr>
-          </a:p>
-          <a:p>
-            <a:pPr marL="0" indent="0">
-              <a:buNone/>
-            </a:pPr>
-            <a:r>
-              <a:rPr lang="en-US" sz="1800" dirty="0">
-                <a:latin typeface="Courier New" panose="02070309020205020404" pitchFamily="49" charset="0"/>
-                <a:cs typeface="Courier New" panose="02070309020205020404" pitchFamily="49" charset="0"/>
-              </a:rPr>
-              <a:t>	if (x &lt; 50)</a:t>
-            </a:r>
-          </a:p>
-          <a:p>
-            <a:pPr marL="0" indent="0">
-              <a:buNone/>
-            </a:pPr>
-            <a:r>
-              <a:rPr lang="en-US" sz="1800" dirty="0">
-                <a:latin typeface="Courier New" panose="02070309020205020404" pitchFamily="49" charset="0"/>
-                <a:cs typeface="Courier New" panose="02070309020205020404" pitchFamily="49" charset="0"/>
-              </a:rPr>
-              <a:t>		</a:t>
-            </a:r>
-            <a:r>
-              <a:rPr lang="en-US" sz="1800" dirty="0" err="1">
-                <a:latin typeface="Courier New" panose="02070309020205020404" pitchFamily="49" charset="0"/>
-                <a:cs typeface="Courier New" panose="02070309020205020404" pitchFamily="49" charset="0"/>
-              </a:rPr>
-              <a:t>System.out.println</a:t>
-            </a:r>
-            <a:r>
-              <a:rPr lang="en-US" sz="1800" dirty="0">
-                <a:latin typeface="Courier New" panose="02070309020205020404" pitchFamily="49" charset="0"/>
-                <a:cs typeface="Courier New" panose="02070309020205020404" pitchFamily="49" charset="0"/>
-              </a:rPr>
-              <a:t>(“x is less than 50”);</a:t>
-            </a:r>
-          </a:p>
-          <a:p>
-            <a:pPr marL="0" indent="0">
-              <a:buNone/>
-            </a:pPr>
-            <a:r>
-              <a:rPr lang="en-US" sz="1800" dirty="0">
-                <a:latin typeface="Courier New" panose="02070309020205020404" pitchFamily="49" charset="0"/>
-                <a:cs typeface="Courier New" panose="02070309020205020404" pitchFamily="49" charset="0"/>
-              </a:rPr>
-              <a:t>	else if (x &gt; 50)</a:t>
-            </a:r>
-          </a:p>
-          <a:p>
-            <a:pPr marL="0" indent="0">
-              <a:buNone/>
-            </a:pPr>
-            <a:r>
-              <a:rPr lang="en-US" sz="1800" dirty="0">
-                <a:latin typeface="Courier New" panose="02070309020205020404" pitchFamily="49" charset="0"/>
-                <a:cs typeface="Courier New" panose="02070309020205020404" pitchFamily="49" charset="0"/>
-              </a:rPr>
-              <a:t>		</a:t>
-            </a:r>
-            <a:r>
-              <a:rPr lang="en-US" sz="1800" dirty="0" err="1">
-                <a:latin typeface="Courier New" panose="02070309020205020404" pitchFamily="49" charset="0"/>
-                <a:cs typeface="Courier New" panose="02070309020205020404" pitchFamily="49" charset="0"/>
-              </a:rPr>
-              <a:t>System.out.println</a:t>
-            </a:r>
-            <a:r>
-              <a:rPr lang="en-US" sz="1800" dirty="0">
-                <a:latin typeface="Courier New" panose="02070309020205020404" pitchFamily="49" charset="0"/>
-                <a:cs typeface="Courier New" panose="02070309020205020404" pitchFamily="49" charset="0"/>
-              </a:rPr>
-              <a:t>(“x is greater than 50</a:t>
-            </a:r>
-            <a:r>
-              <a:rPr lang="en-US" sz="1800" dirty="0" smtClean="0">
-                <a:latin typeface="Courier New" panose="02070309020205020404" pitchFamily="49" charset="0"/>
-                <a:cs typeface="Courier New" panose="02070309020205020404" pitchFamily="49" charset="0"/>
-              </a:rPr>
-              <a:t>”);</a:t>
-            </a:r>
-          </a:p>
-          <a:p>
-            <a:pPr marL="0" indent="0">
-              <a:buNone/>
-            </a:pPr>
-            <a:r>
-              <a:rPr lang="en-US" sz="1800" dirty="0" smtClean="0">
-                <a:latin typeface="Courier New" panose="02070309020205020404" pitchFamily="49" charset="0"/>
-                <a:cs typeface="Courier New" panose="02070309020205020404" pitchFamily="49" charset="0"/>
-              </a:rPr>
-              <a:t>}</a:t>
-            </a:r>
-          </a:p>
-          <a:p>
-            <a:pPr marL="0" indent="0">
-              <a:buNone/>
-            </a:pPr>
-            <a:endParaRPr lang="en-US" sz="1800" dirty="0">
-              <a:latin typeface="Courier New" panose="02070309020205020404" pitchFamily="49" charset="0"/>
-              <a:cs typeface="Courier New" panose="02070309020205020404" pitchFamily="49" charset="0"/>
-            </a:endParaRPr>
-          </a:p>
-          <a:p>
-            <a:pPr marL="0" indent="0">
-              <a:buNone/>
-            </a:pPr>
-            <a:endParaRPr lang="en-US" sz="1800" dirty="0"/>
-          </a:p>
         </p:txBody>
       </p:sp>
       <p:sp>
@@ -15023,9 +15236,9 @@
           <a:bodyPr/>
           <a:lstStyle/>
           <a:p>
-            <a:fld id="{74401A4F-A3E6-4B68-9D08-5583A8944654}" type="datetime1">
+            <a:fld id="{443F4A83-3916-4C3E-8CB4-527F42528BF5}" type="datetime1">
               <a:rPr lang="en-US" smtClean="0"/>
-              <a:t>8/12/2015</a:t>
+              <a:t>9/22/2015</a:t>
             </a:fld>
             <a:endParaRPr lang="en-US"/>
           </a:p>
@@ -15034,7 +15247,7 @@
     </p:spTree>
     <p:extLst>
       <p:ext uri="{BB962C8B-B14F-4D97-AF65-F5344CB8AC3E}">
-        <p14:creationId xmlns:p14="http://schemas.microsoft.com/office/powerpoint/2010/main" val="2625960044"/>
+        <p14:creationId xmlns:p14="http://schemas.microsoft.com/office/powerpoint/2010/main" val="2053510663"/>
       </p:ext>
     </p:extLst>
   </p:cSld>
@@ -15078,7 +15291,7 @@
           <a:p>
             <a:r>
               <a:rPr lang="en-US" dirty="0" smtClean="0"/>
-              <a:t>Consider this…</a:t>
+              <a:t>for Repetition Statements</a:t>
             </a:r>
             <a:endParaRPr lang="en-US" dirty="0"/>
           </a:p>
@@ -15105,39 +15318,25 @@
               <a:buNone/>
             </a:pPr>
             <a:r>
-              <a:rPr lang="en-US" sz="1600" dirty="0" smtClean="0">
-                <a:latin typeface="Courier New" panose="02070309020205020404" pitchFamily="49" charset="0"/>
-                <a:cs typeface="Courier New" panose="02070309020205020404" pitchFamily="49" charset="0"/>
-              </a:rPr>
-              <a:t>public void </a:t>
-            </a:r>
-            <a:r>
-              <a:rPr lang="en-US" sz="1600" dirty="0" err="1" smtClean="0">
-                <a:latin typeface="Courier New" panose="02070309020205020404" pitchFamily="49" charset="0"/>
-                <a:cs typeface="Courier New" panose="02070309020205020404" pitchFamily="49" charset="0"/>
-              </a:rPr>
-              <a:t>compareValues</a:t>
-            </a:r>
-            <a:r>
-              <a:rPr lang="en-US" sz="1600" dirty="0" smtClean="0">
-                <a:latin typeface="Courier New" panose="02070309020205020404" pitchFamily="49" charset="0"/>
-                <a:cs typeface="Courier New" panose="02070309020205020404" pitchFamily="49" charset="0"/>
-              </a:rPr>
-              <a:t>(long </a:t>
-            </a:r>
-            <a:r>
-              <a:rPr lang="en-US" sz="1600" dirty="0" err="1" smtClean="0">
-                <a:latin typeface="Courier New" panose="02070309020205020404" pitchFamily="49" charset="0"/>
-                <a:cs typeface="Courier New" panose="02070309020205020404" pitchFamily="49" charset="0"/>
-              </a:rPr>
-              <a:t>hugeNumber</a:t>
-            </a:r>
-            <a:r>
-              <a:rPr lang="en-US" sz="1600" dirty="0" smtClean="0">
-                <a:latin typeface="Courier New" panose="02070309020205020404" pitchFamily="49" charset="0"/>
-                <a:cs typeface="Courier New" panose="02070309020205020404" pitchFamily="49" charset="0"/>
-              </a:rPr>
-              <a:t>){</a:t>
+              <a:rPr lang="en-US" sz="2000" dirty="0" smtClean="0">
+                <a:latin typeface="Courier New" panose="02070309020205020404" pitchFamily="49" charset="0"/>
+                <a:cs typeface="Courier New" panose="02070309020205020404" pitchFamily="49" charset="0"/>
+              </a:rPr>
+              <a:t>for (</a:t>
+            </a:r>
+            <a:r>
+              <a:rPr lang="en-US" sz="2000" dirty="0" err="1" smtClean="0">
+                <a:latin typeface="Courier New" panose="02070309020205020404" pitchFamily="49" charset="0"/>
+                <a:cs typeface="Courier New" panose="02070309020205020404" pitchFamily="49" charset="0"/>
+              </a:rPr>
+              <a:t>int</a:t>
+            </a:r>
+            <a:r>
+              <a:rPr lang="en-US" sz="2000" dirty="0" smtClean="0">
+                <a:latin typeface="Courier New" panose="02070309020205020404" pitchFamily="49" charset="0"/>
+                <a:cs typeface="Courier New" panose="02070309020205020404" pitchFamily="49" charset="0"/>
+              </a:rPr>
+              <a:t> counter = 1; counter &lt;= 10; counter++){</a:t>
             </a:r>
           </a:p>
           <a:p>
@@ -15145,109 +15344,27 @@
               <a:buNone/>
             </a:pPr>
             <a:r>
-              <a:rPr lang="en-US" sz="1600" dirty="0" smtClean="0">
-                <a:latin typeface="Courier New" panose="02070309020205020404" pitchFamily="49" charset="0"/>
-                <a:cs typeface="Courier New" panose="02070309020205020404" pitchFamily="49" charset="0"/>
-              </a:rPr>
-              <a:t>	for(x </a:t>
-            </a:r>
-            <a:r>
-              <a:rPr lang="en-US" sz="1600" dirty="0">
-                <a:latin typeface="Courier New" panose="02070309020205020404" pitchFamily="49" charset="0"/>
-                <a:cs typeface="Courier New" panose="02070309020205020404" pitchFamily="49" charset="0"/>
-              </a:rPr>
-              <a:t>= 0; x &lt; </a:t>
-            </a:r>
-            <a:r>
-              <a:rPr lang="en-US" sz="1600" dirty="0" err="1">
-                <a:latin typeface="Courier New" panose="02070309020205020404" pitchFamily="49" charset="0"/>
-                <a:cs typeface="Courier New" panose="02070309020205020404" pitchFamily="49" charset="0"/>
-              </a:rPr>
-              <a:t>hugeNumber</a:t>
-            </a:r>
-            <a:r>
-              <a:rPr lang="en-US" sz="1600" dirty="0" smtClean="0">
-                <a:latin typeface="Courier New" panose="02070309020205020404" pitchFamily="49" charset="0"/>
-                <a:cs typeface="Courier New" panose="02070309020205020404" pitchFamily="49" charset="0"/>
-              </a:rPr>
-              <a:t>; </a:t>
-            </a:r>
-            <a:r>
-              <a:rPr lang="en-US" sz="1600" dirty="0">
-                <a:latin typeface="Courier New" panose="02070309020205020404" pitchFamily="49" charset="0"/>
-                <a:cs typeface="Courier New" panose="02070309020205020404" pitchFamily="49" charset="0"/>
-              </a:rPr>
-              <a:t>x</a:t>
-            </a:r>
-            <a:r>
-              <a:rPr lang="en-US" sz="1600" dirty="0" smtClean="0">
-                <a:latin typeface="Courier New" panose="02070309020205020404" pitchFamily="49" charset="0"/>
-                <a:cs typeface="Courier New" panose="02070309020205020404" pitchFamily="49" charset="0"/>
-              </a:rPr>
-              <a:t>++){</a:t>
-            </a:r>
-          </a:p>
-          <a:p>
-            <a:pPr marL="0" indent="0">
-              <a:buNone/>
-            </a:pPr>
-            <a:r>
-              <a:rPr lang="en-US" sz="1600" dirty="0">
+              <a:rPr lang="en-US" sz="2000" dirty="0" smtClean="0">
                 <a:latin typeface="Courier New" panose="02070309020205020404" pitchFamily="49" charset="0"/>
                 <a:cs typeface="Courier New" panose="02070309020205020404" pitchFamily="49" charset="0"/>
               </a:rPr>
               <a:t>	</a:t>
             </a:r>
             <a:r>
-              <a:rPr lang="en-US" sz="1600" dirty="0" smtClean="0">
-                <a:latin typeface="Courier New" panose="02070309020205020404" pitchFamily="49" charset="0"/>
-                <a:cs typeface="Courier New" panose="02070309020205020404" pitchFamily="49" charset="0"/>
-              </a:rPr>
-              <a:t>	for(y </a:t>
-            </a:r>
-            <a:r>
-              <a:rPr lang="en-US" sz="1600" dirty="0">
-                <a:latin typeface="Courier New" panose="02070309020205020404" pitchFamily="49" charset="0"/>
-                <a:cs typeface="Courier New" panose="02070309020205020404" pitchFamily="49" charset="0"/>
-              </a:rPr>
-              <a:t>= 0; </a:t>
-            </a:r>
-            <a:r>
-              <a:rPr lang="en-US" sz="1600" dirty="0" smtClean="0">
-                <a:latin typeface="Courier New" panose="02070309020205020404" pitchFamily="49" charset="0"/>
-                <a:cs typeface="Courier New" panose="02070309020205020404" pitchFamily="49" charset="0"/>
-              </a:rPr>
-              <a:t>y </a:t>
-            </a:r>
-            <a:r>
-              <a:rPr lang="en-US" sz="1600" dirty="0">
-                <a:latin typeface="Courier New" panose="02070309020205020404" pitchFamily="49" charset="0"/>
-                <a:cs typeface="Courier New" panose="02070309020205020404" pitchFamily="49" charset="0"/>
-              </a:rPr>
-              <a:t>&lt; </a:t>
-            </a:r>
-            <a:r>
-              <a:rPr lang="en-US" sz="1600" dirty="0" err="1">
-                <a:latin typeface="Courier New" panose="02070309020205020404" pitchFamily="49" charset="0"/>
-                <a:cs typeface="Courier New" panose="02070309020205020404" pitchFamily="49" charset="0"/>
-              </a:rPr>
-              <a:t>hugeNumber</a:t>
-            </a:r>
-            <a:r>
-              <a:rPr lang="en-US" sz="1600" dirty="0">
-                <a:latin typeface="Courier New" panose="02070309020205020404" pitchFamily="49" charset="0"/>
-                <a:cs typeface="Courier New" panose="02070309020205020404" pitchFamily="49" charset="0"/>
-              </a:rPr>
-              <a:t>; </a:t>
-            </a:r>
-            <a:r>
-              <a:rPr lang="en-US" sz="1600" dirty="0" smtClean="0">
-                <a:latin typeface="Courier New" panose="02070309020205020404" pitchFamily="49" charset="0"/>
-                <a:cs typeface="Courier New" panose="02070309020205020404" pitchFamily="49" charset="0"/>
-              </a:rPr>
-              <a:t>y++){</a:t>
-            </a:r>
-            <a:endParaRPr lang="en-US" sz="1600" dirty="0">
+              <a:rPr lang="en-US" sz="2000" dirty="0" err="1" smtClean="0">
+                <a:latin typeface="Courier New" panose="02070309020205020404" pitchFamily="49" charset="0"/>
+                <a:cs typeface="Courier New" panose="02070309020205020404" pitchFamily="49" charset="0"/>
+              </a:rPr>
+              <a:t>System.out.printf</a:t>
+            </a:r>
+            <a:r>
+              <a:rPr lang="en-US" sz="2000" dirty="0" smtClean="0">
+                <a:latin typeface="Courier New" panose="02070309020205020404" pitchFamily="49" charset="0"/>
+                <a:cs typeface="Courier New" panose="02070309020205020404" pitchFamily="49" charset="0"/>
+              </a:rPr>
+              <a:t>(“%d, “, counter);</a:t>
+            </a:r>
+            <a:endParaRPr lang="en-US" sz="2000" dirty="0">
               <a:latin typeface="Courier New" panose="02070309020205020404" pitchFamily="49" charset="0"/>
               <a:cs typeface="Courier New" panose="02070309020205020404" pitchFamily="49" charset="0"/>
             </a:endParaRPr>
@@ -15257,208 +15374,71 @@
               <a:buNone/>
             </a:pPr>
             <a:r>
-              <a:rPr lang="en-US" sz="1600" dirty="0">
+              <a:rPr lang="en-US" sz="2000" dirty="0" smtClean="0">
+                <a:latin typeface="Courier New" panose="02070309020205020404" pitchFamily="49" charset="0"/>
+                <a:cs typeface="Courier New" panose="02070309020205020404" pitchFamily="49" charset="0"/>
+              </a:rPr>
+              <a:t>}</a:t>
+            </a:r>
+          </a:p>
+          <a:p>
+            <a:r>
+              <a:rPr lang="en-US" dirty="0" smtClean="0">
+                <a:cs typeface="Courier New" panose="02070309020205020404" pitchFamily="49" charset="0"/>
+              </a:rPr>
+              <a:t>for loops are literally the same thing as a counter controlled while loop </a:t>
+            </a:r>
+          </a:p>
+          <a:p>
+            <a:r>
+              <a:rPr lang="en-US" dirty="0" smtClean="0">
+                <a:cs typeface="Courier New" panose="02070309020205020404" pitchFamily="49" charset="0"/>
+              </a:rPr>
+              <a:t>General format:</a:t>
+            </a:r>
+          </a:p>
+          <a:p>
+            <a:pPr marL="0" indent="0">
+              <a:buNone/>
+            </a:pPr>
+            <a:r>
+              <a:rPr lang="en-US" sz="2400" dirty="0" smtClean="0">
+                <a:latin typeface="Courier New" panose="02070309020205020404" pitchFamily="49" charset="0"/>
+                <a:cs typeface="Courier New" panose="02070309020205020404" pitchFamily="49" charset="0"/>
+              </a:rPr>
+              <a:t>for( </a:t>
+            </a:r>
+            <a:r>
+              <a:rPr lang="en-US" sz="2400" i="1" dirty="0" smtClean="0">
+                <a:latin typeface="Courier New" panose="02070309020205020404" pitchFamily="49" charset="0"/>
+                <a:cs typeface="Courier New" panose="02070309020205020404" pitchFamily="49" charset="0"/>
+              </a:rPr>
+              <a:t>initialization; condition; increment)</a:t>
+            </a:r>
+          </a:p>
+          <a:p>
+            <a:pPr marL="0" indent="0">
+              <a:buNone/>
+            </a:pPr>
+            <a:r>
+              <a:rPr lang="en-US" sz="2400" i="1" dirty="0">
                 <a:latin typeface="Courier New" panose="02070309020205020404" pitchFamily="49" charset="0"/>
                 <a:cs typeface="Courier New" panose="02070309020205020404" pitchFamily="49" charset="0"/>
               </a:rPr>
               <a:t>	</a:t>
             </a:r>
             <a:r>
-              <a:rPr lang="en-US" sz="1600" dirty="0" smtClean="0">
-                <a:latin typeface="Courier New" panose="02070309020205020404" pitchFamily="49" charset="0"/>
-                <a:cs typeface="Courier New" panose="02070309020205020404" pitchFamily="49" charset="0"/>
-              </a:rPr>
-              <a:t>		if(x != y){</a:t>
-            </a:r>
-          </a:p>
-          <a:p>
-            <a:pPr marL="0" indent="0">
-              <a:buNone/>
-            </a:pPr>
-            <a:r>
-              <a:rPr lang="en-US" sz="1600" dirty="0">
-                <a:latin typeface="Courier New" panose="02070309020205020404" pitchFamily="49" charset="0"/>
-                <a:cs typeface="Courier New" panose="02070309020205020404" pitchFamily="49" charset="0"/>
-              </a:rPr>
-              <a:t>	</a:t>
-            </a:r>
-            <a:r>
-              <a:rPr lang="en-US" sz="1600" dirty="0" smtClean="0">
-                <a:latin typeface="Courier New" panose="02070309020205020404" pitchFamily="49" charset="0"/>
-                <a:cs typeface="Courier New" panose="02070309020205020404" pitchFamily="49" charset="0"/>
-              </a:rPr>
-              <a:t>			if(x &lt; y){</a:t>
-            </a:r>
-          </a:p>
-          <a:p>
-            <a:pPr marL="0" indent="0">
-              <a:buNone/>
-            </a:pPr>
-            <a:r>
-              <a:rPr lang="en-US" sz="1600" dirty="0">
-                <a:latin typeface="Courier New" panose="02070309020205020404" pitchFamily="49" charset="0"/>
-                <a:cs typeface="Courier New" panose="02070309020205020404" pitchFamily="49" charset="0"/>
-              </a:rPr>
-              <a:t>	</a:t>
-            </a:r>
-            <a:r>
-              <a:rPr lang="en-US" sz="1600" dirty="0" smtClean="0">
-                <a:latin typeface="Courier New" panose="02070309020205020404" pitchFamily="49" charset="0"/>
-                <a:cs typeface="Courier New" panose="02070309020205020404" pitchFamily="49" charset="0"/>
-              </a:rPr>
-              <a:t>				</a:t>
-            </a:r>
-            <a:r>
-              <a:rPr lang="en-US" sz="1600" dirty="0" err="1" smtClean="0">
-                <a:latin typeface="Courier New" panose="02070309020205020404" pitchFamily="49" charset="0"/>
-                <a:cs typeface="Courier New" panose="02070309020205020404" pitchFamily="49" charset="0"/>
-              </a:rPr>
-              <a:t>doSomething</a:t>
-            </a:r>
-            <a:r>
-              <a:rPr lang="en-US" sz="1600" dirty="0" smtClean="0">
-                <a:latin typeface="Courier New" panose="02070309020205020404" pitchFamily="49" charset="0"/>
-                <a:cs typeface="Courier New" panose="02070309020205020404" pitchFamily="49" charset="0"/>
-              </a:rPr>
-              <a:t>(y);</a:t>
-            </a:r>
-          </a:p>
-          <a:p>
-            <a:pPr marL="0" indent="0">
-              <a:buNone/>
-            </a:pPr>
-            <a:r>
-              <a:rPr lang="en-US" sz="1600" dirty="0">
-                <a:latin typeface="Courier New" panose="02070309020205020404" pitchFamily="49" charset="0"/>
-                <a:cs typeface="Courier New" panose="02070309020205020404" pitchFamily="49" charset="0"/>
-              </a:rPr>
-              <a:t>	</a:t>
-            </a:r>
-            <a:r>
-              <a:rPr lang="en-US" sz="1600" dirty="0" smtClean="0">
-                <a:latin typeface="Courier New" panose="02070309020205020404" pitchFamily="49" charset="0"/>
-                <a:cs typeface="Courier New" panose="02070309020205020404" pitchFamily="49" charset="0"/>
-              </a:rPr>
-              <a:t>			}else{</a:t>
-            </a:r>
-          </a:p>
-          <a:p>
-            <a:pPr marL="0" indent="0">
-              <a:buNone/>
-            </a:pPr>
-            <a:r>
-              <a:rPr lang="en-US" sz="1600" dirty="0" smtClean="0">
-                <a:latin typeface="Courier New" panose="02070309020205020404" pitchFamily="49" charset="0"/>
-                <a:cs typeface="Courier New" panose="02070309020205020404" pitchFamily="49" charset="0"/>
-              </a:rPr>
-              <a:t>					</a:t>
-            </a:r>
-            <a:r>
-              <a:rPr lang="en-US" sz="1600" dirty="0" err="1" smtClean="0">
-                <a:latin typeface="Courier New" panose="02070309020205020404" pitchFamily="49" charset="0"/>
-                <a:cs typeface="Courier New" panose="02070309020205020404" pitchFamily="49" charset="0"/>
-              </a:rPr>
-              <a:t>doSomething</a:t>
-            </a:r>
-            <a:r>
-              <a:rPr lang="en-US" sz="1600" dirty="0" smtClean="0">
-                <a:latin typeface="Courier New" panose="02070309020205020404" pitchFamily="49" charset="0"/>
-                <a:cs typeface="Courier New" panose="02070309020205020404" pitchFamily="49" charset="0"/>
-              </a:rPr>
-              <a:t>(x);</a:t>
-            </a:r>
-          </a:p>
-          <a:p>
-            <a:pPr marL="0" indent="0">
-              <a:buNone/>
-            </a:pPr>
-            <a:r>
-              <a:rPr lang="en-US" sz="1600" dirty="0" smtClean="0">
-                <a:latin typeface="Courier New" panose="02070309020205020404" pitchFamily="49" charset="0"/>
-                <a:cs typeface="Courier New" panose="02070309020205020404" pitchFamily="49" charset="0"/>
-              </a:rPr>
-              <a:t>				}</a:t>
-            </a:r>
-          </a:p>
-          <a:p>
-            <a:pPr marL="0" indent="0">
-              <a:buNone/>
-            </a:pPr>
-            <a:r>
-              <a:rPr lang="en-US" sz="1600" dirty="0">
-                <a:latin typeface="Courier New" panose="02070309020205020404" pitchFamily="49" charset="0"/>
-                <a:cs typeface="Courier New" panose="02070309020205020404" pitchFamily="49" charset="0"/>
-              </a:rPr>
-              <a:t>	</a:t>
-            </a:r>
-            <a:r>
-              <a:rPr lang="en-US" sz="1600" dirty="0" smtClean="0">
-                <a:latin typeface="Courier New" panose="02070309020205020404" pitchFamily="49" charset="0"/>
-                <a:cs typeface="Courier New" panose="02070309020205020404" pitchFamily="49" charset="0"/>
-              </a:rPr>
-              <a:t>		}</a:t>
-            </a:r>
-            <a:endParaRPr lang="en-US" sz="1600" dirty="0">
+              <a:rPr lang="en-US" sz="2400" i="1" dirty="0" smtClean="0">
+                <a:latin typeface="Courier New" panose="02070309020205020404" pitchFamily="49" charset="0"/>
+                <a:cs typeface="Courier New" panose="02070309020205020404" pitchFamily="49" charset="0"/>
+              </a:rPr>
+              <a:t>statement</a:t>
+            </a:r>
+            <a:endParaRPr lang="en-US" sz="2400" dirty="0">
               <a:latin typeface="Courier New" panose="02070309020205020404" pitchFamily="49" charset="0"/>
               <a:cs typeface="Courier New" panose="02070309020205020404" pitchFamily="49" charset="0"/>
             </a:endParaRPr>
           </a:p>
-          <a:p>
-            <a:pPr marL="0" indent="0">
-              <a:buNone/>
-            </a:pPr>
-            <a:r>
-              <a:rPr lang="en-US" sz="1600" dirty="0">
-                <a:latin typeface="Courier New" panose="02070309020205020404" pitchFamily="49" charset="0"/>
-                <a:cs typeface="Courier New" panose="02070309020205020404" pitchFamily="49" charset="0"/>
-              </a:rPr>
-              <a:t>	</a:t>
-            </a:r>
-            <a:r>
-              <a:rPr lang="en-US" sz="1600" dirty="0" smtClean="0">
-                <a:latin typeface="Courier New" panose="02070309020205020404" pitchFamily="49" charset="0"/>
-                <a:cs typeface="Courier New" panose="02070309020205020404" pitchFamily="49" charset="0"/>
-              </a:rPr>
-              <a:t>	}</a:t>
-            </a:r>
-          </a:p>
-          <a:p>
-            <a:pPr marL="0" indent="0">
-              <a:buNone/>
-            </a:pPr>
-            <a:r>
-              <a:rPr lang="en-US" sz="1600" dirty="0">
-                <a:latin typeface="Courier New" panose="02070309020205020404" pitchFamily="49" charset="0"/>
-                <a:cs typeface="Courier New" panose="02070309020205020404" pitchFamily="49" charset="0"/>
-              </a:rPr>
-              <a:t>	</a:t>
-            </a:r>
-            <a:r>
-              <a:rPr lang="en-US" sz="1600" dirty="0" smtClean="0">
-                <a:latin typeface="Courier New" panose="02070309020205020404" pitchFamily="49" charset="0"/>
-                <a:cs typeface="Courier New" panose="02070309020205020404" pitchFamily="49" charset="0"/>
-              </a:rPr>
-              <a:t>}</a:t>
-            </a:r>
-          </a:p>
-          <a:p>
-            <a:pPr marL="0" indent="0">
-              <a:buNone/>
-            </a:pPr>
-            <a:r>
-              <a:rPr lang="en-US" sz="1600" dirty="0">
-                <a:latin typeface="Courier New" panose="02070309020205020404" pitchFamily="49" charset="0"/>
-                <a:cs typeface="Courier New" panose="02070309020205020404" pitchFamily="49" charset="0"/>
-              </a:rPr>
-              <a:t>}</a:t>
-            </a:r>
-          </a:p>
-          <a:p>
-            <a:pPr marL="0" indent="0">
-              <a:buNone/>
-            </a:pPr>
-            <a:endParaRPr lang="en-US" sz="1600" dirty="0"/>
-          </a:p>
         </p:txBody>
       </p:sp>
       <p:sp>
@@ -15476,9 +15456,9 @@
           <a:bodyPr/>
           <a:lstStyle/>
           <a:p>
-            <a:fld id="{2F698FDB-931F-48DD-965D-4E7FBF00416F}" type="datetime1">
+            <a:fld id="{0D017FD0-C5E7-4814-8EC9-23F0CE786143}" type="datetime1">
               <a:rPr lang="en-US" smtClean="0"/>
-              <a:t>8/12/2015</a:t>
+              <a:t>9/22/2015</a:t>
             </a:fld>
             <a:endParaRPr lang="en-US"/>
           </a:p>
@@ -15487,7 +15467,7 @@
     </p:spTree>
     <p:extLst>
       <p:ext uri="{BB962C8B-B14F-4D97-AF65-F5344CB8AC3E}">
-        <p14:creationId xmlns:p14="http://schemas.microsoft.com/office/powerpoint/2010/main" val="4096471542"/>
+        <p14:creationId xmlns:p14="http://schemas.microsoft.com/office/powerpoint/2010/main" val="1699596741"/>
       </p:ext>
     </p:extLst>
   </p:cSld>
@@ -15524,14 +15504,19 @@
             <p:ph type="title"/>
           </p:nvPr>
         </p:nvSpPr>
-        <p:spPr/>
+        <p:spPr>
+          <a:xfrm>
+            <a:off x="457200" y="228600"/>
+            <a:ext cx="8229600" cy="1143000"/>
+          </a:xfrm>
+        </p:spPr>
         <p:txBody>
           <a:bodyPr/>
           <a:lstStyle/>
           <a:p>
             <a:r>
               <a:rPr lang="en-US" dirty="0" smtClean="0"/>
-              <a:t>Break and Continue</a:t>
+              <a:t>switch Statements</a:t>
             </a:r>
             <a:endParaRPr lang="en-US" dirty="0"/>
           </a:p>
@@ -15545,6 +15530,332 @@
           </p:cNvSpPr>
           <p:nvPr>
             <p:ph idx="1"/>
+          </p:nvPr>
+        </p:nvSpPr>
+        <p:spPr/>
+        <p:txBody>
+          <a:bodyPr>
+            <a:normAutofit fontScale="92500" lnSpcReduction="10000"/>
+          </a:bodyPr>
+          <a:lstStyle/>
+          <a:p>
+            <a:pPr marL="0" indent="0">
+              <a:buNone/>
+            </a:pPr>
+            <a:r>
+              <a:rPr lang="en-US" dirty="0" smtClean="0">
+                <a:latin typeface="Courier New" panose="02070309020205020404" pitchFamily="49" charset="0"/>
+                <a:cs typeface="Courier New" panose="02070309020205020404" pitchFamily="49" charset="0"/>
+              </a:rPr>
+              <a:t>public void </a:t>
+            </a:r>
+            <a:r>
+              <a:rPr lang="en-US" dirty="0" err="1" smtClean="0">
+                <a:latin typeface="Courier New" panose="02070309020205020404" pitchFamily="49" charset="0"/>
+                <a:cs typeface="Courier New" panose="02070309020205020404" pitchFamily="49" charset="0"/>
+              </a:rPr>
+              <a:t>doSwitch</a:t>
+            </a:r>
+            <a:r>
+              <a:rPr lang="en-US" dirty="0" smtClean="0">
+                <a:latin typeface="Courier New" panose="02070309020205020404" pitchFamily="49" charset="0"/>
+                <a:cs typeface="Courier New" panose="02070309020205020404" pitchFamily="49" charset="0"/>
+              </a:rPr>
+              <a:t>(</a:t>
+            </a:r>
+            <a:r>
+              <a:rPr lang="en-US" dirty="0" err="1" smtClean="0">
+                <a:latin typeface="Courier New" panose="02070309020205020404" pitchFamily="49" charset="0"/>
+                <a:cs typeface="Courier New" panose="02070309020205020404" pitchFamily="49" charset="0"/>
+              </a:rPr>
+              <a:t>int</a:t>
+            </a:r>
+            <a:r>
+              <a:rPr lang="en-US" dirty="0" smtClean="0">
+                <a:latin typeface="Courier New" panose="02070309020205020404" pitchFamily="49" charset="0"/>
+                <a:cs typeface="Courier New" panose="02070309020205020404" pitchFamily="49" charset="0"/>
+              </a:rPr>
+              <a:t> x){</a:t>
+            </a:r>
+          </a:p>
+          <a:p>
+            <a:pPr marL="0" indent="0">
+              <a:buNone/>
+            </a:pPr>
+            <a:r>
+              <a:rPr lang="en-US" dirty="0" smtClean="0">
+                <a:latin typeface="Courier New" panose="02070309020205020404" pitchFamily="49" charset="0"/>
+                <a:cs typeface="Courier New" panose="02070309020205020404" pitchFamily="49" charset="0"/>
+              </a:rPr>
+              <a:t>	switch (x){</a:t>
+            </a:r>
+          </a:p>
+          <a:p>
+            <a:pPr marL="0" indent="0">
+              <a:buNone/>
+            </a:pPr>
+            <a:r>
+              <a:rPr lang="en-US" dirty="0" smtClean="0">
+                <a:latin typeface="Courier New" panose="02070309020205020404" pitchFamily="49" charset="0"/>
+                <a:cs typeface="Courier New" panose="02070309020205020404" pitchFamily="49" charset="0"/>
+              </a:rPr>
+              <a:t>		case 1:</a:t>
+            </a:r>
+          </a:p>
+          <a:p>
+            <a:pPr marL="0" indent="0">
+              <a:buNone/>
+            </a:pPr>
+            <a:r>
+              <a:rPr lang="en-US" dirty="0">
+                <a:latin typeface="Courier New" panose="02070309020205020404" pitchFamily="49" charset="0"/>
+                <a:cs typeface="Courier New" panose="02070309020205020404" pitchFamily="49" charset="0"/>
+              </a:rPr>
+              <a:t>	</a:t>
+            </a:r>
+            <a:r>
+              <a:rPr lang="en-US" dirty="0" smtClean="0">
+                <a:latin typeface="Courier New" panose="02070309020205020404" pitchFamily="49" charset="0"/>
+                <a:cs typeface="Courier New" panose="02070309020205020404" pitchFamily="49" charset="0"/>
+              </a:rPr>
+              <a:t>		</a:t>
+            </a:r>
+            <a:r>
+              <a:rPr lang="en-US" dirty="0" err="1" smtClean="0">
+                <a:latin typeface="Courier New" panose="02070309020205020404" pitchFamily="49" charset="0"/>
+                <a:cs typeface="Courier New" panose="02070309020205020404" pitchFamily="49" charset="0"/>
+              </a:rPr>
+              <a:t>System.out.println</a:t>
+            </a:r>
+            <a:r>
+              <a:rPr lang="en-US" dirty="0" smtClean="0">
+                <a:latin typeface="Courier New" panose="02070309020205020404" pitchFamily="49" charset="0"/>
+                <a:cs typeface="Courier New" panose="02070309020205020404" pitchFamily="49" charset="0"/>
+              </a:rPr>
+              <a:t>(“1”);</a:t>
+            </a:r>
+          </a:p>
+          <a:p>
+            <a:pPr marL="0" indent="0">
+              <a:buNone/>
+            </a:pPr>
+            <a:r>
+              <a:rPr lang="en-US" dirty="0">
+                <a:latin typeface="Courier New" panose="02070309020205020404" pitchFamily="49" charset="0"/>
+                <a:cs typeface="Courier New" panose="02070309020205020404" pitchFamily="49" charset="0"/>
+              </a:rPr>
+              <a:t>	</a:t>
+            </a:r>
+            <a:r>
+              <a:rPr lang="en-US" dirty="0" smtClean="0">
+                <a:latin typeface="Courier New" panose="02070309020205020404" pitchFamily="49" charset="0"/>
+                <a:cs typeface="Courier New" panose="02070309020205020404" pitchFamily="49" charset="0"/>
+              </a:rPr>
+              <a:t>		break;</a:t>
+            </a:r>
+          </a:p>
+          <a:p>
+            <a:pPr marL="0" indent="0">
+              <a:buNone/>
+            </a:pPr>
+            <a:r>
+              <a:rPr lang="en-US" dirty="0">
+                <a:latin typeface="Courier New" panose="02070309020205020404" pitchFamily="49" charset="0"/>
+                <a:cs typeface="Courier New" panose="02070309020205020404" pitchFamily="49" charset="0"/>
+              </a:rPr>
+              <a:t>	</a:t>
+            </a:r>
+            <a:r>
+              <a:rPr lang="en-US" dirty="0" smtClean="0">
+                <a:latin typeface="Courier New" panose="02070309020205020404" pitchFamily="49" charset="0"/>
+                <a:cs typeface="Courier New" panose="02070309020205020404" pitchFamily="49" charset="0"/>
+              </a:rPr>
+              <a:t>	case 2:</a:t>
+            </a:r>
+          </a:p>
+          <a:p>
+            <a:pPr marL="0" indent="0">
+              <a:buNone/>
+            </a:pPr>
+            <a:r>
+              <a:rPr lang="en-US" dirty="0">
+                <a:latin typeface="Courier New" panose="02070309020205020404" pitchFamily="49" charset="0"/>
+                <a:cs typeface="Courier New" panose="02070309020205020404" pitchFamily="49" charset="0"/>
+              </a:rPr>
+              <a:t>	</a:t>
+            </a:r>
+            <a:r>
+              <a:rPr lang="en-US" dirty="0" smtClean="0">
+                <a:latin typeface="Courier New" panose="02070309020205020404" pitchFamily="49" charset="0"/>
+                <a:cs typeface="Courier New" panose="02070309020205020404" pitchFamily="49" charset="0"/>
+              </a:rPr>
+              <a:t>		</a:t>
+            </a:r>
+            <a:r>
+              <a:rPr lang="en-US" dirty="0">
+                <a:latin typeface="Courier New" panose="02070309020205020404" pitchFamily="49" charset="0"/>
+                <a:cs typeface="Courier New" panose="02070309020205020404" pitchFamily="49" charset="0"/>
+              </a:rPr>
+              <a:t> </a:t>
+            </a:r>
+            <a:r>
+              <a:rPr lang="en-US" dirty="0" err="1">
+                <a:latin typeface="Courier New" panose="02070309020205020404" pitchFamily="49" charset="0"/>
+                <a:cs typeface="Courier New" panose="02070309020205020404" pitchFamily="49" charset="0"/>
+              </a:rPr>
+              <a:t>System.out.println</a:t>
+            </a:r>
+            <a:r>
+              <a:rPr lang="en-US" dirty="0" smtClean="0">
+                <a:latin typeface="Courier New" panose="02070309020205020404" pitchFamily="49" charset="0"/>
+                <a:cs typeface="Courier New" panose="02070309020205020404" pitchFamily="49" charset="0"/>
+              </a:rPr>
+              <a:t>(“2”);</a:t>
+            </a:r>
+          </a:p>
+          <a:p>
+            <a:pPr marL="0" indent="0">
+              <a:buNone/>
+            </a:pPr>
+            <a:r>
+              <a:rPr lang="en-US" dirty="0">
+                <a:latin typeface="Courier New" panose="02070309020205020404" pitchFamily="49" charset="0"/>
+                <a:cs typeface="Courier New" panose="02070309020205020404" pitchFamily="49" charset="0"/>
+              </a:rPr>
+              <a:t>	</a:t>
+            </a:r>
+            <a:r>
+              <a:rPr lang="en-US" dirty="0" smtClean="0">
+                <a:latin typeface="Courier New" panose="02070309020205020404" pitchFamily="49" charset="0"/>
+                <a:cs typeface="Courier New" panose="02070309020205020404" pitchFamily="49" charset="0"/>
+              </a:rPr>
+              <a:t>		break;</a:t>
+            </a:r>
+          </a:p>
+          <a:p>
+            <a:pPr marL="0" indent="0">
+              <a:buNone/>
+            </a:pPr>
+            <a:r>
+              <a:rPr lang="en-US" dirty="0">
+                <a:latin typeface="Courier New" panose="02070309020205020404" pitchFamily="49" charset="0"/>
+                <a:cs typeface="Courier New" panose="02070309020205020404" pitchFamily="49" charset="0"/>
+              </a:rPr>
+              <a:t>	</a:t>
+            </a:r>
+            <a:r>
+              <a:rPr lang="en-US" dirty="0" smtClean="0">
+                <a:latin typeface="Courier New" panose="02070309020205020404" pitchFamily="49" charset="0"/>
+                <a:cs typeface="Courier New" panose="02070309020205020404" pitchFamily="49" charset="0"/>
+              </a:rPr>
+              <a:t>	default:</a:t>
+            </a:r>
+          </a:p>
+          <a:p>
+            <a:pPr marL="0" indent="0">
+              <a:buNone/>
+            </a:pPr>
+            <a:r>
+              <a:rPr lang="en-US" dirty="0">
+                <a:latin typeface="Courier New" panose="02070309020205020404" pitchFamily="49" charset="0"/>
+                <a:cs typeface="Courier New" panose="02070309020205020404" pitchFamily="49" charset="0"/>
+              </a:rPr>
+              <a:t>	</a:t>
+            </a:r>
+            <a:r>
+              <a:rPr lang="en-US" dirty="0" smtClean="0">
+                <a:latin typeface="Courier New" panose="02070309020205020404" pitchFamily="49" charset="0"/>
+                <a:cs typeface="Courier New" panose="02070309020205020404" pitchFamily="49" charset="0"/>
+              </a:rPr>
+              <a:t>		</a:t>
+            </a:r>
+            <a:r>
+              <a:rPr lang="en-US" dirty="0">
+                <a:latin typeface="Courier New" panose="02070309020205020404" pitchFamily="49" charset="0"/>
+                <a:cs typeface="Courier New" panose="02070309020205020404" pitchFamily="49" charset="0"/>
+              </a:rPr>
+              <a:t> </a:t>
+            </a:r>
+            <a:r>
+              <a:rPr lang="en-US" dirty="0" err="1">
+                <a:latin typeface="Courier New" panose="02070309020205020404" pitchFamily="49" charset="0"/>
+                <a:cs typeface="Courier New" panose="02070309020205020404" pitchFamily="49" charset="0"/>
+              </a:rPr>
+              <a:t>System.out.println</a:t>
+            </a:r>
+            <a:r>
+              <a:rPr lang="en-US" dirty="0" smtClean="0">
+                <a:latin typeface="Courier New" panose="02070309020205020404" pitchFamily="49" charset="0"/>
+                <a:cs typeface="Courier New" panose="02070309020205020404" pitchFamily="49" charset="0"/>
+              </a:rPr>
+              <a:t>(“Not 1 or 2”);</a:t>
+            </a:r>
+          </a:p>
+          <a:p>
+            <a:pPr marL="0" indent="0">
+              <a:buNone/>
+            </a:pPr>
+            <a:r>
+              <a:rPr lang="en-US" dirty="0">
+                <a:latin typeface="Courier New" panose="02070309020205020404" pitchFamily="49" charset="0"/>
+                <a:cs typeface="Courier New" panose="02070309020205020404" pitchFamily="49" charset="0"/>
+              </a:rPr>
+              <a:t>	</a:t>
+            </a:r>
+            <a:r>
+              <a:rPr lang="en-US" dirty="0" smtClean="0">
+                <a:latin typeface="Courier New" panose="02070309020205020404" pitchFamily="49" charset="0"/>
+                <a:cs typeface="Courier New" panose="02070309020205020404" pitchFamily="49" charset="0"/>
+              </a:rPr>
+              <a:t>		break;</a:t>
+            </a:r>
+            <a:endParaRPr lang="en-US" dirty="0">
+              <a:latin typeface="Courier New" panose="02070309020205020404" pitchFamily="49" charset="0"/>
+              <a:cs typeface="Courier New" panose="02070309020205020404" pitchFamily="49" charset="0"/>
+            </a:endParaRPr>
+          </a:p>
+          <a:p>
+            <a:pPr marL="0" indent="0">
+              <a:buNone/>
+            </a:pPr>
+            <a:r>
+              <a:rPr lang="en-US" dirty="0" smtClean="0">
+                <a:latin typeface="Courier New" panose="02070309020205020404" pitchFamily="49" charset="0"/>
+                <a:cs typeface="Courier New" panose="02070309020205020404" pitchFamily="49" charset="0"/>
+              </a:rPr>
+              <a:t>	}</a:t>
+            </a:r>
+            <a:endParaRPr lang="en-US" dirty="0">
+              <a:latin typeface="Courier New" panose="02070309020205020404" pitchFamily="49" charset="0"/>
+              <a:cs typeface="Courier New" panose="02070309020205020404" pitchFamily="49" charset="0"/>
+            </a:endParaRPr>
+          </a:p>
+          <a:p>
+            <a:pPr marL="0" indent="0">
+              <a:buNone/>
+            </a:pPr>
+            <a:r>
+              <a:rPr lang="en-US" dirty="0" smtClean="0">
+                <a:latin typeface="Courier New" panose="02070309020205020404" pitchFamily="49" charset="0"/>
+                <a:cs typeface="Courier New" panose="02070309020205020404" pitchFamily="49" charset="0"/>
+              </a:rPr>
+              <a:t>}</a:t>
+            </a:r>
+            <a:endParaRPr lang="en-US" dirty="0">
+              <a:latin typeface="Courier New" panose="02070309020205020404" pitchFamily="49" charset="0"/>
+              <a:cs typeface="Courier New" panose="02070309020205020404" pitchFamily="49" charset="0"/>
+            </a:endParaRPr>
+          </a:p>
+        </p:txBody>
+      </p:sp>
+      <p:sp>
+        <p:nvSpPr>
+          <p:cNvPr id="4" name="Date Placeholder 3"/>
+          <p:cNvSpPr>
+            <a:spLocks noGrp="1"/>
+          </p:cNvSpPr>
+          <p:nvPr>
+            <p:ph type="dt" sz="half" idx="10"/>
           </p:nvPr>
         </p:nvSpPr>
         <p:spPr/>
@@ -15552,38 +15863,9 @@
           <a:bodyPr/>
           <a:lstStyle/>
           <a:p>
-            <a:r>
-              <a:rPr lang="en-US" dirty="0" smtClean="0"/>
-              <a:t>The keyword ‘break’ will terminate the loop immediately and move on to the next code after the loop</a:t>
-            </a:r>
-          </a:p>
-          <a:p>
-            <a:r>
-              <a:rPr lang="en-US" dirty="0" smtClean="0"/>
-              <a:t>The keyword ‘continue’ will skip the rest of the code in the block and move on to the next loop</a:t>
-            </a:r>
-            <a:endParaRPr lang="en-US" dirty="0"/>
-          </a:p>
-        </p:txBody>
-      </p:sp>
-      <p:sp>
-        <p:nvSpPr>
-          <p:cNvPr id="4" name="Date Placeholder 3"/>
-          <p:cNvSpPr>
-            <a:spLocks noGrp="1"/>
-          </p:cNvSpPr>
-          <p:nvPr>
-            <p:ph type="dt" sz="half" idx="10"/>
-          </p:nvPr>
-        </p:nvSpPr>
-        <p:spPr/>
-        <p:txBody>
-          <a:bodyPr/>
-          <a:lstStyle/>
-          <a:p>
-            <a:fld id="{A25CCD28-3C5D-4D97-B2E5-1FB12B69CF4E}" type="datetime1">
+            <a:fld id="{7CCAF9B3-C95E-43A5-8451-E7CD0340FBAA}" type="datetime1">
               <a:rPr lang="en-US" smtClean="0"/>
-              <a:t>8/12/2015</a:t>
+              <a:t>9/22/2015</a:t>
             </a:fld>
             <a:endParaRPr lang="en-US"/>
           </a:p>
@@ -15592,7 +15874,7 @@
     </p:spTree>
     <p:extLst>
       <p:ext uri="{BB962C8B-B14F-4D97-AF65-F5344CB8AC3E}">
-        <p14:creationId xmlns:p14="http://schemas.microsoft.com/office/powerpoint/2010/main" val="146694741"/>
+        <p14:creationId xmlns:p14="http://schemas.microsoft.com/office/powerpoint/2010/main" val="2377064434"/>
       </p:ext>
     </p:extLst>
   </p:cSld>
@@ -15636,7 +15918,7 @@
           <a:p>
             <a:r>
               <a:rPr lang="en-US" dirty="0" smtClean="0"/>
-              <a:t>Logical Operators</a:t>
+              <a:t>Control Structures Can Be Nested</a:t>
             </a:r>
             <a:endParaRPr lang="en-US" dirty="0"/>
           </a:p>
@@ -15655,38 +15937,26 @@
         <p:spPr/>
         <p:txBody>
           <a:bodyPr>
-            <a:normAutofit/>
+            <a:normAutofit lnSpcReduction="10000"/>
           </a:bodyPr>
           <a:lstStyle/>
           <a:p>
-            <a:r>
-              <a:rPr lang="en-US" dirty="0" smtClean="0"/>
-              <a:t>&amp;&amp; means ‘and’</a:t>
-            </a:r>
-          </a:p>
-          <a:p>
             <a:pPr marL="0" indent="0">
               <a:buNone/>
             </a:pPr>
             <a:r>
-              <a:rPr lang="en-US" dirty="0">
-                <a:latin typeface="Courier New" panose="02070309020205020404" pitchFamily="49" charset="0"/>
-                <a:cs typeface="Courier New" panose="02070309020205020404" pitchFamily="49" charset="0"/>
-              </a:rPr>
-              <a:t>i</a:t>
-            </a:r>
-            <a:r>
-              <a:rPr lang="en-US" dirty="0" smtClean="0">
-                <a:latin typeface="Courier New" panose="02070309020205020404" pitchFamily="49" charset="0"/>
-                <a:cs typeface="Courier New" panose="02070309020205020404" pitchFamily="49" charset="0"/>
-              </a:rPr>
-              <a:t>f (x &gt; 10 &amp;&amp; x &lt; 20){}</a:t>
-            </a:r>
-          </a:p>
-          <a:p>
-            <a:r>
-              <a:rPr lang="en-US" dirty="0" smtClean="0"/>
-              <a:t>|| means ‘or’</a:t>
+              <a:rPr lang="en-US" sz="1800" dirty="0">
+                <a:latin typeface="Courier New" panose="02070309020205020404" pitchFamily="49" charset="0"/>
+                <a:cs typeface="Courier New" panose="02070309020205020404" pitchFamily="49" charset="0"/>
+              </a:rPr>
+              <a:t>while(x &lt; 100</a:t>
+            </a:r>
+            <a:r>
+              <a:rPr lang="en-US" sz="1800" dirty="0" smtClean="0">
+                <a:latin typeface="Courier New" panose="02070309020205020404" pitchFamily="49" charset="0"/>
+                <a:cs typeface="Courier New" panose="02070309020205020404" pitchFamily="49" charset="0"/>
+              </a:rPr>
+              <a:t>){</a:t>
             </a:r>
           </a:p>
           <a:p>
@@ -15694,114 +15964,272 @@
               <a:buNone/>
             </a:pPr>
             <a:r>
-              <a:rPr lang="en-US" dirty="0">
-                <a:latin typeface="Courier New" panose="02070309020205020404" pitchFamily="49" charset="0"/>
-                <a:cs typeface="Courier New" panose="02070309020205020404" pitchFamily="49" charset="0"/>
-              </a:rPr>
-              <a:t>if (x &lt; 10 </a:t>
-            </a:r>
-            <a:r>
-              <a:rPr lang="en-US" dirty="0" smtClean="0">
-                <a:latin typeface="Courier New" panose="02070309020205020404" pitchFamily="49" charset="0"/>
-                <a:cs typeface="Courier New" panose="02070309020205020404" pitchFamily="49" charset="0"/>
-              </a:rPr>
-              <a:t>|| </a:t>
-            </a:r>
-            <a:r>
-              <a:rPr lang="en-US" dirty="0">
-                <a:latin typeface="Courier New" panose="02070309020205020404" pitchFamily="49" charset="0"/>
-                <a:cs typeface="Courier New" panose="02070309020205020404" pitchFamily="49" charset="0"/>
-              </a:rPr>
-              <a:t>x &gt; 20</a:t>
-            </a:r>
-            <a:r>
-              <a:rPr lang="en-US" dirty="0" smtClean="0">
-                <a:latin typeface="Courier New" panose="02070309020205020404" pitchFamily="49" charset="0"/>
-                <a:cs typeface="Courier New" panose="02070309020205020404" pitchFamily="49" charset="0"/>
-              </a:rPr>
-              <a:t>){}</a:t>
-            </a:r>
-          </a:p>
-          <a:p>
-            <a:r>
-              <a:rPr lang="en-US" dirty="0"/>
-              <a:t>!</a:t>
-            </a:r>
-            <a:r>
-              <a:rPr lang="en-US" dirty="0" smtClean="0"/>
-              <a:t> </a:t>
-            </a:r>
-            <a:r>
-              <a:rPr lang="en-US" dirty="0"/>
-              <a:t>means </a:t>
-            </a:r>
-            <a:r>
-              <a:rPr lang="en-US" dirty="0" smtClean="0"/>
-              <a:t>‘not’</a:t>
-            </a:r>
-            <a:endParaRPr lang="en-US" dirty="0"/>
-          </a:p>
-          <a:p>
-            <a:pPr marL="0" indent="0">
-              <a:buNone/>
-            </a:pPr>
-            <a:r>
-              <a:rPr lang="en-US" dirty="0">
-                <a:latin typeface="Courier New" panose="02070309020205020404" pitchFamily="49" charset="0"/>
-                <a:cs typeface="Courier New" panose="02070309020205020404" pitchFamily="49" charset="0"/>
-              </a:rPr>
-              <a:t>if </a:t>
-            </a:r>
-            <a:r>
-              <a:rPr lang="en-US" dirty="0" smtClean="0">
-                <a:latin typeface="Courier New" panose="02070309020205020404" pitchFamily="49" charset="0"/>
-                <a:cs typeface="Courier New" panose="02070309020205020404" pitchFamily="49" charset="0"/>
-              </a:rPr>
-              <a:t>(!</a:t>
-            </a:r>
-            <a:r>
-              <a:rPr lang="en-US" dirty="0" err="1" smtClean="0">
-                <a:latin typeface="Courier New" panose="02070309020205020404" pitchFamily="49" charset="0"/>
-                <a:cs typeface="Courier New" panose="02070309020205020404" pitchFamily="49" charset="0"/>
-              </a:rPr>
-              <a:t>isTrue</a:t>
-            </a:r>
-            <a:r>
-              <a:rPr lang="en-US" dirty="0" smtClean="0">
-                <a:latin typeface="Courier New" panose="02070309020205020404" pitchFamily="49" charset="0"/>
-                <a:cs typeface="Courier New" panose="02070309020205020404" pitchFamily="49" charset="0"/>
-              </a:rPr>
-              <a:t>){}</a:t>
-            </a:r>
-            <a:endParaRPr lang="en-US" dirty="0" smtClean="0"/>
-          </a:p>
-          <a:p>
-            <a:r>
-              <a:rPr lang="en-US" dirty="0" smtClean="0"/>
-              <a:t>What’s wrong with this?</a:t>
-            </a:r>
-          </a:p>
-          <a:p>
-            <a:pPr marL="0" indent="0">
-              <a:buNone/>
-            </a:pPr>
-            <a:r>
-              <a:rPr lang="en-US" dirty="0" smtClean="0">
-                <a:latin typeface="Courier New" panose="02070309020205020404" pitchFamily="49" charset="0"/>
-                <a:cs typeface="Courier New" panose="02070309020205020404" pitchFamily="49" charset="0"/>
-              </a:rPr>
-              <a:t>if (x &lt; 10 &amp;&amp; x &gt; 20){}</a:t>
-            </a:r>
-          </a:p>
-          <a:p>
-            <a:pPr marL="0" indent="0">
-              <a:buNone/>
-            </a:pPr>
-            <a:endParaRPr lang="en-US" dirty="0">
+              <a:rPr lang="en-US" sz="1800" dirty="0">
+                <a:latin typeface="Courier New" panose="02070309020205020404" pitchFamily="49" charset="0"/>
+                <a:cs typeface="Courier New" panose="02070309020205020404" pitchFamily="49" charset="0"/>
+              </a:rPr>
+              <a:t>	</a:t>
+            </a:r>
+            <a:r>
+              <a:rPr lang="en-US" sz="1800" dirty="0" smtClean="0">
+                <a:latin typeface="Courier New" panose="02070309020205020404" pitchFamily="49" charset="0"/>
+                <a:cs typeface="Courier New" panose="02070309020205020404" pitchFamily="49" charset="0"/>
+              </a:rPr>
+              <a:t>if (x &lt; 50)</a:t>
+            </a:r>
+            <a:endParaRPr lang="en-US" sz="1800" dirty="0">
               <a:latin typeface="Courier New" panose="02070309020205020404" pitchFamily="49" charset="0"/>
               <a:cs typeface="Courier New" panose="02070309020205020404" pitchFamily="49" charset="0"/>
             </a:endParaRPr>
           </a:p>
+          <a:p>
+            <a:pPr marL="0" indent="0">
+              <a:buNone/>
+            </a:pPr>
+            <a:r>
+              <a:rPr lang="en-US" sz="1800" dirty="0">
+                <a:latin typeface="Courier New" panose="02070309020205020404" pitchFamily="49" charset="0"/>
+                <a:cs typeface="Courier New" panose="02070309020205020404" pitchFamily="49" charset="0"/>
+              </a:rPr>
+              <a:t>	</a:t>
+            </a:r>
+            <a:r>
+              <a:rPr lang="en-US" sz="1800" dirty="0" smtClean="0">
+                <a:latin typeface="Courier New" panose="02070309020205020404" pitchFamily="49" charset="0"/>
+                <a:cs typeface="Courier New" panose="02070309020205020404" pitchFamily="49" charset="0"/>
+              </a:rPr>
+              <a:t>	</a:t>
+            </a:r>
+            <a:r>
+              <a:rPr lang="en-US" sz="1800" dirty="0" err="1" smtClean="0">
+                <a:latin typeface="Courier New" panose="02070309020205020404" pitchFamily="49" charset="0"/>
+                <a:cs typeface="Courier New" panose="02070309020205020404" pitchFamily="49" charset="0"/>
+              </a:rPr>
+              <a:t>System.out.println</a:t>
+            </a:r>
+            <a:r>
+              <a:rPr lang="en-US" sz="1800" dirty="0" smtClean="0">
+                <a:latin typeface="Courier New" panose="02070309020205020404" pitchFamily="49" charset="0"/>
+                <a:cs typeface="Courier New" panose="02070309020205020404" pitchFamily="49" charset="0"/>
+              </a:rPr>
+              <a:t>(“x is less than 50”);</a:t>
+            </a:r>
+          </a:p>
+          <a:p>
+            <a:pPr marL="0" indent="0">
+              <a:buNone/>
+            </a:pPr>
+            <a:r>
+              <a:rPr lang="en-US" sz="1800" dirty="0">
+                <a:latin typeface="Courier New" panose="02070309020205020404" pitchFamily="49" charset="0"/>
+                <a:cs typeface="Courier New" panose="02070309020205020404" pitchFamily="49" charset="0"/>
+              </a:rPr>
+              <a:t>	</a:t>
+            </a:r>
+            <a:r>
+              <a:rPr lang="en-US" sz="1800" dirty="0" smtClean="0">
+                <a:latin typeface="Courier New" panose="02070309020205020404" pitchFamily="49" charset="0"/>
+                <a:cs typeface="Courier New" panose="02070309020205020404" pitchFamily="49" charset="0"/>
+              </a:rPr>
+              <a:t>else if (x &gt; 50)</a:t>
+            </a:r>
+          </a:p>
+          <a:p>
+            <a:pPr marL="0" indent="0">
+              <a:buNone/>
+            </a:pPr>
+            <a:r>
+              <a:rPr lang="en-US" sz="1800" dirty="0">
+                <a:latin typeface="Courier New" panose="02070309020205020404" pitchFamily="49" charset="0"/>
+                <a:cs typeface="Courier New" panose="02070309020205020404" pitchFamily="49" charset="0"/>
+              </a:rPr>
+              <a:t>	</a:t>
+            </a:r>
+            <a:r>
+              <a:rPr lang="en-US" sz="1800" dirty="0" smtClean="0">
+                <a:latin typeface="Courier New" panose="02070309020205020404" pitchFamily="49" charset="0"/>
+                <a:cs typeface="Courier New" panose="02070309020205020404" pitchFamily="49" charset="0"/>
+              </a:rPr>
+              <a:t>	</a:t>
+            </a:r>
+            <a:r>
+              <a:rPr lang="en-US" sz="1800" dirty="0" err="1" smtClean="0">
+                <a:latin typeface="Courier New" panose="02070309020205020404" pitchFamily="49" charset="0"/>
+                <a:cs typeface="Courier New" panose="02070309020205020404" pitchFamily="49" charset="0"/>
+              </a:rPr>
+              <a:t>System.out.println</a:t>
+            </a:r>
+            <a:r>
+              <a:rPr lang="en-US" sz="1800" dirty="0" smtClean="0">
+                <a:latin typeface="Courier New" panose="02070309020205020404" pitchFamily="49" charset="0"/>
+                <a:cs typeface="Courier New" panose="02070309020205020404" pitchFamily="49" charset="0"/>
+              </a:rPr>
+              <a:t>(“x is greater than 50”);</a:t>
+            </a:r>
+            <a:endParaRPr lang="en-US" sz="1800" dirty="0">
+              <a:latin typeface="Courier New" panose="02070309020205020404" pitchFamily="49" charset="0"/>
+              <a:cs typeface="Courier New" panose="02070309020205020404" pitchFamily="49" charset="0"/>
+            </a:endParaRPr>
+          </a:p>
+          <a:p>
+            <a:pPr marL="0" indent="0">
+              <a:buNone/>
+            </a:pPr>
+            <a:r>
+              <a:rPr lang="en-US" sz="1800" dirty="0">
+                <a:latin typeface="Courier New" panose="02070309020205020404" pitchFamily="49" charset="0"/>
+                <a:cs typeface="Courier New" panose="02070309020205020404" pitchFamily="49" charset="0"/>
+              </a:rPr>
+              <a:t>	x++;</a:t>
+            </a:r>
+          </a:p>
+          <a:p>
+            <a:pPr marL="0" indent="0">
+              <a:buNone/>
+            </a:pPr>
+            <a:r>
+              <a:rPr lang="en-US" sz="1800" dirty="0" smtClean="0">
+                <a:latin typeface="Courier New" panose="02070309020205020404" pitchFamily="49" charset="0"/>
+                <a:cs typeface="Courier New" panose="02070309020205020404" pitchFamily="49" charset="0"/>
+              </a:rPr>
+              <a:t>}</a:t>
+            </a:r>
+          </a:p>
+          <a:p>
+            <a:pPr marL="0" indent="0">
+              <a:buNone/>
+            </a:pPr>
+            <a:endParaRPr lang="en-US" sz="1800" dirty="0">
+              <a:latin typeface="Courier New" panose="02070309020205020404" pitchFamily="49" charset="0"/>
+              <a:cs typeface="Courier New" panose="02070309020205020404" pitchFamily="49" charset="0"/>
+            </a:endParaRPr>
+          </a:p>
+          <a:p>
+            <a:pPr marL="0" indent="0">
+              <a:buNone/>
+            </a:pPr>
+            <a:r>
+              <a:rPr lang="en-US" sz="1800" dirty="0" smtClean="0">
+                <a:latin typeface="Courier New" panose="02070309020205020404" pitchFamily="49" charset="0"/>
+                <a:cs typeface="Courier New" panose="02070309020205020404" pitchFamily="49" charset="0"/>
+              </a:rPr>
+              <a:t>for(x = 0; x &lt; 100; x++){</a:t>
+            </a:r>
+            <a:endParaRPr lang="en-US" sz="1800" dirty="0">
+              <a:latin typeface="Courier New" panose="02070309020205020404" pitchFamily="49" charset="0"/>
+              <a:cs typeface="Courier New" panose="02070309020205020404" pitchFamily="49" charset="0"/>
+            </a:endParaRPr>
+          </a:p>
+          <a:p>
+            <a:pPr marL="0" indent="0">
+              <a:buNone/>
+            </a:pPr>
+            <a:r>
+              <a:rPr lang="en-US" sz="1800" dirty="0">
+                <a:latin typeface="Courier New" panose="02070309020205020404" pitchFamily="49" charset="0"/>
+                <a:cs typeface="Courier New" panose="02070309020205020404" pitchFamily="49" charset="0"/>
+              </a:rPr>
+              <a:t>	if (x &lt; 50)</a:t>
+            </a:r>
+          </a:p>
+          <a:p>
+            <a:pPr marL="0" indent="0">
+              <a:buNone/>
+            </a:pPr>
+            <a:r>
+              <a:rPr lang="en-US" sz="1800" dirty="0">
+                <a:latin typeface="Courier New" panose="02070309020205020404" pitchFamily="49" charset="0"/>
+                <a:cs typeface="Courier New" panose="02070309020205020404" pitchFamily="49" charset="0"/>
+              </a:rPr>
+              <a:t>		</a:t>
+            </a:r>
+            <a:r>
+              <a:rPr lang="en-US" sz="1800" dirty="0" err="1">
+                <a:latin typeface="Courier New" panose="02070309020205020404" pitchFamily="49" charset="0"/>
+                <a:cs typeface="Courier New" panose="02070309020205020404" pitchFamily="49" charset="0"/>
+              </a:rPr>
+              <a:t>System.out.println</a:t>
+            </a:r>
+            <a:r>
+              <a:rPr lang="en-US" sz="1800" dirty="0">
+                <a:latin typeface="Courier New" panose="02070309020205020404" pitchFamily="49" charset="0"/>
+                <a:cs typeface="Courier New" panose="02070309020205020404" pitchFamily="49" charset="0"/>
+              </a:rPr>
+              <a:t>(“x is less than 50”);</a:t>
+            </a:r>
+          </a:p>
+          <a:p>
+            <a:pPr marL="0" indent="0">
+              <a:buNone/>
+            </a:pPr>
+            <a:r>
+              <a:rPr lang="en-US" sz="1800" dirty="0">
+                <a:latin typeface="Courier New" panose="02070309020205020404" pitchFamily="49" charset="0"/>
+                <a:cs typeface="Courier New" panose="02070309020205020404" pitchFamily="49" charset="0"/>
+              </a:rPr>
+              <a:t>	else if (x &gt; 50)</a:t>
+            </a:r>
+          </a:p>
+          <a:p>
+            <a:pPr marL="0" indent="0">
+              <a:buNone/>
+            </a:pPr>
+            <a:r>
+              <a:rPr lang="en-US" sz="1800" dirty="0">
+                <a:latin typeface="Courier New" panose="02070309020205020404" pitchFamily="49" charset="0"/>
+                <a:cs typeface="Courier New" panose="02070309020205020404" pitchFamily="49" charset="0"/>
+              </a:rPr>
+              <a:t>		</a:t>
+            </a:r>
+            <a:r>
+              <a:rPr lang="en-US" sz="1800" dirty="0" err="1">
+                <a:latin typeface="Courier New" panose="02070309020205020404" pitchFamily="49" charset="0"/>
+                <a:cs typeface="Courier New" panose="02070309020205020404" pitchFamily="49" charset="0"/>
+              </a:rPr>
+              <a:t>System.out.println</a:t>
+            </a:r>
+            <a:r>
+              <a:rPr lang="en-US" sz="1800" dirty="0">
+                <a:latin typeface="Courier New" panose="02070309020205020404" pitchFamily="49" charset="0"/>
+                <a:cs typeface="Courier New" panose="02070309020205020404" pitchFamily="49" charset="0"/>
+              </a:rPr>
+              <a:t>(“x is greater than 50</a:t>
+            </a:r>
+            <a:r>
+              <a:rPr lang="en-US" sz="1800" dirty="0" smtClean="0">
+                <a:latin typeface="Courier New" panose="02070309020205020404" pitchFamily="49" charset="0"/>
+                <a:cs typeface="Courier New" panose="02070309020205020404" pitchFamily="49" charset="0"/>
+              </a:rPr>
+              <a:t>”);</a:t>
+            </a:r>
+          </a:p>
+          <a:p>
+            <a:pPr marL="0" indent="0">
+              <a:buNone/>
+            </a:pPr>
+            <a:r>
+              <a:rPr lang="en-US" sz="1800" dirty="0" smtClean="0">
+                <a:latin typeface="Courier New" panose="02070309020205020404" pitchFamily="49" charset="0"/>
+                <a:cs typeface="Courier New" panose="02070309020205020404" pitchFamily="49" charset="0"/>
+              </a:rPr>
+              <a:t>}</a:t>
+            </a:r>
+          </a:p>
+          <a:p>
+            <a:pPr marL="0" indent="0">
+              <a:buNone/>
+            </a:pPr>
+            <a:endParaRPr lang="en-US" sz="1800" dirty="0">
+              <a:latin typeface="Courier New" panose="02070309020205020404" pitchFamily="49" charset="0"/>
+              <a:cs typeface="Courier New" panose="02070309020205020404" pitchFamily="49" charset="0"/>
+            </a:endParaRPr>
+          </a:p>
+          <a:p>
+            <a:pPr marL="0" indent="0">
+              <a:buNone/>
+            </a:pPr>
+            <a:endParaRPr lang="en-US" sz="1800" dirty="0"/>
+          </a:p>
         </p:txBody>
       </p:sp>
       <p:sp>
@@ -15819,9 +16247,9 @@
           <a:bodyPr/>
           <a:lstStyle/>
           <a:p>
-            <a:fld id="{4EB22CF1-5F13-4645-BCC8-03AFE945BB51}" type="datetime1">
+            <a:fld id="{74401A4F-A3E6-4B68-9D08-5583A8944654}" type="datetime1">
               <a:rPr lang="en-US" smtClean="0"/>
-              <a:t>8/12/2015</a:t>
+              <a:t>9/22/2015</a:t>
             </a:fld>
             <a:endParaRPr lang="en-US"/>
           </a:p>
@@ -15830,7 +16258,7 @@
     </p:spTree>
     <p:extLst>
       <p:ext uri="{BB962C8B-B14F-4D97-AF65-F5344CB8AC3E}">
-        <p14:creationId xmlns:p14="http://schemas.microsoft.com/office/powerpoint/2010/main" val="3805616527"/>
+        <p14:creationId xmlns:p14="http://schemas.microsoft.com/office/powerpoint/2010/main" val="2625960044"/>
       </p:ext>
     </p:extLst>
   </p:cSld>
@@ -15864,46 +16292,407 @@
             <a:spLocks noGrp="1"/>
           </p:cNvSpPr>
           <p:nvPr>
-            <p:ph type="ctrTitle"/>
-          </p:nvPr>
-        </p:nvSpPr>
-        <p:spPr>
-          <a:xfrm>
-            <a:off x="328613" y="1647649"/>
-            <a:ext cx="8449056" cy="522288"/>
-          </a:xfrm>
-        </p:spPr>
+            <p:ph type="title"/>
+          </p:nvPr>
+        </p:nvSpPr>
+        <p:spPr/>
         <p:txBody>
           <a:bodyPr/>
           <a:lstStyle/>
           <a:p>
             <a:r>
               <a:rPr lang="en-US" dirty="0" smtClean="0"/>
-              <a:t>Version Control with </a:t>
-            </a:r>
-            <a:r>
-              <a:rPr lang="en-US" smtClean="0"/>
-              <a:t>git</a:t>
-            </a:r>
-            <a:r>
-              <a:rPr lang="en-US" dirty="0" smtClean="0"/>
-              <a:t/>
-            </a:r>
-            <a:br>
-              <a:rPr lang="en-US" dirty="0" smtClean="0"/>
-            </a:br>
+              <a:t>Consider this…</a:t>
+            </a:r>
             <a:endParaRPr lang="en-US" dirty="0"/>
           </a:p>
         </p:txBody>
       </p:sp>
       <p:sp>
         <p:nvSpPr>
-          <p:cNvPr id="6" name="Subtitle 5"/>
-          <p:cNvSpPr>
-            <a:spLocks noGrp="1"/>
-          </p:cNvSpPr>
-          <p:nvPr>
-            <p:ph type="subTitle" idx="1"/>
+          <p:cNvPr id="3" name="Content Placeholder 2"/>
+          <p:cNvSpPr>
+            <a:spLocks noGrp="1"/>
+          </p:cNvSpPr>
+          <p:nvPr>
+            <p:ph idx="1"/>
+          </p:nvPr>
+        </p:nvSpPr>
+        <p:spPr/>
+        <p:txBody>
+          <a:bodyPr>
+            <a:normAutofit/>
+          </a:bodyPr>
+          <a:lstStyle/>
+          <a:p>
+            <a:pPr marL="0" indent="0">
+              <a:buNone/>
+            </a:pPr>
+            <a:r>
+              <a:rPr lang="en-US" sz="1600" dirty="0" smtClean="0">
+                <a:latin typeface="Courier New" panose="02070309020205020404" pitchFamily="49" charset="0"/>
+                <a:cs typeface="Courier New" panose="02070309020205020404" pitchFamily="49" charset="0"/>
+              </a:rPr>
+              <a:t>public void </a:t>
+            </a:r>
+            <a:r>
+              <a:rPr lang="en-US" sz="1600" dirty="0" err="1" smtClean="0">
+                <a:latin typeface="Courier New" panose="02070309020205020404" pitchFamily="49" charset="0"/>
+                <a:cs typeface="Courier New" panose="02070309020205020404" pitchFamily="49" charset="0"/>
+              </a:rPr>
+              <a:t>compareValues</a:t>
+            </a:r>
+            <a:r>
+              <a:rPr lang="en-US" sz="1600" dirty="0" smtClean="0">
+                <a:latin typeface="Courier New" panose="02070309020205020404" pitchFamily="49" charset="0"/>
+                <a:cs typeface="Courier New" panose="02070309020205020404" pitchFamily="49" charset="0"/>
+              </a:rPr>
+              <a:t>(long </a:t>
+            </a:r>
+            <a:r>
+              <a:rPr lang="en-US" sz="1600" dirty="0" err="1" smtClean="0">
+                <a:latin typeface="Courier New" panose="02070309020205020404" pitchFamily="49" charset="0"/>
+                <a:cs typeface="Courier New" panose="02070309020205020404" pitchFamily="49" charset="0"/>
+              </a:rPr>
+              <a:t>hugeNumber</a:t>
+            </a:r>
+            <a:r>
+              <a:rPr lang="en-US" sz="1600" dirty="0" smtClean="0">
+                <a:latin typeface="Courier New" panose="02070309020205020404" pitchFamily="49" charset="0"/>
+                <a:cs typeface="Courier New" panose="02070309020205020404" pitchFamily="49" charset="0"/>
+              </a:rPr>
+              <a:t>){</a:t>
+            </a:r>
+          </a:p>
+          <a:p>
+            <a:pPr marL="0" indent="0">
+              <a:buNone/>
+            </a:pPr>
+            <a:r>
+              <a:rPr lang="en-US" sz="1600" dirty="0" smtClean="0">
+                <a:latin typeface="Courier New" panose="02070309020205020404" pitchFamily="49" charset="0"/>
+                <a:cs typeface="Courier New" panose="02070309020205020404" pitchFamily="49" charset="0"/>
+              </a:rPr>
+              <a:t>	for(x </a:t>
+            </a:r>
+            <a:r>
+              <a:rPr lang="en-US" sz="1600" dirty="0">
+                <a:latin typeface="Courier New" panose="02070309020205020404" pitchFamily="49" charset="0"/>
+                <a:cs typeface="Courier New" panose="02070309020205020404" pitchFamily="49" charset="0"/>
+              </a:rPr>
+              <a:t>= 0; x &lt; </a:t>
+            </a:r>
+            <a:r>
+              <a:rPr lang="en-US" sz="1600" dirty="0" err="1">
+                <a:latin typeface="Courier New" panose="02070309020205020404" pitchFamily="49" charset="0"/>
+                <a:cs typeface="Courier New" panose="02070309020205020404" pitchFamily="49" charset="0"/>
+              </a:rPr>
+              <a:t>hugeNumber</a:t>
+            </a:r>
+            <a:r>
+              <a:rPr lang="en-US" sz="1600" dirty="0" smtClean="0">
+                <a:latin typeface="Courier New" panose="02070309020205020404" pitchFamily="49" charset="0"/>
+                <a:cs typeface="Courier New" panose="02070309020205020404" pitchFamily="49" charset="0"/>
+              </a:rPr>
+              <a:t>; </a:t>
+            </a:r>
+            <a:r>
+              <a:rPr lang="en-US" sz="1600" dirty="0">
+                <a:latin typeface="Courier New" panose="02070309020205020404" pitchFamily="49" charset="0"/>
+                <a:cs typeface="Courier New" panose="02070309020205020404" pitchFamily="49" charset="0"/>
+              </a:rPr>
+              <a:t>x</a:t>
+            </a:r>
+            <a:r>
+              <a:rPr lang="en-US" sz="1600" dirty="0" smtClean="0">
+                <a:latin typeface="Courier New" panose="02070309020205020404" pitchFamily="49" charset="0"/>
+                <a:cs typeface="Courier New" panose="02070309020205020404" pitchFamily="49" charset="0"/>
+              </a:rPr>
+              <a:t>++){</a:t>
+            </a:r>
+          </a:p>
+          <a:p>
+            <a:pPr marL="0" indent="0">
+              <a:buNone/>
+            </a:pPr>
+            <a:r>
+              <a:rPr lang="en-US" sz="1600" dirty="0">
+                <a:latin typeface="Courier New" panose="02070309020205020404" pitchFamily="49" charset="0"/>
+                <a:cs typeface="Courier New" panose="02070309020205020404" pitchFamily="49" charset="0"/>
+              </a:rPr>
+              <a:t>	</a:t>
+            </a:r>
+            <a:r>
+              <a:rPr lang="en-US" sz="1600" dirty="0" smtClean="0">
+                <a:latin typeface="Courier New" panose="02070309020205020404" pitchFamily="49" charset="0"/>
+                <a:cs typeface="Courier New" panose="02070309020205020404" pitchFamily="49" charset="0"/>
+              </a:rPr>
+              <a:t>	for(y </a:t>
+            </a:r>
+            <a:r>
+              <a:rPr lang="en-US" sz="1600" dirty="0">
+                <a:latin typeface="Courier New" panose="02070309020205020404" pitchFamily="49" charset="0"/>
+                <a:cs typeface="Courier New" panose="02070309020205020404" pitchFamily="49" charset="0"/>
+              </a:rPr>
+              <a:t>= 0; </a:t>
+            </a:r>
+            <a:r>
+              <a:rPr lang="en-US" sz="1600" dirty="0" smtClean="0">
+                <a:latin typeface="Courier New" panose="02070309020205020404" pitchFamily="49" charset="0"/>
+                <a:cs typeface="Courier New" panose="02070309020205020404" pitchFamily="49" charset="0"/>
+              </a:rPr>
+              <a:t>y </a:t>
+            </a:r>
+            <a:r>
+              <a:rPr lang="en-US" sz="1600" dirty="0">
+                <a:latin typeface="Courier New" panose="02070309020205020404" pitchFamily="49" charset="0"/>
+                <a:cs typeface="Courier New" panose="02070309020205020404" pitchFamily="49" charset="0"/>
+              </a:rPr>
+              <a:t>&lt; </a:t>
+            </a:r>
+            <a:r>
+              <a:rPr lang="en-US" sz="1600" dirty="0" err="1">
+                <a:latin typeface="Courier New" panose="02070309020205020404" pitchFamily="49" charset="0"/>
+                <a:cs typeface="Courier New" panose="02070309020205020404" pitchFamily="49" charset="0"/>
+              </a:rPr>
+              <a:t>hugeNumber</a:t>
+            </a:r>
+            <a:r>
+              <a:rPr lang="en-US" sz="1600" dirty="0">
+                <a:latin typeface="Courier New" panose="02070309020205020404" pitchFamily="49" charset="0"/>
+                <a:cs typeface="Courier New" panose="02070309020205020404" pitchFamily="49" charset="0"/>
+              </a:rPr>
+              <a:t>; </a:t>
+            </a:r>
+            <a:r>
+              <a:rPr lang="en-US" sz="1600" dirty="0" smtClean="0">
+                <a:latin typeface="Courier New" panose="02070309020205020404" pitchFamily="49" charset="0"/>
+                <a:cs typeface="Courier New" panose="02070309020205020404" pitchFamily="49" charset="0"/>
+              </a:rPr>
+              <a:t>y++){</a:t>
+            </a:r>
+            <a:endParaRPr lang="en-US" sz="1600" dirty="0">
+              <a:latin typeface="Courier New" panose="02070309020205020404" pitchFamily="49" charset="0"/>
+              <a:cs typeface="Courier New" panose="02070309020205020404" pitchFamily="49" charset="0"/>
+            </a:endParaRPr>
+          </a:p>
+          <a:p>
+            <a:pPr marL="0" indent="0">
+              <a:buNone/>
+            </a:pPr>
+            <a:r>
+              <a:rPr lang="en-US" sz="1600" dirty="0">
+                <a:latin typeface="Courier New" panose="02070309020205020404" pitchFamily="49" charset="0"/>
+                <a:cs typeface="Courier New" panose="02070309020205020404" pitchFamily="49" charset="0"/>
+              </a:rPr>
+              <a:t>	</a:t>
+            </a:r>
+            <a:r>
+              <a:rPr lang="en-US" sz="1600" dirty="0" smtClean="0">
+                <a:latin typeface="Courier New" panose="02070309020205020404" pitchFamily="49" charset="0"/>
+                <a:cs typeface="Courier New" panose="02070309020205020404" pitchFamily="49" charset="0"/>
+              </a:rPr>
+              <a:t>		if(x != y){</a:t>
+            </a:r>
+          </a:p>
+          <a:p>
+            <a:pPr marL="0" indent="0">
+              <a:buNone/>
+            </a:pPr>
+            <a:r>
+              <a:rPr lang="en-US" sz="1600" dirty="0">
+                <a:latin typeface="Courier New" panose="02070309020205020404" pitchFamily="49" charset="0"/>
+                <a:cs typeface="Courier New" panose="02070309020205020404" pitchFamily="49" charset="0"/>
+              </a:rPr>
+              <a:t>	</a:t>
+            </a:r>
+            <a:r>
+              <a:rPr lang="en-US" sz="1600" dirty="0" smtClean="0">
+                <a:latin typeface="Courier New" panose="02070309020205020404" pitchFamily="49" charset="0"/>
+                <a:cs typeface="Courier New" panose="02070309020205020404" pitchFamily="49" charset="0"/>
+              </a:rPr>
+              <a:t>			if(x &lt; y){</a:t>
+            </a:r>
+          </a:p>
+          <a:p>
+            <a:pPr marL="0" indent="0">
+              <a:buNone/>
+            </a:pPr>
+            <a:r>
+              <a:rPr lang="en-US" sz="1600" dirty="0">
+                <a:latin typeface="Courier New" panose="02070309020205020404" pitchFamily="49" charset="0"/>
+                <a:cs typeface="Courier New" panose="02070309020205020404" pitchFamily="49" charset="0"/>
+              </a:rPr>
+              <a:t>	</a:t>
+            </a:r>
+            <a:r>
+              <a:rPr lang="en-US" sz="1600" dirty="0" smtClean="0">
+                <a:latin typeface="Courier New" panose="02070309020205020404" pitchFamily="49" charset="0"/>
+                <a:cs typeface="Courier New" panose="02070309020205020404" pitchFamily="49" charset="0"/>
+              </a:rPr>
+              <a:t>				</a:t>
+            </a:r>
+            <a:r>
+              <a:rPr lang="en-US" sz="1600" dirty="0" err="1" smtClean="0">
+                <a:latin typeface="Courier New" panose="02070309020205020404" pitchFamily="49" charset="0"/>
+                <a:cs typeface="Courier New" panose="02070309020205020404" pitchFamily="49" charset="0"/>
+              </a:rPr>
+              <a:t>doSomething</a:t>
+            </a:r>
+            <a:r>
+              <a:rPr lang="en-US" sz="1600" dirty="0" smtClean="0">
+                <a:latin typeface="Courier New" panose="02070309020205020404" pitchFamily="49" charset="0"/>
+                <a:cs typeface="Courier New" panose="02070309020205020404" pitchFamily="49" charset="0"/>
+              </a:rPr>
+              <a:t>(y);</a:t>
+            </a:r>
+          </a:p>
+          <a:p>
+            <a:pPr marL="0" indent="0">
+              <a:buNone/>
+            </a:pPr>
+            <a:r>
+              <a:rPr lang="en-US" sz="1600" dirty="0">
+                <a:latin typeface="Courier New" panose="02070309020205020404" pitchFamily="49" charset="0"/>
+                <a:cs typeface="Courier New" panose="02070309020205020404" pitchFamily="49" charset="0"/>
+              </a:rPr>
+              <a:t>	</a:t>
+            </a:r>
+            <a:r>
+              <a:rPr lang="en-US" sz="1600" dirty="0" smtClean="0">
+                <a:latin typeface="Courier New" panose="02070309020205020404" pitchFamily="49" charset="0"/>
+                <a:cs typeface="Courier New" panose="02070309020205020404" pitchFamily="49" charset="0"/>
+              </a:rPr>
+              <a:t>			}else{</a:t>
+            </a:r>
+          </a:p>
+          <a:p>
+            <a:pPr marL="0" indent="0">
+              <a:buNone/>
+            </a:pPr>
+            <a:r>
+              <a:rPr lang="en-US" sz="1600" dirty="0" smtClean="0">
+                <a:latin typeface="Courier New" panose="02070309020205020404" pitchFamily="49" charset="0"/>
+                <a:cs typeface="Courier New" panose="02070309020205020404" pitchFamily="49" charset="0"/>
+              </a:rPr>
+              <a:t>					</a:t>
+            </a:r>
+            <a:r>
+              <a:rPr lang="en-US" sz="1600" dirty="0" err="1" smtClean="0">
+                <a:latin typeface="Courier New" panose="02070309020205020404" pitchFamily="49" charset="0"/>
+                <a:cs typeface="Courier New" panose="02070309020205020404" pitchFamily="49" charset="0"/>
+              </a:rPr>
+              <a:t>doSomething</a:t>
+            </a:r>
+            <a:r>
+              <a:rPr lang="en-US" sz="1600" dirty="0" smtClean="0">
+                <a:latin typeface="Courier New" panose="02070309020205020404" pitchFamily="49" charset="0"/>
+                <a:cs typeface="Courier New" panose="02070309020205020404" pitchFamily="49" charset="0"/>
+              </a:rPr>
+              <a:t>(x);</a:t>
+            </a:r>
+          </a:p>
+          <a:p>
+            <a:pPr marL="0" indent="0">
+              <a:buNone/>
+            </a:pPr>
+            <a:r>
+              <a:rPr lang="en-US" sz="1600" dirty="0" smtClean="0">
+                <a:latin typeface="Courier New" panose="02070309020205020404" pitchFamily="49" charset="0"/>
+                <a:cs typeface="Courier New" panose="02070309020205020404" pitchFamily="49" charset="0"/>
+              </a:rPr>
+              <a:t>				}</a:t>
+            </a:r>
+          </a:p>
+          <a:p>
+            <a:pPr marL="0" indent="0">
+              <a:buNone/>
+            </a:pPr>
+            <a:r>
+              <a:rPr lang="en-US" sz="1600" dirty="0">
+                <a:latin typeface="Courier New" panose="02070309020205020404" pitchFamily="49" charset="0"/>
+                <a:cs typeface="Courier New" panose="02070309020205020404" pitchFamily="49" charset="0"/>
+              </a:rPr>
+              <a:t>	</a:t>
+            </a:r>
+            <a:r>
+              <a:rPr lang="en-US" sz="1600" dirty="0" smtClean="0">
+                <a:latin typeface="Courier New" panose="02070309020205020404" pitchFamily="49" charset="0"/>
+                <a:cs typeface="Courier New" panose="02070309020205020404" pitchFamily="49" charset="0"/>
+              </a:rPr>
+              <a:t>		}</a:t>
+            </a:r>
+            <a:endParaRPr lang="en-US" sz="1600" dirty="0">
+              <a:latin typeface="Courier New" panose="02070309020205020404" pitchFamily="49" charset="0"/>
+              <a:cs typeface="Courier New" panose="02070309020205020404" pitchFamily="49" charset="0"/>
+            </a:endParaRPr>
+          </a:p>
+          <a:p>
+            <a:pPr marL="0" indent="0">
+              <a:buNone/>
+            </a:pPr>
+            <a:r>
+              <a:rPr lang="en-US" sz="1600" dirty="0">
+                <a:latin typeface="Courier New" panose="02070309020205020404" pitchFamily="49" charset="0"/>
+                <a:cs typeface="Courier New" panose="02070309020205020404" pitchFamily="49" charset="0"/>
+              </a:rPr>
+              <a:t>	</a:t>
+            </a:r>
+            <a:r>
+              <a:rPr lang="en-US" sz="1600" dirty="0" smtClean="0">
+                <a:latin typeface="Courier New" panose="02070309020205020404" pitchFamily="49" charset="0"/>
+                <a:cs typeface="Courier New" panose="02070309020205020404" pitchFamily="49" charset="0"/>
+              </a:rPr>
+              <a:t>	}</a:t>
+            </a:r>
+          </a:p>
+          <a:p>
+            <a:pPr marL="0" indent="0">
+              <a:buNone/>
+            </a:pPr>
+            <a:r>
+              <a:rPr lang="en-US" sz="1600" dirty="0">
+                <a:latin typeface="Courier New" panose="02070309020205020404" pitchFamily="49" charset="0"/>
+                <a:cs typeface="Courier New" panose="02070309020205020404" pitchFamily="49" charset="0"/>
+              </a:rPr>
+              <a:t>	</a:t>
+            </a:r>
+            <a:r>
+              <a:rPr lang="en-US" sz="1600" dirty="0" smtClean="0">
+                <a:latin typeface="Courier New" panose="02070309020205020404" pitchFamily="49" charset="0"/>
+                <a:cs typeface="Courier New" panose="02070309020205020404" pitchFamily="49" charset="0"/>
+              </a:rPr>
+              <a:t>}</a:t>
+            </a:r>
+          </a:p>
+          <a:p>
+            <a:pPr marL="0" indent="0">
+              <a:buNone/>
+            </a:pPr>
+            <a:r>
+              <a:rPr lang="en-US" sz="1600" dirty="0">
+                <a:latin typeface="Courier New" panose="02070309020205020404" pitchFamily="49" charset="0"/>
+                <a:cs typeface="Courier New" panose="02070309020205020404" pitchFamily="49" charset="0"/>
+              </a:rPr>
+              <a:t>}</a:t>
+            </a:r>
+          </a:p>
+          <a:p>
+            <a:pPr marL="0" indent="0">
+              <a:buNone/>
+            </a:pPr>
+            <a:endParaRPr lang="en-US" sz="1600" dirty="0"/>
+          </a:p>
+        </p:txBody>
+      </p:sp>
+      <p:sp>
+        <p:nvSpPr>
+          <p:cNvPr id="4" name="Date Placeholder 3"/>
+          <p:cNvSpPr>
+            <a:spLocks noGrp="1"/>
+          </p:cNvSpPr>
+          <p:nvPr>
+            <p:ph type="dt" sz="half" idx="10"/>
           </p:nvPr>
         </p:nvSpPr>
         <p:spPr/>
@@ -15911,116 +16700,9 @@
           <a:bodyPr/>
           <a:lstStyle/>
           <a:p>
-            <a:endParaRPr lang="en-US"/>
-          </a:p>
-        </p:txBody>
-      </p:sp>
-      <p:sp>
-        <p:nvSpPr>
-          <p:cNvPr id="3" name="Text Placeholder 2"/>
-          <p:cNvSpPr>
-            <a:spLocks noGrp="1"/>
-          </p:cNvSpPr>
-          <p:nvPr>
-            <p:ph type="body" sz="quarter" idx="11"/>
-          </p:nvPr>
-        </p:nvSpPr>
-        <p:spPr/>
-        <p:txBody>
-          <a:bodyPr/>
-          <a:lstStyle/>
-          <a:p>
-            <a:r>
-              <a:rPr lang="en-US" dirty="0" smtClean="0"/>
-              <a:t>Introduction To Java Programming</a:t>
-            </a:r>
-            <a:endParaRPr lang="en-US" dirty="0"/>
-          </a:p>
-        </p:txBody>
-      </p:sp>
-      <p:sp>
-        <p:nvSpPr>
-          <p:cNvPr id="7" name="Text Placeholder 6"/>
-          <p:cNvSpPr>
-            <a:spLocks noGrp="1"/>
-          </p:cNvSpPr>
-          <p:nvPr>
-            <p:ph type="body" sz="quarter" idx="12"/>
-          </p:nvPr>
-        </p:nvSpPr>
-        <p:spPr/>
-        <p:txBody>
-          <a:bodyPr/>
-          <a:lstStyle/>
-          <a:p>
-            <a:endParaRPr lang="en-US"/>
-          </a:p>
-        </p:txBody>
-      </p:sp>
-      <p:sp>
-        <p:nvSpPr>
-          <p:cNvPr id="8" name="Text Placeholder 7"/>
-          <p:cNvSpPr>
-            <a:spLocks noGrp="1"/>
-          </p:cNvSpPr>
-          <p:nvPr>
-            <p:ph type="body" sz="quarter" idx="13"/>
-          </p:nvPr>
-        </p:nvSpPr>
-        <p:spPr/>
-        <p:txBody>
-          <a:bodyPr/>
-          <a:lstStyle/>
-          <a:p>
-            <a:endParaRPr lang="en-US"/>
-          </a:p>
-        </p:txBody>
-      </p:sp>
-      <p:sp>
-        <p:nvSpPr>
-          <p:cNvPr id="9" name="Text Placeholder 8"/>
-          <p:cNvSpPr>
-            <a:spLocks noGrp="1"/>
-          </p:cNvSpPr>
-          <p:nvPr>
-            <p:ph type="body" sz="quarter" idx="14"/>
-          </p:nvPr>
-        </p:nvSpPr>
-        <p:spPr/>
-        <p:txBody>
-          <a:bodyPr/>
-          <a:lstStyle/>
-          <a:p>
-            <a:endParaRPr lang="en-US"/>
-          </a:p>
-        </p:txBody>
-      </p:sp>
-      <p:sp>
-        <p:nvSpPr>
-          <p:cNvPr id="4" name="Date Placeholder 3"/>
-          <p:cNvSpPr>
-            <a:spLocks noGrp="1"/>
-          </p:cNvSpPr>
-          <p:nvPr>
-            <p:ph type="dt" sz="half" idx="4294967295"/>
-          </p:nvPr>
-        </p:nvSpPr>
-        <p:spPr>
-          <a:xfrm>
-            <a:off x="0" y="6356350"/>
-            <a:ext cx="2133600" cy="365125"/>
-          </a:xfrm>
-          <a:prstGeom prst="rect">
-            <a:avLst/>
-          </a:prstGeom>
-        </p:spPr>
-        <p:txBody>
-          <a:bodyPr/>
-          <a:lstStyle/>
-          <a:p>
-            <a:fld id="{ED8838A4-3AA2-4AF8-B772-A6A49B744A73}" type="datetime1">
+            <a:fld id="{2F698FDB-931F-48DD-965D-4E7FBF00416F}" type="datetime1">
               <a:rPr lang="en-US" smtClean="0"/>
-              <a:t>8/12/2015</a:t>
+              <a:t>9/22/2015</a:t>
             </a:fld>
             <a:endParaRPr lang="en-US"/>
           </a:p>
@@ -16029,7 +16711,7 @@
     </p:spTree>
     <p:extLst>
       <p:ext uri="{BB962C8B-B14F-4D97-AF65-F5344CB8AC3E}">
-        <p14:creationId xmlns:p14="http://schemas.microsoft.com/office/powerpoint/2010/main" val="122109465"/>
+        <p14:creationId xmlns:p14="http://schemas.microsoft.com/office/powerpoint/2010/main" val="4096471542"/>
       </p:ext>
     </p:extLst>
   </p:cSld>
@@ -16058,12 +16740,12 @@
       </p:grpSpPr>
       <p:sp>
         <p:nvSpPr>
-          <p:cNvPr id="2" name="Content Placeholder 1"/>
-          <p:cNvSpPr>
-            <a:spLocks noGrp="1"/>
-          </p:cNvSpPr>
-          <p:nvPr>
-            <p:ph sz="half" idx="1"/>
+          <p:cNvPr id="2" name="Title 1"/>
+          <p:cNvSpPr>
+            <a:spLocks noGrp="1"/>
+          </p:cNvSpPr>
+          <p:nvPr>
+            <p:ph type="title"/>
           </p:nvPr>
         </p:nvSpPr>
         <p:spPr/>
@@ -16072,72 +16754,21 @@
           <a:lstStyle/>
           <a:p>
             <a:r>
-              <a:rPr lang="en-US" dirty="0"/>
-              <a:t>System that records changes to files over time so that you can recall specific versions later</a:t>
-            </a:r>
-          </a:p>
-          <a:p>
-            <a:r>
-              <a:rPr lang="en-US" dirty="0"/>
-              <a:t>Works on any type of file or directory</a:t>
-            </a:r>
-          </a:p>
-          <a:p>
-            <a:r>
-              <a:rPr lang="en-US" dirty="0"/>
-              <a:t>A VCS allows you to work without fear of breaking a project, as you can easily recover previous work</a:t>
-            </a:r>
-            <a:r>
-              <a:rPr lang="en-US" dirty="0" smtClean="0"/>
-              <a:t>.</a:t>
-            </a:r>
-          </a:p>
-          <a:p>
-            <a:r>
-              <a:rPr lang="en-US" dirty="0" smtClean="0"/>
-              <a:t>Changes can be stored remotely on sites like GitHub</a:t>
+              <a:rPr lang="en-US" dirty="0" smtClean="0"/>
+              <a:t>Break and Continue</a:t>
             </a:r>
             <a:endParaRPr lang="en-US" dirty="0"/>
           </a:p>
         </p:txBody>
       </p:sp>
-      <p:pic>
-        <p:nvPicPr>
-          <p:cNvPr id="5" name="Content Placeholder 4"/>
-          <p:cNvPicPr>
-            <a:picLocks noGrp="1" noChangeAspect="1"/>
-          </p:cNvPicPr>
-          <p:nvPr>
-            <p:ph sz="half" idx="2"/>
-          </p:nvPr>
-        </p:nvPicPr>
-        <p:blipFill>
-          <a:blip r:embed="rId2" cstate="print">
-            <a:extLst>
-              <a:ext uri="{28A0092B-C50C-407E-A947-70E740481C1C}">
-                <a14:useLocalDpi xmlns:a14="http://schemas.microsoft.com/office/drawing/2010/main" val="0"/>
-              </a:ext>
-            </a:extLst>
-          </a:blip>
-          <a:stretch>
-            <a:fillRect/>
-          </a:stretch>
-        </p:blipFill>
-        <p:spPr>
-          <a:xfrm>
-            <a:off x="4757999" y="1133475"/>
-            <a:ext cx="3990451" cy="4778375"/>
-          </a:xfrm>
-        </p:spPr>
-      </p:pic>
-      <p:sp>
-        <p:nvSpPr>
-          <p:cNvPr id="4" name="Title 3"/>
-          <p:cNvSpPr>
-            <a:spLocks noGrp="1"/>
-          </p:cNvSpPr>
-          <p:nvPr>
-            <p:ph type="title"/>
+      <p:sp>
+        <p:nvSpPr>
+          <p:cNvPr id="3" name="Content Placeholder 2"/>
+          <p:cNvSpPr>
+            <a:spLocks noGrp="1"/>
+          </p:cNvSpPr>
+          <p:nvPr>
+            <p:ph idx="1"/>
           </p:nvPr>
         </p:nvSpPr>
         <p:spPr/>
@@ -16146,21 +16777,46 @@
           <a:lstStyle/>
           <a:p>
             <a:r>
-              <a:rPr lang="en-US" dirty="0"/>
-              <a:t>Version Control </a:t>
-            </a:r>
-            <a:r>
-              <a:rPr lang="en-US" dirty="0" smtClean="0"/>
-              <a:t>Systems</a:t>
+              <a:rPr lang="en-US" dirty="0" smtClean="0"/>
+              <a:t>The keyword ‘break’ will terminate the loop immediately and move on to the next code after the loop</a:t>
+            </a:r>
+          </a:p>
+          <a:p>
+            <a:r>
+              <a:rPr lang="en-US" dirty="0" smtClean="0"/>
+              <a:t>The keyword ‘continue’ will skip the rest of the code in the block and move on to the next loop</a:t>
             </a:r>
             <a:endParaRPr lang="en-US" dirty="0"/>
+          </a:p>
+        </p:txBody>
+      </p:sp>
+      <p:sp>
+        <p:nvSpPr>
+          <p:cNvPr id="4" name="Date Placeholder 3"/>
+          <p:cNvSpPr>
+            <a:spLocks noGrp="1"/>
+          </p:cNvSpPr>
+          <p:nvPr>
+            <p:ph type="dt" sz="half" idx="10"/>
+          </p:nvPr>
+        </p:nvSpPr>
+        <p:spPr/>
+        <p:txBody>
+          <a:bodyPr/>
+          <a:lstStyle/>
+          <a:p>
+            <a:fld id="{A25CCD28-3C5D-4D97-B2E5-1FB12B69CF4E}" type="datetime1">
+              <a:rPr lang="en-US" smtClean="0"/>
+              <a:t>9/22/2015</a:t>
+            </a:fld>
+            <a:endParaRPr lang="en-US"/>
           </a:p>
         </p:txBody>
       </p:sp>
     </p:spTree>
     <p:extLst>
       <p:ext uri="{BB962C8B-B14F-4D97-AF65-F5344CB8AC3E}">
-        <p14:creationId xmlns:p14="http://schemas.microsoft.com/office/powerpoint/2010/main" val="3205164878"/>
+        <p14:creationId xmlns:p14="http://schemas.microsoft.com/office/powerpoint/2010/main" val="146694741"/>
       </p:ext>
     </p:extLst>
   </p:cSld>
@@ -16189,12 +16845,12 @@
       </p:grpSpPr>
       <p:sp>
         <p:nvSpPr>
-          <p:cNvPr id="2" name="Content Placeholder 1"/>
-          <p:cNvSpPr>
-            <a:spLocks noGrp="1"/>
-          </p:cNvSpPr>
-          <p:nvPr>
-            <p:ph idx="1"/>
+          <p:cNvPr id="2" name="Title 1"/>
+          <p:cNvSpPr>
+            <a:spLocks noGrp="1"/>
+          </p:cNvSpPr>
+          <p:nvPr>
+            <p:ph type="title"/>
           </p:nvPr>
         </p:nvSpPr>
         <p:spPr/>
@@ -16203,126 +16859,183 @@
           <a:lstStyle/>
           <a:p>
             <a:r>
-              <a:rPr lang="en-US" dirty="0" err="1" smtClean="0"/>
-              <a:t>git</a:t>
+              <a:rPr lang="en-US" dirty="0" smtClean="0"/>
+              <a:t>Logical Operators</a:t>
+            </a:r>
+            <a:endParaRPr lang="en-US" dirty="0"/>
+          </a:p>
+        </p:txBody>
+      </p:sp>
+      <p:sp>
+        <p:nvSpPr>
+          <p:cNvPr id="3" name="Content Placeholder 2"/>
+          <p:cNvSpPr>
+            <a:spLocks noGrp="1"/>
+          </p:cNvSpPr>
+          <p:nvPr>
+            <p:ph idx="1"/>
+          </p:nvPr>
+        </p:nvSpPr>
+        <p:spPr/>
+        <p:txBody>
+          <a:bodyPr>
+            <a:normAutofit/>
+          </a:bodyPr>
+          <a:lstStyle/>
+          <a:p>
+            <a:r>
+              <a:rPr lang="en-US" dirty="0" smtClean="0"/>
+              <a:t>&amp;&amp; means ‘and’</a:t>
+            </a:r>
+          </a:p>
+          <a:p>
+            <a:pPr marL="0" indent="0">
+              <a:buNone/>
+            </a:pPr>
+            <a:r>
+              <a:rPr lang="en-US" dirty="0">
+                <a:latin typeface="Courier New" panose="02070309020205020404" pitchFamily="49" charset="0"/>
+                <a:cs typeface="Courier New" panose="02070309020205020404" pitchFamily="49" charset="0"/>
+              </a:rPr>
+              <a:t>i</a:t>
+            </a:r>
+            <a:r>
+              <a:rPr lang="en-US" dirty="0" smtClean="0">
+                <a:latin typeface="Courier New" panose="02070309020205020404" pitchFamily="49" charset="0"/>
+                <a:cs typeface="Courier New" panose="02070309020205020404" pitchFamily="49" charset="0"/>
+              </a:rPr>
+              <a:t>f (x &gt; 10 &amp;&amp; x &lt; 20){}</a:t>
+            </a:r>
+          </a:p>
+          <a:p>
+            <a:r>
+              <a:rPr lang="en-US" dirty="0" smtClean="0"/>
+              <a:t>|| means ‘or’</a:t>
+            </a:r>
+          </a:p>
+          <a:p>
+            <a:pPr marL="0" indent="0">
+              <a:buNone/>
+            </a:pPr>
+            <a:r>
+              <a:rPr lang="en-US" dirty="0">
+                <a:latin typeface="Courier New" panose="02070309020205020404" pitchFamily="49" charset="0"/>
+                <a:cs typeface="Courier New" panose="02070309020205020404" pitchFamily="49" charset="0"/>
+              </a:rPr>
+              <a:t>if (x &lt; 10 </a:t>
+            </a:r>
+            <a:r>
+              <a:rPr lang="en-US" dirty="0" smtClean="0">
+                <a:latin typeface="Courier New" panose="02070309020205020404" pitchFamily="49" charset="0"/>
+                <a:cs typeface="Courier New" panose="02070309020205020404" pitchFamily="49" charset="0"/>
+              </a:rPr>
+              <a:t>|| </a:t>
+            </a:r>
+            <a:r>
+              <a:rPr lang="en-US" dirty="0">
+                <a:latin typeface="Courier New" panose="02070309020205020404" pitchFamily="49" charset="0"/>
+                <a:cs typeface="Courier New" panose="02070309020205020404" pitchFamily="49" charset="0"/>
+              </a:rPr>
+              <a:t>x &gt; 20</a:t>
+            </a:r>
+            <a:r>
+              <a:rPr lang="en-US" dirty="0" smtClean="0">
+                <a:latin typeface="Courier New" panose="02070309020205020404" pitchFamily="49" charset="0"/>
+                <a:cs typeface="Courier New" panose="02070309020205020404" pitchFamily="49" charset="0"/>
+              </a:rPr>
+              <a:t>){}</a:t>
+            </a:r>
+          </a:p>
+          <a:p>
+            <a:r>
+              <a:rPr lang="en-US" dirty="0"/>
+              <a:t>!</a:t>
             </a:r>
             <a:r>
               <a:rPr lang="en-US" dirty="0" smtClean="0"/>
               <a:t> </a:t>
             </a:r>
             <a:r>
-              <a:rPr lang="en-US" dirty="0" err="1" smtClean="0"/>
-              <a:t>init</a:t>
-            </a:r>
-            <a:r>
-              <a:rPr lang="en-US" dirty="0" smtClean="0"/>
-              <a:t> – create a new repo</a:t>
-            </a:r>
-          </a:p>
-          <a:p>
-            <a:r>
-              <a:rPr lang="en-US" dirty="0" err="1" smtClean="0"/>
-              <a:t>git</a:t>
-            </a:r>
-            <a:r>
-              <a:rPr lang="en-US" dirty="0" smtClean="0"/>
-              <a:t> clone /path/to/repo – check out an existing repo</a:t>
-            </a:r>
-          </a:p>
-          <a:p>
-            <a:r>
-              <a:rPr lang="en-US" dirty="0" err="1" smtClean="0"/>
-              <a:t>git</a:t>
-            </a:r>
-            <a:r>
-              <a:rPr lang="en-US" dirty="0" smtClean="0"/>
-              <a:t> add &lt;file&gt; - add files to version control</a:t>
-            </a:r>
-          </a:p>
-          <a:p>
-            <a:r>
-              <a:rPr lang="en-US" dirty="0" err="1" smtClean="0"/>
-              <a:t>git</a:t>
-            </a:r>
-            <a:r>
-              <a:rPr lang="en-US" dirty="0" smtClean="0"/>
-              <a:t> commit –m “Message Here” – save changes</a:t>
-            </a:r>
-          </a:p>
-          <a:p>
-            <a:r>
-              <a:rPr lang="en-US" dirty="0" err="1" smtClean="0"/>
-              <a:t>git</a:t>
-            </a:r>
-            <a:r>
-              <a:rPr lang="en-US" dirty="0" smtClean="0"/>
-              <a:t> push origin master – push to remote repo (i.e. GitHub)</a:t>
-            </a:r>
-          </a:p>
-          <a:p>
-            <a:r>
-              <a:rPr lang="en-US" dirty="0" err="1" smtClean="0"/>
-              <a:t>git</a:t>
-            </a:r>
-            <a:r>
-              <a:rPr lang="en-US" dirty="0" smtClean="0"/>
-              <a:t> status – list all changes since last commit</a:t>
-            </a:r>
-          </a:p>
-          <a:p>
-            <a:r>
-              <a:rPr lang="en-US" dirty="0" err="1" smtClean="0"/>
-              <a:t>git</a:t>
-            </a:r>
-            <a:r>
-              <a:rPr lang="en-US" dirty="0" smtClean="0"/>
-              <a:t> pull – get changes from remote repo</a:t>
-            </a:r>
-          </a:p>
-          <a:p>
+              <a:rPr lang="en-US" dirty="0"/>
+              <a:t>means </a:t>
+            </a:r>
+            <a:r>
+              <a:rPr lang="en-US" dirty="0" smtClean="0"/>
+              <a:t>‘not’</a:t>
+            </a:r>
             <a:endParaRPr lang="en-US" dirty="0"/>
           </a:p>
           <a:p>
-            <a:r>
-              <a:rPr lang="en-US" dirty="0"/>
-              <a:t>Find more here: </a:t>
-            </a:r>
-            <a:r>
-              <a:rPr lang="en-US">
-                <a:hlinkClick r:id="rId2"/>
-              </a:rPr>
-              <a:t>https</a:t>
-            </a:r>
-            <a:r>
-              <a:rPr lang="en-US">
-                <a:hlinkClick r:id="rId2"/>
-              </a:rPr>
-              <a:t>://</a:t>
-            </a:r>
-            <a:r>
-              <a:rPr lang="en-US" smtClean="0">
-                <a:hlinkClick r:id="rId2"/>
-              </a:rPr>
-              <a:t>confluence.atlassian.com/display/STASH/Basic+Git+commands</a:t>
+            <a:pPr marL="0" indent="0">
+              <a:buNone/>
+            </a:pPr>
+            <a:r>
+              <a:rPr lang="en-US" dirty="0">
+                <a:latin typeface="Courier New" panose="02070309020205020404" pitchFamily="49" charset="0"/>
+                <a:cs typeface="Courier New" panose="02070309020205020404" pitchFamily="49" charset="0"/>
+              </a:rPr>
+              <a:t>if </a:t>
+            </a:r>
+            <a:r>
+              <a:rPr lang="en-US" dirty="0" smtClean="0">
+                <a:latin typeface="Courier New" panose="02070309020205020404" pitchFamily="49" charset="0"/>
+                <a:cs typeface="Courier New" panose="02070309020205020404" pitchFamily="49" charset="0"/>
+              </a:rPr>
+              <a:t>(!</a:t>
+            </a:r>
+            <a:r>
+              <a:rPr lang="en-US" dirty="0" err="1" smtClean="0">
+                <a:latin typeface="Courier New" panose="02070309020205020404" pitchFamily="49" charset="0"/>
+                <a:cs typeface="Courier New" panose="02070309020205020404" pitchFamily="49" charset="0"/>
+              </a:rPr>
+              <a:t>isTrue</a:t>
+            </a:r>
+            <a:r>
+              <a:rPr lang="en-US" dirty="0" smtClean="0">
+                <a:latin typeface="Courier New" panose="02070309020205020404" pitchFamily="49" charset="0"/>
+                <a:cs typeface="Courier New" panose="02070309020205020404" pitchFamily="49" charset="0"/>
+              </a:rPr>
+              <a:t>){}</a:t>
             </a:r>
             <a:endParaRPr lang="en-US" dirty="0" smtClean="0"/>
           </a:p>
           <a:p>
+            <a:r>
+              <a:rPr lang="en-US" dirty="0" smtClean="0"/>
+              <a:t>What’s wrong with this?</a:t>
+            </a:r>
+          </a:p>
+          <a:p>
             <a:pPr marL="0" indent="0">
               <a:buNone/>
             </a:pPr>
-            <a:endParaRPr lang="en-US" dirty="0"/>
-          </a:p>
-        </p:txBody>
-      </p:sp>
-      <p:sp>
-        <p:nvSpPr>
-          <p:cNvPr id="3" name="Title 2"/>
-          <p:cNvSpPr>
-            <a:spLocks noGrp="1"/>
-          </p:cNvSpPr>
-          <p:nvPr>
-            <p:ph type="title"/>
+            <a:r>
+              <a:rPr lang="en-US" dirty="0" smtClean="0">
+                <a:latin typeface="Courier New" panose="02070309020205020404" pitchFamily="49" charset="0"/>
+                <a:cs typeface="Courier New" panose="02070309020205020404" pitchFamily="49" charset="0"/>
+              </a:rPr>
+              <a:t>if (x &lt; 10 &amp;&amp; x &gt; 20){}</a:t>
+            </a:r>
+          </a:p>
+          <a:p>
+            <a:pPr marL="0" indent="0">
+              <a:buNone/>
+            </a:pPr>
+            <a:endParaRPr lang="en-US" dirty="0">
+              <a:latin typeface="Courier New" panose="02070309020205020404" pitchFamily="49" charset="0"/>
+              <a:cs typeface="Courier New" panose="02070309020205020404" pitchFamily="49" charset="0"/>
+            </a:endParaRPr>
+          </a:p>
+        </p:txBody>
+      </p:sp>
+      <p:sp>
+        <p:nvSpPr>
+          <p:cNvPr id="4" name="Date Placeholder 3"/>
+          <p:cNvSpPr>
+            <a:spLocks noGrp="1"/>
+          </p:cNvSpPr>
+          <p:nvPr>
+            <p:ph type="dt" sz="half" idx="10"/>
           </p:nvPr>
         </p:nvSpPr>
         <p:spPr/>
@@ -16330,18 +17043,18 @@
           <a:bodyPr/>
           <a:lstStyle/>
           <a:p>
-            <a:r>
-              <a:rPr lang="en-US" dirty="0" smtClean="0"/>
-              <a:t>Version control commands</a:t>
-            </a:r>
-            <a:endParaRPr lang="en-US" dirty="0"/>
+            <a:fld id="{4EB22CF1-5F13-4645-BCC8-03AFE945BB51}" type="datetime1">
+              <a:rPr lang="en-US" smtClean="0"/>
+              <a:t>9/22/2015</a:t>
+            </a:fld>
+            <a:endParaRPr lang="en-US"/>
           </a:p>
         </p:txBody>
       </p:sp>
     </p:spTree>
     <p:extLst>
       <p:ext uri="{BB962C8B-B14F-4D97-AF65-F5344CB8AC3E}">
-        <p14:creationId xmlns:p14="http://schemas.microsoft.com/office/powerpoint/2010/main" val="2124937106"/>
+        <p14:creationId xmlns:p14="http://schemas.microsoft.com/office/powerpoint/2010/main" val="3805616527"/>
       </p:ext>
     </p:extLst>
   </p:cSld>
@@ -16375,30 +17088,46 @@
             <a:spLocks noGrp="1"/>
           </p:cNvSpPr>
           <p:nvPr>
-            <p:ph type="title"/>
-          </p:nvPr>
-        </p:nvSpPr>
-        <p:spPr/>
+            <p:ph type="ctrTitle"/>
+          </p:nvPr>
+        </p:nvSpPr>
+        <p:spPr>
+          <a:xfrm>
+            <a:off x="328613" y="1647649"/>
+            <a:ext cx="8449056" cy="522288"/>
+          </a:xfrm>
+        </p:spPr>
         <p:txBody>
           <a:bodyPr/>
           <a:lstStyle/>
           <a:p>
             <a:r>
               <a:rPr lang="en-US" dirty="0" smtClean="0"/>
-              <a:t>Summary</a:t>
-            </a:r>
+              <a:t>Version Control with </a:t>
+            </a:r>
+            <a:r>
+              <a:rPr lang="en-US" smtClean="0"/>
+              <a:t>git</a:t>
+            </a:r>
+            <a:r>
+              <a:rPr lang="en-US" dirty="0" smtClean="0"/>
+              <a:t/>
+            </a:r>
+            <a:br>
+              <a:rPr lang="en-US" dirty="0" smtClean="0"/>
+            </a:br>
             <a:endParaRPr lang="en-US" dirty="0"/>
           </a:p>
         </p:txBody>
       </p:sp>
       <p:sp>
         <p:nvSpPr>
-          <p:cNvPr id="3" name="Content Placeholder 2"/>
-          <p:cNvSpPr>
-            <a:spLocks noGrp="1"/>
-          </p:cNvSpPr>
-          <p:nvPr>
-            <p:ph idx="1"/>
+          <p:cNvPr id="6" name="Subtitle 5"/>
+          <p:cNvSpPr>
+            <a:spLocks noGrp="1"/>
+          </p:cNvSpPr>
+          <p:nvPr>
+            <p:ph type="subTitle" idx="1"/>
           </p:nvPr>
         </p:nvSpPr>
         <p:spPr/>
@@ -16406,44 +17135,18 @@
           <a:bodyPr/>
           <a:lstStyle/>
           <a:p>
-            <a:r>
-              <a:rPr lang="en-US" dirty="0" smtClean="0"/>
-              <a:t>The Java Platform</a:t>
-            </a:r>
-          </a:p>
-          <a:p>
-            <a:r>
-              <a:rPr lang="en-US" dirty="0" smtClean="0"/>
-              <a:t>Application Basics </a:t>
-            </a:r>
-          </a:p>
-          <a:p>
-            <a:r>
-              <a:rPr lang="en-US" dirty="0" smtClean="0"/>
-              <a:t>Control Structures</a:t>
-            </a:r>
-          </a:p>
-          <a:p>
-            <a:r>
-              <a:rPr lang="en-US" dirty="0" smtClean="0"/>
-              <a:t>Version Control with </a:t>
-            </a:r>
-            <a:r>
-              <a:rPr lang="en-US" dirty="0" err="1" smtClean="0"/>
-              <a:t>Git</a:t>
-            </a:r>
-            <a:endParaRPr lang="en-US" dirty="0" smtClean="0"/>
-          </a:p>
-        </p:txBody>
-      </p:sp>
-      <p:sp>
-        <p:nvSpPr>
-          <p:cNvPr id="4" name="Date Placeholder 3"/>
-          <p:cNvSpPr>
-            <a:spLocks noGrp="1"/>
-          </p:cNvSpPr>
-          <p:nvPr>
-            <p:ph type="dt" sz="half" idx="10"/>
+            <a:endParaRPr lang="en-US"/>
+          </a:p>
+        </p:txBody>
+      </p:sp>
+      <p:sp>
+        <p:nvSpPr>
+          <p:cNvPr id="3" name="Text Placeholder 2"/>
+          <p:cNvSpPr>
+            <a:spLocks noGrp="1"/>
+          </p:cNvSpPr>
+          <p:nvPr>
+            <p:ph type="body" sz="quarter" idx="11"/>
           </p:nvPr>
         </p:nvSpPr>
         <p:spPr/>
@@ -16451,9 +17154,97 @@
           <a:bodyPr/>
           <a:lstStyle/>
           <a:p>
-            <a:fld id="{7F0B7015-9AB6-44D0-BE4E-E8012A76DCEF}" type="datetime1">
+            <a:r>
+              <a:rPr lang="en-US" dirty="0" smtClean="0"/>
+              <a:t>Introduction To Java Programming</a:t>
+            </a:r>
+            <a:endParaRPr lang="en-US" dirty="0"/>
+          </a:p>
+        </p:txBody>
+      </p:sp>
+      <p:sp>
+        <p:nvSpPr>
+          <p:cNvPr id="7" name="Text Placeholder 6"/>
+          <p:cNvSpPr>
+            <a:spLocks noGrp="1"/>
+          </p:cNvSpPr>
+          <p:nvPr>
+            <p:ph type="body" sz="quarter" idx="12"/>
+          </p:nvPr>
+        </p:nvSpPr>
+        <p:spPr/>
+        <p:txBody>
+          <a:bodyPr/>
+          <a:lstStyle/>
+          <a:p>
+            <a:endParaRPr lang="en-US"/>
+          </a:p>
+        </p:txBody>
+      </p:sp>
+      <p:sp>
+        <p:nvSpPr>
+          <p:cNvPr id="8" name="Text Placeholder 7"/>
+          <p:cNvSpPr>
+            <a:spLocks noGrp="1"/>
+          </p:cNvSpPr>
+          <p:nvPr>
+            <p:ph type="body" sz="quarter" idx="13"/>
+          </p:nvPr>
+        </p:nvSpPr>
+        <p:spPr/>
+        <p:txBody>
+          <a:bodyPr/>
+          <a:lstStyle/>
+          <a:p>
+            <a:endParaRPr lang="en-US"/>
+          </a:p>
+        </p:txBody>
+      </p:sp>
+      <p:sp>
+        <p:nvSpPr>
+          <p:cNvPr id="9" name="Text Placeholder 8"/>
+          <p:cNvSpPr>
+            <a:spLocks noGrp="1"/>
+          </p:cNvSpPr>
+          <p:nvPr>
+            <p:ph type="body" sz="quarter" idx="14"/>
+          </p:nvPr>
+        </p:nvSpPr>
+        <p:spPr/>
+        <p:txBody>
+          <a:bodyPr/>
+          <a:lstStyle/>
+          <a:p>
+            <a:endParaRPr lang="en-US"/>
+          </a:p>
+        </p:txBody>
+      </p:sp>
+      <p:sp>
+        <p:nvSpPr>
+          <p:cNvPr id="4" name="Date Placeholder 3"/>
+          <p:cNvSpPr>
+            <a:spLocks noGrp="1"/>
+          </p:cNvSpPr>
+          <p:nvPr>
+            <p:ph type="dt" sz="half" idx="4294967295"/>
+          </p:nvPr>
+        </p:nvSpPr>
+        <p:spPr>
+          <a:xfrm>
+            <a:off x="0" y="6356350"/>
+            <a:ext cx="2133600" cy="365125"/>
+          </a:xfrm>
+          <a:prstGeom prst="rect">
+            <a:avLst/>
+          </a:prstGeom>
+        </p:spPr>
+        <p:txBody>
+          <a:bodyPr/>
+          <a:lstStyle/>
+          <a:p>
+            <a:fld id="{ED8838A4-3AA2-4AF8-B772-A6A49B744A73}" type="datetime1">
               <a:rPr lang="en-US" smtClean="0"/>
-              <a:t>8/12/2015</a:t>
+              <a:t>9/22/2015</a:t>
             </a:fld>
             <a:endParaRPr lang="en-US"/>
           </a:p>
@@ -16462,13 +17253,20 @@
     </p:spTree>
     <p:extLst>
       <p:ext uri="{BB962C8B-B14F-4D97-AF65-F5344CB8AC3E}">
-        <p14:creationId xmlns:p14="http://schemas.microsoft.com/office/powerpoint/2010/main" val="4117401954"/>
+        <p14:creationId xmlns:p14="http://schemas.microsoft.com/office/powerpoint/2010/main" val="122109465"/>
       </p:ext>
     </p:extLst>
   </p:cSld>
   <p:clrMapOvr>
     <a:masterClrMapping/>
   </p:clrMapOvr>
+  <p:timing>
+    <p:tnLst>
+      <p:par>
+        <p:cTn id="1" dur="indefinite" restart="never" nodeType="tmRoot"/>
+      </p:par>
+    </p:tnLst>
+  </p:timing>
 </p:sld>
 </file>
 
@@ -16639,7 +17437,7 @@
           <a:p>
             <a:fld id="{903FB963-19E3-4C2B-B74A-C5AA75DA03F5}" type="datetime1">
               <a:rPr lang="en-US" smtClean="0"/>
-              <a:t>8/12/2015</a:t>
+              <a:t>9/22/2015</a:t>
             </a:fld>
             <a:endParaRPr lang="en-US"/>
           </a:p>
@@ -16649,6 +17447,612 @@
     <p:extLst>
       <p:ext uri="{BB962C8B-B14F-4D97-AF65-F5344CB8AC3E}">
         <p14:creationId xmlns:p14="http://schemas.microsoft.com/office/powerpoint/2010/main" val="1402274803"/>
+      </p:ext>
+    </p:extLst>
+  </p:cSld>
+  <p:clrMapOvr>
+    <a:masterClrMapping/>
+  </p:clrMapOvr>
+  <p:timing>
+    <p:tnLst>
+      <p:par>
+        <p:cTn id="1" dur="indefinite" restart="never" nodeType="tmRoot"/>
+      </p:par>
+    </p:tnLst>
+  </p:timing>
+</p:sld>
+</file>
+
+<file path=ppt/slides/slide40.xml><?xml version="1.0" encoding="utf-8"?>
+<p:sld xmlns:a="http://schemas.openxmlformats.org/drawingml/2006/main" xmlns:r="http://schemas.openxmlformats.org/officeDocument/2006/relationships" xmlns:p="http://schemas.openxmlformats.org/presentationml/2006/main">
+  <p:cSld>
+    <p:spTree>
+      <p:nvGrpSpPr>
+        <p:cNvPr id="1" name=""/>
+        <p:cNvGrpSpPr/>
+        <p:nvPr/>
+      </p:nvGrpSpPr>
+      <p:grpSpPr>
+        <a:xfrm>
+          <a:off x="0" y="0"/>
+          <a:ext cx="0" cy="0"/>
+          <a:chOff x="0" y="0"/>
+          <a:chExt cx="0" cy="0"/>
+        </a:xfrm>
+      </p:grpSpPr>
+      <p:sp>
+        <p:nvSpPr>
+          <p:cNvPr id="2" name="Content Placeholder 1"/>
+          <p:cNvSpPr>
+            <a:spLocks noGrp="1"/>
+          </p:cNvSpPr>
+          <p:nvPr>
+            <p:ph sz="half" idx="1"/>
+          </p:nvPr>
+        </p:nvSpPr>
+        <p:spPr/>
+        <p:txBody>
+          <a:bodyPr/>
+          <a:lstStyle/>
+          <a:p>
+            <a:r>
+              <a:rPr lang="en-US" dirty="0"/>
+              <a:t>System that records changes to files over time so that you can recall specific versions later</a:t>
+            </a:r>
+          </a:p>
+          <a:p>
+            <a:r>
+              <a:rPr lang="en-US" dirty="0"/>
+              <a:t>Works on any type of file or directory</a:t>
+            </a:r>
+          </a:p>
+          <a:p>
+            <a:r>
+              <a:rPr lang="en-US" dirty="0"/>
+              <a:t>A VCS allows you to work without fear of breaking a project, as you can easily recover previous work</a:t>
+            </a:r>
+            <a:r>
+              <a:rPr lang="en-US" dirty="0" smtClean="0"/>
+              <a:t>.</a:t>
+            </a:r>
+          </a:p>
+          <a:p>
+            <a:r>
+              <a:rPr lang="en-US" dirty="0" smtClean="0"/>
+              <a:t>Changes can be stored remotely on sites like GitHub</a:t>
+            </a:r>
+            <a:endParaRPr lang="en-US" dirty="0"/>
+          </a:p>
+        </p:txBody>
+      </p:sp>
+      <p:pic>
+        <p:nvPicPr>
+          <p:cNvPr id="5" name="Content Placeholder 4"/>
+          <p:cNvPicPr>
+            <a:picLocks noGrp="1" noChangeAspect="1"/>
+          </p:cNvPicPr>
+          <p:nvPr>
+            <p:ph sz="half" idx="2"/>
+          </p:nvPr>
+        </p:nvPicPr>
+        <p:blipFill>
+          <a:blip r:embed="rId2" cstate="print">
+            <a:extLst>
+              <a:ext uri="{28A0092B-C50C-407E-A947-70E740481C1C}">
+                <a14:useLocalDpi xmlns:a14="http://schemas.microsoft.com/office/drawing/2010/main" val="0"/>
+              </a:ext>
+            </a:extLst>
+          </a:blip>
+          <a:stretch>
+            <a:fillRect/>
+          </a:stretch>
+        </p:blipFill>
+        <p:spPr>
+          <a:xfrm>
+            <a:off x="4757999" y="1133475"/>
+            <a:ext cx="3990451" cy="4778375"/>
+          </a:xfrm>
+        </p:spPr>
+      </p:pic>
+      <p:sp>
+        <p:nvSpPr>
+          <p:cNvPr id="4" name="Title 3"/>
+          <p:cNvSpPr>
+            <a:spLocks noGrp="1"/>
+          </p:cNvSpPr>
+          <p:nvPr>
+            <p:ph type="title"/>
+          </p:nvPr>
+        </p:nvSpPr>
+        <p:spPr/>
+        <p:txBody>
+          <a:bodyPr/>
+          <a:lstStyle/>
+          <a:p>
+            <a:r>
+              <a:rPr lang="en-US" dirty="0"/>
+              <a:t>Version Control </a:t>
+            </a:r>
+            <a:r>
+              <a:rPr lang="en-US" dirty="0" smtClean="0"/>
+              <a:t>Systems</a:t>
+            </a:r>
+            <a:endParaRPr lang="en-US" dirty="0"/>
+          </a:p>
+        </p:txBody>
+      </p:sp>
+    </p:spTree>
+    <p:extLst>
+      <p:ext uri="{BB962C8B-B14F-4D97-AF65-F5344CB8AC3E}">
+        <p14:creationId xmlns:p14="http://schemas.microsoft.com/office/powerpoint/2010/main" val="3205164878"/>
+      </p:ext>
+    </p:extLst>
+  </p:cSld>
+  <p:clrMapOvr>
+    <a:masterClrMapping/>
+  </p:clrMapOvr>
+  <p:timing>
+    <p:tnLst>
+      <p:par>
+        <p:cTn id="1" dur="indefinite" restart="never" nodeType="tmRoot"/>
+      </p:par>
+    </p:tnLst>
+  </p:timing>
+</p:sld>
+</file>
+
+<file path=ppt/slides/slide41.xml><?xml version="1.0" encoding="utf-8"?>
+<p:sld xmlns:a="http://schemas.openxmlformats.org/drawingml/2006/main" xmlns:r="http://schemas.openxmlformats.org/officeDocument/2006/relationships" xmlns:p="http://schemas.openxmlformats.org/presentationml/2006/main">
+  <p:cSld>
+    <p:spTree>
+      <p:nvGrpSpPr>
+        <p:cNvPr id="1" name=""/>
+        <p:cNvGrpSpPr/>
+        <p:nvPr/>
+      </p:nvGrpSpPr>
+      <p:grpSpPr>
+        <a:xfrm>
+          <a:off x="0" y="0"/>
+          <a:ext cx="0" cy="0"/>
+          <a:chOff x="0" y="0"/>
+          <a:chExt cx="0" cy="0"/>
+        </a:xfrm>
+      </p:grpSpPr>
+      <p:sp>
+        <p:nvSpPr>
+          <p:cNvPr id="2" name="Content Placeholder 1"/>
+          <p:cNvSpPr>
+            <a:spLocks noGrp="1"/>
+          </p:cNvSpPr>
+          <p:nvPr>
+            <p:ph idx="1"/>
+          </p:nvPr>
+        </p:nvSpPr>
+        <p:spPr/>
+        <p:txBody>
+          <a:bodyPr/>
+          <a:lstStyle/>
+          <a:p>
+            <a:r>
+              <a:rPr lang="en-US" dirty="0" err="1" smtClean="0"/>
+              <a:t>git</a:t>
+            </a:r>
+            <a:r>
+              <a:rPr lang="en-US" dirty="0" smtClean="0"/>
+              <a:t> </a:t>
+            </a:r>
+            <a:r>
+              <a:rPr lang="en-US" dirty="0" err="1" smtClean="0"/>
+              <a:t>init</a:t>
+            </a:r>
+            <a:r>
+              <a:rPr lang="en-US" dirty="0" smtClean="0"/>
+              <a:t> – create a new repo</a:t>
+            </a:r>
+          </a:p>
+          <a:p>
+            <a:r>
+              <a:rPr lang="en-US" dirty="0" err="1" smtClean="0"/>
+              <a:t>git</a:t>
+            </a:r>
+            <a:r>
+              <a:rPr lang="en-US" dirty="0" smtClean="0"/>
+              <a:t> clone /path/to/repo – check out an existing repo</a:t>
+            </a:r>
+          </a:p>
+          <a:p>
+            <a:r>
+              <a:rPr lang="en-US" dirty="0" err="1" smtClean="0"/>
+              <a:t>git</a:t>
+            </a:r>
+            <a:r>
+              <a:rPr lang="en-US" dirty="0" smtClean="0"/>
+              <a:t> add &lt;file&gt; - add files to version control</a:t>
+            </a:r>
+          </a:p>
+          <a:p>
+            <a:r>
+              <a:rPr lang="en-US" dirty="0" err="1" smtClean="0"/>
+              <a:t>git</a:t>
+            </a:r>
+            <a:r>
+              <a:rPr lang="en-US" dirty="0" smtClean="0"/>
+              <a:t> commit –m “Message Here” – save changes</a:t>
+            </a:r>
+          </a:p>
+          <a:p>
+            <a:r>
+              <a:rPr lang="en-US" dirty="0" err="1" smtClean="0"/>
+              <a:t>git</a:t>
+            </a:r>
+            <a:r>
+              <a:rPr lang="en-US" dirty="0" smtClean="0"/>
+              <a:t> push origin master – push to remote repo (i.e. GitHub)</a:t>
+            </a:r>
+          </a:p>
+          <a:p>
+            <a:r>
+              <a:rPr lang="en-US" dirty="0" err="1" smtClean="0"/>
+              <a:t>git</a:t>
+            </a:r>
+            <a:r>
+              <a:rPr lang="en-US" dirty="0" smtClean="0"/>
+              <a:t> status – list all changes since last commit</a:t>
+            </a:r>
+          </a:p>
+          <a:p>
+            <a:r>
+              <a:rPr lang="en-US" dirty="0" err="1" smtClean="0"/>
+              <a:t>git</a:t>
+            </a:r>
+            <a:r>
+              <a:rPr lang="en-US" dirty="0" smtClean="0"/>
+              <a:t> pull – get changes from remote repo</a:t>
+            </a:r>
+          </a:p>
+          <a:p>
+            <a:endParaRPr lang="en-US" dirty="0"/>
+          </a:p>
+          <a:p>
+            <a:r>
+              <a:rPr lang="en-US" dirty="0"/>
+              <a:t>Find more here: </a:t>
+            </a:r>
+            <a:r>
+              <a:rPr lang="en-US" dirty="0">
+                <a:hlinkClick r:id="rId2"/>
+              </a:rPr>
+              <a:t>https://</a:t>
+            </a:r>
+            <a:r>
+              <a:rPr lang="en-US" dirty="0" smtClean="0">
+                <a:hlinkClick r:id="rId2"/>
+              </a:rPr>
+              <a:t>confluence.atlassian.com/display/STASH/Basic+Git+commands</a:t>
+            </a:r>
+            <a:endParaRPr lang="en-US" dirty="0" smtClean="0"/>
+          </a:p>
+          <a:p>
+            <a:pPr marL="0" indent="0">
+              <a:buNone/>
+            </a:pPr>
+            <a:endParaRPr lang="en-US" dirty="0"/>
+          </a:p>
+        </p:txBody>
+      </p:sp>
+      <p:sp>
+        <p:nvSpPr>
+          <p:cNvPr id="3" name="Title 2"/>
+          <p:cNvSpPr>
+            <a:spLocks noGrp="1"/>
+          </p:cNvSpPr>
+          <p:nvPr>
+            <p:ph type="title"/>
+          </p:nvPr>
+        </p:nvSpPr>
+        <p:spPr/>
+        <p:txBody>
+          <a:bodyPr/>
+          <a:lstStyle/>
+          <a:p>
+            <a:r>
+              <a:rPr lang="en-US" dirty="0" smtClean="0"/>
+              <a:t>Version control commands</a:t>
+            </a:r>
+            <a:endParaRPr lang="en-US" dirty="0"/>
+          </a:p>
+        </p:txBody>
+      </p:sp>
+    </p:spTree>
+    <p:extLst>
+      <p:ext uri="{BB962C8B-B14F-4D97-AF65-F5344CB8AC3E}">
+        <p14:creationId xmlns:p14="http://schemas.microsoft.com/office/powerpoint/2010/main" val="2124937106"/>
+      </p:ext>
+    </p:extLst>
+  </p:cSld>
+  <p:clrMapOvr>
+    <a:masterClrMapping/>
+  </p:clrMapOvr>
+  <p:timing>
+    <p:tnLst>
+      <p:par>
+        <p:cTn id="1" dur="indefinite" restart="never" nodeType="tmRoot"/>
+      </p:par>
+    </p:tnLst>
+  </p:timing>
+</p:sld>
+</file>
+
+<file path=ppt/slides/slide42.xml><?xml version="1.0" encoding="utf-8"?>
+<p:sld xmlns:a="http://schemas.openxmlformats.org/drawingml/2006/main" xmlns:r="http://schemas.openxmlformats.org/officeDocument/2006/relationships" xmlns:p="http://schemas.openxmlformats.org/presentationml/2006/main">
+  <p:cSld>
+    <p:spTree>
+      <p:nvGrpSpPr>
+        <p:cNvPr id="1" name=""/>
+        <p:cNvGrpSpPr/>
+        <p:nvPr/>
+      </p:nvGrpSpPr>
+      <p:grpSpPr>
+        <a:xfrm>
+          <a:off x="0" y="0"/>
+          <a:ext cx="0" cy="0"/>
+          <a:chOff x="0" y="0"/>
+          <a:chExt cx="0" cy="0"/>
+        </a:xfrm>
+      </p:grpSpPr>
+      <p:sp>
+        <p:nvSpPr>
+          <p:cNvPr id="2" name="Title 1"/>
+          <p:cNvSpPr>
+            <a:spLocks noGrp="1"/>
+          </p:cNvSpPr>
+          <p:nvPr>
+            <p:ph type="title"/>
+          </p:nvPr>
+        </p:nvSpPr>
+        <p:spPr/>
+        <p:txBody>
+          <a:bodyPr/>
+          <a:lstStyle/>
+          <a:p>
+            <a:r>
+              <a:rPr lang="en-US" dirty="0" smtClean="0"/>
+              <a:t>Summary</a:t>
+            </a:r>
+            <a:endParaRPr lang="en-US" dirty="0"/>
+          </a:p>
+        </p:txBody>
+      </p:sp>
+      <p:sp>
+        <p:nvSpPr>
+          <p:cNvPr id="3" name="Content Placeholder 2"/>
+          <p:cNvSpPr>
+            <a:spLocks noGrp="1"/>
+          </p:cNvSpPr>
+          <p:nvPr>
+            <p:ph idx="1"/>
+          </p:nvPr>
+        </p:nvSpPr>
+        <p:spPr/>
+        <p:txBody>
+          <a:bodyPr/>
+          <a:lstStyle/>
+          <a:p>
+            <a:r>
+              <a:rPr lang="en-US" dirty="0" smtClean="0"/>
+              <a:t>The Java Platform</a:t>
+            </a:r>
+          </a:p>
+          <a:p>
+            <a:r>
+              <a:rPr lang="en-US" dirty="0" smtClean="0"/>
+              <a:t>Application Basics </a:t>
+            </a:r>
+          </a:p>
+          <a:p>
+            <a:r>
+              <a:rPr lang="en-US" dirty="0" smtClean="0"/>
+              <a:t>Control Structures</a:t>
+            </a:r>
+          </a:p>
+          <a:p>
+            <a:r>
+              <a:rPr lang="en-US" dirty="0" smtClean="0"/>
+              <a:t>Version Control with </a:t>
+            </a:r>
+            <a:r>
+              <a:rPr lang="en-US" dirty="0" err="1" smtClean="0"/>
+              <a:t>Git</a:t>
+            </a:r>
+            <a:endParaRPr lang="en-US" dirty="0" smtClean="0"/>
+          </a:p>
+        </p:txBody>
+      </p:sp>
+      <p:sp>
+        <p:nvSpPr>
+          <p:cNvPr id="4" name="Date Placeholder 3"/>
+          <p:cNvSpPr>
+            <a:spLocks noGrp="1"/>
+          </p:cNvSpPr>
+          <p:nvPr>
+            <p:ph type="dt" sz="half" idx="10"/>
+          </p:nvPr>
+        </p:nvSpPr>
+        <p:spPr/>
+        <p:txBody>
+          <a:bodyPr/>
+          <a:lstStyle/>
+          <a:p>
+            <a:fld id="{7F0B7015-9AB6-44D0-BE4E-E8012A76DCEF}" type="datetime1">
+              <a:rPr lang="en-US" smtClean="0"/>
+              <a:t>9/22/2015</a:t>
+            </a:fld>
+            <a:endParaRPr lang="en-US"/>
+          </a:p>
+        </p:txBody>
+      </p:sp>
+    </p:spTree>
+    <p:extLst>
+      <p:ext uri="{BB962C8B-B14F-4D97-AF65-F5344CB8AC3E}">
+        <p14:creationId xmlns:p14="http://schemas.microsoft.com/office/powerpoint/2010/main" val="4117401954"/>
+      </p:ext>
+    </p:extLst>
+  </p:cSld>
+  <p:clrMapOvr>
+    <a:masterClrMapping/>
+  </p:clrMapOvr>
+  <p:timing>
+    <p:tnLst>
+      <p:par>
+        <p:cTn id="1" dur="indefinite" restart="never" nodeType="tmRoot"/>
+      </p:par>
+    </p:tnLst>
+  </p:timing>
+</p:sld>
+</file>
+
+<file path=ppt/slides/slide43.xml><?xml version="1.0" encoding="utf-8"?>
+<p:sld xmlns:a="http://schemas.openxmlformats.org/drawingml/2006/main" xmlns:r="http://schemas.openxmlformats.org/officeDocument/2006/relationships" xmlns:p="http://schemas.openxmlformats.org/presentationml/2006/main">
+  <p:cSld>
+    <p:spTree>
+      <p:nvGrpSpPr>
+        <p:cNvPr id="1" name=""/>
+        <p:cNvGrpSpPr/>
+        <p:nvPr/>
+      </p:nvGrpSpPr>
+      <p:grpSpPr>
+        <a:xfrm>
+          <a:off x="0" y="0"/>
+          <a:ext cx="0" cy="0"/>
+          <a:chOff x="0" y="0"/>
+          <a:chExt cx="0" cy="0"/>
+        </a:xfrm>
+      </p:grpSpPr>
+      <p:sp>
+        <p:nvSpPr>
+          <p:cNvPr id="2" name="Title 1"/>
+          <p:cNvSpPr>
+            <a:spLocks noGrp="1"/>
+          </p:cNvSpPr>
+          <p:nvPr>
+            <p:ph type="title"/>
+          </p:nvPr>
+        </p:nvSpPr>
+        <p:spPr/>
+        <p:txBody>
+          <a:bodyPr/>
+          <a:lstStyle/>
+          <a:p>
+            <a:r>
+              <a:rPr lang="en-US" dirty="0" smtClean="0"/>
+              <a:t>Resources</a:t>
+            </a:r>
+            <a:endParaRPr lang="en-US" dirty="0"/>
+          </a:p>
+        </p:txBody>
+      </p:sp>
+      <p:sp>
+        <p:nvSpPr>
+          <p:cNvPr id="3" name="Content Placeholder 2"/>
+          <p:cNvSpPr>
+            <a:spLocks noGrp="1"/>
+          </p:cNvSpPr>
+          <p:nvPr>
+            <p:ph idx="1"/>
+          </p:nvPr>
+        </p:nvSpPr>
+        <p:spPr/>
+        <p:txBody>
+          <a:bodyPr/>
+          <a:lstStyle/>
+          <a:p>
+            <a:r>
+              <a:rPr lang="en-US" dirty="0"/>
+              <a:t>Java Docs: </a:t>
+            </a:r>
+            <a:r>
+              <a:rPr lang="en-US" dirty="0">
+                <a:hlinkClick r:id="rId2"/>
+              </a:rPr>
+              <a:t>http://</a:t>
+            </a:r>
+            <a:r>
+              <a:rPr lang="en-US" dirty="0" smtClean="0">
+                <a:hlinkClick r:id="rId2"/>
+              </a:rPr>
+              <a:t>docs.oracle.com/javase/8/docs/api/</a:t>
+            </a:r>
+            <a:endParaRPr lang="en-US" dirty="0" smtClean="0"/>
+          </a:p>
+          <a:p>
+            <a:r>
+              <a:rPr lang="en-US" dirty="0" err="1" smtClean="0"/>
+              <a:t>Git</a:t>
+            </a:r>
+            <a:r>
+              <a:rPr lang="en-US" dirty="0"/>
+              <a:t> Reference: </a:t>
+            </a:r>
+            <a:r>
+              <a:rPr lang="en-US" dirty="0">
+                <a:hlinkClick r:id="rId3"/>
+              </a:rPr>
+              <a:t>http://</a:t>
+            </a:r>
+            <a:r>
+              <a:rPr lang="en-US" dirty="0" smtClean="0">
+                <a:hlinkClick r:id="rId3"/>
+              </a:rPr>
+              <a:t>gitref.org/</a:t>
+            </a:r>
+            <a:endParaRPr lang="en-US" dirty="0" smtClean="0"/>
+          </a:p>
+          <a:p>
+            <a:r>
+              <a:rPr lang="en-US" dirty="0" smtClean="0"/>
+              <a:t>Git</a:t>
+            </a:r>
+            <a:r>
+              <a:rPr lang="en-US" dirty="0"/>
+              <a:t>Hub Help: </a:t>
+            </a:r>
+            <a:r>
+              <a:rPr lang="en-US" dirty="0">
+                <a:hlinkClick r:id="rId4"/>
+              </a:rPr>
+              <a:t>https://help.github.com/</a:t>
+            </a:r>
+            <a:endParaRPr lang="en-US" dirty="0" smtClean="0"/>
+          </a:p>
+        </p:txBody>
+      </p:sp>
+      <p:sp>
+        <p:nvSpPr>
+          <p:cNvPr id="4" name="Date Placeholder 3"/>
+          <p:cNvSpPr>
+            <a:spLocks noGrp="1"/>
+          </p:cNvSpPr>
+          <p:nvPr>
+            <p:ph type="dt" sz="half" idx="10"/>
+          </p:nvPr>
+        </p:nvSpPr>
+        <p:spPr/>
+        <p:txBody>
+          <a:bodyPr/>
+          <a:lstStyle/>
+          <a:p>
+            <a:fld id="{7F0B7015-9AB6-44D0-BE4E-E8012A76DCEF}" type="datetime1">
+              <a:rPr lang="en-US" smtClean="0"/>
+              <a:t>9/22/2015</a:t>
+            </a:fld>
+            <a:endParaRPr lang="en-US"/>
+          </a:p>
+        </p:txBody>
+      </p:sp>
+    </p:spTree>
+    <p:extLst>
+      <p:ext uri="{BB962C8B-B14F-4D97-AF65-F5344CB8AC3E}">
+        <p14:creationId xmlns:p14="http://schemas.microsoft.com/office/powerpoint/2010/main" val="3381760483"/>
       </p:ext>
     </p:extLst>
   </p:cSld>
@@ -16771,7 +18175,7 @@
         </p:blipFill>
         <p:spPr>
           <a:xfrm>
-            <a:off x="6019800" y="1447800"/>
+            <a:off x="5943600" y="1399452"/>
             <a:ext cx="2152650" cy="3876675"/>
           </a:xfrm>
         </p:spPr>
@@ -16793,9 +18197,40 @@
           <a:p>
             <a:fld id="{D1CAAC05-571A-4B73-8A7F-B3175B068374}" type="datetime1">
               <a:rPr lang="en-US" smtClean="0"/>
-              <a:t>8/12/2015</a:t>
+              <a:t>9/22/2015</a:t>
             </a:fld>
             <a:endParaRPr lang="en-US"/>
+          </a:p>
+        </p:txBody>
+      </p:sp>
+      <p:sp>
+        <p:nvSpPr>
+          <p:cNvPr id="4" name="TextBox 3"/>
+          <p:cNvSpPr txBox="1"/>
+          <p:nvPr/>
+        </p:nvSpPr>
+        <p:spPr>
+          <a:xfrm>
+            <a:off x="6165364" y="5276127"/>
+            <a:ext cx="1709122" cy="276999"/>
+          </a:xfrm>
+          <a:prstGeom prst="rect">
+            <a:avLst/>
+          </a:prstGeom>
+          <a:noFill/>
+        </p:spPr>
+        <p:txBody>
+          <a:bodyPr wrap="none" rtlCol="0">
+            <a:spAutoFit/>
+          </a:bodyPr>
+          <a:lstStyle/>
+          <a:p>
+            <a:r>
+              <a:rPr lang="en-US" sz="1200" dirty="0" smtClean="0">
+                <a:latin typeface="+mn-lt"/>
+              </a:rPr>
+              <a:t>Duke, the Java mascot</a:t>
+            </a:r>
           </a:p>
         </p:txBody>
       </p:sp>
@@ -16977,9 +18412,40 @@
           <a:p>
             <a:fld id="{6E3C6C48-FC22-48EE-B3CE-035CFEA59A9F}" type="datetime1">
               <a:rPr lang="en-US" smtClean="0"/>
-              <a:t>8/12/2015</a:t>
+              <a:t>9/22/2015</a:t>
             </a:fld>
             <a:endParaRPr lang="en-US"/>
+          </a:p>
+        </p:txBody>
+      </p:sp>
+      <p:sp>
+        <p:nvSpPr>
+          <p:cNvPr id="3" name="TextBox 2"/>
+          <p:cNvSpPr txBox="1"/>
+          <p:nvPr/>
+        </p:nvSpPr>
+        <p:spPr>
+          <a:xfrm>
+            <a:off x="6986126" y="5713412"/>
+            <a:ext cx="1670650" cy="369332"/>
+          </a:xfrm>
+          <a:prstGeom prst="rect">
+            <a:avLst/>
+          </a:prstGeom>
+          <a:noFill/>
+        </p:spPr>
+        <p:txBody>
+          <a:bodyPr wrap="none" rtlCol="0">
+            <a:spAutoFit/>
+          </a:bodyPr>
+          <a:lstStyle/>
+          <a:p>
+            <a:r>
+              <a:rPr lang="en-US" dirty="0" smtClean="0">
+                <a:latin typeface="+mn-lt"/>
+              </a:rPr>
+              <a:t>James Gosling</a:t>
+            </a:r>
           </a:p>
         </p:txBody>
       </p:sp>
@@ -17150,7 +18616,7 @@
           <a:p>
             <a:fld id="{3D64C0FD-7828-4E1C-87D6-BFEF103C6440}" type="datetime1">
               <a:rPr lang="en-US" smtClean="0"/>
-              <a:t>8/12/2015</a:t>
+              <a:t>9/22/2015</a:t>
             </a:fld>
             <a:endParaRPr lang="en-US"/>
           </a:p>
@@ -17312,7 +18778,7 @@
           <a:p>
             <a:fld id="{5CF66B62-F745-4F92-86D0-9E22F1231364}" type="datetime1">
               <a:rPr lang="en-US" smtClean="0"/>
-              <a:t>8/12/2015</a:t>
+              <a:t>9/22/2015</a:t>
             </a:fld>
             <a:endParaRPr lang="en-US"/>
           </a:p>
@@ -17449,7 +18915,7 @@
           <a:p>
             <a:fld id="{18B53ECA-BEB9-417C-B9C4-91B3CC8EBC8C}" type="datetime1">
               <a:rPr lang="en-US" smtClean="0"/>
-              <a:t>8/12/2015</a:t>
+              <a:t>9/22/2015</a:t>
             </a:fld>
             <a:endParaRPr lang="en-US"/>
           </a:p>
